--- a/slides/07_model_evaluation_and_metrics.pptx
+++ b/slides/07_model_evaluation_and_metrics.pptx
@@ -5,7 +5,7 @@
     <p:sldMasterId id="2147483648" r:id="rId1"/>
   </p:sldMasterIdLst>
   <p:notesMasterIdLst>
-    <p:notesMasterId r:id="rId15"/>
+    <p:notesMasterId r:id="rId22"/>
   </p:notesMasterIdLst>
   <p:sldIdLst>
     <p:sldId id="256" r:id="rId2"/>
@@ -16,11 +16,18 @@
     <p:sldId id="482" r:id="rId7"/>
     <p:sldId id="505" r:id="rId8"/>
     <p:sldId id="511" r:id="rId9"/>
-    <p:sldId id="483" r:id="rId10"/>
-    <p:sldId id="498" r:id="rId11"/>
-    <p:sldId id="508" r:id="rId12"/>
-    <p:sldId id="512" r:id="rId13"/>
-    <p:sldId id="510" r:id="rId14"/>
+    <p:sldId id="681" r:id="rId10"/>
+    <p:sldId id="682" r:id="rId11"/>
+    <p:sldId id="678" r:id="rId12"/>
+    <p:sldId id="683" r:id="rId13"/>
+    <p:sldId id="684" r:id="rId14"/>
+    <p:sldId id="685" r:id="rId15"/>
+    <p:sldId id="686" r:id="rId16"/>
+    <p:sldId id="483" r:id="rId17"/>
+    <p:sldId id="498" r:id="rId18"/>
+    <p:sldId id="508" r:id="rId19"/>
+    <p:sldId id="512" r:id="rId20"/>
+    <p:sldId id="510" r:id="rId21"/>
   </p:sldIdLst>
   <p:sldSz cx="12192000" cy="6858000"/>
   <p:notesSz cx="6858000" cy="9144000"/>
@@ -343,7 +350,7 @@
           <a:p>
             <a:fld id="{3DB912AD-EA73-9140-98FC-984EB544AB7A}" type="datetimeFigureOut">
               <a:rPr lang="en-US" smtClean="0"/>
-              <a:t>9/29/18</a:t>
+              <a:t>10/4/18</a:t>
             </a:fld>
             <a:endParaRPr lang="en-US"/>
           </a:p>
@@ -805,7 +812,7 @@
           <a:p>
             <a:fld id="{ADD4B5B7-85EF-4E48-AC80-2380FACD9C23}" type="slidenum">
               <a:rPr lang="en-US" smtClean="0"/>
-              <a:t>13</a:t>
+              <a:t>20</a:t>
             </a:fld>
             <a:endParaRPr lang="en-US"/>
           </a:p>
@@ -814,7 +821,7 @@
     </p:spTree>
     <p:extLst>
       <p:ext uri="{BB962C8B-B14F-4D97-AF65-F5344CB8AC3E}">
-        <p14:creationId xmlns:p14="http://schemas.microsoft.com/office/powerpoint/2010/main" val="901426224"/>
+        <p14:creationId xmlns:p14="http://schemas.microsoft.com/office/powerpoint/2010/main" val="2516577679"/>
       </p:ext>
     </p:extLst>
   </p:cSld>
@@ -1340,7 +1347,7 @@
           <a:p>
             <a:fld id="{ADD4B5B7-85EF-4E48-AC80-2380FACD9C23}" type="slidenum">
               <a:rPr lang="en-US" smtClean="0"/>
-              <a:t>9</a:t>
+              <a:t>16</a:t>
             </a:fld>
             <a:endParaRPr lang="en-US"/>
           </a:p>
@@ -1349,7 +1356,7 @@
     </p:spTree>
     <p:extLst>
       <p:ext uri="{BB962C8B-B14F-4D97-AF65-F5344CB8AC3E}">
-        <p14:creationId xmlns:p14="http://schemas.microsoft.com/office/powerpoint/2010/main" val="3574553850"/>
+        <p14:creationId xmlns:p14="http://schemas.microsoft.com/office/powerpoint/2010/main" val="1136587040"/>
       </p:ext>
     </p:extLst>
   </p:cSld>
@@ -1447,7 +1454,7 @@
           <a:p>
             <a:fld id="{ADD4B5B7-85EF-4E48-AC80-2380FACD9C23}" type="slidenum">
               <a:rPr lang="en-US" smtClean="0"/>
-              <a:t>10</a:t>
+              <a:t>17</a:t>
             </a:fld>
             <a:endParaRPr lang="en-US"/>
           </a:p>
@@ -1456,7 +1463,7 @@
     </p:spTree>
     <p:extLst>
       <p:ext uri="{BB962C8B-B14F-4D97-AF65-F5344CB8AC3E}">
-        <p14:creationId xmlns:p14="http://schemas.microsoft.com/office/powerpoint/2010/main" val="4185366533"/>
+        <p14:creationId xmlns:p14="http://schemas.microsoft.com/office/powerpoint/2010/main" val="3791557521"/>
       </p:ext>
     </p:extLst>
   </p:cSld>
@@ -1554,7 +1561,7 @@
           <a:p>
             <a:fld id="{ADD4B5B7-85EF-4E48-AC80-2380FACD9C23}" type="slidenum">
               <a:rPr lang="en-US" smtClean="0"/>
-              <a:t>11</a:t>
+              <a:t>18</a:t>
             </a:fld>
             <a:endParaRPr lang="en-US"/>
           </a:p>
@@ -1563,7 +1570,7 @@
     </p:spTree>
     <p:extLst>
       <p:ext uri="{BB962C8B-B14F-4D97-AF65-F5344CB8AC3E}">
-        <p14:creationId xmlns:p14="http://schemas.microsoft.com/office/powerpoint/2010/main" val="4239637395"/>
+        <p14:creationId xmlns:p14="http://schemas.microsoft.com/office/powerpoint/2010/main" val="1728947237"/>
       </p:ext>
     </p:extLst>
   </p:cSld>
@@ -1661,7 +1668,7 @@
           <a:p>
             <a:fld id="{ADD4B5B7-85EF-4E48-AC80-2380FACD9C23}" type="slidenum">
               <a:rPr lang="en-US" smtClean="0"/>
-              <a:t>12</a:t>
+              <a:t>19</a:t>
             </a:fld>
             <a:endParaRPr lang="en-US"/>
           </a:p>
@@ -1670,7 +1677,7 @@
     </p:spTree>
     <p:extLst>
       <p:ext uri="{BB962C8B-B14F-4D97-AF65-F5344CB8AC3E}">
-        <p14:creationId xmlns:p14="http://schemas.microsoft.com/office/powerpoint/2010/main" val="3627674457"/>
+        <p14:creationId xmlns:p14="http://schemas.microsoft.com/office/powerpoint/2010/main" val="14310730"/>
       </p:ext>
     </p:extLst>
   </p:cSld>
@@ -1827,7 +1834,7 @@
           <a:p>
             <a:fld id="{02CE11C6-247B-0242-8651-D958C13D6FF0}" type="datetimeFigureOut">
               <a:rPr lang="en-US" smtClean="0"/>
-              <a:t>9/29/18</a:t>
+              <a:t>10/4/18</a:t>
             </a:fld>
             <a:endParaRPr lang="en-US"/>
           </a:p>
@@ -2055,7 +2062,7 @@
           <a:p>
             <a:fld id="{02CE11C6-247B-0242-8651-D958C13D6FF0}" type="datetimeFigureOut">
               <a:rPr lang="en-US" smtClean="0"/>
-              <a:t>9/29/18</a:t>
+              <a:t>10/4/18</a:t>
             </a:fld>
             <a:endParaRPr lang="en-US"/>
           </a:p>
@@ -2263,7 +2270,7 @@
           <a:p>
             <a:fld id="{02CE11C6-247B-0242-8651-D958C13D6FF0}" type="datetimeFigureOut">
               <a:rPr lang="en-US" smtClean="0"/>
-              <a:t>9/29/18</a:t>
+              <a:t>10/4/18</a:t>
             </a:fld>
             <a:endParaRPr lang="en-US"/>
           </a:p>
@@ -2728,7 +2735,7 @@
           <a:p>
             <a:fld id="{02CE11C6-247B-0242-8651-D958C13D6FF0}" type="datetimeFigureOut">
               <a:rPr lang="en-US" smtClean="0"/>
-              <a:t>9/29/18</a:t>
+              <a:t>10/4/18</a:t>
             </a:fld>
             <a:endParaRPr lang="en-US"/>
           </a:p>
@@ -3003,7 +3010,7 @@
           <a:p>
             <a:fld id="{02CE11C6-247B-0242-8651-D958C13D6FF0}" type="datetimeFigureOut">
               <a:rPr lang="en-US" smtClean="0"/>
-              <a:t>9/29/18</a:t>
+              <a:t>10/4/18</a:t>
             </a:fld>
             <a:endParaRPr lang="en-US"/>
           </a:p>
@@ -3268,7 +3275,7 @@
           <a:p>
             <a:fld id="{02CE11C6-247B-0242-8651-D958C13D6FF0}" type="datetimeFigureOut">
               <a:rPr lang="en-US" smtClean="0"/>
-              <a:t>9/29/18</a:t>
+              <a:t>10/4/18</a:t>
             </a:fld>
             <a:endParaRPr lang="en-US"/>
           </a:p>
@@ -3680,7 +3687,7 @@
           <a:p>
             <a:fld id="{02CE11C6-247B-0242-8651-D958C13D6FF0}" type="datetimeFigureOut">
               <a:rPr lang="en-US" smtClean="0"/>
-              <a:t>9/29/18</a:t>
+              <a:t>10/4/18</a:t>
             </a:fld>
             <a:endParaRPr lang="en-US"/>
           </a:p>
@@ -3821,7 +3828,7 @@
           <a:p>
             <a:fld id="{02CE11C6-247B-0242-8651-D958C13D6FF0}" type="datetimeFigureOut">
               <a:rPr lang="en-US" smtClean="0"/>
-              <a:t>9/29/18</a:t>
+              <a:t>10/4/18</a:t>
             </a:fld>
             <a:endParaRPr lang="en-US"/>
           </a:p>
@@ -3934,7 +3941,7 @@
           <a:p>
             <a:fld id="{02CE11C6-247B-0242-8651-D958C13D6FF0}" type="datetimeFigureOut">
               <a:rPr lang="en-US" smtClean="0"/>
-              <a:t>9/29/18</a:t>
+              <a:t>10/4/18</a:t>
             </a:fld>
             <a:endParaRPr lang="en-US"/>
           </a:p>
@@ -4245,7 +4252,7 @@
           <a:p>
             <a:fld id="{02CE11C6-247B-0242-8651-D958C13D6FF0}" type="datetimeFigureOut">
               <a:rPr lang="en-US" smtClean="0"/>
-              <a:t>9/29/18</a:t>
+              <a:t>10/4/18</a:t>
             </a:fld>
             <a:endParaRPr lang="en-US"/>
           </a:p>
@@ -4533,7 +4540,7 @@
           <a:p>
             <a:fld id="{02CE11C6-247B-0242-8651-D958C13D6FF0}" type="datetimeFigureOut">
               <a:rPr lang="en-US" smtClean="0"/>
-              <a:t>9/29/18</a:t>
+              <a:t>10/4/18</a:t>
             </a:fld>
             <a:endParaRPr lang="en-US"/>
           </a:p>
@@ -4774,7 +4781,7 @@
           <a:p>
             <a:fld id="{02CE11C6-247B-0242-8651-D958C13D6FF0}" type="datetimeFigureOut">
               <a:rPr lang="en-US" smtClean="0"/>
-              <a:t>9/29/18</a:t>
+              <a:t>10/4/18</a:t>
             </a:fld>
             <a:endParaRPr lang="en-US"/>
           </a:p>
@@ -5280,14 +5287,471 @@
       </p:grpSpPr>
       <p:sp>
         <p:nvSpPr>
-          <p:cNvPr id="5" name="TextBox 4"/>
+          <p:cNvPr id="2" name="Title 1">
+            <a:extLst>
+              <a:ext uri="{FF2B5EF4-FFF2-40B4-BE49-F238E27FC236}">
+                <a16:creationId xmlns:a16="http://schemas.microsoft.com/office/drawing/2014/main" id="{72C98727-5391-234A-92F5-D2E6F4674AF5}"/>
+              </a:ext>
+            </a:extLst>
+          </p:cNvPr>
+          <p:cNvSpPr>
+            <a:spLocks noGrp="1"/>
+          </p:cNvSpPr>
+          <p:nvPr>
+            <p:ph type="title"/>
+          </p:nvPr>
+        </p:nvSpPr>
+        <p:spPr/>
+        <p:txBody>
+          <a:bodyPr/>
+          <a:lstStyle/>
+          <a:p>
+            <a:r>
+              <a:rPr lang="en-US" dirty="0"/>
+              <a:t>Receiver operating characteristic (ROC) Curve</a:t>
+            </a:r>
+          </a:p>
+        </p:txBody>
+      </p:sp>
+      <p:sp>
+        <p:nvSpPr>
+          <p:cNvPr id="3" name="Content Placeholder 2">
+            <a:extLst>
+              <a:ext uri="{FF2B5EF4-FFF2-40B4-BE49-F238E27FC236}">
+                <a16:creationId xmlns:a16="http://schemas.microsoft.com/office/drawing/2014/main" id="{1AA01650-25B2-3B41-B72A-EC11FB9FC91B}"/>
+              </a:ext>
+            </a:extLst>
+          </p:cNvPr>
+          <p:cNvSpPr>
+            <a:spLocks noGrp="1"/>
+          </p:cNvSpPr>
+          <p:nvPr>
+            <p:ph idx="1"/>
+          </p:nvPr>
+        </p:nvSpPr>
+        <p:spPr>
+          <a:xfrm>
+            <a:off x="838200" y="1825625"/>
+            <a:ext cx="6324600" cy="4351338"/>
+          </a:xfrm>
+        </p:spPr>
+        <p:txBody>
+          <a:bodyPr>
+            <a:noAutofit/>
+          </a:bodyPr>
+          <a:lstStyle/>
+          <a:p>
+            <a:r>
+              <a:rPr lang="en-US" sz="2400" dirty="0"/>
+              <a:t>To draw a ROC curve, only the true positive rate (TPR) and false positive rate (FPR) are needed (as functions of some classifier parameter).</a:t>
+            </a:r>
+          </a:p>
+          <a:p>
+            <a:r>
+              <a:rPr lang="en-US" sz="2400" dirty="0"/>
+              <a:t>A ROC space is defined by FPR and TPR as </a:t>
+            </a:r>
+            <a:r>
+              <a:rPr lang="en-US" sz="2400" i="1" dirty="0"/>
+              <a:t>x</a:t>
+            </a:r>
+            <a:r>
+              <a:rPr lang="en-US" sz="2400" dirty="0"/>
+              <a:t> and </a:t>
+            </a:r>
+            <a:r>
+              <a:rPr lang="en-US" sz="2400" i="1" dirty="0"/>
+              <a:t>y</a:t>
+            </a:r>
+            <a:r>
+              <a:rPr lang="en-US" sz="2400" dirty="0"/>
+              <a:t> axes, respectively, which depicts relative trade-offs between true positive (benefits) and false positive (costs). </a:t>
+            </a:r>
+          </a:p>
+          <a:p>
+            <a:r>
+              <a:rPr lang="en-US" sz="2400" dirty="0"/>
+              <a:t>The best possible prediction method would yield a point in the upper left corner or coordinate (0,1) of the ROC space, representing 100% sensitivity (no false negatives) and 100% specificity (no false positives). </a:t>
+            </a:r>
+          </a:p>
+          <a:p>
+            <a:r>
+              <a:rPr lang="en-US" sz="2400" dirty="0"/>
+              <a:t>The (0,1) point is also called a </a:t>
+            </a:r>
+            <a:r>
+              <a:rPr lang="en-US" sz="2400" i="1" dirty="0"/>
+              <a:t>perfect classification</a:t>
+            </a:r>
+            <a:r>
+              <a:rPr lang="en-US" sz="2400" dirty="0"/>
+              <a:t>. </a:t>
+            </a:r>
+          </a:p>
+          <a:p>
+            <a:endParaRPr lang="en-US" sz="2400" dirty="0"/>
+          </a:p>
+        </p:txBody>
+      </p:sp>
+      <p:pic>
+        <p:nvPicPr>
+          <p:cNvPr id="5" name="Picture 4">
+            <a:extLst>
+              <a:ext uri="{FF2B5EF4-FFF2-40B4-BE49-F238E27FC236}">
+                <a16:creationId xmlns:a16="http://schemas.microsoft.com/office/drawing/2014/main" id="{E536ED89-6239-EB42-B0FF-AC82A2566102}"/>
+              </a:ext>
+            </a:extLst>
+          </p:cNvPr>
+          <p:cNvPicPr>
+            <a:picLocks noChangeAspect="1"/>
+          </p:cNvPicPr>
+          <p:nvPr/>
+        </p:nvPicPr>
+        <p:blipFill>
+          <a:blip r:embed="rId2"/>
+          <a:stretch>
+            <a:fillRect/>
+          </a:stretch>
+        </p:blipFill>
+        <p:spPr>
+          <a:xfrm>
+            <a:off x="7013762" y="1414463"/>
+            <a:ext cx="4762500" cy="4762500"/>
+          </a:xfrm>
+          <a:prstGeom prst="rect">
+            <a:avLst/>
+          </a:prstGeom>
+        </p:spPr>
+      </p:pic>
+    </p:spTree>
+    <p:extLst>
+      <p:ext uri="{BB962C8B-B14F-4D97-AF65-F5344CB8AC3E}">
+        <p14:creationId xmlns:p14="http://schemas.microsoft.com/office/powerpoint/2010/main" val="3781313667"/>
+      </p:ext>
+    </p:extLst>
+  </p:cSld>
+  <p:clrMapOvr>
+    <a:masterClrMapping/>
+  </p:clrMapOvr>
+</p:sld>
+</file>
+
+<file path=ppt/slides/slide11.xml><?xml version="1.0" encoding="utf-8"?>
+<p:sld xmlns:a="http://schemas.openxmlformats.org/drawingml/2006/main" xmlns:r="http://schemas.openxmlformats.org/officeDocument/2006/relationships" xmlns:p="http://schemas.openxmlformats.org/presentationml/2006/main">
+  <p:cSld>
+    <p:spTree>
+      <p:nvGrpSpPr>
+        <p:cNvPr id="1" name=""/>
+        <p:cNvGrpSpPr/>
+        <p:nvPr/>
+      </p:nvGrpSpPr>
+      <p:grpSpPr>
+        <a:xfrm>
+          <a:off x="0" y="0"/>
+          <a:ext cx="0" cy="0"/>
+          <a:chOff x="0" y="0"/>
+          <a:chExt cx="0" cy="0"/>
+        </a:xfrm>
+      </p:grpSpPr>
+      <p:sp>
+        <p:nvSpPr>
+          <p:cNvPr id="2" name="Title 1">
+            <a:extLst>
+              <a:ext uri="{FF2B5EF4-FFF2-40B4-BE49-F238E27FC236}">
+                <a16:creationId xmlns:a16="http://schemas.microsoft.com/office/drawing/2014/main" id="{DA51A892-8669-E44E-956D-A2DF6EFC462F}"/>
+              </a:ext>
+            </a:extLst>
+          </p:cNvPr>
+          <p:cNvSpPr>
+            <a:spLocks noGrp="1"/>
+          </p:cNvSpPr>
+          <p:nvPr>
+            <p:ph type="title"/>
+          </p:nvPr>
+        </p:nvSpPr>
+        <p:spPr/>
+        <p:txBody>
+          <a:bodyPr/>
+          <a:lstStyle/>
+          <a:p>
+            <a:r>
+              <a:rPr lang="en-US" dirty="0"/>
+              <a:t>ROC Curves </a:t>
+            </a:r>
+            <a:endParaRPr lang="en-US" sz="3600" dirty="0"/>
+          </a:p>
+        </p:txBody>
+      </p:sp>
+      <p:sp>
+        <p:nvSpPr>
+          <p:cNvPr id="3" name="Content Placeholder 2">
+            <a:extLst>
+              <a:ext uri="{FF2B5EF4-FFF2-40B4-BE49-F238E27FC236}">
+                <a16:creationId xmlns:a16="http://schemas.microsoft.com/office/drawing/2014/main" id="{3511D890-CE06-8E4B-A229-FA4A657E81A7}"/>
+              </a:ext>
+            </a:extLst>
+          </p:cNvPr>
+          <p:cNvSpPr>
+            <a:spLocks noGrp="1"/>
+          </p:cNvSpPr>
+          <p:nvPr>
+            <p:ph idx="1"/>
+          </p:nvPr>
+        </p:nvSpPr>
+        <p:spPr>
+          <a:xfrm>
+            <a:off x="304801" y="1825625"/>
+            <a:ext cx="6347012" cy="4351338"/>
+          </a:xfrm>
+        </p:spPr>
+        <p:txBody>
+          <a:bodyPr>
+            <a:normAutofit/>
+          </a:bodyPr>
+          <a:lstStyle/>
+          <a:p>
+            <a:r>
+              <a:rPr lang="en-US" sz="2400" dirty="0"/>
+              <a:t>The overall performance of a classifier  summarized over all possible thresholds, is given by the area under the ROC curve (AUC).</a:t>
+            </a:r>
+          </a:p>
+          <a:p>
+            <a:r>
+              <a:rPr lang="en-US" sz="2400" dirty="0"/>
+              <a:t>An ideal ROC curve will hug the top left corner, so the larger the AUC the better the classifier.</a:t>
+            </a:r>
+          </a:p>
+          <a:p>
+            <a:r>
+              <a:rPr lang="en-US" sz="2400" dirty="0"/>
+              <a:t>A classifier performing not better than chance would have an AUC of 0.5</a:t>
+            </a:r>
+          </a:p>
+          <a:p>
+            <a:endParaRPr lang="en-US" sz="2400" dirty="0"/>
+          </a:p>
+        </p:txBody>
+      </p:sp>
+      <p:pic>
+        <p:nvPicPr>
+          <p:cNvPr id="4" name="Picture 3">
+            <a:extLst>
+              <a:ext uri="{FF2B5EF4-FFF2-40B4-BE49-F238E27FC236}">
+                <a16:creationId xmlns:a16="http://schemas.microsoft.com/office/drawing/2014/main" id="{CCB8D839-3F58-1A4E-ACA1-A018E1ACCE88}"/>
+              </a:ext>
+            </a:extLst>
+          </p:cNvPr>
+          <p:cNvPicPr>
+            <a:picLocks noChangeAspect="1"/>
+          </p:cNvPicPr>
+          <p:nvPr/>
+        </p:nvPicPr>
+        <p:blipFill>
+          <a:blip r:embed="rId2"/>
+          <a:stretch>
+            <a:fillRect/>
+          </a:stretch>
+        </p:blipFill>
+        <p:spPr>
+          <a:xfrm>
+            <a:off x="6651812" y="1690688"/>
+            <a:ext cx="5473356" cy="5032375"/>
+          </a:xfrm>
+          <a:prstGeom prst="rect">
+            <a:avLst/>
+          </a:prstGeom>
+        </p:spPr>
+      </p:pic>
+    </p:spTree>
+    <p:extLst>
+      <p:ext uri="{BB962C8B-B14F-4D97-AF65-F5344CB8AC3E}">
+        <p14:creationId xmlns:p14="http://schemas.microsoft.com/office/powerpoint/2010/main" val="435457678"/>
+      </p:ext>
+    </p:extLst>
+  </p:cSld>
+  <p:clrMapOvr>
+    <a:masterClrMapping/>
+  </p:clrMapOvr>
+</p:sld>
+</file>
+
+<file path=ppt/slides/slide12.xml><?xml version="1.0" encoding="utf-8"?>
+<p:sld xmlns:a="http://schemas.openxmlformats.org/drawingml/2006/main" xmlns:r="http://schemas.openxmlformats.org/officeDocument/2006/relationships" xmlns:p="http://schemas.openxmlformats.org/presentationml/2006/main">
+  <p:cSld>
+    <p:spTree>
+      <p:nvGrpSpPr>
+        <p:cNvPr id="1" name=""/>
+        <p:cNvGrpSpPr/>
+        <p:nvPr/>
+      </p:nvGrpSpPr>
+      <p:grpSpPr>
+        <a:xfrm>
+          <a:off x="0" y="0"/>
+          <a:ext cx="0" cy="0"/>
+          <a:chOff x="0" y="0"/>
+          <a:chExt cx="0" cy="0"/>
+        </a:xfrm>
+      </p:grpSpPr>
+      <p:sp>
+        <p:nvSpPr>
+          <p:cNvPr id="2" name="Title 1">
+            <a:extLst>
+              <a:ext uri="{FF2B5EF4-FFF2-40B4-BE49-F238E27FC236}">
+                <a16:creationId xmlns:a16="http://schemas.microsoft.com/office/drawing/2014/main" id="{DA51A892-8669-E44E-956D-A2DF6EFC462F}"/>
+              </a:ext>
+            </a:extLst>
+          </p:cNvPr>
+          <p:cNvSpPr>
+            <a:spLocks noGrp="1"/>
+          </p:cNvSpPr>
+          <p:nvPr>
+            <p:ph type="title"/>
+          </p:nvPr>
+        </p:nvSpPr>
+        <p:spPr/>
+        <p:txBody>
+          <a:bodyPr/>
+          <a:lstStyle/>
+          <a:p>
+            <a:r>
+              <a:rPr lang="en-US" dirty="0"/>
+              <a:t>ROC Space </a:t>
+            </a:r>
+            <a:endParaRPr lang="en-US" sz="3600" dirty="0"/>
+          </a:p>
+        </p:txBody>
+      </p:sp>
+      <p:pic>
+        <p:nvPicPr>
+          <p:cNvPr id="5" name="Picture 4">
+            <a:extLst>
+              <a:ext uri="{FF2B5EF4-FFF2-40B4-BE49-F238E27FC236}">
+                <a16:creationId xmlns:a16="http://schemas.microsoft.com/office/drawing/2014/main" id="{EDC7AEA3-CE2D-A44D-B5C1-FADA972EA486}"/>
+              </a:ext>
+            </a:extLst>
+          </p:cNvPr>
+          <p:cNvPicPr>
+            <a:picLocks noChangeAspect="1"/>
+          </p:cNvPicPr>
+          <p:nvPr/>
+        </p:nvPicPr>
+        <p:blipFill>
+          <a:blip r:embed="rId2"/>
+          <a:stretch>
+            <a:fillRect/>
+          </a:stretch>
+        </p:blipFill>
+        <p:spPr>
+          <a:xfrm>
+            <a:off x="2180664" y="1690688"/>
+            <a:ext cx="6550959" cy="4905940"/>
+          </a:xfrm>
+          <a:prstGeom prst="rect">
+            <a:avLst/>
+          </a:prstGeom>
+        </p:spPr>
+      </p:pic>
+    </p:spTree>
+    <p:extLst>
+      <p:ext uri="{BB962C8B-B14F-4D97-AF65-F5344CB8AC3E}">
+        <p14:creationId xmlns:p14="http://schemas.microsoft.com/office/powerpoint/2010/main" val="3550216317"/>
+      </p:ext>
+    </p:extLst>
+  </p:cSld>
+  <p:clrMapOvr>
+    <a:masterClrMapping/>
+  </p:clrMapOvr>
+</p:sld>
+</file>
+
+<file path=ppt/slides/slide13.xml><?xml version="1.0" encoding="utf-8"?>
+<p:sld xmlns:a="http://schemas.openxmlformats.org/drawingml/2006/main" xmlns:r="http://schemas.openxmlformats.org/officeDocument/2006/relationships" xmlns:p="http://schemas.openxmlformats.org/presentationml/2006/main">
+  <p:cSld>
+    <p:spTree>
+      <p:nvGrpSpPr>
+        <p:cNvPr id="1" name=""/>
+        <p:cNvGrpSpPr/>
+        <p:nvPr/>
+      </p:nvGrpSpPr>
+      <p:grpSpPr>
+        <a:xfrm>
+          <a:off x="0" y="0"/>
+          <a:ext cx="0" cy="0"/>
+          <a:chOff x="0" y="0"/>
+          <a:chExt cx="0" cy="0"/>
+        </a:xfrm>
+      </p:grpSpPr>
+      <p:sp>
+        <p:nvSpPr>
+          <p:cNvPr id="2" name="Title 1">
+            <a:extLst>
+              <a:ext uri="{FF2B5EF4-FFF2-40B4-BE49-F238E27FC236}">
+                <a16:creationId xmlns:a16="http://schemas.microsoft.com/office/drawing/2014/main" id="{94C163D5-4B07-ED44-A7ED-742BBD3DB433}"/>
+              </a:ext>
+            </a:extLst>
+          </p:cNvPr>
+          <p:cNvSpPr>
+            <a:spLocks noGrp="1"/>
+          </p:cNvSpPr>
+          <p:nvPr>
+            <p:ph type="title"/>
+          </p:nvPr>
+        </p:nvSpPr>
+        <p:spPr/>
+        <p:txBody>
+          <a:bodyPr/>
+          <a:lstStyle/>
+          <a:p>
+            <a:endParaRPr lang="en-US"/>
+          </a:p>
+        </p:txBody>
+      </p:sp>
+      <p:pic>
+        <p:nvPicPr>
+          <p:cNvPr id="4" name="Picture 3">
+            <a:extLst>
+              <a:ext uri="{FF2B5EF4-FFF2-40B4-BE49-F238E27FC236}">
+                <a16:creationId xmlns:a16="http://schemas.microsoft.com/office/drawing/2014/main" id="{E838F9C1-13E6-9443-AB97-A01FAB559D17}"/>
+              </a:ext>
+            </a:extLst>
+          </p:cNvPr>
+          <p:cNvPicPr>
+            <a:picLocks noChangeAspect="1"/>
+          </p:cNvPicPr>
+          <p:nvPr/>
+        </p:nvPicPr>
+        <p:blipFill>
+          <a:blip r:embed="rId2"/>
+          <a:stretch>
+            <a:fillRect/>
+          </a:stretch>
+        </p:blipFill>
+        <p:spPr>
+          <a:xfrm>
+            <a:off x="1422400" y="787400"/>
+            <a:ext cx="9347200" cy="5283200"/>
+          </a:xfrm>
+          <a:prstGeom prst="rect">
+            <a:avLst/>
+          </a:prstGeom>
+        </p:spPr>
+      </p:pic>
+      <p:sp>
+        <p:nvSpPr>
+          <p:cNvPr id="5" name="TextBox 4">
+            <a:extLst>
+              <a:ext uri="{FF2B5EF4-FFF2-40B4-BE49-F238E27FC236}">
+                <a16:creationId xmlns:a16="http://schemas.microsoft.com/office/drawing/2014/main" id="{F921DAED-C026-2F44-AC43-D79C4DFEF7AC}"/>
+              </a:ext>
+            </a:extLst>
+          </p:cNvPr>
           <p:cNvSpPr txBox="1"/>
           <p:nvPr/>
         </p:nvSpPr>
         <p:spPr>
           <a:xfrm>
-            <a:off x="7584342" y="1246100"/>
-            <a:ext cx="1984456" cy="461665"/>
+            <a:off x="5074024" y="6308209"/>
+            <a:ext cx="3039165" cy="369332"/>
           </a:xfrm>
           <a:prstGeom prst="rect">
             <a:avLst/>
@@ -5295,6 +5759,282 @@
           <a:noFill/>
         </p:spPr>
         <p:txBody>
+          <a:bodyPr wrap="none" rtlCol="0">
+            <a:spAutoFit/>
+          </a:bodyPr>
+          <a:lstStyle/>
+          <a:p>
+            <a:r>
+              <a:rPr lang="en-US" dirty="0">
+                <a:hlinkClick r:id="rId3"/>
+              </a:rPr>
+              <a:t>http://www.navan.name/roc/</a:t>
+            </a:r>
+            <a:r>
+              <a:rPr lang="en-US" dirty="0"/>
+              <a:t> </a:t>
+            </a:r>
+          </a:p>
+        </p:txBody>
+      </p:sp>
+      <p:sp>
+        <p:nvSpPr>
+          <p:cNvPr id="6" name="TextBox 5">
+            <a:extLst>
+              <a:ext uri="{FF2B5EF4-FFF2-40B4-BE49-F238E27FC236}">
+                <a16:creationId xmlns:a16="http://schemas.microsoft.com/office/drawing/2014/main" id="{21EF225C-3C38-9748-88F7-474E77C38887}"/>
+              </a:ext>
+            </a:extLst>
+          </p:cNvPr>
+          <p:cNvSpPr txBox="1"/>
+          <p:nvPr/>
+        </p:nvSpPr>
+        <p:spPr>
+          <a:xfrm>
+            <a:off x="4748347" y="6308209"/>
+            <a:ext cx="3039165" cy="369332"/>
+          </a:xfrm>
+          <a:prstGeom prst="rect">
+            <a:avLst/>
+          </a:prstGeom>
+          <a:noFill/>
+        </p:spPr>
+        <p:txBody>
+          <a:bodyPr wrap="none" rtlCol="0">
+            <a:spAutoFit/>
+          </a:bodyPr>
+          <a:lstStyle/>
+          <a:p>
+            <a:r>
+              <a:rPr lang="en-US" dirty="0">
+                <a:hlinkClick r:id="rId3"/>
+              </a:rPr>
+              <a:t>http://www.navan.name/roc/</a:t>
+            </a:r>
+            <a:r>
+              <a:rPr lang="en-US" dirty="0"/>
+              <a:t> </a:t>
+            </a:r>
+          </a:p>
+        </p:txBody>
+      </p:sp>
+    </p:spTree>
+    <p:extLst>
+      <p:ext uri="{BB962C8B-B14F-4D97-AF65-F5344CB8AC3E}">
+        <p14:creationId xmlns:p14="http://schemas.microsoft.com/office/powerpoint/2010/main" val="2493507875"/>
+      </p:ext>
+    </p:extLst>
+  </p:cSld>
+  <p:clrMapOvr>
+    <a:masterClrMapping/>
+  </p:clrMapOvr>
+</p:sld>
+</file>
+
+<file path=ppt/slides/slide14.xml><?xml version="1.0" encoding="utf-8"?>
+<p:sld xmlns:a="http://schemas.openxmlformats.org/drawingml/2006/main" xmlns:r="http://schemas.openxmlformats.org/officeDocument/2006/relationships" xmlns:p="http://schemas.openxmlformats.org/presentationml/2006/main">
+  <p:cSld>
+    <p:spTree>
+      <p:nvGrpSpPr>
+        <p:cNvPr id="1" name=""/>
+        <p:cNvGrpSpPr/>
+        <p:nvPr/>
+      </p:nvGrpSpPr>
+      <p:grpSpPr>
+        <a:xfrm>
+          <a:off x="0" y="0"/>
+          <a:ext cx="0" cy="0"/>
+          <a:chOff x="0" y="0"/>
+          <a:chExt cx="0" cy="0"/>
+        </a:xfrm>
+      </p:grpSpPr>
+      <p:sp>
+        <p:nvSpPr>
+          <p:cNvPr id="2" name="Title 1">
+            <a:extLst>
+              <a:ext uri="{FF2B5EF4-FFF2-40B4-BE49-F238E27FC236}">
+                <a16:creationId xmlns:a16="http://schemas.microsoft.com/office/drawing/2014/main" id="{94C163D5-4B07-ED44-A7ED-742BBD3DB433}"/>
+              </a:ext>
+            </a:extLst>
+          </p:cNvPr>
+          <p:cNvSpPr>
+            <a:spLocks noGrp="1"/>
+          </p:cNvSpPr>
+          <p:nvPr>
+            <p:ph type="title"/>
+          </p:nvPr>
+        </p:nvSpPr>
+        <p:spPr/>
+        <p:txBody>
+          <a:bodyPr/>
+          <a:lstStyle/>
+          <a:p>
+            <a:endParaRPr lang="en-US"/>
+          </a:p>
+        </p:txBody>
+      </p:sp>
+      <p:pic>
+        <p:nvPicPr>
+          <p:cNvPr id="5" name="Picture 4">
+            <a:extLst>
+              <a:ext uri="{FF2B5EF4-FFF2-40B4-BE49-F238E27FC236}">
+                <a16:creationId xmlns:a16="http://schemas.microsoft.com/office/drawing/2014/main" id="{3C1F2594-100D-234D-AF22-6A699AA88F88}"/>
+              </a:ext>
+            </a:extLst>
+          </p:cNvPr>
+          <p:cNvPicPr>
+            <a:picLocks noChangeAspect="1"/>
+          </p:cNvPicPr>
+          <p:nvPr/>
+        </p:nvPicPr>
+        <p:blipFill>
+          <a:blip r:embed="rId2"/>
+          <a:stretch>
+            <a:fillRect/>
+          </a:stretch>
+        </p:blipFill>
+        <p:spPr>
+          <a:xfrm>
+            <a:off x="1416050" y="781050"/>
+            <a:ext cx="9359900" cy="5295900"/>
+          </a:xfrm>
+          <a:prstGeom prst="rect">
+            <a:avLst/>
+          </a:prstGeom>
+        </p:spPr>
+      </p:pic>
+    </p:spTree>
+    <p:extLst>
+      <p:ext uri="{BB962C8B-B14F-4D97-AF65-F5344CB8AC3E}">
+        <p14:creationId xmlns:p14="http://schemas.microsoft.com/office/powerpoint/2010/main" val="4241879374"/>
+      </p:ext>
+    </p:extLst>
+  </p:cSld>
+  <p:clrMapOvr>
+    <a:masterClrMapping/>
+  </p:clrMapOvr>
+</p:sld>
+</file>
+
+<file path=ppt/slides/slide15.xml><?xml version="1.0" encoding="utf-8"?>
+<p:sld xmlns:a="http://schemas.openxmlformats.org/drawingml/2006/main" xmlns:r="http://schemas.openxmlformats.org/officeDocument/2006/relationships" xmlns:p="http://schemas.openxmlformats.org/presentationml/2006/main">
+  <p:cSld>
+    <p:spTree>
+      <p:nvGrpSpPr>
+        <p:cNvPr id="1" name=""/>
+        <p:cNvGrpSpPr/>
+        <p:nvPr/>
+      </p:nvGrpSpPr>
+      <p:grpSpPr>
+        <a:xfrm>
+          <a:off x="0" y="0"/>
+          <a:ext cx="0" cy="0"/>
+          <a:chOff x="0" y="0"/>
+          <a:chExt cx="0" cy="0"/>
+        </a:xfrm>
+      </p:grpSpPr>
+      <p:sp>
+        <p:nvSpPr>
+          <p:cNvPr id="2" name="Title 1">
+            <a:extLst>
+              <a:ext uri="{FF2B5EF4-FFF2-40B4-BE49-F238E27FC236}">
+                <a16:creationId xmlns:a16="http://schemas.microsoft.com/office/drawing/2014/main" id="{94C163D5-4B07-ED44-A7ED-742BBD3DB433}"/>
+              </a:ext>
+            </a:extLst>
+          </p:cNvPr>
+          <p:cNvSpPr>
+            <a:spLocks noGrp="1"/>
+          </p:cNvSpPr>
+          <p:nvPr>
+            <p:ph type="title"/>
+          </p:nvPr>
+        </p:nvSpPr>
+        <p:spPr/>
+        <p:txBody>
+          <a:bodyPr/>
+          <a:lstStyle/>
+          <a:p>
+            <a:endParaRPr lang="en-US"/>
+          </a:p>
+        </p:txBody>
+      </p:sp>
+      <p:pic>
+        <p:nvPicPr>
+          <p:cNvPr id="4" name="Picture 3">
+            <a:extLst>
+              <a:ext uri="{FF2B5EF4-FFF2-40B4-BE49-F238E27FC236}">
+                <a16:creationId xmlns:a16="http://schemas.microsoft.com/office/drawing/2014/main" id="{E838F9C1-13E6-9443-AB97-A01FAB559D17}"/>
+              </a:ext>
+            </a:extLst>
+          </p:cNvPr>
+          <p:cNvPicPr>
+            <a:picLocks noChangeAspect="1"/>
+          </p:cNvPicPr>
+          <p:nvPr/>
+        </p:nvPicPr>
+        <p:blipFill>
+          <a:blip r:embed="rId2"/>
+          <a:stretch>
+            <a:fillRect/>
+          </a:stretch>
+        </p:blipFill>
+        <p:spPr>
+          <a:xfrm>
+            <a:off x="1422400" y="787400"/>
+            <a:ext cx="9347200" cy="5283200"/>
+          </a:xfrm>
+          <a:prstGeom prst="rect">
+            <a:avLst/>
+          </a:prstGeom>
+        </p:spPr>
+      </p:pic>
+    </p:spTree>
+    <p:extLst>
+      <p:ext uri="{BB962C8B-B14F-4D97-AF65-F5344CB8AC3E}">
+        <p14:creationId xmlns:p14="http://schemas.microsoft.com/office/powerpoint/2010/main" val="3528962054"/>
+      </p:ext>
+    </p:extLst>
+  </p:cSld>
+  <p:clrMapOvr>
+    <a:masterClrMapping/>
+  </p:clrMapOvr>
+</p:sld>
+</file>
+
+<file path=ppt/slides/slide16.xml><?xml version="1.0" encoding="utf-8"?>
+<p:sld xmlns:a="http://schemas.openxmlformats.org/drawingml/2006/main" xmlns:r="http://schemas.openxmlformats.org/officeDocument/2006/relationships" xmlns:p="http://schemas.openxmlformats.org/presentationml/2006/main">
+  <p:cSld>
+    <p:spTree>
+      <p:nvGrpSpPr>
+        <p:cNvPr id="1" name=""/>
+        <p:cNvGrpSpPr/>
+        <p:nvPr/>
+      </p:nvGrpSpPr>
+      <p:grpSpPr>
+        <a:xfrm>
+          <a:off x="0" y="0"/>
+          <a:ext cx="0" cy="0"/>
+          <a:chOff x="0" y="0"/>
+          <a:chExt cx="0" cy="0"/>
+        </a:xfrm>
+      </p:grpSpPr>
+      <p:sp>
+        <p:nvSpPr>
+          <p:cNvPr id="5" name="TextBox 4"/>
+          <p:cNvSpPr txBox="1"/>
+          <p:nvPr/>
+        </p:nvSpPr>
+        <p:spPr>
+          <a:xfrm>
+            <a:off x="4905327" y="1444545"/>
+            <a:ext cx="6548704" cy="3046988"/>
+          </a:xfrm>
+          <a:prstGeom prst="rect">
+            <a:avLst/>
+          </a:prstGeom>
+          <a:noFill/>
+        </p:spPr>
+        <p:txBody>
           <a:bodyPr wrap="square" rtlCol="0">
             <a:spAutoFit/>
           </a:bodyPr>
@@ -5306,7 +6046,24 @@
                 <a:latin typeface="PFDinTextCompPro-Italic"/>
                 <a:cs typeface="PFDinTextCompPro-Italic"/>
               </a:rPr>
-              <a:t>ROC Curve</a:t>
+              <a:t>Every email is assigned a “spam” score by our classification algorithm. To actually make our predictions, we choose a numeric cutoff for classifying as spam.</a:t>
+            </a:r>
+          </a:p>
+          <a:p>
+            <a:pPr algn="l"/>
+            <a:endParaRPr lang="en-US" sz="2400" dirty="0">
+              <a:latin typeface="PFDinTextCompPro-Italic"/>
+              <a:cs typeface="PFDinTextCompPro-Italic"/>
+            </a:endParaRPr>
+          </a:p>
+          <a:p>
+            <a:pPr algn="l"/>
+            <a:r>
+              <a:rPr lang="en-US" sz="2400" dirty="0">
+                <a:latin typeface="PFDinTextCompPro-Italic"/>
+                <a:cs typeface="PFDinTextCompPro-Italic"/>
+              </a:rPr>
+              <a:t>An ROC Curve will help us visualize how well our classifier is doing without having to choose a cutoff!</a:t>
             </a:r>
           </a:p>
         </p:txBody>
@@ -5334,7 +6091,7 @@
               <a:pPr>
                 <a:defRPr/>
               </a:pPr>
-              <a:t>10</a:t>
+              <a:t>16</a:t>
             </a:fld>
             <a:endParaRPr lang="en-US"/>
           </a:p>
@@ -5347,16 +6104,12 @@
             <a:graphicFrameLocks noGrp="1"/>
           </p:cNvGraphicFramePr>
           <p:nvPr>
-            <p:extLst>
-              <p:ext uri="{D42A27DB-BD31-4B8C-83A1-F6EECF244321}">
-                <p14:modId xmlns:p14="http://schemas.microsoft.com/office/powerpoint/2010/main" val="337084388"/>
-              </p:ext>
-            </p:extLst>
+            <p:extLst/>
           </p:nvPr>
         </p:nvGraphicFramePr>
         <p:xfrm>
-          <a:off x="488516" y="1642990"/>
-          <a:ext cx="3916566" cy="5053745"/>
+          <a:off x="737969" y="1642990"/>
+          <a:ext cx="3667113" cy="5053745"/>
         </p:xfrm>
         <a:graphic>
           <a:graphicData uri="http://schemas.openxmlformats.org/drawingml/2006/table">
@@ -5365,21 +6118,21 @@
                 <a:tableStyleId>{5C22544A-7EE6-4342-B048-85BDC9FD1C3A}</a:tableStyleId>
               </a:tblPr>
               <a:tblGrid>
-                <a:gridCol w="1305522">
+                <a:gridCol w="1353878">
                   <a:extLst>
                     <a:ext uri="{9D8B030D-6E8A-4147-A177-3AD203B41FA5}">
                       <a16:colId xmlns:a16="http://schemas.microsoft.com/office/drawing/2014/main" val="20000"/>
                     </a:ext>
                   </a:extLst>
                 </a:gridCol>
-                <a:gridCol w="1305522">
+                <a:gridCol w="1090864">
                   <a:extLst>
                     <a:ext uri="{9D8B030D-6E8A-4147-A177-3AD203B41FA5}">
                       <a16:colId xmlns:a16="http://schemas.microsoft.com/office/drawing/2014/main" val="20001"/>
                     </a:ext>
                   </a:extLst>
                 </a:gridCol>
-                <a:gridCol w="1305522">
+                <a:gridCol w="1222371">
                   <a:extLst>
                     <a:ext uri="{9D8B030D-6E8A-4147-A177-3AD203B41FA5}">
                       <a16:colId xmlns:a16="http://schemas.microsoft.com/office/drawing/2014/main" val="20002"/>
@@ -5810,96 +6563,12 @@
           </a:graphicData>
         </a:graphic>
       </p:graphicFrame>
-      <p:graphicFrame>
-        <p:nvGraphicFramePr>
-          <p:cNvPr id="3" name="Chart 2"/>
-          <p:cNvGraphicFramePr/>
-          <p:nvPr>
-            <p:extLst/>
-          </p:nvPr>
-        </p:nvGraphicFramePr>
-        <p:xfrm>
-          <a:off x="5599887" y="1940659"/>
-          <a:ext cx="5556477" cy="4197675"/>
-        </p:xfrm>
-        <a:graphic>
-          <a:graphicData uri="http://schemas.openxmlformats.org/drawingml/2006/chart">
-            <c:chart xmlns:c="http://schemas.openxmlformats.org/drawingml/2006/chart" xmlns:r="http://schemas.openxmlformats.org/officeDocument/2006/relationships" r:id="rId3"/>
-          </a:graphicData>
-        </a:graphic>
-      </p:graphicFrame>
-      <p:sp>
-        <p:nvSpPr>
-          <p:cNvPr id="7" name="TextBox 6"/>
-          <p:cNvSpPr txBox="1"/>
-          <p:nvPr/>
-        </p:nvSpPr>
-        <p:spPr>
-          <a:xfrm>
-            <a:off x="8378124" y="6008793"/>
-            <a:ext cx="893005" cy="461665"/>
-          </a:xfrm>
-          <a:prstGeom prst="rect">
-            <a:avLst/>
-          </a:prstGeom>
-          <a:noFill/>
-        </p:spPr>
-        <p:txBody>
-          <a:bodyPr wrap="square" rtlCol="0">
-            <a:spAutoFit/>
-          </a:bodyPr>
-          <a:lstStyle/>
-          <a:p>
-            <a:pPr algn="l"/>
-            <a:r>
-              <a:rPr lang="en-US" sz="2400" dirty="0">
-                <a:latin typeface="PFDinTextCompPro-Italic"/>
-                <a:cs typeface="PFDinTextCompPro-Italic"/>
-              </a:rPr>
-              <a:t>FPR</a:t>
-            </a:r>
-          </a:p>
-        </p:txBody>
-      </p:sp>
-      <p:sp>
-        <p:nvSpPr>
-          <p:cNvPr id="9" name="TextBox 8"/>
-          <p:cNvSpPr txBox="1"/>
-          <p:nvPr/>
-        </p:nvSpPr>
-        <p:spPr>
-          <a:xfrm>
-            <a:off x="5004549" y="3329778"/>
-            <a:ext cx="893005" cy="461665"/>
-          </a:xfrm>
-          <a:prstGeom prst="rect">
-            <a:avLst/>
-          </a:prstGeom>
-          <a:noFill/>
-        </p:spPr>
-        <p:txBody>
-          <a:bodyPr wrap="square" rtlCol="0">
-            <a:spAutoFit/>
-          </a:bodyPr>
-          <a:lstStyle/>
-          <a:p>
-            <a:pPr algn="l"/>
-            <a:r>
-              <a:rPr lang="en-US" sz="2400" dirty="0">
-                <a:latin typeface="PFDinTextCompPro-Italic"/>
-                <a:cs typeface="PFDinTextCompPro-Italic"/>
-              </a:rPr>
-              <a:t>TPR</a:t>
-            </a:r>
-          </a:p>
-        </p:txBody>
-      </p:sp>
-      <p:sp>
-        <p:nvSpPr>
-          <p:cNvPr id="11" name="Title 1">
+      <p:sp>
+        <p:nvSpPr>
+          <p:cNvPr id="9" name="Title 1">
             <a:extLst>
               <a:ext uri="{FF2B5EF4-FFF2-40B4-BE49-F238E27FC236}">
-                <a16:creationId xmlns:a16="http://schemas.microsoft.com/office/drawing/2014/main" id="{278B0ED0-5593-DA49-A9B8-9B7A45F4DA3C}"/>
+                <a16:creationId xmlns:a16="http://schemas.microsoft.com/office/drawing/2014/main" id="{19B0D806-4A5A-8148-A6C6-0936374BE20E}"/>
               </a:ext>
             </a:extLst>
           </p:cNvPr>
@@ -5951,3185 +6620,7 @@
     </p:spTree>
     <p:extLst>
       <p:ext uri="{BB962C8B-B14F-4D97-AF65-F5344CB8AC3E}">
-        <p14:creationId xmlns:p14="http://schemas.microsoft.com/office/powerpoint/2010/main" val="2540328064"/>
-      </p:ext>
-    </p:extLst>
-  </p:cSld>
-  <p:clrMapOvr>
-    <a:masterClrMapping/>
-  </p:clrMapOvr>
-  <p:transition/>
-</p:sld>
-</file>
-
-<file path=ppt/slides/slide11.xml><?xml version="1.0" encoding="utf-8"?>
-<p:sld xmlns:a="http://schemas.openxmlformats.org/drawingml/2006/main" xmlns:r="http://schemas.openxmlformats.org/officeDocument/2006/relationships" xmlns:p="http://schemas.openxmlformats.org/presentationml/2006/main">
-  <p:cSld>
-    <p:spTree>
-      <p:nvGrpSpPr>
-        <p:cNvPr id="1" name=""/>
-        <p:cNvGrpSpPr/>
-        <p:nvPr/>
-      </p:nvGrpSpPr>
-      <p:grpSpPr>
-        <a:xfrm>
-          <a:off x="0" y="0"/>
-          <a:ext cx="0" cy="0"/>
-          <a:chOff x="0" y="0"/>
-          <a:chExt cx="0" cy="0"/>
-        </a:xfrm>
-      </p:grpSpPr>
-      <p:sp>
-        <p:nvSpPr>
-          <p:cNvPr id="5" name="TextBox 4"/>
-          <p:cNvSpPr txBox="1"/>
-          <p:nvPr/>
-        </p:nvSpPr>
-        <p:spPr>
-          <a:xfrm>
-            <a:off x="4905327" y="1444544"/>
-            <a:ext cx="6548704" cy="1938992"/>
-          </a:xfrm>
-          <a:prstGeom prst="rect">
-            <a:avLst/>
-          </a:prstGeom>
-          <a:noFill/>
-        </p:spPr>
-        <p:txBody>
-          <a:bodyPr wrap="square" rtlCol="0">
-            <a:spAutoFit/>
-          </a:bodyPr>
-          <a:lstStyle/>
-          <a:p>
-            <a:pPr algn="l"/>
-            <a:r>
-              <a:rPr lang="en-US" sz="2400" u="sng" dirty="0">
-                <a:latin typeface="PFDinTextCompPro-Italic"/>
-                <a:cs typeface="PFDinTextCompPro-Italic"/>
-              </a:rPr>
-              <a:t>TPR</a:t>
-            </a:r>
-            <a:r>
-              <a:rPr lang="en-US" sz="2400" dirty="0">
-                <a:latin typeface="PFDinTextCompPro-Italic"/>
-                <a:cs typeface="PFDinTextCompPro-Italic"/>
-              </a:rPr>
-              <a:t>: When actual value is </a:t>
-            </a:r>
-            <a:r>
-              <a:rPr lang="en-US" sz="2400" b="1" dirty="0">
-                <a:latin typeface="PFDinTextCompPro-Italic"/>
-                <a:cs typeface="PFDinTextCompPro-Italic"/>
-              </a:rPr>
-              <a:t>spam</a:t>
-            </a:r>
-            <a:r>
-              <a:rPr lang="en-US" sz="2400" dirty="0">
-                <a:latin typeface="PFDinTextCompPro-Italic"/>
-                <a:cs typeface="PFDinTextCompPro-Italic"/>
-              </a:rPr>
-              <a:t>, how often is prediction </a:t>
-            </a:r>
-            <a:r>
-              <a:rPr lang="en-US" sz="2400" b="1" dirty="0">
-                <a:latin typeface="PFDinTextCompPro-Italic"/>
-                <a:cs typeface="PFDinTextCompPro-Italic"/>
-              </a:rPr>
-              <a:t>correct</a:t>
-            </a:r>
-            <a:r>
-              <a:rPr lang="en-US" sz="2400" dirty="0">
-                <a:latin typeface="PFDinTextCompPro-Italic"/>
-                <a:cs typeface="PFDinTextCompPro-Italic"/>
-              </a:rPr>
-              <a:t>?</a:t>
-            </a:r>
-          </a:p>
-          <a:p>
-            <a:pPr algn="l"/>
-            <a:endParaRPr lang="en-US" sz="2400" dirty="0">
-              <a:latin typeface="PFDinTextCompPro-Italic"/>
-              <a:cs typeface="PFDinTextCompPro-Italic"/>
-            </a:endParaRPr>
-          </a:p>
-          <a:p>
-            <a:pPr algn="l"/>
-            <a:r>
-              <a:rPr lang="en-US" sz="2400" u="sng" dirty="0">
-                <a:latin typeface="PFDinTextCompPro-Italic"/>
-                <a:cs typeface="PFDinTextCompPro-Italic"/>
-              </a:rPr>
-              <a:t>FPR</a:t>
-            </a:r>
-            <a:r>
-              <a:rPr lang="en-US" sz="2400" dirty="0">
-                <a:latin typeface="PFDinTextCompPro-Italic"/>
-                <a:cs typeface="PFDinTextCompPro-Italic"/>
-              </a:rPr>
-              <a:t>: When actual value is </a:t>
-            </a:r>
-            <a:r>
-              <a:rPr lang="en-US" sz="2400" b="1" dirty="0">
-                <a:latin typeface="PFDinTextCompPro-Italic"/>
-                <a:cs typeface="PFDinTextCompPro-Italic"/>
-              </a:rPr>
-              <a:t>ham</a:t>
-            </a:r>
-            <a:r>
-              <a:rPr lang="en-US" sz="2400" dirty="0">
-                <a:latin typeface="PFDinTextCompPro-Italic"/>
-                <a:cs typeface="PFDinTextCompPro-Italic"/>
-              </a:rPr>
-              <a:t>, how often is prediction </a:t>
-            </a:r>
-            <a:r>
-              <a:rPr lang="en-US" sz="2400" b="1" dirty="0">
-                <a:latin typeface="PFDinTextCompPro-Italic"/>
-                <a:cs typeface="PFDinTextCompPro-Italic"/>
-              </a:rPr>
-              <a:t>wrong</a:t>
-            </a:r>
-            <a:r>
-              <a:rPr lang="en-US" sz="2400" dirty="0">
-                <a:latin typeface="PFDinTextCompPro-Italic"/>
-                <a:cs typeface="PFDinTextCompPro-Italic"/>
-              </a:rPr>
-              <a:t>?</a:t>
-            </a:r>
-          </a:p>
-        </p:txBody>
-      </p:sp>
-      <p:sp>
-        <p:nvSpPr>
-          <p:cNvPr id="8" name="Slide Number Placeholder 3"/>
-          <p:cNvSpPr>
-            <a:spLocks noGrp="1"/>
-          </p:cNvSpPr>
-          <p:nvPr>
-            <p:ph type="sldNum" sz="quarter" idx="13"/>
-          </p:nvPr>
-        </p:nvSpPr>
-        <p:spPr/>
-        <p:txBody>
-          <a:bodyPr/>
-          <a:lstStyle/>
-          <a:p>
-            <a:pPr>
-              <a:defRPr/>
-            </a:pPr>
-            <a:fld id="{BD5AD749-DAD1-6A4A-A2AA-CB20EAD0AEB7}" type="slidenum">
-              <a:rPr lang="en-US"/>
-              <a:pPr>
-                <a:defRPr/>
-              </a:pPr>
-              <a:t>11</a:t>
-            </a:fld>
-            <a:endParaRPr lang="en-US"/>
-          </a:p>
-        </p:txBody>
-      </p:sp>
-      <p:graphicFrame>
-        <p:nvGraphicFramePr>
-          <p:cNvPr id="2" name="Table 1"/>
-          <p:cNvGraphicFramePr>
-            <a:graphicFrameLocks noGrp="1"/>
-          </p:cNvGraphicFramePr>
-          <p:nvPr>
-            <p:extLst>
-              <p:ext uri="{D42A27DB-BD31-4B8C-83A1-F6EECF244321}">
-                <p14:modId xmlns:p14="http://schemas.microsoft.com/office/powerpoint/2010/main" val="3155321175"/>
-              </p:ext>
-            </p:extLst>
-          </p:nvPr>
-        </p:nvGraphicFramePr>
-        <p:xfrm>
-          <a:off x="425885" y="1642990"/>
-          <a:ext cx="3979197" cy="5053745"/>
-        </p:xfrm>
-        <a:graphic>
-          <a:graphicData uri="http://schemas.openxmlformats.org/drawingml/2006/table">
-            <a:tbl>
-              <a:tblPr firstRow="1" bandRow="1">
-                <a:tableStyleId>{5C22544A-7EE6-4342-B048-85BDC9FD1C3A}</a:tableStyleId>
-              </a:tblPr>
-              <a:tblGrid>
-                <a:gridCol w="1326399">
-                  <a:extLst>
-                    <a:ext uri="{9D8B030D-6E8A-4147-A177-3AD203B41FA5}">
-                      <a16:colId xmlns:a16="http://schemas.microsoft.com/office/drawing/2014/main" val="20000"/>
-                    </a:ext>
-                  </a:extLst>
-                </a:gridCol>
-                <a:gridCol w="1326399">
-                  <a:extLst>
-                    <a:ext uri="{9D8B030D-6E8A-4147-A177-3AD203B41FA5}">
-                      <a16:colId xmlns:a16="http://schemas.microsoft.com/office/drawing/2014/main" val="20001"/>
-                    </a:ext>
-                  </a:extLst>
-                </a:gridCol>
-                <a:gridCol w="1326399">
-                  <a:extLst>
-                    <a:ext uri="{9D8B030D-6E8A-4147-A177-3AD203B41FA5}">
-                      <a16:colId xmlns:a16="http://schemas.microsoft.com/office/drawing/2014/main" val="20002"/>
-                    </a:ext>
-                  </a:extLst>
-                </a:gridCol>
-              </a:tblGrid>
-              <a:tr h="1190673">
-                <a:tc>
-                  <a:txBody>
-                    <a:bodyPr/>
-                    <a:lstStyle/>
-                    <a:p>
-                      <a:r>
-                        <a:rPr lang="en-US" sz="2300" dirty="0"/>
-                        <a:t>Email Number</a:t>
-                      </a:r>
-                    </a:p>
-                  </a:txBody>
-                  <a:tcPr marL="119067" marR="119067" marT="59534" marB="59534"/>
-                </a:tc>
-                <a:tc>
-                  <a:txBody>
-                    <a:bodyPr/>
-                    <a:lstStyle/>
-                    <a:p>
-                      <a:r>
-                        <a:rPr lang="en-US" sz="2300" dirty="0"/>
-                        <a:t>Score</a:t>
-                      </a:r>
-                    </a:p>
-                  </a:txBody>
-                  <a:tcPr marL="119067" marR="119067" marT="59534" marB="59534"/>
-                </a:tc>
-                <a:tc>
-                  <a:txBody>
-                    <a:bodyPr/>
-                    <a:lstStyle/>
-                    <a:p>
-                      <a:r>
-                        <a:rPr lang="en-US" sz="2300" dirty="0"/>
-                        <a:t>True Label</a:t>
-                      </a:r>
-                    </a:p>
-                  </a:txBody>
-                  <a:tcPr marL="119067" marR="119067" marT="59534" marB="59534"/>
-                </a:tc>
-                <a:extLst>
-                  <a:ext uri="{0D108BD9-81ED-4DB2-BD59-A6C34878D82A}">
-                    <a16:rowId xmlns:a16="http://schemas.microsoft.com/office/drawing/2014/main" val="10000"/>
-                  </a:ext>
-                </a:extLst>
-              </a:tr>
-              <a:tr h="482884">
-                <a:tc>
-                  <a:txBody>
-                    <a:bodyPr/>
-                    <a:lstStyle/>
-                    <a:p>
-                      <a:r>
-                        <a:rPr lang="en-US" sz="2300" dirty="0"/>
-                        <a:t>5</a:t>
-                      </a:r>
-                    </a:p>
-                  </a:txBody>
-                  <a:tcPr marL="119067" marR="119067" marT="59534" marB="59534"/>
-                </a:tc>
-                <a:tc>
-                  <a:txBody>
-                    <a:bodyPr/>
-                    <a:lstStyle/>
-                    <a:p>
-                      <a:r>
-                        <a:rPr lang="en-US" sz="2300"/>
-                        <a:t>0.99</a:t>
-                      </a:r>
-                      <a:endParaRPr lang="en-US" sz="2300" dirty="0"/>
-                    </a:p>
-                  </a:txBody>
-                  <a:tcPr marL="119067" marR="119067" marT="59534" marB="59534"/>
-                </a:tc>
-                <a:tc>
-                  <a:txBody>
-                    <a:bodyPr/>
-                    <a:lstStyle/>
-                    <a:p>
-                      <a:r>
-                        <a:rPr lang="en-US" sz="2300" dirty="0"/>
-                        <a:t>Spam</a:t>
-                      </a:r>
-                    </a:p>
-                  </a:txBody>
-                  <a:tcPr marL="119067" marR="119067" marT="59534" marB="59534"/>
-                </a:tc>
-                <a:extLst>
-                  <a:ext uri="{0D108BD9-81ED-4DB2-BD59-A6C34878D82A}">
-                    <a16:rowId xmlns:a16="http://schemas.microsoft.com/office/drawing/2014/main" val="10001"/>
-                  </a:ext>
-                </a:extLst>
-              </a:tr>
-              <a:tr h="482884">
-                <a:tc>
-                  <a:txBody>
-                    <a:bodyPr/>
-                    <a:lstStyle/>
-                    <a:p>
-                      <a:r>
-                        <a:rPr lang="en-US" sz="2300" dirty="0"/>
-                        <a:t>8</a:t>
-                      </a:r>
-                    </a:p>
-                  </a:txBody>
-                  <a:tcPr marL="119067" marR="119067" marT="59534" marB="59534"/>
-                </a:tc>
-                <a:tc>
-                  <a:txBody>
-                    <a:bodyPr/>
-                    <a:lstStyle/>
-                    <a:p>
-                      <a:r>
-                        <a:rPr lang="en-US" sz="2300"/>
-                        <a:t>0.82</a:t>
-                      </a:r>
-                      <a:endParaRPr lang="en-US" sz="2300" dirty="0"/>
-                    </a:p>
-                  </a:txBody>
-                  <a:tcPr marL="119067" marR="119067" marT="59534" marB="59534"/>
-                </a:tc>
-                <a:tc>
-                  <a:txBody>
-                    <a:bodyPr/>
-                    <a:lstStyle/>
-                    <a:p>
-                      <a:r>
-                        <a:rPr lang="en-US" sz="2300" dirty="0"/>
-                        <a:t>Spam</a:t>
-                      </a:r>
-                    </a:p>
-                  </a:txBody>
-                  <a:tcPr marL="119067" marR="119067" marT="59534" marB="59534"/>
-                </a:tc>
-                <a:extLst>
-                  <a:ext uri="{0D108BD9-81ED-4DB2-BD59-A6C34878D82A}">
-                    <a16:rowId xmlns:a16="http://schemas.microsoft.com/office/drawing/2014/main" val="10002"/>
-                  </a:ext>
-                </a:extLst>
-              </a:tr>
-              <a:tr h="482884">
-                <a:tc>
-                  <a:txBody>
-                    <a:bodyPr/>
-                    <a:lstStyle/>
-                    <a:p>
-                      <a:r>
-                        <a:rPr lang="en-US" sz="2300" dirty="0"/>
-                        <a:t>2</a:t>
-                      </a:r>
-                    </a:p>
-                  </a:txBody>
-                  <a:tcPr marL="119067" marR="119067" marT="59534" marB="59534"/>
-                </a:tc>
-                <a:tc>
-                  <a:txBody>
-                    <a:bodyPr/>
-                    <a:lstStyle/>
-                    <a:p>
-                      <a:r>
-                        <a:rPr lang="en-US" sz="2300"/>
-                        <a:t>0.60</a:t>
-                      </a:r>
-                      <a:endParaRPr lang="en-US" sz="2300" dirty="0"/>
-                    </a:p>
-                  </a:txBody>
-                  <a:tcPr marL="119067" marR="119067" marT="59534" marB="59534"/>
-                </a:tc>
-                <a:tc>
-                  <a:txBody>
-                    <a:bodyPr/>
-                    <a:lstStyle/>
-                    <a:p>
-                      <a:r>
-                        <a:rPr lang="en-US" sz="2300" dirty="0"/>
-                        <a:t>Spam</a:t>
-                      </a:r>
-                    </a:p>
-                  </a:txBody>
-                  <a:tcPr marL="119067" marR="119067" marT="59534" marB="59534"/>
-                </a:tc>
-                <a:extLst>
-                  <a:ext uri="{0D108BD9-81ED-4DB2-BD59-A6C34878D82A}">
-                    <a16:rowId xmlns:a16="http://schemas.microsoft.com/office/drawing/2014/main" val="10003"/>
-                  </a:ext>
-                </a:extLst>
-              </a:tr>
-              <a:tr h="482884">
-                <a:tc>
-                  <a:txBody>
-                    <a:bodyPr/>
-                    <a:lstStyle/>
-                    <a:p>
-                      <a:r>
-                        <a:rPr lang="en-US" sz="2300" dirty="0"/>
-                        <a:t>1</a:t>
-                      </a:r>
-                    </a:p>
-                  </a:txBody>
-                  <a:tcPr marL="119067" marR="119067" marT="59534" marB="59534"/>
-                </a:tc>
-                <a:tc>
-                  <a:txBody>
-                    <a:bodyPr/>
-                    <a:lstStyle/>
-                    <a:p>
-                      <a:r>
-                        <a:rPr lang="en-US" sz="2300"/>
-                        <a:t>0.60</a:t>
-                      </a:r>
-                      <a:endParaRPr lang="en-US" sz="2300" dirty="0"/>
-                    </a:p>
-                  </a:txBody>
-                  <a:tcPr marL="119067" marR="119067" marT="59534" marB="59534"/>
-                </a:tc>
-                <a:tc>
-                  <a:txBody>
-                    <a:bodyPr/>
-                    <a:lstStyle/>
-                    <a:p>
-                      <a:r>
-                        <a:rPr lang="en-US" sz="2300" dirty="0"/>
-                        <a:t>Ham</a:t>
-                      </a:r>
-                    </a:p>
-                  </a:txBody>
-                  <a:tcPr marL="119067" marR="119067" marT="59534" marB="59534"/>
-                </a:tc>
-                <a:extLst>
-                  <a:ext uri="{0D108BD9-81ED-4DB2-BD59-A6C34878D82A}">
-                    <a16:rowId xmlns:a16="http://schemas.microsoft.com/office/drawing/2014/main" val="10004"/>
-                  </a:ext>
-                </a:extLst>
-              </a:tr>
-              <a:tr h="482884">
-                <a:tc>
-                  <a:txBody>
-                    <a:bodyPr/>
-                    <a:lstStyle/>
-                    <a:p>
-                      <a:r>
-                        <a:rPr lang="en-US" sz="2300" dirty="0"/>
-                        <a:t>7</a:t>
-                      </a:r>
-                    </a:p>
-                  </a:txBody>
-                  <a:tcPr marL="119067" marR="119067" marT="59534" marB="59534"/>
-                </a:tc>
-                <a:tc>
-                  <a:txBody>
-                    <a:bodyPr/>
-                    <a:lstStyle/>
-                    <a:p>
-                      <a:r>
-                        <a:rPr lang="en-US" sz="2300"/>
-                        <a:t>0.48</a:t>
-                      </a:r>
-                      <a:endParaRPr lang="en-US" sz="2300" dirty="0"/>
-                    </a:p>
-                  </a:txBody>
-                  <a:tcPr marL="119067" marR="119067" marT="59534" marB="59534"/>
-                </a:tc>
-                <a:tc>
-                  <a:txBody>
-                    <a:bodyPr/>
-                    <a:lstStyle/>
-                    <a:p>
-                      <a:r>
-                        <a:rPr lang="en-US" sz="2300" dirty="0"/>
-                        <a:t>Spam</a:t>
-                      </a:r>
-                    </a:p>
-                  </a:txBody>
-                  <a:tcPr marL="119067" marR="119067" marT="59534" marB="59534"/>
-                </a:tc>
-                <a:extLst>
-                  <a:ext uri="{0D108BD9-81ED-4DB2-BD59-A6C34878D82A}">
-                    <a16:rowId xmlns:a16="http://schemas.microsoft.com/office/drawing/2014/main" val="10005"/>
-                  </a:ext>
-                </a:extLst>
-              </a:tr>
-              <a:tr h="482884">
-                <a:tc>
-                  <a:txBody>
-                    <a:bodyPr/>
-                    <a:lstStyle/>
-                    <a:p>
-                      <a:r>
-                        <a:rPr lang="en-US" sz="2300" dirty="0"/>
-                        <a:t>3</a:t>
-                      </a:r>
-                    </a:p>
-                  </a:txBody>
-                  <a:tcPr marL="119067" marR="119067" marT="59534" marB="59534"/>
-                </a:tc>
-                <a:tc>
-                  <a:txBody>
-                    <a:bodyPr/>
-                    <a:lstStyle/>
-                    <a:p>
-                      <a:r>
-                        <a:rPr lang="en-US" sz="2300" dirty="0"/>
-                        <a:t>0.22</a:t>
-                      </a:r>
-                    </a:p>
-                  </a:txBody>
-                  <a:tcPr marL="119067" marR="119067" marT="59534" marB="59534"/>
-                </a:tc>
-                <a:tc>
-                  <a:txBody>
-                    <a:bodyPr/>
-                    <a:lstStyle/>
-                    <a:p>
-                      <a:r>
-                        <a:rPr lang="en-US" sz="2300" dirty="0"/>
-                        <a:t>Ham</a:t>
-                      </a:r>
-                    </a:p>
-                  </a:txBody>
-                  <a:tcPr marL="119067" marR="119067" marT="59534" marB="59534"/>
-                </a:tc>
-                <a:extLst>
-                  <a:ext uri="{0D108BD9-81ED-4DB2-BD59-A6C34878D82A}">
-                    <a16:rowId xmlns:a16="http://schemas.microsoft.com/office/drawing/2014/main" val="10006"/>
-                  </a:ext>
-                </a:extLst>
-              </a:tr>
-              <a:tr h="482884">
-                <a:tc>
-                  <a:txBody>
-                    <a:bodyPr/>
-                    <a:lstStyle/>
-                    <a:p>
-                      <a:r>
-                        <a:rPr lang="en-US" sz="2300" dirty="0"/>
-                        <a:t>4</a:t>
-                      </a:r>
-                    </a:p>
-                  </a:txBody>
-                  <a:tcPr marL="119067" marR="119067" marT="59534" marB="59534"/>
-                </a:tc>
-                <a:tc>
-                  <a:txBody>
-                    <a:bodyPr/>
-                    <a:lstStyle/>
-                    <a:p>
-                      <a:r>
-                        <a:rPr lang="en-US" sz="2300" dirty="0"/>
-                        <a:t>0.10</a:t>
-                      </a:r>
-                    </a:p>
-                  </a:txBody>
-                  <a:tcPr marL="119067" marR="119067" marT="59534" marB="59534"/>
-                </a:tc>
-                <a:tc>
-                  <a:txBody>
-                    <a:bodyPr/>
-                    <a:lstStyle/>
-                    <a:p>
-                      <a:r>
-                        <a:rPr lang="en-US" sz="2300" dirty="0"/>
-                        <a:t>Ham</a:t>
-                      </a:r>
-                    </a:p>
-                  </a:txBody>
-                  <a:tcPr marL="119067" marR="119067" marT="59534" marB="59534"/>
-                </a:tc>
-                <a:extLst>
-                  <a:ext uri="{0D108BD9-81ED-4DB2-BD59-A6C34878D82A}">
-                    <a16:rowId xmlns:a16="http://schemas.microsoft.com/office/drawing/2014/main" val="10007"/>
-                  </a:ext>
-                </a:extLst>
-              </a:tr>
-              <a:tr h="482884">
-                <a:tc>
-                  <a:txBody>
-                    <a:bodyPr/>
-                    <a:lstStyle/>
-                    <a:p>
-                      <a:r>
-                        <a:rPr lang="en-US" sz="2300" dirty="0"/>
-                        <a:t>6</a:t>
-                      </a:r>
-                    </a:p>
-                  </a:txBody>
-                  <a:tcPr marL="119067" marR="119067" marT="59534" marB="59534"/>
-                </a:tc>
-                <a:tc>
-                  <a:txBody>
-                    <a:bodyPr/>
-                    <a:lstStyle/>
-                    <a:p>
-                      <a:r>
-                        <a:rPr lang="en-US" sz="2300" dirty="0"/>
-                        <a:t>0.02</a:t>
-                      </a:r>
-                    </a:p>
-                  </a:txBody>
-                  <a:tcPr marL="119067" marR="119067" marT="59534" marB="59534"/>
-                </a:tc>
-                <a:tc>
-                  <a:txBody>
-                    <a:bodyPr/>
-                    <a:lstStyle/>
-                    <a:p>
-                      <a:r>
-                        <a:rPr lang="en-US" sz="2300" dirty="0"/>
-                        <a:t>Ham</a:t>
-                      </a:r>
-                    </a:p>
-                  </a:txBody>
-                  <a:tcPr marL="119067" marR="119067" marT="59534" marB="59534"/>
-                </a:tc>
-                <a:extLst>
-                  <a:ext uri="{0D108BD9-81ED-4DB2-BD59-A6C34878D82A}">
-                    <a16:rowId xmlns:a16="http://schemas.microsoft.com/office/drawing/2014/main" val="10008"/>
-                  </a:ext>
-                </a:extLst>
-              </a:tr>
-            </a:tbl>
-          </a:graphicData>
-        </a:graphic>
-      </p:graphicFrame>
-      <p:graphicFrame>
-        <p:nvGraphicFramePr>
-          <p:cNvPr id="6" name="Table 5"/>
-          <p:cNvGraphicFramePr>
-            <a:graphicFrameLocks noGrp="1"/>
-          </p:cNvGraphicFramePr>
-          <p:nvPr>
-            <p:extLst>
-              <p:ext uri="{D42A27DB-BD31-4B8C-83A1-F6EECF244321}">
-                <p14:modId xmlns:p14="http://schemas.microsoft.com/office/powerpoint/2010/main" val="673672692"/>
-              </p:ext>
-            </p:extLst>
-          </p:nvPr>
-        </p:nvGraphicFramePr>
-        <p:xfrm>
-          <a:off x="4905327" y="3958188"/>
-          <a:ext cx="7082081" cy="2738547"/>
-        </p:xfrm>
-        <a:graphic>
-          <a:graphicData uri="http://schemas.openxmlformats.org/drawingml/2006/table">
-            <a:tbl>
-              <a:tblPr firstRow="1" bandRow="1">
-                <a:tableStyleId>{5C22544A-7EE6-4342-B048-85BDC9FD1C3A}</a:tableStyleId>
-              </a:tblPr>
-              <a:tblGrid>
-                <a:gridCol w="1044897">
-                  <a:extLst>
-                    <a:ext uri="{9D8B030D-6E8A-4147-A177-3AD203B41FA5}">
-                      <a16:colId xmlns:a16="http://schemas.microsoft.com/office/drawing/2014/main" val="20000"/>
-                    </a:ext>
-                  </a:extLst>
-                </a:gridCol>
-                <a:gridCol w="1178288">
-                  <a:extLst>
-                    <a:ext uri="{9D8B030D-6E8A-4147-A177-3AD203B41FA5}">
-                      <a16:colId xmlns:a16="http://schemas.microsoft.com/office/drawing/2014/main" val="20001"/>
-                    </a:ext>
-                  </a:extLst>
-                </a:gridCol>
-                <a:gridCol w="1259805">
-                  <a:extLst>
-                    <a:ext uri="{9D8B030D-6E8A-4147-A177-3AD203B41FA5}">
-                      <a16:colId xmlns:a16="http://schemas.microsoft.com/office/drawing/2014/main" val="20002"/>
-                    </a:ext>
-                  </a:extLst>
-                </a:gridCol>
-                <a:gridCol w="1044897">
-                  <a:extLst>
-                    <a:ext uri="{9D8B030D-6E8A-4147-A177-3AD203B41FA5}">
-                      <a16:colId xmlns:a16="http://schemas.microsoft.com/office/drawing/2014/main" val="20003"/>
-                    </a:ext>
-                  </a:extLst>
-                </a:gridCol>
-                <a:gridCol w="1277097">
-                  <a:extLst>
-                    <a:ext uri="{9D8B030D-6E8A-4147-A177-3AD203B41FA5}">
-                      <a16:colId xmlns:a16="http://schemas.microsoft.com/office/drawing/2014/main" val="20004"/>
-                    </a:ext>
-                  </a:extLst>
-                </a:gridCol>
-                <a:gridCol w="1277097">
-                  <a:extLst>
-                    <a:ext uri="{9D8B030D-6E8A-4147-A177-3AD203B41FA5}">
-                      <a16:colId xmlns:a16="http://schemas.microsoft.com/office/drawing/2014/main" val="20005"/>
-                    </a:ext>
-                  </a:extLst>
-                </a:gridCol>
-              </a:tblGrid>
-              <a:tr h="833471">
-                <a:tc>
-                  <a:txBody>
-                    <a:bodyPr/>
-                    <a:lstStyle/>
-                    <a:p>
-                      <a:r>
-                        <a:rPr lang="en-US" sz="2300"/>
-                        <a:t>Cutoff</a:t>
-                      </a:r>
-                    </a:p>
-                  </a:txBody>
-                  <a:tcPr marL="119067" marR="119067" marT="59534" marB="59534"/>
-                </a:tc>
-                <a:tc>
-                  <a:txBody>
-                    <a:bodyPr/>
-                    <a:lstStyle/>
-                    <a:p>
-                      <a:r>
-                        <a:rPr lang="en-US" sz="2300"/>
-                        <a:t>TPR (y)</a:t>
-                      </a:r>
-                    </a:p>
-                  </a:txBody>
-                  <a:tcPr marL="119067" marR="119067" marT="59534" marB="59534"/>
-                </a:tc>
-                <a:tc>
-                  <a:txBody>
-                    <a:bodyPr/>
-                    <a:lstStyle/>
-                    <a:p>
-                      <a:r>
-                        <a:rPr lang="en-US" sz="2300"/>
-                        <a:t>FPR (x)</a:t>
-                      </a:r>
-                    </a:p>
-                  </a:txBody>
-                  <a:tcPr marL="119067" marR="119067" marT="59534" marB="59534"/>
-                </a:tc>
-                <a:tc>
-                  <a:txBody>
-                    <a:bodyPr/>
-                    <a:lstStyle/>
-                    <a:p>
-                      <a:r>
-                        <a:rPr lang="en-US" sz="2300" dirty="0"/>
-                        <a:t>Cutoff</a:t>
-                      </a:r>
-                    </a:p>
-                  </a:txBody>
-                  <a:tcPr marL="119067" marR="119067" marT="59534" marB="59534"/>
-                </a:tc>
-                <a:tc>
-                  <a:txBody>
-                    <a:bodyPr/>
-                    <a:lstStyle/>
-                    <a:p>
-                      <a:r>
-                        <a:rPr lang="en-US" sz="2300"/>
-                        <a:t>TPR (y)</a:t>
-                      </a:r>
-                    </a:p>
-                  </a:txBody>
-                  <a:tcPr marL="119067" marR="119067" marT="59534" marB="59534"/>
-                </a:tc>
-                <a:tc>
-                  <a:txBody>
-                    <a:bodyPr/>
-                    <a:lstStyle/>
-                    <a:p>
-                      <a:r>
-                        <a:rPr lang="en-US" sz="2300"/>
-                        <a:t>FPR (x)</a:t>
-                      </a:r>
-                    </a:p>
-                  </a:txBody>
-                  <a:tcPr marL="119067" marR="119067" marT="59534" marB="59534"/>
-                </a:tc>
-                <a:extLst>
-                  <a:ext uri="{0D108BD9-81ED-4DB2-BD59-A6C34878D82A}">
-                    <a16:rowId xmlns:a16="http://schemas.microsoft.com/office/drawing/2014/main" val="10000"/>
-                  </a:ext>
-                </a:extLst>
-              </a:tr>
-              <a:tr h="476269">
-                <a:tc>
-                  <a:txBody>
-                    <a:bodyPr/>
-                    <a:lstStyle/>
-                    <a:p>
-                      <a:r>
-                        <a:rPr lang="en-US" sz="2300" b="1"/>
-                        <a:t>0</a:t>
-                      </a:r>
-                    </a:p>
-                  </a:txBody>
-                  <a:tcPr marL="119067" marR="119067" marT="59534" marB="59534"/>
-                </a:tc>
-                <a:tc>
-                  <a:txBody>
-                    <a:bodyPr/>
-                    <a:lstStyle/>
-                    <a:p>
-                      <a:endParaRPr lang="en-US" sz="2300"/>
-                    </a:p>
-                  </a:txBody>
-                  <a:tcPr marL="119067" marR="119067" marT="59534" marB="59534"/>
-                </a:tc>
-                <a:tc>
-                  <a:txBody>
-                    <a:bodyPr/>
-                    <a:lstStyle/>
-                    <a:p>
-                      <a:endParaRPr lang="en-US" sz="2300"/>
-                    </a:p>
-                  </a:txBody>
-                  <a:tcPr marL="119067" marR="119067" marT="59534" marB="59534"/>
-                </a:tc>
-                <a:tc>
-                  <a:txBody>
-                    <a:bodyPr/>
-                    <a:lstStyle/>
-                    <a:p>
-                      <a:r>
-                        <a:rPr lang="en-US" sz="2300" b="1"/>
-                        <a:t>0.50</a:t>
-                      </a:r>
-                    </a:p>
-                  </a:txBody>
-                  <a:tcPr marL="119067" marR="119067" marT="59534" marB="59534"/>
-                </a:tc>
-                <a:tc>
-                  <a:txBody>
-                    <a:bodyPr/>
-                    <a:lstStyle/>
-                    <a:p>
-                      <a:endParaRPr lang="en-US" sz="2300"/>
-                    </a:p>
-                  </a:txBody>
-                  <a:tcPr marL="119067" marR="119067" marT="59534" marB="59534"/>
-                </a:tc>
-                <a:tc>
-                  <a:txBody>
-                    <a:bodyPr/>
-                    <a:lstStyle/>
-                    <a:p>
-                      <a:endParaRPr lang="en-US" sz="2300"/>
-                    </a:p>
-                  </a:txBody>
-                  <a:tcPr marL="119067" marR="119067" marT="59534" marB="59534"/>
-                </a:tc>
-                <a:extLst>
-                  <a:ext uri="{0D108BD9-81ED-4DB2-BD59-A6C34878D82A}">
-                    <a16:rowId xmlns:a16="http://schemas.microsoft.com/office/drawing/2014/main" val="10001"/>
-                  </a:ext>
-                </a:extLst>
-              </a:tr>
-              <a:tr h="476269">
-                <a:tc>
-                  <a:txBody>
-                    <a:bodyPr/>
-                    <a:lstStyle/>
-                    <a:p>
-                      <a:r>
-                        <a:rPr lang="en-US" sz="2300" b="1"/>
-                        <a:t>0.05</a:t>
-                      </a:r>
-                    </a:p>
-                  </a:txBody>
-                  <a:tcPr marL="119067" marR="119067" marT="59534" marB="59534"/>
-                </a:tc>
-                <a:tc>
-                  <a:txBody>
-                    <a:bodyPr/>
-                    <a:lstStyle/>
-                    <a:p>
-                      <a:endParaRPr lang="en-US" sz="2300"/>
-                    </a:p>
-                  </a:txBody>
-                  <a:tcPr marL="119067" marR="119067" marT="59534" marB="59534"/>
-                </a:tc>
-                <a:tc>
-                  <a:txBody>
-                    <a:bodyPr/>
-                    <a:lstStyle/>
-                    <a:p>
-                      <a:endParaRPr lang="en-US" sz="2300"/>
-                    </a:p>
-                  </a:txBody>
-                  <a:tcPr marL="119067" marR="119067" marT="59534" marB="59534"/>
-                </a:tc>
-                <a:tc>
-                  <a:txBody>
-                    <a:bodyPr/>
-                    <a:lstStyle/>
-                    <a:p>
-                      <a:r>
-                        <a:rPr lang="en-US" sz="2300" b="1"/>
-                        <a:t>0.65</a:t>
-                      </a:r>
-                    </a:p>
-                  </a:txBody>
-                  <a:tcPr marL="119067" marR="119067" marT="59534" marB="59534"/>
-                </a:tc>
-                <a:tc>
-                  <a:txBody>
-                    <a:bodyPr/>
-                    <a:lstStyle/>
-                    <a:p>
-                      <a:endParaRPr lang="en-US" sz="2300"/>
-                    </a:p>
-                  </a:txBody>
-                  <a:tcPr marL="119067" marR="119067" marT="59534" marB="59534"/>
-                </a:tc>
-                <a:tc>
-                  <a:txBody>
-                    <a:bodyPr/>
-                    <a:lstStyle/>
-                    <a:p>
-                      <a:endParaRPr lang="en-US" sz="2300"/>
-                    </a:p>
-                  </a:txBody>
-                  <a:tcPr marL="119067" marR="119067" marT="59534" marB="59534"/>
-                </a:tc>
-                <a:extLst>
-                  <a:ext uri="{0D108BD9-81ED-4DB2-BD59-A6C34878D82A}">
-                    <a16:rowId xmlns:a16="http://schemas.microsoft.com/office/drawing/2014/main" val="10002"/>
-                  </a:ext>
-                </a:extLst>
-              </a:tr>
-              <a:tr h="476269">
-                <a:tc>
-                  <a:txBody>
-                    <a:bodyPr/>
-                    <a:lstStyle/>
-                    <a:p>
-                      <a:r>
-                        <a:rPr lang="en-US" sz="2300" b="1"/>
-                        <a:t>0.15</a:t>
-                      </a:r>
-                    </a:p>
-                  </a:txBody>
-                  <a:tcPr marL="119067" marR="119067" marT="59534" marB="59534"/>
-                </a:tc>
-                <a:tc>
-                  <a:txBody>
-                    <a:bodyPr/>
-                    <a:lstStyle/>
-                    <a:p>
-                      <a:endParaRPr lang="en-US" sz="2300"/>
-                    </a:p>
-                  </a:txBody>
-                  <a:tcPr marL="119067" marR="119067" marT="59534" marB="59534"/>
-                </a:tc>
-                <a:tc>
-                  <a:txBody>
-                    <a:bodyPr/>
-                    <a:lstStyle/>
-                    <a:p>
-                      <a:endParaRPr lang="en-US" sz="2300"/>
-                    </a:p>
-                  </a:txBody>
-                  <a:tcPr marL="119067" marR="119067" marT="59534" marB="59534"/>
-                </a:tc>
-                <a:tc>
-                  <a:txBody>
-                    <a:bodyPr/>
-                    <a:lstStyle/>
-                    <a:p>
-                      <a:r>
-                        <a:rPr lang="en-US" sz="2300" b="1"/>
-                        <a:t>0.85</a:t>
-                      </a:r>
-                    </a:p>
-                  </a:txBody>
-                  <a:tcPr marL="119067" marR="119067" marT="59534" marB="59534"/>
-                </a:tc>
-                <a:tc>
-                  <a:txBody>
-                    <a:bodyPr/>
-                    <a:lstStyle/>
-                    <a:p>
-                      <a:endParaRPr lang="en-US" sz="2300"/>
-                    </a:p>
-                  </a:txBody>
-                  <a:tcPr marL="119067" marR="119067" marT="59534" marB="59534"/>
-                </a:tc>
-                <a:tc>
-                  <a:txBody>
-                    <a:bodyPr/>
-                    <a:lstStyle/>
-                    <a:p>
-                      <a:endParaRPr lang="en-US" sz="2300"/>
-                    </a:p>
-                  </a:txBody>
-                  <a:tcPr marL="119067" marR="119067" marT="59534" marB="59534"/>
-                </a:tc>
-                <a:extLst>
-                  <a:ext uri="{0D108BD9-81ED-4DB2-BD59-A6C34878D82A}">
-                    <a16:rowId xmlns:a16="http://schemas.microsoft.com/office/drawing/2014/main" val="10003"/>
-                  </a:ext>
-                </a:extLst>
-              </a:tr>
-              <a:tr h="476269">
-                <a:tc>
-                  <a:txBody>
-                    <a:bodyPr/>
-                    <a:lstStyle/>
-                    <a:p>
-                      <a:r>
-                        <a:rPr lang="en-US" sz="2300" b="1"/>
-                        <a:t>0.25</a:t>
-                      </a:r>
-                    </a:p>
-                  </a:txBody>
-                  <a:tcPr marL="119067" marR="119067" marT="59534" marB="59534"/>
-                </a:tc>
-                <a:tc>
-                  <a:txBody>
-                    <a:bodyPr/>
-                    <a:lstStyle/>
-                    <a:p>
-                      <a:endParaRPr lang="en-US" sz="2300"/>
-                    </a:p>
-                  </a:txBody>
-                  <a:tcPr marL="119067" marR="119067" marT="59534" marB="59534"/>
-                </a:tc>
-                <a:tc>
-                  <a:txBody>
-                    <a:bodyPr/>
-                    <a:lstStyle/>
-                    <a:p>
-                      <a:endParaRPr lang="en-US" sz="2300"/>
-                    </a:p>
-                  </a:txBody>
-                  <a:tcPr marL="119067" marR="119067" marT="59534" marB="59534"/>
-                </a:tc>
-                <a:tc>
-                  <a:txBody>
-                    <a:bodyPr/>
-                    <a:lstStyle/>
-                    <a:p>
-                      <a:r>
-                        <a:rPr lang="en-US" sz="2300" b="1"/>
-                        <a:t>1</a:t>
-                      </a:r>
-                    </a:p>
-                  </a:txBody>
-                  <a:tcPr marL="119067" marR="119067" marT="59534" marB="59534"/>
-                </a:tc>
-                <a:tc>
-                  <a:txBody>
-                    <a:bodyPr/>
-                    <a:lstStyle/>
-                    <a:p>
-                      <a:endParaRPr lang="en-US" sz="2300"/>
-                    </a:p>
-                  </a:txBody>
-                  <a:tcPr marL="119067" marR="119067" marT="59534" marB="59534"/>
-                </a:tc>
-                <a:tc>
-                  <a:txBody>
-                    <a:bodyPr/>
-                    <a:lstStyle/>
-                    <a:p>
-                      <a:endParaRPr lang="en-US" sz="2300" dirty="0"/>
-                    </a:p>
-                  </a:txBody>
-                  <a:tcPr marL="119067" marR="119067" marT="59534" marB="59534"/>
-                </a:tc>
-                <a:extLst>
-                  <a:ext uri="{0D108BD9-81ED-4DB2-BD59-A6C34878D82A}">
-                    <a16:rowId xmlns:a16="http://schemas.microsoft.com/office/drawing/2014/main" val="10004"/>
-                  </a:ext>
-                </a:extLst>
-              </a:tr>
-            </a:tbl>
-          </a:graphicData>
-        </a:graphic>
-      </p:graphicFrame>
-      <p:sp>
-        <p:nvSpPr>
-          <p:cNvPr id="9" name="Title 1">
-            <a:extLst>
-              <a:ext uri="{FF2B5EF4-FFF2-40B4-BE49-F238E27FC236}">
-                <a16:creationId xmlns:a16="http://schemas.microsoft.com/office/drawing/2014/main" id="{48FADD3C-60A2-FF4F-9ACE-DF54CA4F4CEF}"/>
-              </a:ext>
-            </a:extLst>
-          </p:cNvPr>
-          <p:cNvSpPr txBox="1">
-            <a:spLocks/>
-          </p:cNvSpPr>
-          <p:nvPr/>
-        </p:nvSpPr>
-        <p:spPr>
-          <a:xfrm>
-            <a:off x="838200" y="365125"/>
-            <a:ext cx="10515600" cy="1325563"/>
-          </a:xfrm>
-          <a:prstGeom prst="rect">
-            <a:avLst/>
-          </a:prstGeom>
-        </p:spPr>
-        <p:txBody>
-          <a:bodyPr vert="horz" lIns="0" tIns="32914" rIns="65828" bIns="32914" rtlCol="0" anchor="ctr">
-            <a:normAutofit/>
-          </a:bodyPr>
-          <a:lstStyle>
-            <a:lvl1pPr algn="l" defTabSz="914400" rtl="0" eaLnBrk="1" latinLnBrk="0" hangingPunct="1">
-              <a:lnSpc>
-                <a:spcPts val="4686"/>
-              </a:lnSpc>
-              <a:spcBef>
-                <a:spcPct val="0"/>
-              </a:spcBef>
-              <a:buNone/>
-              <a:defRPr sz="5078" b="1" kern="1200" cap="all" baseline="0">
-                <a:solidFill>
-                  <a:schemeClr val="tx1"/>
-                </a:solidFill>
-                <a:latin typeface="+mj-lt"/>
-                <a:ea typeface="+mj-ea"/>
-                <a:cs typeface="+mj-cs"/>
-              </a:defRPr>
-            </a:lvl1pPr>
-          </a:lstStyle>
-          <a:p>
-            <a:r>
-              <a:rPr lang="en-US" sz="4000" b="0" cap="none" dirty="0"/>
-              <a:t>ROC Curve</a:t>
-            </a:r>
-          </a:p>
-        </p:txBody>
-      </p:sp>
-      <p:sp>
-        <p:nvSpPr>
-          <p:cNvPr id="3" name="TextBox 2">
-            <a:extLst>
-              <a:ext uri="{FF2B5EF4-FFF2-40B4-BE49-F238E27FC236}">
-                <a16:creationId xmlns:a16="http://schemas.microsoft.com/office/drawing/2014/main" id="{C9769A02-56D9-6C4C-8E4F-5B1A98F6B21F}"/>
-              </a:ext>
-            </a:extLst>
-          </p:cNvPr>
-          <p:cNvSpPr txBox="1"/>
-          <p:nvPr/>
-        </p:nvSpPr>
-        <p:spPr>
-          <a:xfrm>
-            <a:off x="6062597" y="588723"/>
-            <a:ext cx="5660845" cy="369332"/>
-          </a:xfrm>
-          <a:prstGeom prst="rect">
-            <a:avLst/>
-          </a:prstGeom>
-          <a:noFill/>
-        </p:spPr>
-        <p:txBody>
-          <a:bodyPr wrap="none" rtlCol="0">
-            <a:spAutoFit/>
-          </a:bodyPr>
-          <a:lstStyle/>
-          <a:p>
-            <a:r>
-              <a:rPr lang="en-US" dirty="0">
-                <a:hlinkClick r:id="rId3"/>
-              </a:rPr>
-              <a:t>https://www.dataschool.io/roc-curves-and-auc</a:t>
-            </a:r>
-            <a:r>
-              <a:rPr lang="en-US">
-                <a:hlinkClick r:id="rId3"/>
-              </a:rPr>
-              <a:t>-explained/</a:t>
-            </a:r>
-            <a:r>
-              <a:rPr lang="en-US"/>
-              <a:t> </a:t>
-            </a:r>
-          </a:p>
-        </p:txBody>
-      </p:sp>
-    </p:spTree>
-    <p:extLst>
-      <p:ext uri="{BB962C8B-B14F-4D97-AF65-F5344CB8AC3E}">
-        <p14:creationId xmlns:p14="http://schemas.microsoft.com/office/powerpoint/2010/main" val="2093984055"/>
-      </p:ext>
-    </p:extLst>
-  </p:cSld>
-  <p:clrMapOvr>
-    <a:masterClrMapping/>
-  </p:clrMapOvr>
-  <p:transition/>
-  <p:timing>
-    <p:tnLst>
-      <p:par>
-        <p:cTn id="1" dur="indefinite" restart="never" nodeType="tmRoot">
-          <p:childTnLst>
-            <p:seq concurrent="1" nextAc="seek">
-              <p:cTn id="2" dur="indefinite" nodeType="mainSeq">
-                <p:childTnLst>
-                  <p:par>
-                    <p:cTn id="3" fill="hold">
-                      <p:stCondLst>
-                        <p:cond delay="indefinite"/>
-                      </p:stCondLst>
-                      <p:childTnLst>
-                        <p:par>
-                          <p:cTn id="4" fill="hold">
-                            <p:stCondLst>
-                              <p:cond delay="0"/>
-                            </p:stCondLst>
-                            <p:childTnLst>
-                              <p:par>
-                                <p:cTn id="5" presetID="1" presetClass="entr" presetSubtype="0" fill="hold" nodeType="clickEffect">
-                                  <p:stCondLst>
-                                    <p:cond delay="0"/>
-                                  </p:stCondLst>
-                                  <p:childTnLst>
-                                    <p:set>
-                                      <p:cBhvr>
-                                        <p:cTn id="6" dur="1" fill="hold">
-                                          <p:stCondLst>
-                                            <p:cond delay="0"/>
-                                          </p:stCondLst>
-                                        </p:cTn>
-                                        <p:tgtEl>
-                                          <p:spTgt spid="6"/>
-                                        </p:tgtEl>
-                                        <p:attrNameLst>
-                                          <p:attrName>style.visibility</p:attrName>
-                                        </p:attrNameLst>
-                                      </p:cBhvr>
-                                      <p:to>
-                                        <p:strVal val="visible"/>
-                                      </p:to>
-                                    </p:set>
-                                  </p:childTnLst>
-                                </p:cTn>
-                              </p:par>
-                            </p:childTnLst>
-                          </p:cTn>
-                        </p:par>
-                      </p:childTnLst>
-                    </p:cTn>
-                  </p:par>
-                </p:childTnLst>
-              </p:cTn>
-              <p:prevCondLst>
-                <p:cond evt="onPrev" delay="0">
-                  <p:tgtEl>
-                    <p:sldTgt/>
-                  </p:tgtEl>
-                </p:cond>
-              </p:prevCondLst>
-              <p:nextCondLst>
-                <p:cond evt="onNext" delay="0">
-                  <p:tgtEl>
-                    <p:sldTgt/>
-                  </p:tgtEl>
-                </p:cond>
-              </p:nextCondLst>
-            </p:seq>
-          </p:childTnLst>
-        </p:cTn>
-      </p:par>
-    </p:tnLst>
-  </p:timing>
-</p:sld>
-</file>
-
-<file path=ppt/slides/slide12.xml><?xml version="1.0" encoding="utf-8"?>
-<p:sld xmlns:a="http://schemas.openxmlformats.org/drawingml/2006/main" xmlns:r="http://schemas.openxmlformats.org/officeDocument/2006/relationships" xmlns:p="http://schemas.openxmlformats.org/presentationml/2006/main">
-  <p:cSld>
-    <p:spTree>
-      <p:nvGrpSpPr>
-        <p:cNvPr id="1" name=""/>
-        <p:cNvGrpSpPr/>
-        <p:nvPr/>
-      </p:nvGrpSpPr>
-      <p:grpSpPr>
-        <a:xfrm>
-          <a:off x="0" y="0"/>
-          <a:ext cx="0" cy="0"/>
-          <a:chOff x="0" y="0"/>
-          <a:chExt cx="0" cy="0"/>
-        </a:xfrm>
-      </p:grpSpPr>
-      <p:sp>
-        <p:nvSpPr>
-          <p:cNvPr id="5" name="TextBox 4"/>
-          <p:cNvSpPr txBox="1"/>
-          <p:nvPr/>
-        </p:nvSpPr>
-        <p:spPr>
-          <a:xfrm>
-            <a:off x="4905327" y="1444544"/>
-            <a:ext cx="6548704" cy="1938992"/>
-          </a:xfrm>
-          <a:prstGeom prst="rect">
-            <a:avLst/>
-          </a:prstGeom>
-          <a:noFill/>
-        </p:spPr>
-        <p:txBody>
-          <a:bodyPr wrap="square" rtlCol="0">
-            <a:spAutoFit/>
-          </a:bodyPr>
-          <a:lstStyle/>
-          <a:p>
-            <a:pPr algn="l"/>
-            <a:r>
-              <a:rPr lang="en-US" sz="2400" u="sng" dirty="0">
-                <a:latin typeface="PFDinTextCompPro-Italic"/>
-                <a:cs typeface="PFDinTextCompPro-Italic"/>
-              </a:rPr>
-              <a:t>TPR</a:t>
-            </a:r>
-            <a:r>
-              <a:rPr lang="en-US" sz="2400" dirty="0">
-                <a:latin typeface="PFDinTextCompPro-Italic"/>
-                <a:cs typeface="PFDinTextCompPro-Italic"/>
-              </a:rPr>
-              <a:t>: When actual value is </a:t>
-            </a:r>
-            <a:r>
-              <a:rPr lang="en-US" sz="2400" b="1" dirty="0">
-                <a:latin typeface="PFDinTextCompPro-Italic"/>
-                <a:cs typeface="PFDinTextCompPro-Italic"/>
-              </a:rPr>
-              <a:t>spam</a:t>
-            </a:r>
-            <a:r>
-              <a:rPr lang="en-US" sz="2400" dirty="0">
-                <a:latin typeface="PFDinTextCompPro-Italic"/>
-                <a:cs typeface="PFDinTextCompPro-Italic"/>
-              </a:rPr>
-              <a:t>, how often is prediction </a:t>
-            </a:r>
-            <a:r>
-              <a:rPr lang="en-US" sz="2400" b="1" dirty="0">
-                <a:latin typeface="PFDinTextCompPro-Italic"/>
-                <a:cs typeface="PFDinTextCompPro-Italic"/>
-              </a:rPr>
-              <a:t>correct</a:t>
-            </a:r>
-            <a:r>
-              <a:rPr lang="en-US" sz="2400" dirty="0">
-                <a:latin typeface="PFDinTextCompPro-Italic"/>
-                <a:cs typeface="PFDinTextCompPro-Italic"/>
-              </a:rPr>
-              <a:t>?</a:t>
-            </a:r>
-          </a:p>
-          <a:p>
-            <a:pPr algn="l"/>
-            <a:endParaRPr lang="en-US" sz="2400" dirty="0">
-              <a:latin typeface="PFDinTextCompPro-Italic"/>
-              <a:cs typeface="PFDinTextCompPro-Italic"/>
-            </a:endParaRPr>
-          </a:p>
-          <a:p>
-            <a:pPr algn="l"/>
-            <a:r>
-              <a:rPr lang="en-US" sz="2400" u="sng" dirty="0">
-                <a:latin typeface="PFDinTextCompPro-Italic"/>
-                <a:cs typeface="PFDinTextCompPro-Italic"/>
-              </a:rPr>
-              <a:t>FPR</a:t>
-            </a:r>
-            <a:r>
-              <a:rPr lang="en-US" sz="2400" dirty="0">
-                <a:latin typeface="PFDinTextCompPro-Italic"/>
-                <a:cs typeface="PFDinTextCompPro-Italic"/>
-              </a:rPr>
-              <a:t>: When actual value is </a:t>
-            </a:r>
-            <a:r>
-              <a:rPr lang="en-US" sz="2400" b="1" dirty="0">
-                <a:latin typeface="PFDinTextCompPro-Italic"/>
-                <a:cs typeface="PFDinTextCompPro-Italic"/>
-              </a:rPr>
-              <a:t>ham</a:t>
-            </a:r>
-            <a:r>
-              <a:rPr lang="en-US" sz="2400" dirty="0">
-                <a:latin typeface="PFDinTextCompPro-Italic"/>
-                <a:cs typeface="PFDinTextCompPro-Italic"/>
-              </a:rPr>
-              <a:t>, how often is prediction </a:t>
-            </a:r>
-            <a:r>
-              <a:rPr lang="en-US" sz="2400" b="1" dirty="0">
-                <a:latin typeface="PFDinTextCompPro-Italic"/>
-                <a:cs typeface="PFDinTextCompPro-Italic"/>
-              </a:rPr>
-              <a:t>wrong</a:t>
-            </a:r>
-            <a:r>
-              <a:rPr lang="en-US" sz="2400" dirty="0">
-                <a:latin typeface="PFDinTextCompPro-Italic"/>
-                <a:cs typeface="PFDinTextCompPro-Italic"/>
-              </a:rPr>
-              <a:t>?</a:t>
-            </a:r>
-          </a:p>
-        </p:txBody>
-      </p:sp>
-      <p:sp>
-        <p:nvSpPr>
-          <p:cNvPr id="8" name="Slide Number Placeholder 3"/>
-          <p:cNvSpPr>
-            <a:spLocks noGrp="1"/>
-          </p:cNvSpPr>
-          <p:nvPr>
-            <p:ph type="sldNum" sz="quarter" idx="13"/>
-          </p:nvPr>
-        </p:nvSpPr>
-        <p:spPr/>
-        <p:txBody>
-          <a:bodyPr/>
-          <a:lstStyle/>
-          <a:p>
-            <a:pPr>
-              <a:defRPr/>
-            </a:pPr>
-            <a:fld id="{BD5AD749-DAD1-6A4A-A2AA-CB20EAD0AEB7}" type="slidenum">
-              <a:rPr lang="en-US"/>
-              <a:pPr>
-                <a:defRPr/>
-              </a:pPr>
-              <a:t>12</a:t>
-            </a:fld>
-            <a:endParaRPr lang="en-US"/>
-          </a:p>
-        </p:txBody>
-      </p:sp>
-      <p:graphicFrame>
-        <p:nvGraphicFramePr>
-          <p:cNvPr id="2" name="Table 1"/>
-          <p:cNvGraphicFramePr>
-            <a:graphicFrameLocks noGrp="1"/>
-          </p:cNvGraphicFramePr>
-          <p:nvPr>
-            <p:extLst/>
-          </p:nvPr>
-        </p:nvGraphicFramePr>
-        <p:xfrm>
-          <a:off x="425885" y="1642990"/>
-          <a:ext cx="3979197" cy="5053745"/>
-        </p:xfrm>
-        <a:graphic>
-          <a:graphicData uri="http://schemas.openxmlformats.org/drawingml/2006/table">
-            <a:tbl>
-              <a:tblPr firstRow="1" bandRow="1">
-                <a:tableStyleId>{5C22544A-7EE6-4342-B048-85BDC9FD1C3A}</a:tableStyleId>
-              </a:tblPr>
-              <a:tblGrid>
-                <a:gridCol w="1326399">
-                  <a:extLst>
-                    <a:ext uri="{9D8B030D-6E8A-4147-A177-3AD203B41FA5}">
-                      <a16:colId xmlns:a16="http://schemas.microsoft.com/office/drawing/2014/main" val="20000"/>
-                    </a:ext>
-                  </a:extLst>
-                </a:gridCol>
-                <a:gridCol w="1326399">
-                  <a:extLst>
-                    <a:ext uri="{9D8B030D-6E8A-4147-A177-3AD203B41FA5}">
-                      <a16:colId xmlns:a16="http://schemas.microsoft.com/office/drawing/2014/main" val="20001"/>
-                    </a:ext>
-                  </a:extLst>
-                </a:gridCol>
-                <a:gridCol w="1326399">
-                  <a:extLst>
-                    <a:ext uri="{9D8B030D-6E8A-4147-A177-3AD203B41FA5}">
-                      <a16:colId xmlns:a16="http://schemas.microsoft.com/office/drawing/2014/main" val="20002"/>
-                    </a:ext>
-                  </a:extLst>
-                </a:gridCol>
-              </a:tblGrid>
-              <a:tr h="1190673">
-                <a:tc>
-                  <a:txBody>
-                    <a:bodyPr/>
-                    <a:lstStyle/>
-                    <a:p>
-                      <a:r>
-                        <a:rPr lang="en-US" sz="2300" dirty="0"/>
-                        <a:t>Email Number</a:t>
-                      </a:r>
-                    </a:p>
-                  </a:txBody>
-                  <a:tcPr marL="119067" marR="119067" marT="59534" marB="59534"/>
-                </a:tc>
-                <a:tc>
-                  <a:txBody>
-                    <a:bodyPr/>
-                    <a:lstStyle/>
-                    <a:p>
-                      <a:r>
-                        <a:rPr lang="en-US" sz="2300" dirty="0"/>
-                        <a:t>Score</a:t>
-                      </a:r>
-                    </a:p>
-                  </a:txBody>
-                  <a:tcPr marL="119067" marR="119067" marT="59534" marB="59534"/>
-                </a:tc>
-                <a:tc>
-                  <a:txBody>
-                    <a:bodyPr/>
-                    <a:lstStyle/>
-                    <a:p>
-                      <a:r>
-                        <a:rPr lang="en-US" sz="2300" dirty="0"/>
-                        <a:t>True Label</a:t>
-                      </a:r>
-                    </a:p>
-                  </a:txBody>
-                  <a:tcPr marL="119067" marR="119067" marT="59534" marB="59534"/>
-                </a:tc>
-                <a:extLst>
-                  <a:ext uri="{0D108BD9-81ED-4DB2-BD59-A6C34878D82A}">
-                    <a16:rowId xmlns:a16="http://schemas.microsoft.com/office/drawing/2014/main" val="10000"/>
-                  </a:ext>
-                </a:extLst>
-              </a:tr>
-              <a:tr h="482884">
-                <a:tc>
-                  <a:txBody>
-                    <a:bodyPr/>
-                    <a:lstStyle/>
-                    <a:p>
-                      <a:r>
-                        <a:rPr lang="en-US" sz="2300" dirty="0"/>
-                        <a:t>5</a:t>
-                      </a:r>
-                    </a:p>
-                  </a:txBody>
-                  <a:tcPr marL="119067" marR="119067" marT="59534" marB="59534"/>
-                </a:tc>
-                <a:tc>
-                  <a:txBody>
-                    <a:bodyPr/>
-                    <a:lstStyle/>
-                    <a:p>
-                      <a:r>
-                        <a:rPr lang="en-US" sz="2300"/>
-                        <a:t>0.99</a:t>
-                      </a:r>
-                      <a:endParaRPr lang="en-US" sz="2300" dirty="0"/>
-                    </a:p>
-                  </a:txBody>
-                  <a:tcPr marL="119067" marR="119067" marT="59534" marB="59534"/>
-                </a:tc>
-                <a:tc>
-                  <a:txBody>
-                    <a:bodyPr/>
-                    <a:lstStyle/>
-                    <a:p>
-                      <a:r>
-                        <a:rPr lang="en-US" sz="2300" dirty="0"/>
-                        <a:t>Spam</a:t>
-                      </a:r>
-                    </a:p>
-                  </a:txBody>
-                  <a:tcPr marL="119067" marR="119067" marT="59534" marB="59534"/>
-                </a:tc>
-                <a:extLst>
-                  <a:ext uri="{0D108BD9-81ED-4DB2-BD59-A6C34878D82A}">
-                    <a16:rowId xmlns:a16="http://schemas.microsoft.com/office/drawing/2014/main" val="10001"/>
-                  </a:ext>
-                </a:extLst>
-              </a:tr>
-              <a:tr h="482884">
-                <a:tc>
-                  <a:txBody>
-                    <a:bodyPr/>
-                    <a:lstStyle/>
-                    <a:p>
-                      <a:r>
-                        <a:rPr lang="en-US" sz="2300" dirty="0"/>
-                        <a:t>8</a:t>
-                      </a:r>
-                    </a:p>
-                  </a:txBody>
-                  <a:tcPr marL="119067" marR="119067" marT="59534" marB="59534"/>
-                </a:tc>
-                <a:tc>
-                  <a:txBody>
-                    <a:bodyPr/>
-                    <a:lstStyle/>
-                    <a:p>
-                      <a:r>
-                        <a:rPr lang="en-US" sz="2300"/>
-                        <a:t>0.82</a:t>
-                      </a:r>
-                      <a:endParaRPr lang="en-US" sz="2300" dirty="0"/>
-                    </a:p>
-                  </a:txBody>
-                  <a:tcPr marL="119067" marR="119067" marT="59534" marB="59534"/>
-                </a:tc>
-                <a:tc>
-                  <a:txBody>
-                    <a:bodyPr/>
-                    <a:lstStyle/>
-                    <a:p>
-                      <a:r>
-                        <a:rPr lang="en-US" sz="2300" dirty="0"/>
-                        <a:t>Spam</a:t>
-                      </a:r>
-                    </a:p>
-                  </a:txBody>
-                  <a:tcPr marL="119067" marR="119067" marT="59534" marB="59534"/>
-                </a:tc>
-                <a:extLst>
-                  <a:ext uri="{0D108BD9-81ED-4DB2-BD59-A6C34878D82A}">
-                    <a16:rowId xmlns:a16="http://schemas.microsoft.com/office/drawing/2014/main" val="10002"/>
-                  </a:ext>
-                </a:extLst>
-              </a:tr>
-              <a:tr h="482884">
-                <a:tc>
-                  <a:txBody>
-                    <a:bodyPr/>
-                    <a:lstStyle/>
-                    <a:p>
-                      <a:r>
-                        <a:rPr lang="en-US" sz="2300" dirty="0"/>
-                        <a:t>2</a:t>
-                      </a:r>
-                    </a:p>
-                  </a:txBody>
-                  <a:tcPr marL="119067" marR="119067" marT="59534" marB="59534"/>
-                </a:tc>
-                <a:tc>
-                  <a:txBody>
-                    <a:bodyPr/>
-                    <a:lstStyle/>
-                    <a:p>
-                      <a:r>
-                        <a:rPr lang="en-US" sz="2300"/>
-                        <a:t>0.60</a:t>
-                      </a:r>
-                      <a:endParaRPr lang="en-US" sz="2300" dirty="0"/>
-                    </a:p>
-                  </a:txBody>
-                  <a:tcPr marL="119067" marR="119067" marT="59534" marB="59534"/>
-                </a:tc>
-                <a:tc>
-                  <a:txBody>
-                    <a:bodyPr/>
-                    <a:lstStyle/>
-                    <a:p>
-                      <a:r>
-                        <a:rPr lang="en-US" sz="2300" dirty="0"/>
-                        <a:t>Spam</a:t>
-                      </a:r>
-                    </a:p>
-                  </a:txBody>
-                  <a:tcPr marL="119067" marR="119067" marT="59534" marB="59534"/>
-                </a:tc>
-                <a:extLst>
-                  <a:ext uri="{0D108BD9-81ED-4DB2-BD59-A6C34878D82A}">
-                    <a16:rowId xmlns:a16="http://schemas.microsoft.com/office/drawing/2014/main" val="10003"/>
-                  </a:ext>
-                </a:extLst>
-              </a:tr>
-              <a:tr h="482884">
-                <a:tc>
-                  <a:txBody>
-                    <a:bodyPr/>
-                    <a:lstStyle/>
-                    <a:p>
-                      <a:r>
-                        <a:rPr lang="en-US" sz="2300" dirty="0"/>
-                        <a:t>1</a:t>
-                      </a:r>
-                    </a:p>
-                  </a:txBody>
-                  <a:tcPr marL="119067" marR="119067" marT="59534" marB="59534"/>
-                </a:tc>
-                <a:tc>
-                  <a:txBody>
-                    <a:bodyPr/>
-                    <a:lstStyle/>
-                    <a:p>
-                      <a:r>
-                        <a:rPr lang="en-US" sz="2300"/>
-                        <a:t>0.60</a:t>
-                      </a:r>
-                      <a:endParaRPr lang="en-US" sz="2300" dirty="0"/>
-                    </a:p>
-                  </a:txBody>
-                  <a:tcPr marL="119067" marR="119067" marT="59534" marB="59534"/>
-                </a:tc>
-                <a:tc>
-                  <a:txBody>
-                    <a:bodyPr/>
-                    <a:lstStyle/>
-                    <a:p>
-                      <a:r>
-                        <a:rPr lang="en-US" sz="2300" dirty="0"/>
-                        <a:t>Ham</a:t>
-                      </a:r>
-                    </a:p>
-                  </a:txBody>
-                  <a:tcPr marL="119067" marR="119067" marT="59534" marB="59534"/>
-                </a:tc>
-                <a:extLst>
-                  <a:ext uri="{0D108BD9-81ED-4DB2-BD59-A6C34878D82A}">
-                    <a16:rowId xmlns:a16="http://schemas.microsoft.com/office/drawing/2014/main" val="10004"/>
-                  </a:ext>
-                </a:extLst>
-              </a:tr>
-              <a:tr h="482884">
-                <a:tc>
-                  <a:txBody>
-                    <a:bodyPr/>
-                    <a:lstStyle/>
-                    <a:p>
-                      <a:r>
-                        <a:rPr lang="en-US" sz="2300" dirty="0"/>
-                        <a:t>7</a:t>
-                      </a:r>
-                    </a:p>
-                  </a:txBody>
-                  <a:tcPr marL="119067" marR="119067" marT="59534" marB="59534"/>
-                </a:tc>
-                <a:tc>
-                  <a:txBody>
-                    <a:bodyPr/>
-                    <a:lstStyle/>
-                    <a:p>
-                      <a:r>
-                        <a:rPr lang="en-US" sz="2300"/>
-                        <a:t>0.48</a:t>
-                      </a:r>
-                      <a:endParaRPr lang="en-US" sz="2300" dirty="0"/>
-                    </a:p>
-                  </a:txBody>
-                  <a:tcPr marL="119067" marR="119067" marT="59534" marB="59534"/>
-                </a:tc>
-                <a:tc>
-                  <a:txBody>
-                    <a:bodyPr/>
-                    <a:lstStyle/>
-                    <a:p>
-                      <a:r>
-                        <a:rPr lang="en-US" sz="2300" dirty="0"/>
-                        <a:t>Spam</a:t>
-                      </a:r>
-                    </a:p>
-                  </a:txBody>
-                  <a:tcPr marL="119067" marR="119067" marT="59534" marB="59534"/>
-                </a:tc>
-                <a:extLst>
-                  <a:ext uri="{0D108BD9-81ED-4DB2-BD59-A6C34878D82A}">
-                    <a16:rowId xmlns:a16="http://schemas.microsoft.com/office/drawing/2014/main" val="10005"/>
-                  </a:ext>
-                </a:extLst>
-              </a:tr>
-              <a:tr h="482884">
-                <a:tc>
-                  <a:txBody>
-                    <a:bodyPr/>
-                    <a:lstStyle/>
-                    <a:p>
-                      <a:r>
-                        <a:rPr lang="en-US" sz="2300" dirty="0"/>
-                        <a:t>3</a:t>
-                      </a:r>
-                    </a:p>
-                  </a:txBody>
-                  <a:tcPr marL="119067" marR="119067" marT="59534" marB="59534"/>
-                </a:tc>
-                <a:tc>
-                  <a:txBody>
-                    <a:bodyPr/>
-                    <a:lstStyle/>
-                    <a:p>
-                      <a:r>
-                        <a:rPr lang="en-US" sz="2300" dirty="0"/>
-                        <a:t>0.22</a:t>
-                      </a:r>
-                    </a:p>
-                  </a:txBody>
-                  <a:tcPr marL="119067" marR="119067" marT="59534" marB="59534"/>
-                </a:tc>
-                <a:tc>
-                  <a:txBody>
-                    <a:bodyPr/>
-                    <a:lstStyle/>
-                    <a:p>
-                      <a:r>
-                        <a:rPr lang="en-US" sz="2300" dirty="0"/>
-                        <a:t>Ham</a:t>
-                      </a:r>
-                    </a:p>
-                  </a:txBody>
-                  <a:tcPr marL="119067" marR="119067" marT="59534" marB="59534"/>
-                </a:tc>
-                <a:extLst>
-                  <a:ext uri="{0D108BD9-81ED-4DB2-BD59-A6C34878D82A}">
-                    <a16:rowId xmlns:a16="http://schemas.microsoft.com/office/drawing/2014/main" val="10006"/>
-                  </a:ext>
-                </a:extLst>
-              </a:tr>
-              <a:tr h="482884">
-                <a:tc>
-                  <a:txBody>
-                    <a:bodyPr/>
-                    <a:lstStyle/>
-                    <a:p>
-                      <a:r>
-                        <a:rPr lang="en-US" sz="2300" dirty="0"/>
-                        <a:t>4</a:t>
-                      </a:r>
-                    </a:p>
-                  </a:txBody>
-                  <a:tcPr marL="119067" marR="119067" marT="59534" marB="59534"/>
-                </a:tc>
-                <a:tc>
-                  <a:txBody>
-                    <a:bodyPr/>
-                    <a:lstStyle/>
-                    <a:p>
-                      <a:r>
-                        <a:rPr lang="en-US" sz="2300" dirty="0"/>
-                        <a:t>0.10</a:t>
-                      </a:r>
-                    </a:p>
-                  </a:txBody>
-                  <a:tcPr marL="119067" marR="119067" marT="59534" marB="59534"/>
-                </a:tc>
-                <a:tc>
-                  <a:txBody>
-                    <a:bodyPr/>
-                    <a:lstStyle/>
-                    <a:p>
-                      <a:r>
-                        <a:rPr lang="en-US" sz="2300" dirty="0"/>
-                        <a:t>Ham</a:t>
-                      </a:r>
-                    </a:p>
-                  </a:txBody>
-                  <a:tcPr marL="119067" marR="119067" marT="59534" marB="59534"/>
-                </a:tc>
-                <a:extLst>
-                  <a:ext uri="{0D108BD9-81ED-4DB2-BD59-A6C34878D82A}">
-                    <a16:rowId xmlns:a16="http://schemas.microsoft.com/office/drawing/2014/main" val="10007"/>
-                  </a:ext>
-                </a:extLst>
-              </a:tr>
-              <a:tr h="482884">
-                <a:tc>
-                  <a:txBody>
-                    <a:bodyPr/>
-                    <a:lstStyle/>
-                    <a:p>
-                      <a:r>
-                        <a:rPr lang="en-US" sz="2300" dirty="0"/>
-                        <a:t>6</a:t>
-                      </a:r>
-                    </a:p>
-                  </a:txBody>
-                  <a:tcPr marL="119067" marR="119067" marT="59534" marB="59534"/>
-                </a:tc>
-                <a:tc>
-                  <a:txBody>
-                    <a:bodyPr/>
-                    <a:lstStyle/>
-                    <a:p>
-                      <a:r>
-                        <a:rPr lang="en-US" sz="2300" dirty="0"/>
-                        <a:t>0.02</a:t>
-                      </a:r>
-                    </a:p>
-                  </a:txBody>
-                  <a:tcPr marL="119067" marR="119067" marT="59534" marB="59534"/>
-                </a:tc>
-                <a:tc>
-                  <a:txBody>
-                    <a:bodyPr/>
-                    <a:lstStyle/>
-                    <a:p>
-                      <a:r>
-                        <a:rPr lang="en-US" sz="2300" dirty="0"/>
-                        <a:t>Ham</a:t>
-                      </a:r>
-                    </a:p>
-                  </a:txBody>
-                  <a:tcPr marL="119067" marR="119067" marT="59534" marB="59534"/>
-                </a:tc>
-                <a:extLst>
-                  <a:ext uri="{0D108BD9-81ED-4DB2-BD59-A6C34878D82A}">
-                    <a16:rowId xmlns:a16="http://schemas.microsoft.com/office/drawing/2014/main" val="10008"/>
-                  </a:ext>
-                </a:extLst>
-              </a:tr>
-            </a:tbl>
-          </a:graphicData>
-        </a:graphic>
-      </p:graphicFrame>
-      <p:sp>
-        <p:nvSpPr>
-          <p:cNvPr id="9" name="Title 1">
-            <a:extLst>
-              <a:ext uri="{FF2B5EF4-FFF2-40B4-BE49-F238E27FC236}">
-                <a16:creationId xmlns:a16="http://schemas.microsoft.com/office/drawing/2014/main" id="{48FADD3C-60A2-FF4F-9ACE-DF54CA4F4CEF}"/>
-              </a:ext>
-            </a:extLst>
-          </p:cNvPr>
-          <p:cNvSpPr txBox="1">
-            <a:spLocks/>
-          </p:cNvSpPr>
-          <p:nvPr/>
-        </p:nvSpPr>
-        <p:spPr>
-          <a:xfrm>
-            <a:off x="838200" y="365125"/>
-            <a:ext cx="10515600" cy="1325563"/>
-          </a:xfrm>
-          <a:prstGeom prst="rect">
-            <a:avLst/>
-          </a:prstGeom>
-        </p:spPr>
-        <p:txBody>
-          <a:bodyPr vert="horz" lIns="0" tIns="32914" rIns="65828" bIns="32914" rtlCol="0" anchor="ctr">
-            <a:normAutofit/>
-          </a:bodyPr>
-          <a:lstStyle>
-            <a:lvl1pPr algn="l" defTabSz="914400" rtl="0" eaLnBrk="1" latinLnBrk="0" hangingPunct="1">
-              <a:lnSpc>
-                <a:spcPts val="4686"/>
-              </a:lnSpc>
-              <a:spcBef>
-                <a:spcPct val="0"/>
-              </a:spcBef>
-              <a:buNone/>
-              <a:defRPr sz="5078" b="1" kern="1200" cap="all" baseline="0">
-                <a:solidFill>
-                  <a:schemeClr val="tx1"/>
-                </a:solidFill>
-                <a:latin typeface="+mj-lt"/>
-                <a:ea typeface="+mj-ea"/>
-                <a:cs typeface="+mj-cs"/>
-              </a:defRPr>
-            </a:lvl1pPr>
-          </a:lstStyle>
-          <a:p>
-            <a:r>
-              <a:rPr lang="en-US" sz="4000" b="0" cap="none" dirty="0"/>
-              <a:t>ROC Curve</a:t>
-            </a:r>
-          </a:p>
-        </p:txBody>
-      </p:sp>
-      <p:graphicFrame>
-        <p:nvGraphicFramePr>
-          <p:cNvPr id="7" name="Table 6">
-            <a:extLst>
-              <a:ext uri="{FF2B5EF4-FFF2-40B4-BE49-F238E27FC236}">
-                <a16:creationId xmlns:a16="http://schemas.microsoft.com/office/drawing/2014/main" id="{5D51224D-8B71-174D-BC06-833A95690383}"/>
-              </a:ext>
-            </a:extLst>
-          </p:cNvPr>
-          <p:cNvGraphicFramePr>
-            <a:graphicFrameLocks noGrp="1"/>
-          </p:cNvGraphicFramePr>
-          <p:nvPr>
-            <p:extLst>
-              <p:ext uri="{D42A27DB-BD31-4B8C-83A1-F6EECF244321}">
-                <p14:modId xmlns:p14="http://schemas.microsoft.com/office/powerpoint/2010/main" val="3699721119"/>
-              </p:ext>
-            </p:extLst>
-          </p:nvPr>
-        </p:nvGraphicFramePr>
-        <p:xfrm>
-          <a:off x="4905327" y="3712683"/>
-          <a:ext cx="6781458" cy="2738547"/>
-        </p:xfrm>
-        <a:graphic>
-          <a:graphicData uri="http://schemas.openxmlformats.org/drawingml/2006/table">
-            <a:tbl>
-              <a:tblPr firstRow="1" bandRow="1">
-                <a:tableStyleId>{5C22544A-7EE6-4342-B048-85BDC9FD1C3A}</a:tableStyleId>
-              </a:tblPr>
-              <a:tblGrid>
-                <a:gridCol w="1000543">
-                  <a:extLst>
-                    <a:ext uri="{9D8B030D-6E8A-4147-A177-3AD203B41FA5}">
-                      <a16:colId xmlns:a16="http://schemas.microsoft.com/office/drawing/2014/main" val="20000"/>
-                    </a:ext>
-                  </a:extLst>
-                </a:gridCol>
-                <a:gridCol w="1128272">
-                  <a:extLst>
-                    <a:ext uri="{9D8B030D-6E8A-4147-A177-3AD203B41FA5}">
-                      <a16:colId xmlns:a16="http://schemas.microsoft.com/office/drawing/2014/main" val="20001"/>
-                    </a:ext>
-                  </a:extLst>
-                </a:gridCol>
-                <a:gridCol w="1206328">
-                  <a:extLst>
-                    <a:ext uri="{9D8B030D-6E8A-4147-A177-3AD203B41FA5}">
-                      <a16:colId xmlns:a16="http://schemas.microsoft.com/office/drawing/2014/main" val="20002"/>
-                    </a:ext>
-                  </a:extLst>
-                </a:gridCol>
-                <a:gridCol w="1000543">
-                  <a:extLst>
-                    <a:ext uri="{9D8B030D-6E8A-4147-A177-3AD203B41FA5}">
-                      <a16:colId xmlns:a16="http://schemas.microsoft.com/office/drawing/2014/main" val="20003"/>
-                    </a:ext>
-                  </a:extLst>
-                </a:gridCol>
-                <a:gridCol w="1222886">
-                  <a:extLst>
-                    <a:ext uri="{9D8B030D-6E8A-4147-A177-3AD203B41FA5}">
-                      <a16:colId xmlns:a16="http://schemas.microsoft.com/office/drawing/2014/main" val="20004"/>
-                    </a:ext>
-                  </a:extLst>
-                </a:gridCol>
-                <a:gridCol w="1222886">
-                  <a:extLst>
-                    <a:ext uri="{9D8B030D-6E8A-4147-A177-3AD203B41FA5}">
-                      <a16:colId xmlns:a16="http://schemas.microsoft.com/office/drawing/2014/main" val="20005"/>
-                    </a:ext>
-                  </a:extLst>
-                </a:gridCol>
-              </a:tblGrid>
-              <a:tr h="833471">
-                <a:tc>
-                  <a:txBody>
-                    <a:bodyPr/>
-                    <a:lstStyle/>
-                    <a:p>
-                      <a:r>
-                        <a:rPr lang="en-US" sz="2300"/>
-                        <a:t>Cutoff</a:t>
-                      </a:r>
-                    </a:p>
-                  </a:txBody>
-                  <a:tcPr marL="119067" marR="119067" marT="59534" marB="59534"/>
-                </a:tc>
-                <a:tc>
-                  <a:txBody>
-                    <a:bodyPr/>
-                    <a:lstStyle/>
-                    <a:p>
-                      <a:r>
-                        <a:rPr lang="en-US" sz="2300"/>
-                        <a:t>TPR (y)</a:t>
-                      </a:r>
-                    </a:p>
-                  </a:txBody>
-                  <a:tcPr marL="119067" marR="119067" marT="59534" marB="59534"/>
-                </a:tc>
-                <a:tc>
-                  <a:txBody>
-                    <a:bodyPr/>
-                    <a:lstStyle/>
-                    <a:p>
-                      <a:r>
-                        <a:rPr lang="en-US" sz="2300"/>
-                        <a:t>FPR (x)</a:t>
-                      </a:r>
-                    </a:p>
-                  </a:txBody>
-                  <a:tcPr marL="119067" marR="119067" marT="59534" marB="59534"/>
-                </a:tc>
-                <a:tc>
-                  <a:txBody>
-                    <a:bodyPr/>
-                    <a:lstStyle/>
-                    <a:p>
-                      <a:r>
-                        <a:rPr lang="en-US" sz="2300"/>
-                        <a:t>Cutoff</a:t>
-                      </a:r>
-                    </a:p>
-                  </a:txBody>
-                  <a:tcPr marL="119067" marR="119067" marT="59534" marB="59534"/>
-                </a:tc>
-                <a:tc>
-                  <a:txBody>
-                    <a:bodyPr/>
-                    <a:lstStyle/>
-                    <a:p>
-                      <a:r>
-                        <a:rPr lang="en-US" sz="2300"/>
-                        <a:t>TPR (y)</a:t>
-                      </a:r>
-                    </a:p>
-                  </a:txBody>
-                  <a:tcPr marL="119067" marR="119067" marT="59534" marB="59534"/>
-                </a:tc>
-                <a:tc>
-                  <a:txBody>
-                    <a:bodyPr/>
-                    <a:lstStyle/>
-                    <a:p>
-                      <a:r>
-                        <a:rPr lang="en-US" sz="2300"/>
-                        <a:t>FPR (x)</a:t>
-                      </a:r>
-                    </a:p>
-                  </a:txBody>
-                  <a:tcPr marL="119067" marR="119067" marT="59534" marB="59534"/>
-                </a:tc>
-                <a:extLst>
-                  <a:ext uri="{0D108BD9-81ED-4DB2-BD59-A6C34878D82A}">
-                    <a16:rowId xmlns:a16="http://schemas.microsoft.com/office/drawing/2014/main" val="10000"/>
-                  </a:ext>
-                </a:extLst>
-              </a:tr>
-              <a:tr h="476269">
-                <a:tc>
-                  <a:txBody>
-                    <a:bodyPr/>
-                    <a:lstStyle/>
-                    <a:p>
-                      <a:r>
-                        <a:rPr lang="en-US" sz="2300" b="1"/>
-                        <a:t>0</a:t>
-                      </a:r>
-                    </a:p>
-                  </a:txBody>
-                  <a:tcPr marL="119067" marR="119067" marT="59534" marB="59534"/>
-                </a:tc>
-                <a:tc>
-                  <a:txBody>
-                    <a:bodyPr/>
-                    <a:lstStyle/>
-                    <a:p>
-                      <a:r>
-                        <a:rPr lang="en-US" sz="2300"/>
-                        <a:t>1</a:t>
-                      </a:r>
-                    </a:p>
-                  </a:txBody>
-                  <a:tcPr marL="119067" marR="119067" marT="59534" marB="59534"/>
-                </a:tc>
-                <a:tc>
-                  <a:txBody>
-                    <a:bodyPr/>
-                    <a:lstStyle/>
-                    <a:p>
-                      <a:r>
-                        <a:rPr lang="en-US" sz="2300"/>
-                        <a:t>1</a:t>
-                      </a:r>
-                    </a:p>
-                  </a:txBody>
-                  <a:tcPr marL="119067" marR="119067" marT="59534" marB="59534"/>
-                </a:tc>
-                <a:tc>
-                  <a:txBody>
-                    <a:bodyPr/>
-                    <a:lstStyle/>
-                    <a:p>
-                      <a:r>
-                        <a:rPr lang="en-US" sz="2300" b="1"/>
-                        <a:t>0.50</a:t>
-                      </a:r>
-                    </a:p>
-                  </a:txBody>
-                  <a:tcPr marL="119067" marR="119067" marT="59534" marB="59534"/>
-                </a:tc>
-                <a:tc>
-                  <a:txBody>
-                    <a:bodyPr/>
-                    <a:lstStyle/>
-                    <a:p>
-                      <a:r>
-                        <a:rPr lang="en-US" sz="2300"/>
-                        <a:t>0.75</a:t>
-                      </a:r>
-                    </a:p>
-                  </a:txBody>
-                  <a:tcPr marL="119067" marR="119067" marT="59534" marB="59534"/>
-                </a:tc>
-                <a:tc>
-                  <a:txBody>
-                    <a:bodyPr/>
-                    <a:lstStyle/>
-                    <a:p>
-                      <a:r>
-                        <a:rPr lang="en-US" sz="2300"/>
-                        <a:t>0.25</a:t>
-                      </a:r>
-                    </a:p>
-                  </a:txBody>
-                  <a:tcPr marL="119067" marR="119067" marT="59534" marB="59534"/>
-                </a:tc>
-                <a:extLst>
-                  <a:ext uri="{0D108BD9-81ED-4DB2-BD59-A6C34878D82A}">
-                    <a16:rowId xmlns:a16="http://schemas.microsoft.com/office/drawing/2014/main" val="10001"/>
-                  </a:ext>
-                </a:extLst>
-              </a:tr>
-              <a:tr h="476269">
-                <a:tc>
-                  <a:txBody>
-                    <a:bodyPr/>
-                    <a:lstStyle/>
-                    <a:p>
-                      <a:r>
-                        <a:rPr lang="en-US" sz="2300" b="1"/>
-                        <a:t>0.05</a:t>
-                      </a:r>
-                    </a:p>
-                  </a:txBody>
-                  <a:tcPr marL="119067" marR="119067" marT="59534" marB="59534"/>
-                </a:tc>
-                <a:tc>
-                  <a:txBody>
-                    <a:bodyPr/>
-                    <a:lstStyle/>
-                    <a:p>
-                      <a:r>
-                        <a:rPr lang="en-US" sz="2300"/>
-                        <a:t>1</a:t>
-                      </a:r>
-                    </a:p>
-                  </a:txBody>
-                  <a:tcPr marL="119067" marR="119067" marT="59534" marB="59534"/>
-                </a:tc>
-                <a:tc>
-                  <a:txBody>
-                    <a:bodyPr/>
-                    <a:lstStyle/>
-                    <a:p>
-                      <a:r>
-                        <a:rPr lang="en-US" sz="2300"/>
-                        <a:t>0.75</a:t>
-                      </a:r>
-                    </a:p>
-                  </a:txBody>
-                  <a:tcPr marL="119067" marR="119067" marT="59534" marB="59534"/>
-                </a:tc>
-                <a:tc>
-                  <a:txBody>
-                    <a:bodyPr/>
-                    <a:lstStyle/>
-                    <a:p>
-                      <a:r>
-                        <a:rPr lang="en-US" sz="2300" b="1"/>
-                        <a:t>0.65</a:t>
-                      </a:r>
-                    </a:p>
-                  </a:txBody>
-                  <a:tcPr marL="119067" marR="119067" marT="59534" marB="59534"/>
-                </a:tc>
-                <a:tc>
-                  <a:txBody>
-                    <a:bodyPr/>
-                    <a:lstStyle/>
-                    <a:p>
-                      <a:r>
-                        <a:rPr lang="en-US" sz="2300"/>
-                        <a:t>0.5</a:t>
-                      </a:r>
-                    </a:p>
-                  </a:txBody>
-                  <a:tcPr marL="119067" marR="119067" marT="59534" marB="59534"/>
-                </a:tc>
-                <a:tc>
-                  <a:txBody>
-                    <a:bodyPr/>
-                    <a:lstStyle/>
-                    <a:p>
-                      <a:r>
-                        <a:rPr lang="en-US" sz="2300"/>
-                        <a:t>0</a:t>
-                      </a:r>
-                    </a:p>
-                  </a:txBody>
-                  <a:tcPr marL="119067" marR="119067" marT="59534" marB="59534"/>
-                </a:tc>
-                <a:extLst>
-                  <a:ext uri="{0D108BD9-81ED-4DB2-BD59-A6C34878D82A}">
-                    <a16:rowId xmlns:a16="http://schemas.microsoft.com/office/drawing/2014/main" val="10002"/>
-                  </a:ext>
-                </a:extLst>
-              </a:tr>
-              <a:tr h="476269">
-                <a:tc>
-                  <a:txBody>
-                    <a:bodyPr/>
-                    <a:lstStyle/>
-                    <a:p>
-                      <a:r>
-                        <a:rPr lang="en-US" sz="2300" b="1"/>
-                        <a:t>0.15</a:t>
-                      </a:r>
-                    </a:p>
-                  </a:txBody>
-                  <a:tcPr marL="119067" marR="119067" marT="59534" marB="59534"/>
-                </a:tc>
-                <a:tc>
-                  <a:txBody>
-                    <a:bodyPr/>
-                    <a:lstStyle/>
-                    <a:p>
-                      <a:r>
-                        <a:rPr lang="en-US" sz="2300"/>
-                        <a:t>1</a:t>
-                      </a:r>
-                    </a:p>
-                  </a:txBody>
-                  <a:tcPr marL="119067" marR="119067" marT="59534" marB="59534"/>
-                </a:tc>
-                <a:tc>
-                  <a:txBody>
-                    <a:bodyPr/>
-                    <a:lstStyle/>
-                    <a:p>
-                      <a:r>
-                        <a:rPr lang="en-US" sz="2300"/>
-                        <a:t>0.5</a:t>
-                      </a:r>
-                    </a:p>
-                  </a:txBody>
-                  <a:tcPr marL="119067" marR="119067" marT="59534" marB="59534"/>
-                </a:tc>
-                <a:tc>
-                  <a:txBody>
-                    <a:bodyPr/>
-                    <a:lstStyle/>
-                    <a:p>
-                      <a:r>
-                        <a:rPr lang="en-US" sz="2300" b="1"/>
-                        <a:t>0.85</a:t>
-                      </a:r>
-                    </a:p>
-                  </a:txBody>
-                  <a:tcPr marL="119067" marR="119067" marT="59534" marB="59534"/>
-                </a:tc>
-                <a:tc>
-                  <a:txBody>
-                    <a:bodyPr/>
-                    <a:lstStyle/>
-                    <a:p>
-                      <a:r>
-                        <a:rPr lang="en-US" sz="2300"/>
-                        <a:t>0.25</a:t>
-                      </a:r>
-                    </a:p>
-                  </a:txBody>
-                  <a:tcPr marL="119067" marR="119067" marT="59534" marB="59534"/>
-                </a:tc>
-                <a:tc>
-                  <a:txBody>
-                    <a:bodyPr/>
-                    <a:lstStyle/>
-                    <a:p>
-                      <a:r>
-                        <a:rPr lang="en-US" sz="2300"/>
-                        <a:t>0</a:t>
-                      </a:r>
-                    </a:p>
-                  </a:txBody>
-                  <a:tcPr marL="119067" marR="119067" marT="59534" marB="59534"/>
-                </a:tc>
-                <a:extLst>
-                  <a:ext uri="{0D108BD9-81ED-4DB2-BD59-A6C34878D82A}">
-                    <a16:rowId xmlns:a16="http://schemas.microsoft.com/office/drawing/2014/main" val="10003"/>
-                  </a:ext>
-                </a:extLst>
-              </a:tr>
-              <a:tr h="476269">
-                <a:tc>
-                  <a:txBody>
-                    <a:bodyPr/>
-                    <a:lstStyle/>
-                    <a:p>
-                      <a:r>
-                        <a:rPr lang="en-US" sz="2300" b="1"/>
-                        <a:t>0.25</a:t>
-                      </a:r>
-                    </a:p>
-                  </a:txBody>
-                  <a:tcPr marL="119067" marR="119067" marT="59534" marB="59534"/>
-                </a:tc>
-                <a:tc>
-                  <a:txBody>
-                    <a:bodyPr/>
-                    <a:lstStyle/>
-                    <a:p>
-                      <a:r>
-                        <a:rPr lang="en-US" sz="2300"/>
-                        <a:t>1</a:t>
-                      </a:r>
-                    </a:p>
-                  </a:txBody>
-                  <a:tcPr marL="119067" marR="119067" marT="59534" marB="59534"/>
-                </a:tc>
-                <a:tc>
-                  <a:txBody>
-                    <a:bodyPr/>
-                    <a:lstStyle/>
-                    <a:p>
-                      <a:r>
-                        <a:rPr lang="en-US" sz="2300"/>
-                        <a:t>0.25</a:t>
-                      </a:r>
-                    </a:p>
-                  </a:txBody>
-                  <a:tcPr marL="119067" marR="119067" marT="59534" marB="59534"/>
-                </a:tc>
-                <a:tc>
-                  <a:txBody>
-                    <a:bodyPr/>
-                    <a:lstStyle/>
-                    <a:p>
-                      <a:r>
-                        <a:rPr lang="en-US" sz="2300" b="1"/>
-                        <a:t>1</a:t>
-                      </a:r>
-                    </a:p>
-                  </a:txBody>
-                  <a:tcPr marL="119067" marR="119067" marT="59534" marB="59534"/>
-                </a:tc>
-                <a:tc>
-                  <a:txBody>
-                    <a:bodyPr/>
-                    <a:lstStyle/>
-                    <a:p>
-                      <a:r>
-                        <a:rPr lang="en-US" sz="2300"/>
-                        <a:t>0</a:t>
-                      </a:r>
-                    </a:p>
-                  </a:txBody>
-                  <a:tcPr marL="119067" marR="119067" marT="59534" marB="59534"/>
-                </a:tc>
-                <a:tc>
-                  <a:txBody>
-                    <a:bodyPr/>
-                    <a:lstStyle/>
-                    <a:p>
-                      <a:r>
-                        <a:rPr lang="en-US" sz="2300" dirty="0"/>
-                        <a:t>0</a:t>
-                      </a:r>
-                    </a:p>
-                  </a:txBody>
-                  <a:tcPr marL="119067" marR="119067" marT="59534" marB="59534"/>
-                </a:tc>
-                <a:extLst>
-                  <a:ext uri="{0D108BD9-81ED-4DB2-BD59-A6C34878D82A}">
-                    <a16:rowId xmlns:a16="http://schemas.microsoft.com/office/drawing/2014/main" val="10004"/>
-                  </a:ext>
-                </a:extLst>
-              </a:tr>
-            </a:tbl>
-          </a:graphicData>
-        </a:graphic>
-      </p:graphicFrame>
-    </p:spTree>
-    <p:extLst>
-      <p:ext uri="{BB962C8B-B14F-4D97-AF65-F5344CB8AC3E}">
-        <p14:creationId xmlns:p14="http://schemas.microsoft.com/office/powerpoint/2010/main" val="3032948991"/>
-      </p:ext>
-    </p:extLst>
-  </p:cSld>
-  <p:clrMapOvr>
-    <a:masterClrMapping/>
-  </p:clrMapOvr>
-  <p:transition/>
-</p:sld>
-</file>
-
-<file path=ppt/slides/slide13.xml><?xml version="1.0" encoding="utf-8"?>
-<p:sld xmlns:a="http://schemas.openxmlformats.org/drawingml/2006/main" xmlns:r="http://schemas.openxmlformats.org/officeDocument/2006/relationships" xmlns:p="http://schemas.openxmlformats.org/presentationml/2006/main">
-  <p:cSld>
-    <p:spTree>
-      <p:nvGrpSpPr>
-        <p:cNvPr id="1" name=""/>
-        <p:cNvGrpSpPr/>
-        <p:nvPr/>
-      </p:nvGrpSpPr>
-      <p:grpSpPr>
-        <a:xfrm>
-          <a:off x="0" y="0"/>
-          <a:ext cx="0" cy="0"/>
-          <a:chOff x="0" y="0"/>
-          <a:chExt cx="0" cy="0"/>
-        </a:xfrm>
-      </p:grpSpPr>
-      <p:sp>
-        <p:nvSpPr>
-          <p:cNvPr id="5" name="TextBox 4"/>
-          <p:cNvSpPr txBox="1"/>
-          <p:nvPr/>
-        </p:nvSpPr>
-        <p:spPr>
-          <a:xfrm>
-            <a:off x="4905327" y="1444545"/>
-            <a:ext cx="6548704" cy="2677656"/>
-          </a:xfrm>
-          <a:prstGeom prst="rect">
-            <a:avLst/>
-          </a:prstGeom>
-          <a:noFill/>
-        </p:spPr>
-        <p:txBody>
-          <a:bodyPr wrap="square" rtlCol="0">
-            <a:spAutoFit/>
-          </a:bodyPr>
-          <a:lstStyle/>
-          <a:p>
-            <a:pPr algn="l"/>
-            <a:r>
-              <a:rPr lang="en-US" sz="2400" dirty="0">
-                <a:latin typeface="PFDinTextCompPro-Italic"/>
-                <a:cs typeface="PFDinTextCompPro-Italic"/>
-              </a:rPr>
-              <a:t>Q: Would the ROC Curve (and AUC) change if the </a:t>
-            </a:r>
-            <a:r>
-              <a:rPr lang="en-US" sz="2400" b="1">
-                <a:latin typeface="PFDinTextCompPro-Italic"/>
-                <a:cs typeface="PFDinTextCompPro-Italic"/>
-              </a:rPr>
-              <a:t>scores</a:t>
-            </a:r>
-            <a:r>
-              <a:rPr lang="en-US" sz="2400">
-                <a:latin typeface="PFDinTextCompPro-Italic"/>
-                <a:cs typeface="PFDinTextCompPro-Italic"/>
-              </a:rPr>
-              <a:t> changed, </a:t>
-            </a:r>
-            <a:r>
-              <a:rPr lang="en-US" sz="2400" dirty="0">
-                <a:latin typeface="PFDinTextCompPro-Italic"/>
-                <a:cs typeface="PFDinTextCompPro-Italic"/>
-              </a:rPr>
-              <a:t>but the </a:t>
-            </a:r>
-            <a:r>
-              <a:rPr lang="en-US" sz="2400" b="1" dirty="0">
-                <a:latin typeface="PFDinTextCompPro-Italic"/>
-                <a:cs typeface="PFDinTextCompPro-Italic"/>
-              </a:rPr>
-              <a:t>ordering</a:t>
-            </a:r>
-            <a:r>
-              <a:rPr lang="en-US" sz="2400" dirty="0">
-                <a:latin typeface="PFDinTextCompPro-Italic"/>
-                <a:cs typeface="PFDinTextCompPro-Italic"/>
-              </a:rPr>
-              <a:t> remained the same?</a:t>
-            </a:r>
-          </a:p>
-          <a:p>
-            <a:pPr algn="l"/>
-            <a:endParaRPr lang="en-US" sz="2400" dirty="0">
-              <a:latin typeface="PFDinTextCompPro-Italic"/>
-              <a:cs typeface="PFDinTextCompPro-Italic"/>
-            </a:endParaRPr>
-          </a:p>
-          <a:p>
-            <a:pPr algn="l"/>
-            <a:r>
-              <a:rPr lang="en-US" sz="2400" dirty="0">
-                <a:latin typeface="PFDinTextCompPro-Italic"/>
-                <a:cs typeface="PFDinTextCompPro-Italic"/>
-              </a:rPr>
-              <a:t>A: Not at all! The ROC Curve is only sensitive to </a:t>
-            </a:r>
-            <a:r>
-              <a:rPr lang="en-US" sz="2400" b="1" dirty="0">
-                <a:latin typeface="PFDinTextCompPro-Italic"/>
-                <a:cs typeface="PFDinTextCompPro-Italic"/>
-              </a:rPr>
-              <a:t>rank ordering</a:t>
-            </a:r>
-            <a:r>
-              <a:rPr lang="en-US" sz="2400" dirty="0">
-                <a:latin typeface="PFDinTextCompPro-Italic"/>
-                <a:cs typeface="PFDinTextCompPro-Italic"/>
-              </a:rPr>
-              <a:t> and does not require </a:t>
-            </a:r>
-            <a:r>
-              <a:rPr lang="en-US" sz="2400" b="1" dirty="0">
-                <a:latin typeface="PFDinTextCompPro-Italic"/>
-                <a:cs typeface="PFDinTextCompPro-Italic"/>
-              </a:rPr>
-              <a:t>calibrated scores</a:t>
-            </a:r>
-            <a:r>
-              <a:rPr lang="en-US" sz="2400" dirty="0">
-                <a:latin typeface="PFDinTextCompPro-Italic"/>
-                <a:cs typeface="PFDinTextCompPro-Italic"/>
-              </a:rPr>
-              <a:t>.</a:t>
-            </a:r>
-          </a:p>
-        </p:txBody>
-      </p:sp>
-      <p:sp>
-        <p:nvSpPr>
-          <p:cNvPr id="8" name="Slide Number Placeholder 3"/>
-          <p:cNvSpPr>
-            <a:spLocks noGrp="1"/>
-          </p:cNvSpPr>
-          <p:nvPr>
-            <p:ph type="sldNum" sz="quarter" idx="13"/>
-          </p:nvPr>
-        </p:nvSpPr>
-        <p:spPr/>
-        <p:txBody>
-          <a:bodyPr/>
-          <a:lstStyle/>
-          <a:p>
-            <a:pPr>
-              <a:defRPr/>
-            </a:pPr>
-            <a:fld id="{BD5AD749-DAD1-6A4A-A2AA-CB20EAD0AEB7}" type="slidenum">
-              <a:rPr lang="en-US"/>
-              <a:pPr>
-                <a:defRPr/>
-              </a:pPr>
-              <a:t>13</a:t>
-            </a:fld>
-            <a:endParaRPr lang="en-US"/>
-          </a:p>
-        </p:txBody>
-      </p:sp>
-      <p:graphicFrame>
-        <p:nvGraphicFramePr>
-          <p:cNvPr id="2" name="Table 1"/>
-          <p:cNvGraphicFramePr>
-            <a:graphicFrameLocks noGrp="1"/>
-          </p:cNvGraphicFramePr>
-          <p:nvPr>
-            <p:extLst>
-              <p:ext uri="{D42A27DB-BD31-4B8C-83A1-F6EECF244321}">
-                <p14:modId xmlns:p14="http://schemas.microsoft.com/office/powerpoint/2010/main" val="4150153695"/>
-              </p:ext>
-            </p:extLst>
-          </p:nvPr>
-        </p:nvGraphicFramePr>
-        <p:xfrm>
-          <a:off x="162838" y="1642990"/>
-          <a:ext cx="4242243" cy="5053745"/>
-        </p:xfrm>
-        <a:graphic>
-          <a:graphicData uri="http://schemas.openxmlformats.org/drawingml/2006/table">
-            <a:tbl>
-              <a:tblPr firstRow="1" bandRow="1">
-                <a:tableStyleId>{5C22544A-7EE6-4342-B048-85BDC9FD1C3A}</a:tableStyleId>
-              </a:tblPr>
-              <a:tblGrid>
-                <a:gridCol w="1414081">
-                  <a:extLst>
-                    <a:ext uri="{9D8B030D-6E8A-4147-A177-3AD203B41FA5}">
-                      <a16:colId xmlns:a16="http://schemas.microsoft.com/office/drawing/2014/main" val="20000"/>
-                    </a:ext>
-                  </a:extLst>
-                </a:gridCol>
-                <a:gridCol w="1414081">
-                  <a:extLst>
-                    <a:ext uri="{9D8B030D-6E8A-4147-A177-3AD203B41FA5}">
-                      <a16:colId xmlns:a16="http://schemas.microsoft.com/office/drawing/2014/main" val="20001"/>
-                    </a:ext>
-                  </a:extLst>
-                </a:gridCol>
-                <a:gridCol w="1414081">
-                  <a:extLst>
-                    <a:ext uri="{9D8B030D-6E8A-4147-A177-3AD203B41FA5}">
-                      <a16:colId xmlns:a16="http://schemas.microsoft.com/office/drawing/2014/main" val="20002"/>
-                    </a:ext>
-                  </a:extLst>
-                </a:gridCol>
-              </a:tblGrid>
-              <a:tr h="1190673">
-                <a:tc>
-                  <a:txBody>
-                    <a:bodyPr/>
-                    <a:lstStyle/>
-                    <a:p>
-                      <a:r>
-                        <a:rPr lang="en-US" sz="2300" dirty="0"/>
-                        <a:t>Email Number</a:t>
-                      </a:r>
-                    </a:p>
-                  </a:txBody>
-                  <a:tcPr marL="119067" marR="119067" marT="59534" marB="59534"/>
-                </a:tc>
-                <a:tc>
-                  <a:txBody>
-                    <a:bodyPr/>
-                    <a:lstStyle/>
-                    <a:p>
-                      <a:r>
-                        <a:rPr lang="en-US" sz="2300" dirty="0"/>
-                        <a:t>Score</a:t>
-                      </a:r>
-                    </a:p>
-                  </a:txBody>
-                  <a:tcPr marL="119067" marR="119067" marT="59534" marB="59534"/>
-                </a:tc>
-                <a:tc>
-                  <a:txBody>
-                    <a:bodyPr/>
-                    <a:lstStyle/>
-                    <a:p>
-                      <a:r>
-                        <a:rPr lang="en-US" sz="2300" dirty="0"/>
-                        <a:t>True Label</a:t>
-                      </a:r>
-                    </a:p>
-                  </a:txBody>
-                  <a:tcPr marL="119067" marR="119067" marT="59534" marB="59534"/>
-                </a:tc>
-                <a:extLst>
-                  <a:ext uri="{0D108BD9-81ED-4DB2-BD59-A6C34878D82A}">
-                    <a16:rowId xmlns:a16="http://schemas.microsoft.com/office/drawing/2014/main" val="10000"/>
-                  </a:ext>
-                </a:extLst>
-              </a:tr>
-              <a:tr h="482884">
-                <a:tc>
-                  <a:txBody>
-                    <a:bodyPr/>
-                    <a:lstStyle/>
-                    <a:p>
-                      <a:r>
-                        <a:rPr lang="en-US" sz="2300" dirty="0"/>
-                        <a:t>5</a:t>
-                      </a:r>
-                    </a:p>
-                  </a:txBody>
-                  <a:tcPr marL="119067" marR="119067" marT="59534" marB="59534"/>
-                </a:tc>
-                <a:tc>
-                  <a:txBody>
-                    <a:bodyPr/>
-                    <a:lstStyle/>
-                    <a:p>
-                      <a:r>
-                        <a:rPr lang="en-US" sz="2300"/>
-                        <a:t>0.99</a:t>
-                      </a:r>
-                      <a:endParaRPr lang="en-US" sz="2300" dirty="0"/>
-                    </a:p>
-                  </a:txBody>
-                  <a:tcPr marL="119067" marR="119067" marT="59534" marB="59534"/>
-                </a:tc>
-                <a:tc>
-                  <a:txBody>
-                    <a:bodyPr/>
-                    <a:lstStyle/>
-                    <a:p>
-                      <a:r>
-                        <a:rPr lang="en-US" sz="2300" dirty="0"/>
-                        <a:t>Spam</a:t>
-                      </a:r>
-                    </a:p>
-                  </a:txBody>
-                  <a:tcPr marL="119067" marR="119067" marT="59534" marB="59534"/>
-                </a:tc>
-                <a:extLst>
-                  <a:ext uri="{0D108BD9-81ED-4DB2-BD59-A6C34878D82A}">
-                    <a16:rowId xmlns:a16="http://schemas.microsoft.com/office/drawing/2014/main" val="10001"/>
-                  </a:ext>
-                </a:extLst>
-              </a:tr>
-              <a:tr h="482884">
-                <a:tc>
-                  <a:txBody>
-                    <a:bodyPr/>
-                    <a:lstStyle/>
-                    <a:p>
-                      <a:r>
-                        <a:rPr lang="en-US" sz="2300" dirty="0"/>
-                        <a:t>8</a:t>
-                      </a:r>
-                    </a:p>
-                  </a:txBody>
-                  <a:tcPr marL="119067" marR="119067" marT="59534" marB="59534"/>
-                </a:tc>
-                <a:tc>
-                  <a:txBody>
-                    <a:bodyPr/>
-                    <a:lstStyle/>
-                    <a:p>
-                      <a:r>
-                        <a:rPr lang="en-US" sz="2300"/>
-                        <a:t>0.98</a:t>
-                      </a:r>
-                      <a:endParaRPr lang="en-US" sz="2300" dirty="0"/>
-                    </a:p>
-                  </a:txBody>
-                  <a:tcPr marL="119067" marR="119067" marT="59534" marB="59534"/>
-                </a:tc>
-                <a:tc>
-                  <a:txBody>
-                    <a:bodyPr/>
-                    <a:lstStyle/>
-                    <a:p>
-                      <a:r>
-                        <a:rPr lang="en-US" sz="2300" dirty="0"/>
-                        <a:t>Spam</a:t>
-                      </a:r>
-                    </a:p>
-                  </a:txBody>
-                  <a:tcPr marL="119067" marR="119067" marT="59534" marB="59534"/>
-                </a:tc>
-                <a:extLst>
-                  <a:ext uri="{0D108BD9-81ED-4DB2-BD59-A6C34878D82A}">
-                    <a16:rowId xmlns:a16="http://schemas.microsoft.com/office/drawing/2014/main" val="10002"/>
-                  </a:ext>
-                </a:extLst>
-              </a:tr>
-              <a:tr h="482884">
-                <a:tc>
-                  <a:txBody>
-                    <a:bodyPr/>
-                    <a:lstStyle/>
-                    <a:p>
-                      <a:r>
-                        <a:rPr lang="en-US" sz="2300" dirty="0"/>
-                        <a:t>2</a:t>
-                      </a:r>
-                    </a:p>
-                  </a:txBody>
-                  <a:tcPr marL="119067" marR="119067" marT="59534" marB="59534"/>
-                </a:tc>
-                <a:tc>
-                  <a:txBody>
-                    <a:bodyPr/>
-                    <a:lstStyle/>
-                    <a:p>
-                      <a:r>
-                        <a:rPr lang="en-US" sz="2300"/>
-                        <a:t>0.97</a:t>
-                      </a:r>
-                      <a:endParaRPr lang="en-US" sz="2300" dirty="0"/>
-                    </a:p>
-                  </a:txBody>
-                  <a:tcPr marL="119067" marR="119067" marT="59534" marB="59534"/>
-                </a:tc>
-                <a:tc>
-                  <a:txBody>
-                    <a:bodyPr/>
-                    <a:lstStyle/>
-                    <a:p>
-                      <a:r>
-                        <a:rPr lang="en-US" sz="2300" dirty="0"/>
-                        <a:t>Spam</a:t>
-                      </a:r>
-                    </a:p>
-                  </a:txBody>
-                  <a:tcPr marL="119067" marR="119067" marT="59534" marB="59534"/>
-                </a:tc>
-                <a:extLst>
-                  <a:ext uri="{0D108BD9-81ED-4DB2-BD59-A6C34878D82A}">
-                    <a16:rowId xmlns:a16="http://schemas.microsoft.com/office/drawing/2014/main" val="10003"/>
-                  </a:ext>
-                </a:extLst>
-              </a:tr>
-              <a:tr h="482884">
-                <a:tc>
-                  <a:txBody>
-                    <a:bodyPr/>
-                    <a:lstStyle/>
-                    <a:p>
-                      <a:r>
-                        <a:rPr lang="en-US" sz="2300" dirty="0"/>
-                        <a:t>1</a:t>
-                      </a:r>
-                    </a:p>
-                  </a:txBody>
-                  <a:tcPr marL="119067" marR="119067" marT="59534" marB="59534"/>
-                </a:tc>
-                <a:tc>
-                  <a:txBody>
-                    <a:bodyPr/>
-                    <a:lstStyle/>
-                    <a:p>
-                      <a:r>
-                        <a:rPr lang="en-US" sz="2300"/>
-                        <a:t>0.97</a:t>
-                      </a:r>
-                      <a:endParaRPr lang="en-US" sz="2300" dirty="0"/>
-                    </a:p>
-                  </a:txBody>
-                  <a:tcPr marL="119067" marR="119067" marT="59534" marB="59534"/>
-                </a:tc>
-                <a:tc>
-                  <a:txBody>
-                    <a:bodyPr/>
-                    <a:lstStyle/>
-                    <a:p>
-                      <a:r>
-                        <a:rPr lang="en-US" sz="2300" dirty="0"/>
-                        <a:t>Ham</a:t>
-                      </a:r>
-                    </a:p>
-                  </a:txBody>
-                  <a:tcPr marL="119067" marR="119067" marT="59534" marB="59534"/>
-                </a:tc>
-                <a:extLst>
-                  <a:ext uri="{0D108BD9-81ED-4DB2-BD59-A6C34878D82A}">
-                    <a16:rowId xmlns:a16="http://schemas.microsoft.com/office/drawing/2014/main" val="10004"/>
-                  </a:ext>
-                </a:extLst>
-              </a:tr>
-              <a:tr h="482884">
-                <a:tc>
-                  <a:txBody>
-                    <a:bodyPr/>
-                    <a:lstStyle/>
-                    <a:p>
-                      <a:r>
-                        <a:rPr lang="en-US" sz="2300" dirty="0"/>
-                        <a:t>7</a:t>
-                      </a:r>
-                    </a:p>
-                  </a:txBody>
-                  <a:tcPr marL="119067" marR="119067" marT="59534" marB="59534"/>
-                </a:tc>
-                <a:tc>
-                  <a:txBody>
-                    <a:bodyPr/>
-                    <a:lstStyle/>
-                    <a:p>
-                      <a:r>
-                        <a:rPr lang="en-US" sz="2300"/>
-                        <a:t>0.96</a:t>
-                      </a:r>
-                      <a:endParaRPr lang="en-US" sz="2300" dirty="0"/>
-                    </a:p>
-                  </a:txBody>
-                  <a:tcPr marL="119067" marR="119067" marT="59534" marB="59534"/>
-                </a:tc>
-                <a:tc>
-                  <a:txBody>
-                    <a:bodyPr/>
-                    <a:lstStyle/>
-                    <a:p>
-                      <a:r>
-                        <a:rPr lang="en-US" sz="2300" dirty="0"/>
-                        <a:t>Spam</a:t>
-                      </a:r>
-                    </a:p>
-                  </a:txBody>
-                  <a:tcPr marL="119067" marR="119067" marT="59534" marB="59534"/>
-                </a:tc>
-                <a:extLst>
-                  <a:ext uri="{0D108BD9-81ED-4DB2-BD59-A6C34878D82A}">
-                    <a16:rowId xmlns:a16="http://schemas.microsoft.com/office/drawing/2014/main" val="10005"/>
-                  </a:ext>
-                </a:extLst>
-              </a:tr>
-              <a:tr h="482884">
-                <a:tc>
-                  <a:txBody>
-                    <a:bodyPr/>
-                    <a:lstStyle/>
-                    <a:p>
-                      <a:r>
-                        <a:rPr lang="en-US" sz="2300" dirty="0"/>
-                        <a:t>3</a:t>
-                      </a:r>
-                    </a:p>
-                  </a:txBody>
-                  <a:tcPr marL="119067" marR="119067" marT="59534" marB="59534"/>
-                </a:tc>
-                <a:tc>
-                  <a:txBody>
-                    <a:bodyPr/>
-                    <a:lstStyle/>
-                    <a:p>
-                      <a:r>
-                        <a:rPr lang="en-US" sz="2300"/>
-                        <a:t>0.95</a:t>
-                      </a:r>
-                      <a:endParaRPr lang="en-US" sz="2300" dirty="0"/>
-                    </a:p>
-                  </a:txBody>
-                  <a:tcPr marL="119067" marR="119067" marT="59534" marB="59534"/>
-                </a:tc>
-                <a:tc>
-                  <a:txBody>
-                    <a:bodyPr/>
-                    <a:lstStyle/>
-                    <a:p>
-                      <a:r>
-                        <a:rPr lang="en-US" sz="2300" dirty="0"/>
-                        <a:t>Ham</a:t>
-                      </a:r>
-                    </a:p>
-                  </a:txBody>
-                  <a:tcPr marL="119067" marR="119067" marT="59534" marB="59534"/>
-                </a:tc>
-                <a:extLst>
-                  <a:ext uri="{0D108BD9-81ED-4DB2-BD59-A6C34878D82A}">
-                    <a16:rowId xmlns:a16="http://schemas.microsoft.com/office/drawing/2014/main" val="10006"/>
-                  </a:ext>
-                </a:extLst>
-              </a:tr>
-              <a:tr h="482884">
-                <a:tc>
-                  <a:txBody>
-                    <a:bodyPr/>
-                    <a:lstStyle/>
-                    <a:p>
-                      <a:r>
-                        <a:rPr lang="en-US" sz="2300" dirty="0"/>
-                        <a:t>4</a:t>
-                      </a:r>
-                    </a:p>
-                  </a:txBody>
-                  <a:tcPr marL="119067" marR="119067" marT="59534" marB="59534"/>
-                </a:tc>
-                <a:tc>
-                  <a:txBody>
-                    <a:bodyPr/>
-                    <a:lstStyle/>
-                    <a:p>
-                      <a:r>
-                        <a:rPr lang="en-US" sz="2300"/>
-                        <a:t>0.94</a:t>
-                      </a:r>
-                      <a:endParaRPr lang="en-US" sz="2300" dirty="0"/>
-                    </a:p>
-                  </a:txBody>
-                  <a:tcPr marL="119067" marR="119067" marT="59534" marB="59534"/>
-                </a:tc>
-                <a:tc>
-                  <a:txBody>
-                    <a:bodyPr/>
-                    <a:lstStyle/>
-                    <a:p>
-                      <a:r>
-                        <a:rPr lang="en-US" sz="2300" dirty="0"/>
-                        <a:t>Ham</a:t>
-                      </a:r>
-                    </a:p>
-                  </a:txBody>
-                  <a:tcPr marL="119067" marR="119067" marT="59534" marB="59534"/>
-                </a:tc>
-                <a:extLst>
-                  <a:ext uri="{0D108BD9-81ED-4DB2-BD59-A6C34878D82A}">
-                    <a16:rowId xmlns:a16="http://schemas.microsoft.com/office/drawing/2014/main" val="10007"/>
-                  </a:ext>
-                </a:extLst>
-              </a:tr>
-              <a:tr h="482884">
-                <a:tc>
-                  <a:txBody>
-                    <a:bodyPr/>
-                    <a:lstStyle/>
-                    <a:p>
-                      <a:r>
-                        <a:rPr lang="en-US" sz="2300" dirty="0"/>
-                        <a:t>6</a:t>
-                      </a:r>
-                    </a:p>
-                  </a:txBody>
-                  <a:tcPr marL="119067" marR="119067" marT="59534" marB="59534"/>
-                </a:tc>
-                <a:tc>
-                  <a:txBody>
-                    <a:bodyPr/>
-                    <a:lstStyle/>
-                    <a:p>
-                      <a:r>
-                        <a:rPr lang="en-US" sz="2300"/>
-                        <a:t>0.93</a:t>
-                      </a:r>
-                      <a:endParaRPr lang="en-US" sz="2300" dirty="0"/>
-                    </a:p>
-                  </a:txBody>
-                  <a:tcPr marL="119067" marR="119067" marT="59534" marB="59534"/>
-                </a:tc>
-                <a:tc>
-                  <a:txBody>
-                    <a:bodyPr/>
-                    <a:lstStyle/>
-                    <a:p>
-                      <a:r>
-                        <a:rPr lang="en-US" sz="2300" dirty="0"/>
-                        <a:t>Ham</a:t>
-                      </a:r>
-                    </a:p>
-                  </a:txBody>
-                  <a:tcPr marL="119067" marR="119067" marT="59534" marB="59534"/>
-                </a:tc>
-                <a:extLst>
-                  <a:ext uri="{0D108BD9-81ED-4DB2-BD59-A6C34878D82A}">
-                    <a16:rowId xmlns:a16="http://schemas.microsoft.com/office/drawing/2014/main" val="10008"/>
-                  </a:ext>
-                </a:extLst>
-              </a:tr>
-            </a:tbl>
-          </a:graphicData>
-        </a:graphic>
-      </p:graphicFrame>
-      <p:sp>
-        <p:nvSpPr>
-          <p:cNvPr id="9" name="Title 1">
-            <a:extLst>
-              <a:ext uri="{FF2B5EF4-FFF2-40B4-BE49-F238E27FC236}">
-                <a16:creationId xmlns:a16="http://schemas.microsoft.com/office/drawing/2014/main" id="{5CF0AD21-EB7C-AD4C-83EF-4A88FCD598E1}"/>
-              </a:ext>
-            </a:extLst>
-          </p:cNvPr>
-          <p:cNvSpPr txBox="1">
-            <a:spLocks/>
-          </p:cNvSpPr>
-          <p:nvPr/>
-        </p:nvSpPr>
-        <p:spPr>
-          <a:xfrm>
-            <a:off x="838200" y="365125"/>
-            <a:ext cx="10515600" cy="1325563"/>
-          </a:xfrm>
-          <a:prstGeom prst="rect">
-            <a:avLst/>
-          </a:prstGeom>
-        </p:spPr>
-        <p:txBody>
-          <a:bodyPr vert="horz" lIns="0" tIns="32914" rIns="65828" bIns="32914" rtlCol="0" anchor="ctr">
-            <a:normAutofit/>
-          </a:bodyPr>
-          <a:lstStyle>
-            <a:lvl1pPr algn="l" defTabSz="914400" rtl="0" eaLnBrk="1" latinLnBrk="0" hangingPunct="1">
-              <a:lnSpc>
-                <a:spcPts val="4686"/>
-              </a:lnSpc>
-              <a:spcBef>
-                <a:spcPct val="0"/>
-              </a:spcBef>
-              <a:buNone/>
-              <a:defRPr sz="5078" b="1" kern="1200" cap="all" baseline="0">
-                <a:solidFill>
-                  <a:schemeClr val="tx1"/>
-                </a:solidFill>
-                <a:latin typeface="+mj-lt"/>
-                <a:ea typeface="+mj-ea"/>
-                <a:cs typeface="+mj-cs"/>
-              </a:defRPr>
-            </a:lvl1pPr>
-          </a:lstStyle>
-          <a:p>
-            <a:r>
-              <a:rPr lang="en-US" sz="4000" b="0" cap="none" dirty="0"/>
-              <a:t>ROC Curve</a:t>
-            </a:r>
-          </a:p>
-        </p:txBody>
-      </p:sp>
-    </p:spTree>
-    <p:extLst>
-      <p:ext uri="{BB962C8B-B14F-4D97-AF65-F5344CB8AC3E}">
-        <p14:creationId xmlns:p14="http://schemas.microsoft.com/office/powerpoint/2010/main" val="629016473"/>
+        <p14:creationId xmlns:p14="http://schemas.microsoft.com/office/powerpoint/2010/main" val="810964624"/>
       </p:ext>
     </p:extLst>
   </p:cSld>
@@ -9219,6 +6710,3169 @@
 </p:sld>
 </file>
 
+<file path=ppt/slides/slide17.xml><?xml version="1.0" encoding="utf-8"?>
+<p:sld xmlns:a="http://schemas.openxmlformats.org/drawingml/2006/main" xmlns:r="http://schemas.openxmlformats.org/officeDocument/2006/relationships" xmlns:p="http://schemas.openxmlformats.org/presentationml/2006/main">
+  <p:cSld>
+    <p:spTree>
+      <p:nvGrpSpPr>
+        <p:cNvPr id="1" name=""/>
+        <p:cNvGrpSpPr/>
+        <p:nvPr/>
+      </p:nvGrpSpPr>
+      <p:grpSpPr>
+        <a:xfrm>
+          <a:off x="0" y="0"/>
+          <a:ext cx="0" cy="0"/>
+          <a:chOff x="0" y="0"/>
+          <a:chExt cx="0" cy="0"/>
+        </a:xfrm>
+      </p:grpSpPr>
+      <p:sp>
+        <p:nvSpPr>
+          <p:cNvPr id="5" name="TextBox 4"/>
+          <p:cNvSpPr txBox="1"/>
+          <p:nvPr/>
+        </p:nvSpPr>
+        <p:spPr>
+          <a:xfrm>
+            <a:off x="7584342" y="1246100"/>
+            <a:ext cx="1984456" cy="461665"/>
+          </a:xfrm>
+          <a:prstGeom prst="rect">
+            <a:avLst/>
+          </a:prstGeom>
+          <a:noFill/>
+        </p:spPr>
+        <p:txBody>
+          <a:bodyPr wrap="square" rtlCol="0">
+            <a:spAutoFit/>
+          </a:bodyPr>
+          <a:lstStyle/>
+          <a:p>
+            <a:pPr algn="l"/>
+            <a:r>
+              <a:rPr lang="en-US" sz="2400" dirty="0">
+                <a:latin typeface="PFDinTextCompPro-Italic"/>
+                <a:cs typeface="PFDinTextCompPro-Italic"/>
+              </a:rPr>
+              <a:t>ROC Curve</a:t>
+            </a:r>
+          </a:p>
+        </p:txBody>
+      </p:sp>
+      <p:sp>
+        <p:nvSpPr>
+          <p:cNvPr id="8" name="Slide Number Placeholder 3"/>
+          <p:cNvSpPr>
+            <a:spLocks noGrp="1"/>
+          </p:cNvSpPr>
+          <p:nvPr>
+            <p:ph type="sldNum" sz="quarter" idx="13"/>
+          </p:nvPr>
+        </p:nvSpPr>
+        <p:spPr/>
+        <p:txBody>
+          <a:bodyPr/>
+          <a:lstStyle/>
+          <a:p>
+            <a:pPr>
+              <a:defRPr/>
+            </a:pPr>
+            <a:fld id="{BD5AD749-DAD1-6A4A-A2AA-CB20EAD0AEB7}" type="slidenum">
+              <a:rPr lang="en-US"/>
+              <a:pPr>
+                <a:defRPr/>
+              </a:pPr>
+              <a:t>17</a:t>
+            </a:fld>
+            <a:endParaRPr lang="en-US"/>
+          </a:p>
+        </p:txBody>
+      </p:sp>
+      <p:graphicFrame>
+        <p:nvGraphicFramePr>
+          <p:cNvPr id="2" name="Table 1"/>
+          <p:cNvGraphicFramePr>
+            <a:graphicFrameLocks noGrp="1"/>
+          </p:cNvGraphicFramePr>
+          <p:nvPr>
+            <p:extLst/>
+          </p:nvPr>
+        </p:nvGraphicFramePr>
+        <p:xfrm>
+          <a:off x="488516" y="1642990"/>
+          <a:ext cx="3916566" cy="5053745"/>
+        </p:xfrm>
+        <a:graphic>
+          <a:graphicData uri="http://schemas.openxmlformats.org/drawingml/2006/table">
+            <a:tbl>
+              <a:tblPr firstRow="1" bandRow="1">
+                <a:tableStyleId>{5C22544A-7EE6-4342-B048-85BDC9FD1C3A}</a:tableStyleId>
+              </a:tblPr>
+              <a:tblGrid>
+                <a:gridCol w="1305522">
+                  <a:extLst>
+                    <a:ext uri="{9D8B030D-6E8A-4147-A177-3AD203B41FA5}">
+                      <a16:colId xmlns:a16="http://schemas.microsoft.com/office/drawing/2014/main" val="20000"/>
+                    </a:ext>
+                  </a:extLst>
+                </a:gridCol>
+                <a:gridCol w="1305522">
+                  <a:extLst>
+                    <a:ext uri="{9D8B030D-6E8A-4147-A177-3AD203B41FA5}">
+                      <a16:colId xmlns:a16="http://schemas.microsoft.com/office/drawing/2014/main" val="20001"/>
+                    </a:ext>
+                  </a:extLst>
+                </a:gridCol>
+                <a:gridCol w="1305522">
+                  <a:extLst>
+                    <a:ext uri="{9D8B030D-6E8A-4147-A177-3AD203B41FA5}">
+                      <a16:colId xmlns:a16="http://schemas.microsoft.com/office/drawing/2014/main" val="20002"/>
+                    </a:ext>
+                  </a:extLst>
+                </a:gridCol>
+              </a:tblGrid>
+              <a:tr h="1190673">
+                <a:tc>
+                  <a:txBody>
+                    <a:bodyPr/>
+                    <a:lstStyle/>
+                    <a:p>
+                      <a:r>
+                        <a:rPr lang="en-US" sz="2300" dirty="0"/>
+                        <a:t>Email Number</a:t>
+                      </a:r>
+                    </a:p>
+                  </a:txBody>
+                  <a:tcPr marL="119067" marR="119067" marT="59534" marB="59534"/>
+                </a:tc>
+                <a:tc>
+                  <a:txBody>
+                    <a:bodyPr/>
+                    <a:lstStyle/>
+                    <a:p>
+                      <a:r>
+                        <a:rPr lang="en-US" sz="2300" dirty="0"/>
+                        <a:t>Score</a:t>
+                      </a:r>
+                    </a:p>
+                  </a:txBody>
+                  <a:tcPr marL="119067" marR="119067" marT="59534" marB="59534"/>
+                </a:tc>
+                <a:tc>
+                  <a:txBody>
+                    <a:bodyPr/>
+                    <a:lstStyle/>
+                    <a:p>
+                      <a:r>
+                        <a:rPr lang="en-US" sz="2300" dirty="0"/>
+                        <a:t>True Label</a:t>
+                      </a:r>
+                    </a:p>
+                  </a:txBody>
+                  <a:tcPr marL="119067" marR="119067" marT="59534" marB="59534"/>
+                </a:tc>
+                <a:extLst>
+                  <a:ext uri="{0D108BD9-81ED-4DB2-BD59-A6C34878D82A}">
+                    <a16:rowId xmlns:a16="http://schemas.microsoft.com/office/drawing/2014/main" val="10000"/>
+                  </a:ext>
+                </a:extLst>
+              </a:tr>
+              <a:tr h="482884">
+                <a:tc>
+                  <a:txBody>
+                    <a:bodyPr/>
+                    <a:lstStyle/>
+                    <a:p>
+                      <a:r>
+                        <a:rPr lang="en-US" sz="2300" dirty="0"/>
+                        <a:t>5</a:t>
+                      </a:r>
+                    </a:p>
+                  </a:txBody>
+                  <a:tcPr marL="119067" marR="119067" marT="59534" marB="59534"/>
+                </a:tc>
+                <a:tc>
+                  <a:txBody>
+                    <a:bodyPr/>
+                    <a:lstStyle/>
+                    <a:p>
+                      <a:r>
+                        <a:rPr lang="en-US" sz="2300"/>
+                        <a:t>0.99</a:t>
+                      </a:r>
+                      <a:endParaRPr lang="en-US" sz="2300" dirty="0"/>
+                    </a:p>
+                  </a:txBody>
+                  <a:tcPr marL="119067" marR="119067" marT="59534" marB="59534"/>
+                </a:tc>
+                <a:tc>
+                  <a:txBody>
+                    <a:bodyPr/>
+                    <a:lstStyle/>
+                    <a:p>
+                      <a:r>
+                        <a:rPr lang="en-US" sz="2300" dirty="0"/>
+                        <a:t>Spam</a:t>
+                      </a:r>
+                    </a:p>
+                  </a:txBody>
+                  <a:tcPr marL="119067" marR="119067" marT="59534" marB="59534"/>
+                </a:tc>
+                <a:extLst>
+                  <a:ext uri="{0D108BD9-81ED-4DB2-BD59-A6C34878D82A}">
+                    <a16:rowId xmlns:a16="http://schemas.microsoft.com/office/drawing/2014/main" val="10001"/>
+                  </a:ext>
+                </a:extLst>
+              </a:tr>
+              <a:tr h="482884">
+                <a:tc>
+                  <a:txBody>
+                    <a:bodyPr/>
+                    <a:lstStyle/>
+                    <a:p>
+                      <a:r>
+                        <a:rPr lang="en-US" sz="2300" dirty="0"/>
+                        <a:t>8</a:t>
+                      </a:r>
+                    </a:p>
+                  </a:txBody>
+                  <a:tcPr marL="119067" marR="119067" marT="59534" marB="59534"/>
+                </a:tc>
+                <a:tc>
+                  <a:txBody>
+                    <a:bodyPr/>
+                    <a:lstStyle/>
+                    <a:p>
+                      <a:r>
+                        <a:rPr lang="en-US" sz="2300"/>
+                        <a:t>0.82</a:t>
+                      </a:r>
+                      <a:endParaRPr lang="en-US" sz="2300" dirty="0"/>
+                    </a:p>
+                  </a:txBody>
+                  <a:tcPr marL="119067" marR="119067" marT="59534" marB="59534"/>
+                </a:tc>
+                <a:tc>
+                  <a:txBody>
+                    <a:bodyPr/>
+                    <a:lstStyle/>
+                    <a:p>
+                      <a:r>
+                        <a:rPr lang="en-US" sz="2300" dirty="0"/>
+                        <a:t>Spam</a:t>
+                      </a:r>
+                    </a:p>
+                  </a:txBody>
+                  <a:tcPr marL="119067" marR="119067" marT="59534" marB="59534"/>
+                </a:tc>
+                <a:extLst>
+                  <a:ext uri="{0D108BD9-81ED-4DB2-BD59-A6C34878D82A}">
+                    <a16:rowId xmlns:a16="http://schemas.microsoft.com/office/drawing/2014/main" val="10002"/>
+                  </a:ext>
+                </a:extLst>
+              </a:tr>
+              <a:tr h="482884">
+                <a:tc>
+                  <a:txBody>
+                    <a:bodyPr/>
+                    <a:lstStyle/>
+                    <a:p>
+                      <a:r>
+                        <a:rPr lang="en-US" sz="2300" dirty="0"/>
+                        <a:t>2</a:t>
+                      </a:r>
+                    </a:p>
+                  </a:txBody>
+                  <a:tcPr marL="119067" marR="119067" marT="59534" marB="59534"/>
+                </a:tc>
+                <a:tc>
+                  <a:txBody>
+                    <a:bodyPr/>
+                    <a:lstStyle/>
+                    <a:p>
+                      <a:r>
+                        <a:rPr lang="en-US" sz="2300"/>
+                        <a:t>0.60</a:t>
+                      </a:r>
+                      <a:endParaRPr lang="en-US" sz="2300" dirty="0"/>
+                    </a:p>
+                  </a:txBody>
+                  <a:tcPr marL="119067" marR="119067" marT="59534" marB="59534"/>
+                </a:tc>
+                <a:tc>
+                  <a:txBody>
+                    <a:bodyPr/>
+                    <a:lstStyle/>
+                    <a:p>
+                      <a:r>
+                        <a:rPr lang="en-US" sz="2300" dirty="0"/>
+                        <a:t>Spam</a:t>
+                      </a:r>
+                    </a:p>
+                  </a:txBody>
+                  <a:tcPr marL="119067" marR="119067" marT="59534" marB="59534"/>
+                </a:tc>
+                <a:extLst>
+                  <a:ext uri="{0D108BD9-81ED-4DB2-BD59-A6C34878D82A}">
+                    <a16:rowId xmlns:a16="http://schemas.microsoft.com/office/drawing/2014/main" val="10003"/>
+                  </a:ext>
+                </a:extLst>
+              </a:tr>
+              <a:tr h="482884">
+                <a:tc>
+                  <a:txBody>
+                    <a:bodyPr/>
+                    <a:lstStyle/>
+                    <a:p>
+                      <a:r>
+                        <a:rPr lang="en-US" sz="2300" dirty="0"/>
+                        <a:t>1</a:t>
+                      </a:r>
+                    </a:p>
+                  </a:txBody>
+                  <a:tcPr marL="119067" marR="119067" marT="59534" marB="59534"/>
+                </a:tc>
+                <a:tc>
+                  <a:txBody>
+                    <a:bodyPr/>
+                    <a:lstStyle/>
+                    <a:p>
+                      <a:r>
+                        <a:rPr lang="en-US" sz="2300"/>
+                        <a:t>0.60</a:t>
+                      </a:r>
+                      <a:endParaRPr lang="en-US" sz="2300" dirty="0"/>
+                    </a:p>
+                  </a:txBody>
+                  <a:tcPr marL="119067" marR="119067" marT="59534" marB="59534"/>
+                </a:tc>
+                <a:tc>
+                  <a:txBody>
+                    <a:bodyPr/>
+                    <a:lstStyle/>
+                    <a:p>
+                      <a:r>
+                        <a:rPr lang="en-US" sz="2300" dirty="0"/>
+                        <a:t>Ham</a:t>
+                      </a:r>
+                    </a:p>
+                  </a:txBody>
+                  <a:tcPr marL="119067" marR="119067" marT="59534" marB="59534"/>
+                </a:tc>
+                <a:extLst>
+                  <a:ext uri="{0D108BD9-81ED-4DB2-BD59-A6C34878D82A}">
+                    <a16:rowId xmlns:a16="http://schemas.microsoft.com/office/drawing/2014/main" val="10004"/>
+                  </a:ext>
+                </a:extLst>
+              </a:tr>
+              <a:tr h="482884">
+                <a:tc>
+                  <a:txBody>
+                    <a:bodyPr/>
+                    <a:lstStyle/>
+                    <a:p>
+                      <a:r>
+                        <a:rPr lang="en-US" sz="2300" dirty="0"/>
+                        <a:t>7</a:t>
+                      </a:r>
+                    </a:p>
+                  </a:txBody>
+                  <a:tcPr marL="119067" marR="119067" marT="59534" marB="59534"/>
+                </a:tc>
+                <a:tc>
+                  <a:txBody>
+                    <a:bodyPr/>
+                    <a:lstStyle/>
+                    <a:p>
+                      <a:r>
+                        <a:rPr lang="en-US" sz="2300"/>
+                        <a:t>0.48</a:t>
+                      </a:r>
+                      <a:endParaRPr lang="en-US" sz="2300" dirty="0"/>
+                    </a:p>
+                  </a:txBody>
+                  <a:tcPr marL="119067" marR="119067" marT="59534" marB="59534"/>
+                </a:tc>
+                <a:tc>
+                  <a:txBody>
+                    <a:bodyPr/>
+                    <a:lstStyle/>
+                    <a:p>
+                      <a:r>
+                        <a:rPr lang="en-US" sz="2300" dirty="0"/>
+                        <a:t>Spam</a:t>
+                      </a:r>
+                    </a:p>
+                  </a:txBody>
+                  <a:tcPr marL="119067" marR="119067" marT="59534" marB="59534"/>
+                </a:tc>
+                <a:extLst>
+                  <a:ext uri="{0D108BD9-81ED-4DB2-BD59-A6C34878D82A}">
+                    <a16:rowId xmlns:a16="http://schemas.microsoft.com/office/drawing/2014/main" val="10005"/>
+                  </a:ext>
+                </a:extLst>
+              </a:tr>
+              <a:tr h="482884">
+                <a:tc>
+                  <a:txBody>
+                    <a:bodyPr/>
+                    <a:lstStyle/>
+                    <a:p>
+                      <a:r>
+                        <a:rPr lang="en-US" sz="2300" dirty="0"/>
+                        <a:t>3</a:t>
+                      </a:r>
+                    </a:p>
+                  </a:txBody>
+                  <a:tcPr marL="119067" marR="119067" marT="59534" marB="59534"/>
+                </a:tc>
+                <a:tc>
+                  <a:txBody>
+                    <a:bodyPr/>
+                    <a:lstStyle/>
+                    <a:p>
+                      <a:r>
+                        <a:rPr lang="en-US" sz="2300" dirty="0"/>
+                        <a:t>0.22</a:t>
+                      </a:r>
+                    </a:p>
+                  </a:txBody>
+                  <a:tcPr marL="119067" marR="119067" marT="59534" marB="59534"/>
+                </a:tc>
+                <a:tc>
+                  <a:txBody>
+                    <a:bodyPr/>
+                    <a:lstStyle/>
+                    <a:p>
+                      <a:r>
+                        <a:rPr lang="en-US" sz="2300" dirty="0"/>
+                        <a:t>Ham</a:t>
+                      </a:r>
+                    </a:p>
+                  </a:txBody>
+                  <a:tcPr marL="119067" marR="119067" marT="59534" marB="59534"/>
+                </a:tc>
+                <a:extLst>
+                  <a:ext uri="{0D108BD9-81ED-4DB2-BD59-A6C34878D82A}">
+                    <a16:rowId xmlns:a16="http://schemas.microsoft.com/office/drawing/2014/main" val="10006"/>
+                  </a:ext>
+                </a:extLst>
+              </a:tr>
+              <a:tr h="482884">
+                <a:tc>
+                  <a:txBody>
+                    <a:bodyPr/>
+                    <a:lstStyle/>
+                    <a:p>
+                      <a:r>
+                        <a:rPr lang="en-US" sz="2300" dirty="0"/>
+                        <a:t>4</a:t>
+                      </a:r>
+                    </a:p>
+                  </a:txBody>
+                  <a:tcPr marL="119067" marR="119067" marT="59534" marB="59534"/>
+                </a:tc>
+                <a:tc>
+                  <a:txBody>
+                    <a:bodyPr/>
+                    <a:lstStyle/>
+                    <a:p>
+                      <a:r>
+                        <a:rPr lang="en-US" sz="2300" dirty="0"/>
+                        <a:t>0.10</a:t>
+                      </a:r>
+                    </a:p>
+                  </a:txBody>
+                  <a:tcPr marL="119067" marR="119067" marT="59534" marB="59534"/>
+                </a:tc>
+                <a:tc>
+                  <a:txBody>
+                    <a:bodyPr/>
+                    <a:lstStyle/>
+                    <a:p>
+                      <a:r>
+                        <a:rPr lang="en-US" sz="2300" dirty="0"/>
+                        <a:t>Ham</a:t>
+                      </a:r>
+                    </a:p>
+                  </a:txBody>
+                  <a:tcPr marL="119067" marR="119067" marT="59534" marB="59534"/>
+                </a:tc>
+                <a:extLst>
+                  <a:ext uri="{0D108BD9-81ED-4DB2-BD59-A6C34878D82A}">
+                    <a16:rowId xmlns:a16="http://schemas.microsoft.com/office/drawing/2014/main" val="10007"/>
+                  </a:ext>
+                </a:extLst>
+              </a:tr>
+              <a:tr h="482884">
+                <a:tc>
+                  <a:txBody>
+                    <a:bodyPr/>
+                    <a:lstStyle/>
+                    <a:p>
+                      <a:r>
+                        <a:rPr lang="en-US" sz="2300" dirty="0"/>
+                        <a:t>6</a:t>
+                      </a:r>
+                    </a:p>
+                  </a:txBody>
+                  <a:tcPr marL="119067" marR="119067" marT="59534" marB="59534"/>
+                </a:tc>
+                <a:tc>
+                  <a:txBody>
+                    <a:bodyPr/>
+                    <a:lstStyle/>
+                    <a:p>
+                      <a:r>
+                        <a:rPr lang="en-US" sz="2300" dirty="0"/>
+                        <a:t>0.02</a:t>
+                      </a:r>
+                    </a:p>
+                  </a:txBody>
+                  <a:tcPr marL="119067" marR="119067" marT="59534" marB="59534"/>
+                </a:tc>
+                <a:tc>
+                  <a:txBody>
+                    <a:bodyPr/>
+                    <a:lstStyle/>
+                    <a:p>
+                      <a:r>
+                        <a:rPr lang="en-US" sz="2300" dirty="0"/>
+                        <a:t>Ham</a:t>
+                      </a:r>
+                    </a:p>
+                  </a:txBody>
+                  <a:tcPr marL="119067" marR="119067" marT="59534" marB="59534"/>
+                </a:tc>
+                <a:extLst>
+                  <a:ext uri="{0D108BD9-81ED-4DB2-BD59-A6C34878D82A}">
+                    <a16:rowId xmlns:a16="http://schemas.microsoft.com/office/drawing/2014/main" val="10008"/>
+                  </a:ext>
+                </a:extLst>
+              </a:tr>
+            </a:tbl>
+          </a:graphicData>
+        </a:graphic>
+      </p:graphicFrame>
+      <p:graphicFrame>
+        <p:nvGraphicFramePr>
+          <p:cNvPr id="3" name="Chart 2"/>
+          <p:cNvGraphicFramePr/>
+          <p:nvPr>
+            <p:extLst/>
+          </p:nvPr>
+        </p:nvGraphicFramePr>
+        <p:xfrm>
+          <a:off x="5599887" y="1940659"/>
+          <a:ext cx="5556477" cy="4197675"/>
+        </p:xfrm>
+        <a:graphic>
+          <a:graphicData uri="http://schemas.openxmlformats.org/drawingml/2006/chart">
+            <c:chart xmlns:c="http://schemas.openxmlformats.org/drawingml/2006/chart" xmlns:r="http://schemas.openxmlformats.org/officeDocument/2006/relationships" r:id="rId3"/>
+          </a:graphicData>
+        </a:graphic>
+      </p:graphicFrame>
+      <p:sp>
+        <p:nvSpPr>
+          <p:cNvPr id="7" name="TextBox 6"/>
+          <p:cNvSpPr txBox="1"/>
+          <p:nvPr/>
+        </p:nvSpPr>
+        <p:spPr>
+          <a:xfrm>
+            <a:off x="8378124" y="6008793"/>
+            <a:ext cx="893005" cy="461665"/>
+          </a:xfrm>
+          <a:prstGeom prst="rect">
+            <a:avLst/>
+          </a:prstGeom>
+          <a:noFill/>
+        </p:spPr>
+        <p:txBody>
+          <a:bodyPr wrap="square" rtlCol="0">
+            <a:spAutoFit/>
+          </a:bodyPr>
+          <a:lstStyle/>
+          <a:p>
+            <a:pPr algn="l"/>
+            <a:r>
+              <a:rPr lang="en-US" sz="2400" dirty="0">
+                <a:latin typeface="PFDinTextCompPro-Italic"/>
+                <a:cs typeface="PFDinTextCompPro-Italic"/>
+              </a:rPr>
+              <a:t>FPR</a:t>
+            </a:r>
+          </a:p>
+        </p:txBody>
+      </p:sp>
+      <p:sp>
+        <p:nvSpPr>
+          <p:cNvPr id="9" name="TextBox 8"/>
+          <p:cNvSpPr txBox="1"/>
+          <p:nvPr/>
+        </p:nvSpPr>
+        <p:spPr>
+          <a:xfrm>
+            <a:off x="5004549" y="3329778"/>
+            <a:ext cx="893005" cy="461665"/>
+          </a:xfrm>
+          <a:prstGeom prst="rect">
+            <a:avLst/>
+          </a:prstGeom>
+          <a:noFill/>
+        </p:spPr>
+        <p:txBody>
+          <a:bodyPr wrap="square" rtlCol="0">
+            <a:spAutoFit/>
+          </a:bodyPr>
+          <a:lstStyle/>
+          <a:p>
+            <a:pPr algn="l"/>
+            <a:r>
+              <a:rPr lang="en-US" sz="2400" dirty="0">
+                <a:latin typeface="PFDinTextCompPro-Italic"/>
+                <a:cs typeface="PFDinTextCompPro-Italic"/>
+              </a:rPr>
+              <a:t>TPR</a:t>
+            </a:r>
+          </a:p>
+        </p:txBody>
+      </p:sp>
+      <p:sp>
+        <p:nvSpPr>
+          <p:cNvPr id="11" name="Title 1">
+            <a:extLst>
+              <a:ext uri="{FF2B5EF4-FFF2-40B4-BE49-F238E27FC236}">
+                <a16:creationId xmlns:a16="http://schemas.microsoft.com/office/drawing/2014/main" id="{278B0ED0-5593-DA49-A9B8-9B7A45F4DA3C}"/>
+              </a:ext>
+            </a:extLst>
+          </p:cNvPr>
+          <p:cNvSpPr txBox="1">
+            <a:spLocks/>
+          </p:cNvSpPr>
+          <p:nvPr/>
+        </p:nvSpPr>
+        <p:spPr>
+          <a:xfrm>
+            <a:off x="838200" y="365125"/>
+            <a:ext cx="10515600" cy="1325563"/>
+          </a:xfrm>
+          <a:prstGeom prst="rect">
+            <a:avLst/>
+          </a:prstGeom>
+        </p:spPr>
+        <p:txBody>
+          <a:bodyPr vert="horz" lIns="0" tIns="32914" rIns="65828" bIns="32914" rtlCol="0" anchor="ctr">
+            <a:normAutofit/>
+          </a:bodyPr>
+          <a:lstStyle>
+            <a:lvl1pPr algn="l" defTabSz="914400" rtl="0" eaLnBrk="1" latinLnBrk="0" hangingPunct="1">
+              <a:lnSpc>
+                <a:spcPts val="4686"/>
+              </a:lnSpc>
+              <a:spcBef>
+                <a:spcPct val="0"/>
+              </a:spcBef>
+              <a:buNone/>
+              <a:defRPr sz="5078" b="1" kern="1200" cap="all" baseline="0">
+                <a:solidFill>
+                  <a:schemeClr val="tx1"/>
+                </a:solidFill>
+                <a:latin typeface="+mj-lt"/>
+                <a:ea typeface="+mj-ea"/>
+                <a:cs typeface="+mj-cs"/>
+              </a:defRPr>
+            </a:lvl1pPr>
+          </a:lstStyle>
+          <a:p>
+            <a:r>
+              <a:rPr lang="en-US" sz="4000" b="0" cap="none" dirty="0"/>
+              <a:t>ROC Curve</a:t>
+            </a:r>
+          </a:p>
+        </p:txBody>
+      </p:sp>
+    </p:spTree>
+    <p:extLst>
+      <p:ext uri="{BB962C8B-B14F-4D97-AF65-F5344CB8AC3E}">
+        <p14:creationId xmlns:p14="http://schemas.microsoft.com/office/powerpoint/2010/main" val="3101351688"/>
+      </p:ext>
+    </p:extLst>
+  </p:cSld>
+  <p:clrMapOvr>
+    <a:masterClrMapping/>
+  </p:clrMapOvr>
+  <p:transition/>
+</p:sld>
+</file>
+
+<file path=ppt/slides/slide18.xml><?xml version="1.0" encoding="utf-8"?>
+<p:sld xmlns:a="http://schemas.openxmlformats.org/drawingml/2006/main" xmlns:r="http://schemas.openxmlformats.org/officeDocument/2006/relationships" xmlns:p="http://schemas.openxmlformats.org/presentationml/2006/main">
+  <p:cSld>
+    <p:spTree>
+      <p:nvGrpSpPr>
+        <p:cNvPr id="1" name=""/>
+        <p:cNvGrpSpPr/>
+        <p:nvPr/>
+      </p:nvGrpSpPr>
+      <p:grpSpPr>
+        <a:xfrm>
+          <a:off x="0" y="0"/>
+          <a:ext cx="0" cy="0"/>
+          <a:chOff x="0" y="0"/>
+          <a:chExt cx="0" cy="0"/>
+        </a:xfrm>
+      </p:grpSpPr>
+      <p:sp>
+        <p:nvSpPr>
+          <p:cNvPr id="5" name="TextBox 4"/>
+          <p:cNvSpPr txBox="1"/>
+          <p:nvPr/>
+        </p:nvSpPr>
+        <p:spPr>
+          <a:xfrm>
+            <a:off x="4905327" y="1444544"/>
+            <a:ext cx="6548704" cy="1938992"/>
+          </a:xfrm>
+          <a:prstGeom prst="rect">
+            <a:avLst/>
+          </a:prstGeom>
+          <a:noFill/>
+        </p:spPr>
+        <p:txBody>
+          <a:bodyPr wrap="square" rtlCol="0">
+            <a:spAutoFit/>
+          </a:bodyPr>
+          <a:lstStyle/>
+          <a:p>
+            <a:pPr algn="l"/>
+            <a:r>
+              <a:rPr lang="en-US" sz="2400" u="sng" dirty="0">
+                <a:latin typeface="PFDinTextCompPro-Italic"/>
+                <a:cs typeface="PFDinTextCompPro-Italic"/>
+              </a:rPr>
+              <a:t>TPR</a:t>
+            </a:r>
+            <a:r>
+              <a:rPr lang="en-US" sz="2400" dirty="0">
+                <a:latin typeface="PFDinTextCompPro-Italic"/>
+                <a:cs typeface="PFDinTextCompPro-Italic"/>
+              </a:rPr>
+              <a:t>: When actual value is </a:t>
+            </a:r>
+            <a:r>
+              <a:rPr lang="en-US" sz="2400" b="1" dirty="0">
+                <a:latin typeface="PFDinTextCompPro-Italic"/>
+                <a:cs typeface="PFDinTextCompPro-Italic"/>
+              </a:rPr>
+              <a:t>spam</a:t>
+            </a:r>
+            <a:r>
+              <a:rPr lang="en-US" sz="2400" dirty="0">
+                <a:latin typeface="PFDinTextCompPro-Italic"/>
+                <a:cs typeface="PFDinTextCompPro-Italic"/>
+              </a:rPr>
+              <a:t>, how often is prediction </a:t>
+            </a:r>
+            <a:r>
+              <a:rPr lang="en-US" sz="2400" b="1" dirty="0">
+                <a:latin typeface="PFDinTextCompPro-Italic"/>
+                <a:cs typeface="PFDinTextCompPro-Italic"/>
+              </a:rPr>
+              <a:t>correct</a:t>
+            </a:r>
+            <a:r>
+              <a:rPr lang="en-US" sz="2400" dirty="0">
+                <a:latin typeface="PFDinTextCompPro-Italic"/>
+                <a:cs typeface="PFDinTextCompPro-Italic"/>
+              </a:rPr>
+              <a:t>?</a:t>
+            </a:r>
+          </a:p>
+          <a:p>
+            <a:pPr algn="l"/>
+            <a:endParaRPr lang="en-US" sz="2400" dirty="0">
+              <a:latin typeface="PFDinTextCompPro-Italic"/>
+              <a:cs typeface="PFDinTextCompPro-Italic"/>
+            </a:endParaRPr>
+          </a:p>
+          <a:p>
+            <a:pPr algn="l"/>
+            <a:r>
+              <a:rPr lang="en-US" sz="2400" u="sng" dirty="0">
+                <a:latin typeface="PFDinTextCompPro-Italic"/>
+                <a:cs typeface="PFDinTextCompPro-Italic"/>
+              </a:rPr>
+              <a:t>FPR</a:t>
+            </a:r>
+            <a:r>
+              <a:rPr lang="en-US" sz="2400" dirty="0">
+                <a:latin typeface="PFDinTextCompPro-Italic"/>
+                <a:cs typeface="PFDinTextCompPro-Italic"/>
+              </a:rPr>
+              <a:t>: When actual value is </a:t>
+            </a:r>
+            <a:r>
+              <a:rPr lang="en-US" sz="2400" b="1" dirty="0">
+                <a:latin typeface="PFDinTextCompPro-Italic"/>
+                <a:cs typeface="PFDinTextCompPro-Italic"/>
+              </a:rPr>
+              <a:t>ham</a:t>
+            </a:r>
+            <a:r>
+              <a:rPr lang="en-US" sz="2400" dirty="0">
+                <a:latin typeface="PFDinTextCompPro-Italic"/>
+                <a:cs typeface="PFDinTextCompPro-Italic"/>
+              </a:rPr>
+              <a:t>, how often is prediction </a:t>
+            </a:r>
+            <a:r>
+              <a:rPr lang="en-US" sz="2400" b="1" dirty="0">
+                <a:latin typeface="PFDinTextCompPro-Italic"/>
+                <a:cs typeface="PFDinTextCompPro-Italic"/>
+              </a:rPr>
+              <a:t>wrong</a:t>
+            </a:r>
+            <a:r>
+              <a:rPr lang="en-US" sz="2400" dirty="0">
+                <a:latin typeface="PFDinTextCompPro-Italic"/>
+                <a:cs typeface="PFDinTextCompPro-Italic"/>
+              </a:rPr>
+              <a:t>?</a:t>
+            </a:r>
+          </a:p>
+        </p:txBody>
+      </p:sp>
+      <p:sp>
+        <p:nvSpPr>
+          <p:cNvPr id="8" name="Slide Number Placeholder 3"/>
+          <p:cNvSpPr>
+            <a:spLocks noGrp="1"/>
+          </p:cNvSpPr>
+          <p:nvPr>
+            <p:ph type="sldNum" sz="quarter" idx="13"/>
+          </p:nvPr>
+        </p:nvSpPr>
+        <p:spPr/>
+        <p:txBody>
+          <a:bodyPr/>
+          <a:lstStyle/>
+          <a:p>
+            <a:pPr>
+              <a:defRPr/>
+            </a:pPr>
+            <a:fld id="{BD5AD749-DAD1-6A4A-A2AA-CB20EAD0AEB7}" type="slidenum">
+              <a:rPr lang="en-US"/>
+              <a:pPr>
+                <a:defRPr/>
+              </a:pPr>
+              <a:t>18</a:t>
+            </a:fld>
+            <a:endParaRPr lang="en-US"/>
+          </a:p>
+        </p:txBody>
+      </p:sp>
+      <p:graphicFrame>
+        <p:nvGraphicFramePr>
+          <p:cNvPr id="2" name="Table 1"/>
+          <p:cNvGraphicFramePr>
+            <a:graphicFrameLocks noGrp="1"/>
+          </p:cNvGraphicFramePr>
+          <p:nvPr>
+            <p:extLst/>
+          </p:nvPr>
+        </p:nvGraphicFramePr>
+        <p:xfrm>
+          <a:off x="425885" y="1642990"/>
+          <a:ext cx="3979197" cy="5053745"/>
+        </p:xfrm>
+        <a:graphic>
+          <a:graphicData uri="http://schemas.openxmlformats.org/drawingml/2006/table">
+            <a:tbl>
+              <a:tblPr firstRow="1" bandRow="1">
+                <a:tableStyleId>{5C22544A-7EE6-4342-B048-85BDC9FD1C3A}</a:tableStyleId>
+              </a:tblPr>
+              <a:tblGrid>
+                <a:gridCol w="1326399">
+                  <a:extLst>
+                    <a:ext uri="{9D8B030D-6E8A-4147-A177-3AD203B41FA5}">
+                      <a16:colId xmlns:a16="http://schemas.microsoft.com/office/drawing/2014/main" val="20000"/>
+                    </a:ext>
+                  </a:extLst>
+                </a:gridCol>
+                <a:gridCol w="1326399">
+                  <a:extLst>
+                    <a:ext uri="{9D8B030D-6E8A-4147-A177-3AD203B41FA5}">
+                      <a16:colId xmlns:a16="http://schemas.microsoft.com/office/drawing/2014/main" val="20001"/>
+                    </a:ext>
+                  </a:extLst>
+                </a:gridCol>
+                <a:gridCol w="1326399">
+                  <a:extLst>
+                    <a:ext uri="{9D8B030D-6E8A-4147-A177-3AD203B41FA5}">
+                      <a16:colId xmlns:a16="http://schemas.microsoft.com/office/drawing/2014/main" val="20002"/>
+                    </a:ext>
+                  </a:extLst>
+                </a:gridCol>
+              </a:tblGrid>
+              <a:tr h="1190673">
+                <a:tc>
+                  <a:txBody>
+                    <a:bodyPr/>
+                    <a:lstStyle/>
+                    <a:p>
+                      <a:r>
+                        <a:rPr lang="en-US" sz="2300" dirty="0"/>
+                        <a:t>Email Number</a:t>
+                      </a:r>
+                    </a:p>
+                  </a:txBody>
+                  <a:tcPr marL="119067" marR="119067" marT="59534" marB="59534"/>
+                </a:tc>
+                <a:tc>
+                  <a:txBody>
+                    <a:bodyPr/>
+                    <a:lstStyle/>
+                    <a:p>
+                      <a:r>
+                        <a:rPr lang="en-US" sz="2300" dirty="0"/>
+                        <a:t>Score</a:t>
+                      </a:r>
+                    </a:p>
+                  </a:txBody>
+                  <a:tcPr marL="119067" marR="119067" marT="59534" marB="59534"/>
+                </a:tc>
+                <a:tc>
+                  <a:txBody>
+                    <a:bodyPr/>
+                    <a:lstStyle/>
+                    <a:p>
+                      <a:r>
+                        <a:rPr lang="en-US" sz="2300" dirty="0"/>
+                        <a:t>True Label</a:t>
+                      </a:r>
+                    </a:p>
+                  </a:txBody>
+                  <a:tcPr marL="119067" marR="119067" marT="59534" marB="59534"/>
+                </a:tc>
+                <a:extLst>
+                  <a:ext uri="{0D108BD9-81ED-4DB2-BD59-A6C34878D82A}">
+                    <a16:rowId xmlns:a16="http://schemas.microsoft.com/office/drawing/2014/main" val="10000"/>
+                  </a:ext>
+                </a:extLst>
+              </a:tr>
+              <a:tr h="482884">
+                <a:tc>
+                  <a:txBody>
+                    <a:bodyPr/>
+                    <a:lstStyle/>
+                    <a:p>
+                      <a:r>
+                        <a:rPr lang="en-US" sz="2300" dirty="0"/>
+                        <a:t>5</a:t>
+                      </a:r>
+                    </a:p>
+                  </a:txBody>
+                  <a:tcPr marL="119067" marR="119067" marT="59534" marB="59534"/>
+                </a:tc>
+                <a:tc>
+                  <a:txBody>
+                    <a:bodyPr/>
+                    <a:lstStyle/>
+                    <a:p>
+                      <a:r>
+                        <a:rPr lang="en-US" sz="2300"/>
+                        <a:t>0.99</a:t>
+                      </a:r>
+                      <a:endParaRPr lang="en-US" sz="2300" dirty="0"/>
+                    </a:p>
+                  </a:txBody>
+                  <a:tcPr marL="119067" marR="119067" marT="59534" marB="59534"/>
+                </a:tc>
+                <a:tc>
+                  <a:txBody>
+                    <a:bodyPr/>
+                    <a:lstStyle/>
+                    <a:p>
+                      <a:r>
+                        <a:rPr lang="en-US" sz="2300" dirty="0"/>
+                        <a:t>Spam</a:t>
+                      </a:r>
+                    </a:p>
+                  </a:txBody>
+                  <a:tcPr marL="119067" marR="119067" marT="59534" marB="59534"/>
+                </a:tc>
+                <a:extLst>
+                  <a:ext uri="{0D108BD9-81ED-4DB2-BD59-A6C34878D82A}">
+                    <a16:rowId xmlns:a16="http://schemas.microsoft.com/office/drawing/2014/main" val="10001"/>
+                  </a:ext>
+                </a:extLst>
+              </a:tr>
+              <a:tr h="482884">
+                <a:tc>
+                  <a:txBody>
+                    <a:bodyPr/>
+                    <a:lstStyle/>
+                    <a:p>
+                      <a:r>
+                        <a:rPr lang="en-US" sz="2300" dirty="0"/>
+                        <a:t>8</a:t>
+                      </a:r>
+                    </a:p>
+                  </a:txBody>
+                  <a:tcPr marL="119067" marR="119067" marT="59534" marB="59534"/>
+                </a:tc>
+                <a:tc>
+                  <a:txBody>
+                    <a:bodyPr/>
+                    <a:lstStyle/>
+                    <a:p>
+                      <a:r>
+                        <a:rPr lang="en-US" sz="2300"/>
+                        <a:t>0.82</a:t>
+                      </a:r>
+                      <a:endParaRPr lang="en-US" sz="2300" dirty="0"/>
+                    </a:p>
+                  </a:txBody>
+                  <a:tcPr marL="119067" marR="119067" marT="59534" marB="59534"/>
+                </a:tc>
+                <a:tc>
+                  <a:txBody>
+                    <a:bodyPr/>
+                    <a:lstStyle/>
+                    <a:p>
+                      <a:r>
+                        <a:rPr lang="en-US" sz="2300" dirty="0"/>
+                        <a:t>Spam</a:t>
+                      </a:r>
+                    </a:p>
+                  </a:txBody>
+                  <a:tcPr marL="119067" marR="119067" marT="59534" marB="59534"/>
+                </a:tc>
+                <a:extLst>
+                  <a:ext uri="{0D108BD9-81ED-4DB2-BD59-A6C34878D82A}">
+                    <a16:rowId xmlns:a16="http://schemas.microsoft.com/office/drawing/2014/main" val="10002"/>
+                  </a:ext>
+                </a:extLst>
+              </a:tr>
+              <a:tr h="482884">
+                <a:tc>
+                  <a:txBody>
+                    <a:bodyPr/>
+                    <a:lstStyle/>
+                    <a:p>
+                      <a:r>
+                        <a:rPr lang="en-US" sz="2300" dirty="0"/>
+                        <a:t>2</a:t>
+                      </a:r>
+                    </a:p>
+                  </a:txBody>
+                  <a:tcPr marL="119067" marR="119067" marT="59534" marB="59534"/>
+                </a:tc>
+                <a:tc>
+                  <a:txBody>
+                    <a:bodyPr/>
+                    <a:lstStyle/>
+                    <a:p>
+                      <a:r>
+                        <a:rPr lang="en-US" sz="2300"/>
+                        <a:t>0.60</a:t>
+                      </a:r>
+                      <a:endParaRPr lang="en-US" sz="2300" dirty="0"/>
+                    </a:p>
+                  </a:txBody>
+                  <a:tcPr marL="119067" marR="119067" marT="59534" marB="59534"/>
+                </a:tc>
+                <a:tc>
+                  <a:txBody>
+                    <a:bodyPr/>
+                    <a:lstStyle/>
+                    <a:p>
+                      <a:r>
+                        <a:rPr lang="en-US" sz="2300" dirty="0"/>
+                        <a:t>Spam</a:t>
+                      </a:r>
+                    </a:p>
+                  </a:txBody>
+                  <a:tcPr marL="119067" marR="119067" marT="59534" marB="59534"/>
+                </a:tc>
+                <a:extLst>
+                  <a:ext uri="{0D108BD9-81ED-4DB2-BD59-A6C34878D82A}">
+                    <a16:rowId xmlns:a16="http://schemas.microsoft.com/office/drawing/2014/main" val="10003"/>
+                  </a:ext>
+                </a:extLst>
+              </a:tr>
+              <a:tr h="482884">
+                <a:tc>
+                  <a:txBody>
+                    <a:bodyPr/>
+                    <a:lstStyle/>
+                    <a:p>
+                      <a:r>
+                        <a:rPr lang="en-US" sz="2300" dirty="0"/>
+                        <a:t>1</a:t>
+                      </a:r>
+                    </a:p>
+                  </a:txBody>
+                  <a:tcPr marL="119067" marR="119067" marT="59534" marB="59534"/>
+                </a:tc>
+                <a:tc>
+                  <a:txBody>
+                    <a:bodyPr/>
+                    <a:lstStyle/>
+                    <a:p>
+                      <a:r>
+                        <a:rPr lang="en-US" sz="2300"/>
+                        <a:t>0.60</a:t>
+                      </a:r>
+                      <a:endParaRPr lang="en-US" sz="2300" dirty="0"/>
+                    </a:p>
+                  </a:txBody>
+                  <a:tcPr marL="119067" marR="119067" marT="59534" marB="59534"/>
+                </a:tc>
+                <a:tc>
+                  <a:txBody>
+                    <a:bodyPr/>
+                    <a:lstStyle/>
+                    <a:p>
+                      <a:r>
+                        <a:rPr lang="en-US" sz="2300" dirty="0"/>
+                        <a:t>Ham</a:t>
+                      </a:r>
+                    </a:p>
+                  </a:txBody>
+                  <a:tcPr marL="119067" marR="119067" marT="59534" marB="59534"/>
+                </a:tc>
+                <a:extLst>
+                  <a:ext uri="{0D108BD9-81ED-4DB2-BD59-A6C34878D82A}">
+                    <a16:rowId xmlns:a16="http://schemas.microsoft.com/office/drawing/2014/main" val="10004"/>
+                  </a:ext>
+                </a:extLst>
+              </a:tr>
+              <a:tr h="482884">
+                <a:tc>
+                  <a:txBody>
+                    <a:bodyPr/>
+                    <a:lstStyle/>
+                    <a:p>
+                      <a:r>
+                        <a:rPr lang="en-US" sz="2300" dirty="0"/>
+                        <a:t>7</a:t>
+                      </a:r>
+                    </a:p>
+                  </a:txBody>
+                  <a:tcPr marL="119067" marR="119067" marT="59534" marB="59534"/>
+                </a:tc>
+                <a:tc>
+                  <a:txBody>
+                    <a:bodyPr/>
+                    <a:lstStyle/>
+                    <a:p>
+                      <a:r>
+                        <a:rPr lang="en-US" sz="2300"/>
+                        <a:t>0.48</a:t>
+                      </a:r>
+                      <a:endParaRPr lang="en-US" sz="2300" dirty="0"/>
+                    </a:p>
+                  </a:txBody>
+                  <a:tcPr marL="119067" marR="119067" marT="59534" marB="59534"/>
+                </a:tc>
+                <a:tc>
+                  <a:txBody>
+                    <a:bodyPr/>
+                    <a:lstStyle/>
+                    <a:p>
+                      <a:r>
+                        <a:rPr lang="en-US" sz="2300" dirty="0"/>
+                        <a:t>Spam</a:t>
+                      </a:r>
+                    </a:p>
+                  </a:txBody>
+                  <a:tcPr marL="119067" marR="119067" marT="59534" marB="59534"/>
+                </a:tc>
+                <a:extLst>
+                  <a:ext uri="{0D108BD9-81ED-4DB2-BD59-A6C34878D82A}">
+                    <a16:rowId xmlns:a16="http://schemas.microsoft.com/office/drawing/2014/main" val="10005"/>
+                  </a:ext>
+                </a:extLst>
+              </a:tr>
+              <a:tr h="482884">
+                <a:tc>
+                  <a:txBody>
+                    <a:bodyPr/>
+                    <a:lstStyle/>
+                    <a:p>
+                      <a:r>
+                        <a:rPr lang="en-US" sz="2300" dirty="0"/>
+                        <a:t>3</a:t>
+                      </a:r>
+                    </a:p>
+                  </a:txBody>
+                  <a:tcPr marL="119067" marR="119067" marT="59534" marB="59534"/>
+                </a:tc>
+                <a:tc>
+                  <a:txBody>
+                    <a:bodyPr/>
+                    <a:lstStyle/>
+                    <a:p>
+                      <a:r>
+                        <a:rPr lang="en-US" sz="2300" dirty="0"/>
+                        <a:t>0.22</a:t>
+                      </a:r>
+                    </a:p>
+                  </a:txBody>
+                  <a:tcPr marL="119067" marR="119067" marT="59534" marB="59534"/>
+                </a:tc>
+                <a:tc>
+                  <a:txBody>
+                    <a:bodyPr/>
+                    <a:lstStyle/>
+                    <a:p>
+                      <a:r>
+                        <a:rPr lang="en-US" sz="2300" dirty="0"/>
+                        <a:t>Ham</a:t>
+                      </a:r>
+                    </a:p>
+                  </a:txBody>
+                  <a:tcPr marL="119067" marR="119067" marT="59534" marB="59534"/>
+                </a:tc>
+                <a:extLst>
+                  <a:ext uri="{0D108BD9-81ED-4DB2-BD59-A6C34878D82A}">
+                    <a16:rowId xmlns:a16="http://schemas.microsoft.com/office/drawing/2014/main" val="10006"/>
+                  </a:ext>
+                </a:extLst>
+              </a:tr>
+              <a:tr h="482884">
+                <a:tc>
+                  <a:txBody>
+                    <a:bodyPr/>
+                    <a:lstStyle/>
+                    <a:p>
+                      <a:r>
+                        <a:rPr lang="en-US" sz="2300" dirty="0"/>
+                        <a:t>4</a:t>
+                      </a:r>
+                    </a:p>
+                  </a:txBody>
+                  <a:tcPr marL="119067" marR="119067" marT="59534" marB="59534"/>
+                </a:tc>
+                <a:tc>
+                  <a:txBody>
+                    <a:bodyPr/>
+                    <a:lstStyle/>
+                    <a:p>
+                      <a:r>
+                        <a:rPr lang="en-US" sz="2300" dirty="0"/>
+                        <a:t>0.10</a:t>
+                      </a:r>
+                    </a:p>
+                  </a:txBody>
+                  <a:tcPr marL="119067" marR="119067" marT="59534" marB="59534"/>
+                </a:tc>
+                <a:tc>
+                  <a:txBody>
+                    <a:bodyPr/>
+                    <a:lstStyle/>
+                    <a:p>
+                      <a:r>
+                        <a:rPr lang="en-US" sz="2300" dirty="0"/>
+                        <a:t>Ham</a:t>
+                      </a:r>
+                    </a:p>
+                  </a:txBody>
+                  <a:tcPr marL="119067" marR="119067" marT="59534" marB="59534"/>
+                </a:tc>
+                <a:extLst>
+                  <a:ext uri="{0D108BD9-81ED-4DB2-BD59-A6C34878D82A}">
+                    <a16:rowId xmlns:a16="http://schemas.microsoft.com/office/drawing/2014/main" val="10007"/>
+                  </a:ext>
+                </a:extLst>
+              </a:tr>
+              <a:tr h="482884">
+                <a:tc>
+                  <a:txBody>
+                    <a:bodyPr/>
+                    <a:lstStyle/>
+                    <a:p>
+                      <a:r>
+                        <a:rPr lang="en-US" sz="2300" dirty="0"/>
+                        <a:t>6</a:t>
+                      </a:r>
+                    </a:p>
+                  </a:txBody>
+                  <a:tcPr marL="119067" marR="119067" marT="59534" marB="59534"/>
+                </a:tc>
+                <a:tc>
+                  <a:txBody>
+                    <a:bodyPr/>
+                    <a:lstStyle/>
+                    <a:p>
+                      <a:r>
+                        <a:rPr lang="en-US" sz="2300" dirty="0"/>
+                        <a:t>0.02</a:t>
+                      </a:r>
+                    </a:p>
+                  </a:txBody>
+                  <a:tcPr marL="119067" marR="119067" marT="59534" marB="59534"/>
+                </a:tc>
+                <a:tc>
+                  <a:txBody>
+                    <a:bodyPr/>
+                    <a:lstStyle/>
+                    <a:p>
+                      <a:r>
+                        <a:rPr lang="en-US" sz="2300" dirty="0"/>
+                        <a:t>Ham</a:t>
+                      </a:r>
+                    </a:p>
+                  </a:txBody>
+                  <a:tcPr marL="119067" marR="119067" marT="59534" marB="59534"/>
+                </a:tc>
+                <a:extLst>
+                  <a:ext uri="{0D108BD9-81ED-4DB2-BD59-A6C34878D82A}">
+                    <a16:rowId xmlns:a16="http://schemas.microsoft.com/office/drawing/2014/main" val="10008"/>
+                  </a:ext>
+                </a:extLst>
+              </a:tr>
+            </a:tbl>
+          </a:graphicData>
+        </a:graphic>
+      </p:graphicFrame>
+      <p:graphicFrame>
+        <p:nvGraphicFramePr>
+          <p:cNvPr id="6" name="Table 5"/>
+          <p:cNvGraphicFramePr>
+            <a:graphicFrameLocks noGrp="1"/>
+          </p:cNvGraphicFramePr>
+          <p:nvPr>
+            <p:extLst/>
+          </p:nvPr>
+        </p:nvGraphicFramePr>
+        <p:xfrm>
+          <a:off x="4905327" y="3958188"/>
+          <a:ext cx="7082081" cy="2738547"/>
+        </p:xfrm>
+        <a:graphic>
+          <a:graphicData uri="http://schemas.openxmlformats.org/drawingml/2006/table">
+            <a:tbl>
+              <a:tblPr firstRow="1" bandRow="1">
+                <a:tableStyleId>{5C22544A-7EE6-4342-B048-85BDC9FD1C3A}</a:tableStyleId>
+              </a:tblPr>
+              <a:tblGrid>
+                <a:gridCol w="1044897">
+                  <a:extLst>
+                    <a:ext uri="{9D8B030D-6E8A-4147-A177-3AD203B41FA5}">
+                      <a16:colId xmlns:a16="http://schemas.microsoft.com/office/drawing/2014/main" val="20000"/>
+                    </a:ext>
+                  </a:extLst>
+                </a:gridCol>
+                <a:gridCol w="1178288">
+                  <a:extLst>
+                    <a:ext uri="{9D8B030D-6E8A-4147-A177-3AD203B41FA5}">
+                      <a16:colId xmlns:a16="http://schemas.microsoft.com/office/drawing/2014/main" val="20001"/>
+                    </a:ext>
+                  </a:extLst>
+                </a:gridCol>
+                <a:gridCol w="1259805">
+                  <a:extLst>
+                    <a:ext uri="{9D8B030D-6E8A-4147-A177-3AD203B41FA5}">
+                      <a16:colId xmlns:a16="http://schemas.microsoft.com/office/drawing/2014/main" val="20002"/>
+                    </a:ext>
+                  </a:extLst>
+                </a:gridCol>
+                <a:gridCol w="1044897">
+                  <a:extLst>
+                    <a:ext uri="{9D8B030D-6E8A-4147-A177-3AD203B41FA5}">
+                      <a16:colId xmlns:a16="http://schemas.microsoft.com/office/drawing/2014/main" val="20003"/>
+                    </a:ext>
+                  </a:extLst>
+                </a:gridCol>
+                <a:gridCol w="1277097">
+                  <a:extLst>
+                    <a:ext uri="{9D8B030D-6E8A-4147-A177-3AD203B41FA5}">
+                      <a16:colId xmlns:a16="http://schemas.microsoft.com/office/drawing/2014/main" val="20004"/>
+                    </a:ext>
+                  </a:extLst>
+                </a:gridCol>
+                <a:gridCol w="1277097">
+                  <a:extLst>
+                    <a:ext uri="{9D8B030D-6E8A-4147-A177-3AD203B41FA5}">
+                      <a16:colId xmlns:a16="http://schemas.microsoft.com/office/drawing/2014/main" val="20005"/>
+                    </a:ext>
+                  </a:extLst>
+                </a:gridCol>
+              </a:tblGrid>
+              <a:tr h="833471">
+                <a:tc>
+                  <a:txBody>
+                    <a:bodyPr/>
+                    <a:lstStyle/>
+                    <a:p>
+                      <a:r>
+                        <a:rPr lang="en-US" sz="2300"/>
+                        <a:t>Cutoff</a:t>
+                      </a:r>
+                    </a:p>
+                  </a:txBody>
+                  <a:tcPr marL="119067" marR="119067" marT="59534" marB="59534"/>
+                </a:tc>
+                <a:tc>
+                  <a:txBody>
+                    <a:bodyPr/>
+                    <a:lstStyle/>
+                    <a:p>
+                      <a:r>
+                        <a:rPr lang="en-US" sz="2300"/>
+                        <a:t>TPR (y)</a:t>
+                      </a:r>
+                    </a:p>
+                  </a:txBody>
+                  <a:tcPr marL="119067" marR="119067" marT="59534" marB="59534"/>
+                </a:tc>
+                <a:tc>
+                  <a:txBody>
+                    <a:bodyPr/>
+                    <a:lstStyle/>
+                    <a:p>
+                      <a:r>
+                        <a:rPr lang="en-US" sz="2300"/>
+                        <a:t>FPR (x)</a:t>
+                      </a:r>
+                    </a:p>
+                  </a:txBody>
+                  <a:tcPr marL="119067" marR="119067" marT="59534" marB="59534"/>
+                </a:tc>
+                <a:tc>
+                  <a:txBody>
+                    <a:bodyPr/>
+                    <a:lstStyle/>
+                    <a:p>
+                      <a:r>
+                        <a:rPr lang="en-US" sz="2300" dirty="0"/>
+                        <a:t>Cutoff</a:t>
+                      </a:r>
+                    </a:p>
+                  </a:txBody>
+                  <a:tcPr marL="119067" marR="119067" marT="59534" marB="59534"/>
+                </a:tc>
+                <a:tc>
+                  <a:txBody>
+                    <a:bodyPr/>
+                    <a:lstStyle/>
+                    <a:p>
+                      <a:r>
+                        <a:rPr lang="en-US" sz="2300"/>
+                        <a:t>TPR (y)</a:t>
+                      </a:r>
+                    </a:p>
+                  </a:txBody>
+                  <a:tcPr marL="119067" marR="119067" marT="59534" marB="59534"/>
+                </a:tc>
+                <a:tc>
+                  <a:txBody>
+                    <a:bodyPr/>
+                    <a:lstStyle/>
+                    <a:p>
+                      <a:r>
+                        <a:rPr lang="en-US" sz="2300"/>
+                        <a:t>FPR (x)</a:t>
+                      </a:r>
+                    </a:p>
+                  </a:txBody>
+                  <a:tcPr marL="119067" marR="119067" marT="59534" marB="59534"/>
+                </a:tc>
+                <a:extLst>
+                  <a:ext uri="{0D108BD9-81ED-4DB2-BD59-A6C34878D82A}">
+                    <a16:rowId xmlns:a16="http://schemas.microsoft.com/office/drawing/2014/main" val="10000"/>
+                  </a:ext>
+                </a:extLst>
+              </a:tr>
+              <a:tr h="476269">
+                <a:tc>
+                  <a:txBody>
+                    <a:bodyPr/>
+                    <a:lstStyle/>
+                    <a:p>
+                      <a:r>
+                        <a:rPr lang="en-US" sz="2300" b="1"/>
+                        <a:t>0</a:t>
+                      </a:r>
+                    </a:p>
+                  </a:txBody>
+                  <a:tcPr marL="119067" marR="119067" marT="59534" marB="59534"/>
+                </a:tc>
+                <a:tc>
+                  <a:txBody>
+                    <a:bodyPr/>
+                    <a:lstStyle/>
+                    <a:p>
+                      <a:endParaRPr lang="en-US" sz="2300"/>
+                    </a:p>
+                  </a:txBody>
+                  <a:tcPr marL="119067" marR="119067" marT="59534" marB="59534"/>
+                </a:tc>
+                <a:tc>
+                  <a:txBody>
+                    <a:bodyPr/>
+                    <a:lstStyle/>
+                    <a:p>
+                      <a:endParaRPr lang="en-US" sz="2300"/>
+                    </a:p>
+                  </a:txBody>
+                  <a:tcPr marL="119067" marR="119067" marT="59534" marB="59534"/>
+                </a:tc>
+                <a:tc>
+                  <a:txBody>
+                    <a:bodyPr/>
+                    <a:lstStyle/>
+                    <a:p>
+                      <a:r>
+                        <a:rPr lang="en-US" sz="2300" b="1"/>
+                        <a:t>0.50</a:t>
+                      </a:r>
+                    </a:p>
+                  </a:txBody>
+                  <a:tcPr marL="119067" marR="119067" marT="59534" marB="59534"/>
+                </a:tc>
+                <a:tc>
+                  <a:txBody>
+                    <a:bodyPr/>
+                    <a:lstStyle/>
+                    <a:p>
+                      <a:endParaRPr lang="en-US" sz="2300"/>
+                    </a:p>
+                  </a:txBody>
+                  <a:tcPr marL="119067" marR="119067" marT="59534" marB="59534"/>
+                </a:tc>
+                <a:tc>
+                  <a:txBody>
+                    <a:bodyPr/>
+                    <a:lstStyle/>
+                    <a:p>
+                      <a:endParaRPr lang="en-US" sz="2300"/>
+                    </a:p>
+                  </a:txBody>
+                  <a:tcPr marL="119067" marR="119067" marT="59534" marB="59534"/>
+                </a:tc>
+                <a:extLst>
+                  <a:ext uri="{0D108BD9-81ED-4DB2-BD59-A6C34878D82A}">
+                    <a16:rowId xmlns:a16="http://schemas.microsoft.com/office/drawing/2014/main" val="10001"/>
+                  </a:ext>
+                </a:extLst>
+              </a:tr>
+              <a:tr h="476269">
+                <a:tc>
+                  <a:txBody>
+                    <a:bodyPr/>
+                    <a:lstStyle/>
+                    <a:p>
+                      <a:r>
+                        <a:rPr lang="en-US" sz="2300" b="1"/>
+                        <a:t>0.05</a:t>
+                      </a:r>
+                    </a:p>
+                  </a:txBody>
+                  <a:tcPr marL="119067" marR="119067" marT="59534" marB="59534"/>
+                </a:tc>
+                <a:tc>
+                  <a:txBody>
+                    <a:bodyPr/>
+                    <a:lstStyle/>
+                    <a:p>
+                      <a:endParaRPr lang="en-US" sz="2300"/>
+                    </a:p>
+                  </a:txBody>
+                  <a:tcPr marL="119067" marR="119067" marT="59534" marB="59534"/>
+                </a:tc>
+                <a:tc>
+                  <a:txBody>
+                    <a:bodyPr/>
+                    <a:lstStyle/>
+                    <a:p>
+                      <a:endParaRPr lang="en-US" sz="2300"/>
+                    </a:p>
+                  </a:txBody>
+                  <a:tcPr marL="119067" marR="119067" marT="59534" marB="59534"/>
+                </a:tc>
+                <a:tc>
+                  <a:txBody>
+                    <a:bodyPr/>
+                    <a:lstStyle/>
+                    <a:p>
+                      <a:r>
+                        <a:rPr lang="en-US" sz="2300" b="1"/>
+                        <a:t>0.65</a:t>
+                      </a:r>
+                    </a:p>
+                  </a:txBody>
+                  <a:tcPr marL="119067" marR="119067" marT="59534" marB="59534"/>
+                </a:tc>
+                <a:tc>
+                  <a:txBody>
+                    <a:bodyPr/>
+                    <a:lstStyle/>
+                    <a:p>
+                      <a:endParaRPr lang="en-US" sz="2300"/>
+                    </a:p>
+                  </a:txBody>
+                  <a:tcPr marL="119067" marR="119067" marT="59534" marB="59534"/>
+                </a:tc>
+                <a:tc>
+                  <a:txBody>
+                    <a:bodyPr/>
+                    <a:lstStyle/>
+                    <a:p>
+                      <a:endParaRPr lang="en-US" sz="2300"/>
+                    </a:p>
+                  </a:txBody>
+                  <a:tcPr marL="119067" marR="119067" marT="59534" marB="59534"/>
+                </a:tc>
+                <a:extLst>
+                  <a:ext uri="{0D108BD9-81ED-4DB2-BD59-A6C34878D82A}">
+                    <a16:rowId xmlns:a16="http://schemas.microsoft.com/office/drawing/2014/main" val="10002"/>
+                  </a:ext>
+                </a:extLst>
+              </a:tr>
+              <a:tr h="476269">
+                <a:tc>
+                  <a:txBody>
+                    <a:bodyPr/>
+                    <a:lstStyle/>
+                    <a:p>
+                      <a:r>
+                        <a:rPr lang="en-US" sz="2300" b="1"/>
+                        <a:t>0.15</a:t>
+                      </a:r>
+                    </a:p>
+                  </a:txBody>
+                  <a:tcPr marL="119067" marR="119067" marT="59534" marB="59534"/>
+                </a:tc>
+                <a:tc>
+                  <a:txBody>
+                    <a:bodyPr/>
+                    <a:lstStyle/>
+                    <a:p>
+                      <a:endParaRPr lang="en-US" sz="2300"/>
+                    </a:p>
+                  </a:txBody>
+                  <a:tcPr marL="119067" marR="119067" marT="59534" marB="59534"/>
+                </a:tc>
+                <a:tc>
+                  <a:txBody>
+                    <a:bodyPr/>
+                    <a:lstStyle/>
+                    <a:p>
+                      <a:endParaRPr lang="en-US" sz="2300"/>
+                    </a:p>
+                  </a:txBody>
+                  <a:tcPr marL="119067" marR="119067" marT="59534" marB="59534"/>
+                </a:tc>
+                <a:tc>
+                  <a:txBody>
+                    <a:bodyPr/>
+                    <a:lstStyle/>
+                    <a:p>
+                      <a:r>
+                        <a:rPr lang="en-US" sz="2300" b="1"/>
+                        <a:t>0.85</a:t>
+                      </a:r>
+                    </a:p>
+                  </a:txBody>
+                  <a:tcPr marL="119067" marR="119067" marT="59534" marB="59534"/>
+                </a:tc>
+                <a:tc>
+                  <a:txBody>
+                    <a:bodyPr/>
+                    <a:lstStyle/>
+                    <a:p>
+                      <a:endParaRPr lang="en-US" sz="2300"/>
+                    </a:p>
+                  </a:txBody>
+                  <a:tcPr marL="119067" marR="119067" marT="59534" marB="59534"/>
+                </a:tc>
+                <a:tc>
+                  <a:txBody>
+                    <a:bodyPr/>
+                    <a:lstStyle/>
+                    <a:p>
+                      <a:endParaRPr lang="en-US" sz="2300"/>
+                    </a:p>
+                  </a:txBody>
+                  <a:tcPr marL="119067" marR="119067" marT="59534" marB="59534"/>
+                </a:tc>
+                <a:extLst>
+                  <a:ext uri="{0D108BD9-81ED-4DB2-BD59-A6C34878D82A}">
+                    <a16:rowId xmlns:a16="http://schemas.microsoft.com/office/drawing/2014/main" val="10003"/>
+                  </a:ext>
+                </a:extLst>
+              </a:tr>
+              <a:tr h="476269">
+                <a:tc>
+                  <a:txBody>
+                    <a:bodyPr/>
+                    <a:lstStyle/>
+                    <a:p>
+                      <a:r>
+                        <a:rPr lang="en-US" sz="2300" b="1"/>
+                        <a:t>0.25</a:t>
+                      </a:r>
+                    </a:p>
+                  </a:txBody>
+                  <a:tcPr marL="119067" marR="119067" marT="59534" marB="59534"/>
+                </a:tc>
+                <a:tc>
+                  <a:txBody>
+                    <a:bodyPr/>
+                    <a:lstStyle/>
+                    <a:p>
+                      <a:endParaRPr lang="en-US" sz="2300"/>
+                    </a:p>
+                  </a:txBody>
+                  <a:tcPr marL="119067" marR="119067" marT="59534" marB="59534"/>
+                </a:tc>
+                <a:tc>
+                  <a:txBody>
+                    <a:bodyPr/>
+                    <a:lstStyle/>
+                    <a:p>
+                      <a:endParaRPr lang="en-US" sz="2300"/>
+                    </a:p>
+                  </a:txBody>
+                  <a:tcPr marL="119067" marR="119067" marT="59534" marB="59534"/>
+                </a:tc>
+                <a:tc>
+                  <a:txBody>
+                    <a:bodyPr/>
+                    <a:lstStyle/>
+                    <a:p>
+                      <a:r>
+                        <a:rPr lang="en-US" sz="2300" b="1"/>
+                        <a:t>1</a:t>
+                      </a:r>
+                    </a:p>
+                  </a:txBody>
+                  <a:tcPr marL="119067" marR="119067" marT="59534" marB="59534"/>
+                </a:tc>
+                <a:tc>
+                  <a:txBody>
+                    <a:bodyPr/>
+                    <a:lstStyle/>
+                    <a:p>
+                      <a:endParaRPr lang="en-US" sz="2300"/>
+                    </a:p>
+                  </a:txBody>
+                  <a:tcPr marL="119067" marR="119067" marT="59534" marB="59534"/>
+                </a:tc>
+                <a:tc>
+                  <a:txBody>
+                    <a:bodyPr/>
+                    <a:lstStyle/>
+                    <a:p>
+                      <a:endParaRPr lang="en-US" sz="2300" dirty="0"/>
+                    </a:p>
+                  </a:txBody>
+                  <a:tcPr marL="119067" marR="119067" marT="59534" marB="59534"/>
+                </a:tc>
+                <a:extLst>
+                  <a:ext uri="{0D108BD9-81ED-4DB2-BD59-A6C34878D82A}">
+                    <a16:rowId xmlns:a16="http://schemas.microsoft.com/office/drawing/2014/main" val="10004"/>
+                  </a:ext>
+                </a:extLst>
+              </a:tr>
+            </a:tbl>
+          </a:graphicData>
+        </a:graphic>
+      </p:graphicFrame>
+      <p:sp>
+        <p:nvSpPr>
+          <p:cNvPr id="9" name="Title 1">
+            <a:extLst>
+              <a:ext uri="{FF2B5EF4-FFF2-40B4-BE49-F238E27FC236}">
+                <a16:creationId xmlns:a16="http://schemas.microsoft.com/office/drawing/2014/main" id="{48FADD3C-60A2-FF4F-9ACE-DF54CA4F4CEF}"/>
+              </a:ext>
+            </a:extLst>
+          </p:cNvPr>
+          <p:cNvSpPr txBox="1">
+            <a:spLocks/>
+          </p:cNvSpPr>
+          <p:nvPr/>
+        </p:nvSpPr>
+        <p:spPr>
+          <a:xfrm>
+            <a:off x="838200" y="365125"/>
+            <a:ext cx="10515600" cy="1325563"/>
+          </a:xfrm>
+          <a:prstGeom prst="rect">
+            <a:avLst/>
+          </a:prstGeom>
+        </p:spPr>
+        <p:txBody>
+          <a:bodyPr vert="horz" lIns="0" tIns="32914" rIns="65828" bIns="32914" rtlCol="0" anchor="ctr">
+            <a:normAutofit/>
+          </a:bodyPr>
+          <a:lstStyle>
+            <a:lvl1pPr algn="l" defTabSz="914400" rtl="0" eaLnBrk="1" latinLnBrk="0" hangingPunct="1">
+              <a:lnSpc>
+                <a:spcPts val="4686"/>
+              </a:lnSpc>
+              <a:spcBef>
+                <a:spcPct val="0"/>
+              </a:spcBef>
+              <a:buNone/>
+              <a:defRPr sz="5078" b="1" kern="1200" cap="all" baseline="0">
+                <a:solidFill>
+                  <a:schemeClr val="tx1"/>
+                </a:solidFill>
+                <a:latin typeface="+mj-lt"/>
+                <a:ea typeface="+mj-ea"/>
+                <a:cs typeface="+mj-cs"/>
+              </a:defRPr>
+            </a:lvl1pPr>
+          </a:lstStyle>
+          <a:p>
+            <a:r>
+              <a:rPr lang="en-US" sz="4000" b="0" cap="none" dirty="0"/>
+              <a:t>ROC Curve</a:t>
+            </a:r>
+          </a:p>
+        </p:txBody>
+      </p:sp>
+      <p:sp>
+        <p:nvSpPr>
+          <p:cNvPr id="3" name="TextBox 2">
+            <a:extLst>
+              <a:ext uri="{FF2B5EF4-FFF2-40B4-BE49-F238E27FC236}">
+                <a16:creationId xmlns:a16="http://schemas.microsoft.com/office/drawing/2014/main" id="{C9769A02-56D9-6C4C-8E4F-5B1A98F6B21F}"/>
+              </a:ext>
+            </a:extLst>
+          </p:cNvPr>
+          <p:cNvSpPr txBox="1"/>
+          <p:nvPr/>
+        </p:nvSpPr>
+        <p:spPr>
+          <a:xfrm>
+            <a:off x="6062597" y="588723"/>
+            <a:ext cx="5660845" cy="369332"/>
+          </a:xfrm>
+          <a:prstGeom prst="rect">
+            <a:avLst/>
+          </a:prstGeom>
+          <a:noFill/>
+        </p:spPr>
+        <p:txBody>
+          <a:bodyPr wrap="none" rtlCol="0">
+            <a:spAutoFit/>
+          </a:bodyPr>
+          <a:lstStyle/>
+          <a:p>
+            <a:r>
+              <a:rPr lang="en-US" dirty="0">
+                <a:hlinkClick r:id="rId3"/>
+              </a:rPr>
+              <a:t>https://www.dataschool.io/roc-curves-and-auc</a:t>
+            </a:r>
+            <a:r>
+              <a:rPr lang="en-US">
+                <a:hlinkClick r:id="rId3"/>
+              </a:rPr>
+              <a:t>-explained/</a:t>
+            </a:r>
+            <a:r>
+              <a:rPr lang="en-US"/>
+              <a:t> </a:t>
+            </a:r>
+          </a:p>
+        </p:txBody>
+      </p:sp>
+    </p:spTree>
+    <p:extLst>
+      <p:ext uri="{BB962C8B-B14F-4D97-AF65-F5344CB8AC3E}">
+        <p14:creationId xmlns:p14="http://schemas.microsoft.com/office/powerpoint/2010/main" val="2122432061"/>
+      </p:ext>
+    </p:extLst>
+  </p:cSld>
+  <p:clrMapOvr>
+    <a:masterClrMapping/>
+  </p:clrMapOvr>
+  <p:transition/>
+  <p:timing>
+    <p:tnLst>
+      <p:par>
+        <p:cTn id="1" dur="indefinite" restart="never" nodeType="tmRoot">
+          <p:childTnLst>
+            <p:seq concurrent="1" nextAc="seek">
+              <p:cTn id="2" dur="indefinite" nodeType="mainSeq">
+                <p:childTnLst>
+                  <p:par>
+                    <p:cTn id="3" fill="hold">
+                      <p:stCondLst>
+                        <p:cond delay="indefinite"/>
+                      </p:stCondLst>
+                      <p:childTnLst>
+                        <p:par>
+                          <p:cTn id="4" fill="hold">
+                            <p:stCondLst>
+                              <p:cond delay="0"/>
+                            </p:stCondLst>
+                            <p:childTnLst>
+                              <p:par>
+                                <p:cTn id="5" presetID="1" presetClass="entr" presetSubtype="0" fill="hold" nodeType="clickEffect">
+                                  <p:stCondLst>
+                                    <p:cond delay="0"/>
+                                  </p:stCondLst>
+                                  <p:childTnLst>
+                                    <p:set>
+                                      <p:cBhvr>
+                                        <p:cTn id="6" dur="1" fill="hold">
+                                          <p:stCondLst>
+                                            <p:cond delay="0"/>
+                                          </p:stCondLst>
+                                        </p:cTn>
+                                        <p:tgtEl>
+                                          <p:spTgt spid="6"/>
+                                        </p:tgtEl>
+                                        <p:attrNameLst>
+                                          <p:attrName>style.visibility</p:attrName>
+                                        </p:attrNameLst>
+                                      </p:cBhvr>
+                                      <p:to>
+                                        <p:strVal val="visible"/>
+                                      </p:to>
+                                    </p:set>
+                                  </p:childTnLst>
+                                </p:cTn>
+                              </p:par>
+                            </p:childTnLst>
+                          </p:cTn>
+                        </p:par>
+                      </p:childTnLst>
+                    </p:cTn>
+                  </p:par>
+                </p:childTnLst>
+              </p:cTn>
+              <p:prevCondLst>
+                <p:cond evt="onPrev" delay="0">
+                  <p:tgtEl>
+                    <p:sldTgt/>
+                  </p:tgtEl>
+                </p:cond>
+              </p:prevCondLst>
+              <p:nextCondLst>
+                <p:cond evt="onNext" delay="0">
+                  <p:tgtEl>
+                    <p:sldTgt/>
+                  </p:tgtEl>
+                </p:cond>
+              </p:nextCondLst>
+            </p:seq>
+          </p:childTnLst>
+        </p:cTn>
+      </p:par>
+    </p:tnLst>
+  </p:timing>
+</p:sld>
+</file>
+
+<file path=ppt/slides/slide19.xml><?xml version="1.0" encoding="utf-8"?>
+<p:sld xmlns:a="http://schemas.openxmlformats.org/drawingml/2006/main" xmlns:r="http://schemas.openxmlformats.org/officeDocument/2006/relationships" xmlns:p="http://schemas.openxmlformats.org/presentationml/2006/main">
+  <p:cSld>
+    <p:spTree>
+      <p:nvGrpSpPr>
+        <p:cNvPr id="1" name=""/>
+        <p:cNvGrpSpPr/>
+        <p:nvPr/>
+      </p:nvGrpSpPr>
+      <p:grpSpPr>
+        <a:xfrm>
+          <a:off x="0" y="0"/>
+          <a:ext cx="0" cy="0"/>
+          <a:chOff x="0" y="0"/>
+          <a:chExt cx="0" cy="0"/>
+        </a:xfrm>
+      </p:grpSpPr>
+      <p:sp>
+        <p:nvSpPr>
+          <p:cNvPr id="5" name="TextBox 4"/>
+          <p:cNvSpPr txBox="1"/>
+          <p:nvPr/>
+        </p:nvSpPr>
+        <p:spPr>
+          <a:xfrm>
+            <a:off x="4905327" y="1444544"/>
+            <a:ext cx="6548704" cy="1938992"/>
+          </a:xfrm>
+          <a:prstGeom prst="rect">
+            <a:avLst/>
+          </a:prstGeom>
+          <a:noFill/>
+        </p:spPr>
+        <p:txBody>
+          <a:bodyPr wrap="square" rtlCol="0">
+            <a:spAutoFit/>
+          </a:bodyPr>
+          <a:lstStyle/>
+          <a:p>
+            <a:pPr algn="l"/>
+            <a:r>
+              <a:rPr lang="en-US" sz="2400" u="sng" dirty="0">
+                <a:latin typeface="PFDinTextCompPro-Italic"/>
+                <a:cs typeface="PFDinTextCompPro-Italic"/>
+              </a:rPr>
+              <a:t>TPR</a:t>
+            </a:r>
+            <a:r>
+              <a:rPr lang="en-US" sz="2400" dirty="0">
+                <a:latin typeface="PFDinTextCompPro-Italic"/>
+                <a:cs typeface="PFDinTextCompPro-Italic"/>
+              </a:rPr>
+              <a:t>: When actual value is </a:t>
+            </a:r>
+            <a:r>
+              <a:rPr lang="en-US" sz="2400" b="1" dirty="0">
+                <a:latin typeface="PFDinTextCompPro-Italic"/>
+                <a:cs typeface="PFDinTextCompPro-Italic"/>
+              </a:rPr>
+              <a:t>spam</a:t>
+            </a:r>
+            <a:r>
+              <a:rPr lang="en-US" sz="2400" dirty="0">
+                <a:latin typeface="PFDinTextCompPro-Italic"/>
+                <a:cs typeface="PFDinTextCompPro-Italic"/>
+              </a:rPr>
+              <a:t>, how often is prediction </a:t>
+            </a:r>
+            <a:r>
+              <a:rPr lang="en-US" sz="2400" b="1" dirty="0">
+                <a:latin typeface="PFDinTextCompPro-Italic"/>
+                <a:cs typeface="PFDinTextCompPro-Italic"/>
+              </a:rPr>
+              <a:t>correct</a:t>
+            </a:r>
+            <a:r>
+              <a:rPr lang="en-US" sz="2400" dirty="0">
+                <a:latin typeface="PFDinTextCompPro-Italic"/>
+                <a:cs typeface="PFDinTextCompPro-Italic"/>
+              </a:rPr>
+              <a:t>?</a:t>
+            </a:r>
+          </a:p>
+          <a:p>
+            <a:pPr algn="l"/>
+            <a:endParaRPr lang="en-US" sz="2400" dirty="0">
+              <a:latin typeface="PFDinTextCompPro-Italic"/>
+              <a:cs typeface="PFDinTextCompPro-Italic"/>
+            </a:endParaRPr>
+          </a:p>
+          <a:p>
+            <a:pPr algn="l"/>
+            <a:r>
+              <a:rPr lang="en-US" sz="2400" u="sng" dirty="0">
+                <a:latin typeface="PFDinTextCompPro-Italic"/>
+                <a:cs typeface="PFDinTextCompPro-Italic"/>
+              </a:rPr>
+              <a:t>FPR</a:t>
+            </a:r>
+            <a:r>
+              <a:rPr lang="en-US" sz="2400" dirty="0">
+                <a:latin typeface="PFDinTextCompPro-Italic"/>
+                <a:cs typeface="PFDinTextCompPro-Italic"/>
+              </a:rPr>
+              <a:t>: When actual value is </a:t>
+            </a:r>
+            <a:r>
+              <a:rPr lang="en-US" sz="2400" b="1" dirty="0">
+                <a:latin typeface="PFDinTextCompPro-Italic"/>
+                <a:cs typeface="PFDinTextCompPro-Italic"/>
+              </a:rPr>
+              <a:t>ham</a:t>
+            </a:r>
+            <a:r>
+              <a:rPr lang="en-US" sz="2400" dirty="0">
+                <a:latin typeface="PFDinTextCompPro-Italic"/>
+                <a:cs typeface="PFDinTextCompPro-Italic"/>
+              </a:rPr>
+              <a:t>, how often is prediction </a:t>
+            </a:r>
+            <a:r>
+              <a:rPr lang="en-US" sz="2400" b="1" dirty="0">
+                <a:latin typeface="PFDinTextCompPro-Italic"/>
+                <a:cs typeface="PFDinTextCompPro-Italic"/>
+              </a:rPr>
+              <a:t>wrong</a:t>
+            </a:r>
+            <a:r>
+              <a:rPr lang="en-US" sz="2400" dirty="0">
+                <a:latin typeface="PFDinTextCompPro-Italic"/>
+                <a:cs typeface="PFDinTextCompPro-Italic"/>
+              </a:rPr>
+              <a:t>?</a:t>
+            </a:r>
+          </a:p>
+        </p:txBody>
+      </p:sp>
+      <p:sp>
+        <p:nvSpPr>
+          <p:cNvPr id="8" name="Slide Number Placeholder 3"/>
+          <p:cNvSpPr>
+            <a:spLocks noGrp="1"/>
+          </p:cNvSpPr>
+          <p:nvPr>
+            <p:ph type="sldNum" sz="quarter" idx="13"/>
+          </p:nvPr>
+        </p:nvSpPr>
+        <p:spPr/>
+        <p:txBody>
+          <a:bodyPr/>
+          <a:lstStyle/>
+          <a:p>
+            <a:pPr>
+              <a:defRPr/>
+            </a:pPr>
+            <a:fld id="{BD5AD749-DAD1-6A4A-A2AA-CB20EAD0AEB7}" type="slidenum">
+              <a:rPr lang="en-US"/>
+              <a:pPr>
+                <a:defRPr/>
+              </a:pPr>
+              <a:t>19</a:t>
+            </a:fld>
+            <a:endParaRPr lang="en-US"/>
+          </a:p>
+        </p:txBody>
+      </p:sp>
+      <p:graphicFrame>
+        <p:nvGraphicFramePr>
+          <p:cNvPr id="2" name="Table 1"/>
+          <p:cNvGraphicFramePr>
+            <a:graphicFrameLocks noGrp="1"/>
+          </p:cNvGraphicFramePr>
+          <p:nvPr>
+            <p:extLst/>
+          </p:nvPr>
+        </p:nvGraphicFramePr>
+        <p:xfrm>
+          <a:off x="425885" y="1642990"/>
+          <a:ext cx="3979197" cy="5053745"/>
+        </p:xfrm>
+        <a:graphic>
+          <a:graphicData uri="http://schemas.openxmlformats.org/drawingml/2006/table">
+            <a:tbl>
+              <a:tblPr firstRow="1" bandRow="1">
+                <a:tableStyleId>{5C22544A-7EE6-4342-B048-85BDC9FD1C3A}</a:tableStyleId>
+              </a:tblPr>
+              <a:tblGrid>
+                <a:gridCol w="1326399">
+                  <a:extLst>
+                    <a:ext uri="{9D8B030D-6E8A-4147-A177-3AD203B41FA5}">
+                      <a16:colId xmlns:a16="http://schemas.microsoft.com/office/drawing/2014/main" val="20000"/>
+                    </a:ext>
+                  </a:extLst>
+                </a:gridCol>
+                <a:gridCol w="1326399">
+                  <a:extLst>
+                    <a:ext uri="{9D8B030D-6E8A-4147-A177-3AD203B41FA5}">
+                      <a16:colId xmlns:a16="http://schemas.microsoft.com/office/drawing/2014/main" val="20001"/>
+                    </a:ext>
+                  </a:extLst>
+                </a:gridCol>
+                <a:gridCol w="1326399">
+                  <a:extLst>
+                    <a:ext uri="{9D8B030D-6E8A-4147-A177-3AD203B41FA5}">
+                      <a16:colId xmlns:a16="http://schemas.microsoft.com/office/drawing/2014/main" val="20002"/>
+                    </a:ext>
+                  </a:extLst>
+                </a:gridCol>
+              </a:tblGrid>
+              <a:tr h="1190673">
+                <a:tc>
+                  <a:txBody>
+                    <a:bodyPr/>
+                    <a:lstStyle/>
+                    <a:p>
+                      <a:r>
+                        <a:rPr lang="en-US" sz="2300" dirty="0"/>
+                        <a:t>Email Number</a:t>
+                      </a:r>
+                    </a:p>
+                  </a:txBody>
+                  <a:tcPr marL="119067" marR="119067" marT="59534" marB="59534"/>
+                </a:tc>
+                <a:tc>
+                  <a:txBody>
+                    <a:bodyPr/>
+                    <a:lstStyle/>
+                    <a:p>
+                      <a:r>
+                        <a:rPr lang="en-US" sz="2300" dirty="0"/>
+                        <a:t>Score</a:t>
+                      </a:r>
+                    </a:p>
+                  </a:txBody>
+                  <a:tcPr marL="119067" marR="119067" marT="59534" marB="59534"/>
+                </a:tc>
+                <a:tc>
+                  <a:txBody>
+                    <a:bodyPr/>
+                    <a:lstStyle/>
+                    <a:p>
+                      <a:r>
+                        <a:rPr lang="en-US" sz="2300" dirty="0"/>
+                        <a:t>True Label</a:t>
+                      </a:r>
+                    </a:p>
+                  </a:txBody>
+                  <a:tcPr marL="119067" marR="119067" marT="59534" marB="59534"/>
+                </a:tc>
+                <a:extLst>
+                  <a:ext uri="{0D108BD9-81ED-4DB2-BD59-A6C34878D82A}">
+                    <a16:rowId xmlns:a16="http://schemas.microsoft.com/office/drawing/2014/main" val="10000"/>
+                  </a:ext>
+                </a:extLst>
+              </a:tr>
+              <a:tr h="482884">
+                <a:tc>
+                  <a:txBody>
+                    <a:bodyPr/>
+                    <a:lstStyle/>
+                    <a:p>
+                      <a:r>
+                        <a:rPr lang="en-US" sz="2300" dirty="0"/>
+                        <a:t>5</a:t>
+                      </a:r>
+                    </a:p>
+                  </a:txBody>
+                  <a:tcPr marL="119067" marR="119067" marT="59534" marB="59534"/>
+                </a:tc>
+                <a:tc>
+                  <a:txBody>
+                    <a:bodyPr/>
+                    <a:lstStyle/>
+                    <a:p>
+                      <a:r>
+                        <a:rPr lang="en-US" sz="2300"/>
+                        <a:t>0.99</a:t>
+                      </a:r>
+                      <a:endParaRPr lang="en-US" sz="2300" dirty="0"/>
+                    </a:p>
+                  </a:txBody>
+                  <a:tcPr marL="119067" marR="119067" marT="59534" marB="59534"/>
+                </a:tc>
+                <a:tc>
+                  <a:txBody>
+                    <a:bodyPr/>
+                    <a:lstStyle/>
+                    <a:p>
+                      <a:r>
+                        <a:rPr lang="en-US" sz="2300" dirty="0"/>
+                        <a:t>Spam</a:t>
+                      </a:r>
+                    </a:p>
+                  </a:txBody>
+                  <a:tcPr marL="119067" marR="119067" marT="59534" marB="59534"/>
+                </a:tc>
+                <a:extLst>
+                  <a:ext uri="{0D108BD9-81ED-4DB2-BD59-A6C34878D82A}">
+                    <a16:rowId xmlns:a16="http://schemas.microsoft.com/office/drawing/2014/main" val="10001"/>
+                  </a:ext>
+                </a:extLst>
+              </a:tr>
+              <a:tr h="482884">
+                <a:tc>
+                  <a:txBody>
+                    <a:bodyPr/>
+                    <a:lstStyle/>
+                    <a:p>
+                      <a:r>
+                        <a:rPr lang="en-US" sz="2300" dirty="0"/>
+                        <a:t>8</a:t>
+                      </a:r>
+                    </a:p>
+                  </a:txBody>
+                  <a:tcPr marL="119067" marR="119067" marT="59534" marB="59534"/>
+                </a:tc>
+                <a:tc>
+                  <a:txBody>
+                    <a:bodyPr/>
+                    <a:lstStyle/>
+                    <a:p>
+                      <a:r>
+                        <a:rPr lang="en-US" sz="2300"/>
+                        <a:t>0.82</a:t>
+                      </a:r>
+                      <a:endParaRPr lang="en-US" sz="2300" dirty="0"/>
+                    </a:p>
+                  </a:txBody>
+                  <a:tcPr marL="119067" marR="119067" marT="59534" marB="59534"/>
+                </a:tc>
+                <a:tc>
+                  <a:txBody>
+                    <a:bodyPr/>
+                    <a:lstStyle/>
+                    <a:p>
+                      <a:r>
+                        <a:rPr lang="en-US" sz="2300" dirty="0"/>
+                        <a:t>Spam</a:t>
+                      </a:r>
+                    </a:p>
+                  </a:txBody>
+                  <a:tcPr marL="119067" marR="119067" marT="59534" marB="59534"/>
+                </a:tc>
+                <a:extLst>
+                  <a:ext uri="{0D108BD9-81ED-4DB2-BD59-A6C34878D82A}">
+                    <a16:rowId xmlns:a16="http://schemas.microsoft.com/office/drawing/2014/main" val="10002"/>
+                  </a:ext>
+                </a:extLst>
+              </a:tr>
+              <a:tr h="482884">
+                <a:tc>
+                  <a:txBody>
+                    <a:bodyPr/>
+                    <a:lstStyle/>
+                    <a:p>
+                      <a:r>
+                        <a:rPr lang="en-US" sz="2300" dirty="0"/>
+                        <a:t>2</a:t>
+                      </a:r>
+                    </a:p>
+                  </a:txBody>
+                  <a:tcPr marL="119067" marR="119067" marT="59534" marB="59534"/>
+                </a:tc>
+                <a:tc>
+                  <a:txBody>
+                    <a:bodyPr/>
+                    <a:lstStyle/>
+                    <a:p>
+                      <a:r>
+                        <a:rPr lang="en-US" sz="2300"/>
+                        <a:t>0.60</a:t>
+                      </a:r>
+                      <a:endParaRPr lang="en-US" sz="2300" dirty="0"/>
+                    </a:p>
+                  </a:txBody>
+                  <a:tcPr marL="119067" marR="119067" marT="59534" marB="59534"/>
+                </a:tc>
+                <a:tc>
+                  <a:txBody>
+                    <a:bodyPr/>
+                    <a:lstStyle/>
+                    <a:p>
+                      <a:r>
+                        <a:rPr lang="en-US" sz="2300" dirty="0"/>
+                        <a:t>Spam</a:t>
+                      </a:r>
+                    </a:p>
+                  </a:txBody>
+                  <a:tcPr marL="119067" marR="119067" marT="59534" marB="59534"/>
+                </a:tc>
+                <a:extLst>
+                  <a:ext uri="{0D108BD9-81ED-4DB2-BD59-A6C34878D82A}">
+                    <a16:rowId xmlns:a16="http://schemas.microsoft.com/office/drawing/2014/main" val="10003"/>
+                  </a:ext>
+                </a:extLst>
+              </a:tr>
+              <a:tr h="482884">
+                <a:tc>
+                  <a:txBody>
+                    <a:bodyPr/>
+                    <a:lstStyle/>
+                    <a:p>
+                      <a:r>
+                        <a:rPr lang="en-US" sz="2300" dirty="0"/>
+                        <a:t>1</a:t>
+                      </a:r>
+                    </a:p>
+                  </a:txBody>
+                  <a:tcPr marL="119067" marR="119067" marT="59534" marB="59534"/>
+                </a:tc>
+                <a:tc>
+                  <a:txBody>
+                    <a:bodyPr/>
+                    <a:lstStyle/>
+                    <a:p>
+                      <a:r>
+                        <a:rPr lang="en-US" sz="2300"/>
+                        <a:t>0.60</a:t>
+                      </a:r>
+                      <a:endParaRPr lang="en-US" sz="2300" dirty="0"/>
+                    </a:p>
+                  </a:txBody>
+                  <a:tcPr marL="119067" marR="119067" marT="59534" marB="59534"/>
+                </a:tc>
+                <a:tc>
+                  <a:txBody>
+                    <a:bodyPr/>
+                    <a:lstStyle/>
+                    <a:p>
+                      <a:r>
+                        <a:rPr lang="en-US" sz="2300" dirty="0"/>
+                        <a:t>Ham</a:t>
+                      </a:r>
+                    </a:p>
+                  </a:txBody>
+                  <a:tcPr marL="119067" marR="119067" marT="59534" marB="59534"/>
+                </a:tc>
+                <a:extLst>
+                  <a:ext uri="{0D108BD9-81ED-4DB2-BD59-A6C34878D82A}">
+                    <a16:rowId xmlns:a16="http://schemas.microsoft.com/office/drawing/2014/main" val="10004"/>
+                  </a:ext>
+                </a:extLst>
+              </a:tr>
+              <a:tr h="482884">
+                <a:tc>
+                  <a:txBody>
+                    <a:bodyPr/>
+                    <a:lstStyle/>
+                    <a:p>
+                      <a:r>
+                        <a:rPr lang="en-US" sz="2300" dirty="0"/>
+                        <a:t>7</a:t>
+                      </a:r>
+                    </a:p>
+                  </a:txBody>
+                  <a:tcPr marL="119067" marR="119067" marT="59534" marB="59534"/>
+                </a:tc>
+                <a:tc>
+                  <a:txBody>
+                    <a:bodyPr/>
+                    <a:lstStyle/>
+                    <a:p>
+                      <a:r>
+                        <a:rPr lang="en-US" sz="2300"/>
+                        <a:t>0.48</a:t>
+                      </a:r>
+                      <a:endParaRPr lang="en-US" sz="2300" dirty="0"/>
+                    </a:p>
+                  </a:txBody>
+                  <a:tcPr marL="119067" marR="119067" marT="59534" marB="59534"/>
+                </a:tc>
+                <a:tc>
+                  <a:txBody>
+                    <a:bodyPr/>
+                    <a:lstStyle/>
+                    <a:p>
+                      <a:r>
+                        <a:rPr lang="en-US" sz="2300" dirty="0"/>
+                        <a:t>Spam</a:t>
+                      </a:r>
+                    </a:p>
+                  </a:txBody>
+                  <a:tcPr marL="119067" marR="119067" marT="59534" marB="59534"/>
+                </a:tc>
+                <a:extLst>
+                  <a:ext uri="{0D108BD9-81ED-4DB2-BD59-A6C34878D82A}">
+                    <a16:rowId xmlns:a16="http://schemas.microsoft.com/office/drawing/2014/main" val="10005"/>
+                  </a:ext>
+                </a:extLst>
+              </a:tr>
+              <a:tr h="482884">
+                <a:tc>
+                  <a:txBody>
+                    <a:bodyPr/>
+                    <a:lstStyle/>
+                    <a:p>
+                      <a:r>
+                        <a:rPr lang="en-US" sz="2300" dirty="0"/>
+                        <a:t>3</a:t>
+                      </a:r>
+                    </a:p>
+                  </a:txBody>
+                  <a:tcPr marL="119067" marR="119067" marT="59534" marB="59534"/>
+                </a:tc>
+                <a:tc>
+                  <a:txBody>
+                    <a:bodyPr/>
+                    <a:lstStyle/>
+                    <a:p>
+                      <a:r>
+                        <a:rPr lang="en-US" sz="2300" dirty="0"/>
+                        <a:t>0.22</a:t>
+                      </a:r>
+                    </a:p>
+                  </a:txBody>
+                  <a:tcPr marL="119067" marR="119067" marT="59534" marB="59534"/>
+                </a:tc>
+                <a:tc>
+                  <a:txBody>
+                    <a:bodyPr/>
+                    <a:lstStyle/>
+                    <a:p>
+                      <a:r>
+                        <a:rPr lang="en-US" sz="2300" dirty="0"/>
+                        <a:t>Ham</a:t>
+                      </a:r>
+                    </a:p>
+                  </a:txBody>
+                  <a:tcPr marL="119067" marR="119067" marT="59534" marB="59534"/>
+                </a:tc>
+                <a:extLst>
+                  <a:ext uri="{0D108BD9-81ED-4DB2-BD59-A6C34878D82A}">
+                    <a16:rowId xmlns:a16="http://schemas.microsoft.com/office/drawing/2014/main" val="10006"/>
+                  </a:ext>
+                </a:extLst>
+              </a:tr>
+              <a:tr h="482884">
+                <a:tc>
+                  <a:txBody>
+                    <a:bodyPr/>
+                    <a:lstStyle/>
+                    <a:p>
+                      <a:r>
+                        <a:rPr lang="en-US" sz="2300" dirty="0"/>
+                        <a:t>4</a:t>
+                      </a:r>
+                    </a:p>
+                  </a:txBody>
+                  <a:tcPr marL="119067" marR="119067" marT="59534" marB="59534"/>
+                </a:tc>
+                <a:tc>
+                  <a:txBody>
+                    <a:bodyPr/>
+                    <a:lstStyle/>
+                    <a:p>
+                      <a:r>
+                        <a:rPr lang="en-US" sz="2300" dirty="0"/>
+                        <a:t>0.10</a:t>
+                      </a:r>
+                    </a:p>
+                  </a:txBody>
+                  <a:tcPr marL="119067" marR="119067" marT="59534" marB="59534"/>
+                </a:tc>
+                <a:tc>
+                  <a:txBody>
+                    <a:bodyPr/>
+                    <a:lstStyle/>
+                    <a:p>
+                      <a:r>
+                        <a:rPr lang="en-US" sz="2300" dirty="0"/>
+                        <a:t>Ham</a:t>
+                      </a:r>
+                    </a:p>
+                  </a:txBody>
+                  <a:tcPr marL="119067" marR="119067" marT="59534" marB="59534"/>
+                </a:tc>
+                <a:extLst>
+                  <a:ext uri="{0D108BD9-81ED-4DB2-BD59-A6C34878D82A}">
+                    <a16:rowId xmlns:a16="http://schemas.microsoft.com/office/drawing/2014/main" val="10007"/>
+                  </a:ext>
+                </a:extLst>
+              </a:tr>
+              <a:tr h="482884">
+                <a:tc>
+                  <a:txBody>
+                    <a:bodyPr/>
+                    <a:lstStyle/>
+                    <a:p>
+                      <a:r>
+                        <a:rPr lang="en-US" sz="2300" dirty="0"/>
+                        <a:t>6</a:t>
+                      </a:r>
+                    </a:p>
+                  </a:txBody>
+                  <a:tcPr marL="119067" marR="119067" marT="59534" marB="59534"/>
+                </a:tc>
+                <a:tc>
+                  <a:txBody>
+                    <a:bodyPr/>
+                    <a:lstStyle/>
+                    <a:p>
+                      <a:r>
+                        <a:rPr lang="en-US" sz="2300" dirty="0"/>
+                        <a:t>0.02</a:t>
+                      </a:r>
+                    </a:p>
+                  </a:txBody>
+                  <a:tcPr marL="119067" marR="119067" marT="59534" marB="59534"/>
+                </a:tc>
+                <a:tc>
+                  <a:txBody>
+                    <a:bodyPr/>
+                    <a:lstStyle/>
+                    <a:p>
+                      <a:r>
+                        <a:rPr lang="en-US" sz="2300" dirty="0"/>
+                        <a:t>Ham</a:t>
+                      </a:r>
+                    </a:p>
+                  </a:txBody>
+                  <a:tcPr marL="119067" marR="119067" marT="59534" marB="59534"/>
+                </a:tc>
+                <a:extLst>
+                  <a:ext uri="{0D108BD9-81ED-4DB2-BD59-A6C34878D82A}">
+                    <a16:rowId xmlns:a16="http://schemas.microsoft.com/office/drawing/2014/main" val="10008"/>
+                  </a:ext>
+                </a:extLst>
+              </a:tr>
+            </a:tbl>
+          </a:graphicData>
+        </a:graphic>
+      </p:graphicFrame>
+      <p:sp>
+        <p:nvSpPr>
+          <p:cNvPr id="9" name="Title 1">
+            <a:extLst>
+              <a:ext uri="{FF2B5EF4-FFF2-40B4-BE49-F238E27FC236}">
+                <a16:creationId xmlns:a16="http://schemas.microsoft.com/office/drawing/2014/main" id="{48FADD3C-60A2-FF4F-9ACE-DF54CA4F4CEF}"/>
+              </a:ext>
+            </a:extLst>
+          </p:cNvPr>
+          <p:cNvSpPr txBox="1">
+            <a:spLocks/>
+          </p:cNvSpPr>
+          <p:nvPr/>
+        </p:nvSpPr>
+        <p:spPr>
+          <a:xfrm>
+            <a:off x="838200" y="365125"/>
+            <a:ext cx="10515600" cy="1325563"/>
+          </a:xfrm>
+          <a:prstGeom prst="rect">
+            <a:avLst/>
+          </a:prstGeom>
+        </p:spPr>
+        <p:txBody>
+          <a:bodyPr vert="horz" lIns="0" tIns="32914" rIns="65828" bIns="32914" rtlCol="0" anchor="ctr">
+            <a:normAutofit/>
+          </a:bodyPr>
+          <a:lstStyle>
+            <a:lvl1pPr algn="l" defTabSz="914400" rtl="0" eaLnBrk="1" latinLnBrk="0" hangingPunct="1">
+              <a:lnSpc>
+                <a:spcPts val="4686"/>
+              </a:lnSpc>
+              <a:spcBef>
+                <a:spcPct val="0"/>
+              </a:spcBef>
+              <a:buNone/>
+              <a:defRPr sz="5078" b="1" kern="1200" cap="all" baseline="0">
+                <a:solidFill>
+                  <a:schemeClr val="tx1"/>
+                </a:solidFill>
+                <a:latin typeface="+mj-lt"/>
+                <a:ea typeface="+mj-ea"/>
+                <a:cs typeface="+mj-cs"/>
+              </a:defRPr>
+            </a:lvl1pPr>
+          </a:lstStyle>
+          <a:p>
+            <a:r>
+              <a:rPr lang="en-US" sz="4000" b="0" cap="none" dirty="0"/>
+              <a:t>ROC Curve</a:t>
+            </a:r>
+          </a:p>
+        </p:txBody>
+      </p:sp>
+      <p:graphicFrame>
+        <p:nvGraphicFramePr>
+          <p:cNvPr id="7" name="Table 6">
+            <a:extLst>
+              <a:ext uri="{FF2B5EF4-FFF2-40B4-BE49-F238E27FC236}">
+                <a16:creationId xmlns:a16="http://schemas.microsoft.com/office/drawing/2014/main" id="{5D51224D-8B71-174D-BC06-833A95690383}"/>
+              </a:ext>
+            </a:extLst>
+          </p:cNvPr>
+          <p:cNvGraphicFramePr>
+            <a:graphicFrameLocks noGrp="1"/>
+          </p:cNvGraphicFramePr>
+          <p:nvPr>
+            <p:extLst/>
+          </p:nvPr>
+        </p:nvGraphicFramePr>
+        <p:xfrm>
+          <a:off x="4905327" y="3712683"/>
+          <a:ext cx="6781458" cy="2738547"/>
+        </p:xfrm>
+        <a:graphic>
+          <a:graphicData uri="http://schemas.openxmlformats.org/drawingml/2006/table">
+            <a:tbl>
+              <a:tblPr firstRow="1" bandRow="1">
+                <a:tableStyleId>{5C22544A-7EE6-4342-B048-85BDC9FD1C3A}</a:tableStyleId>
+              </a:tblPr>
+              <a:tblGrid>
+                <a:gridCol w="1000543">
+                  <a:extLst>
+                    <a:ext uri="{9D8B030D-6E8A-4147-A177-3AD203B41FA5}">
+                      <a16:colId xmlns:a16="http://schemas.microsoft.com/office/drawing/2014/main" val="20000"/>
+                    </a:ext>
+                  </a:extLst>
+                </a:gridCol>
+                <a:gridCol w="1128272">
+                  <a:extLst>
+                    <a:ext uri="{9D8B030D-6E8A-4147-A177-3AD203B41FA5}">
+                      <a16:colId xmlns:a16="http://schemas.microsoft.com/office/drawing/2014/main" val="20001"/>
+                    </a:ext>
+                  </a:extLst>
+                </a:gridCol>
+                <a:gridCol w="1206328">
+                  <a:extLst>
+                    <a:ext uri="{9D8B030D-6E8A-4147-A177-3AD203B41FA5}">
+                      <a16:colId xmlns:a16="http://schemas.microsoft.com/office/drawing/2014/main" val="20002"/>
+                    </a:ext>
+                  </a:extLst>
+                </a:gridCol>
+                <a:gridCol w="1000543">
+                  <a:extLst>
+                    <a:ext uri="{9D8B030D-6E8A-4147-A177-3AD203B41FA5}">
+                      <a16:colId xmlns:a16="http://schemas.microsoft.com/office/drawing/2014/main" val="20003"/>
+                    </a:ext>
+                  </a:extLst>
+                </a:gridCol>
+                <a:gridCol w="1222886">
+                  <a:extLst>
+                    <a:ext uri="{9D8B030D-6E8A-4147-A177-3AD203B41FA5}">
+                      <a16:colId xmlns:a16="http://schemas.microsoft.com/office/drawing/2014/main" val="20004"/>
+                    </a:ext>
+                  </a:extLst>
+                </a:gridCol>
+                <a:gridCol w="1222886">
+                  <a:extLst>
+                    <a:ext uri="{9D8B030D-6E8A-4147-A177-3AD203B41FA5}">
+                      <a16:colId xmlns:a16="http://schemas.microsoft.com/office/drawing/2014/main" val="20005"/>
+                    </a:ext>
+                  </a:extLst>
+                </a:gridCol>
+              </a:tblGrid>
+              <a:tr h="833471">
+                <a:tc>
+                  <a:txBody>
+                    <a:bodyPr/>
+                    <a:lstStyle/>
+                    <a:p>
+                      <a:r>
+                        <a:rPr lang="en-US" sz="2300"/>
+                        <a:t>Cutoff</a:t>
+                      </a:r>
+                    </a:p>
+                  </a:txBody>
+                  <a:tcPr marL="119067" marR="119067" marT="59534" marB="59534"/>
+                </a:tc>
+                <a:tc>
+                  <a:txBody>
+                    <a:bodyPr/>
+                    <a:lstStyle/>
+                    <a:p>
+                      <a:r>
+                        <a:rPr lang="en-US" sz="2300"/>
+                        <a:t>TPR (y)</a:t>
+                      </a:r>
+                    </a:p>
+                  </a:txBody>
+                  <a:tcPr marL="119067" marR="119067" marT="59534" marB="59534"/>
+                </a:tc>
+                <a:tc>
+                  <a:txBody>
+                    <a:bodyPr/>
+                    <a:lstStyle/>
+                    <a:p>
+                      <a:r>
+                        <a:rPr lang="en-US" sz="2300"/>
+                        <a:t>FPR (x)</a:t>
+                      </a:r>
+                    </a:p>
+                  </a:txBody>
+                  <a:tcPr marL="119067" marR="119067" marT="59534" marB="59534"/>
+                </a:tc>
+                <a:tc>
+                  <a:txBody>
+                    <a:bodyPr/>
+                    <a:lstStyle/>
+                    <a:p>
+                      <a:r>
+                        <a:rPr lang="en-US" sz="2300"/>
+                        <a:t>Cutoff</a:t>
+                      </a:r>
+                    </a:p>
+                  </a:txBody>
+                  <a:tcPr marL="119067" marR="119067" marT="59534" marB="59534"/>
+                </a:tc>
+                <a:tc>
+                  <a:txBody>
+                    <a:bodyPr/>
+                    <a:lstStyle/>
+                    <a:p>
+                      <a:r>
+                        <a:rPr lang="en-US" sz="2300"/>
+                        <a:t>TPR (y)</a:t>
+                      </a:r>
+                    </a:p>
+                  </a:txBody>
+                  <a:tcPr marL="119067" marR="119067" marT="59534" marB="59534"/>
+                </a:tc>
+                <a:tc>
+                  <a:txBody>
+                    <a:bodyPr/>
+                    <a:lstStyle/>
+                    <a:p>
+                      <a:r>
+                        <a:rPr lang="en-US" sz="2300"/>
+                        <a:t>FPR (x)</a:t>
+                      </a:r>
+                    </a:p>
+                  </a:txBody>
+                  <a:tcPr marL="119067" marR="119067" marT="59534" marB="59534"/>
+                </a:tc>
+                <a:extLst>
+                  <a:ext uri="{0D108BD9-81ED-4DB2-BD59-A6C34878D82A}">
+                    <a16:rowId xmlns:a16="http://schemas.microsoft.com/office/drawing/2014/main" val="10000"/>
+                  </a:ext>
+                </a:extLst>
+              </a:tr>
+              <a:tr h="476269">
+                <a:tc>
+                  <a:txBody>
+                    <a:bodyPr/>
+                    <a:lstStyle/>
+                    <a:p>
+                      <a:r>
+                        <a:rPr lang="en-US" sz="2300" b="1"/>
+                        <a:t>0</a:t>
+                      </a:r>
+                    </a:p>
+                  </a:txBody>
+                  <a:tcPr marL="119067" marR="119067" marT="59534" marB="59534"/>
+                </a:tc>
+                <a:tc>
+                  <a:txBody>
+                    <a:bodyPr/>
+                    <a:lstStyle/>
+                    <a:p>
+                      <a:r>
+                        <a:rPr lang="en-US" sz="2300"/>
+                        <a:t>1</a:t>
+                      </a:r>
+                    </a:p>
+                  </a:txBody>
+                  <a:tcPr marL="119067" marR="119067" marT="59534" marB="59534"/>
+                </a:tc>
+                <a:tc>
+                  <a:txBody>
+                    <a:bodyPr/>
+                    <a:lstStyle/>
+                    <a:p>
+                      <a:r>
+                        <a:rPr lang="en-US" sz="2300"/>
+                        <a:t>1</a:t>
+                      </a:r>
+                    </a:p>
+                  </a:txBody>
+                  <a:tcPr marL="119067" marR="119067" marT="59534" marB="59534"/>
+                </a:tc>
+                <a:tc>
+                  <a:txBody>
+                    <a:bodyPr/>
+                    <a:lstStyle/>
+                    <a:p>
+                      <a:r>
+                        <a:rPr lang="en-US" sz="2300" b="1"/>
+                        <a:t>0.50</a:t>
+                      </a:r>
+                    </a:p>
+                  </a:txBody>
+                  <a:tcPr marL="119067" marR="119067" marT="59534" marB="59534"/>
+                </a:tc>
+                <a:tc>
+                  <a:txBody>
+                    <a:bodyPr/>
+                    <a:lstStyle/>
+                    <a:p>
+                      <a:r>
+                        <a:rPr lang="en-US" sz="2300"/>
+                        <a:t>0.75</a:t>
+                      </a:r>
+                    </a:p>
+                  </a:txBody>
+                  <a:tcPr marL="119067" marR="119067" marT="59534" marB="59534"/>
+                </a:tc>
+                <a:tc>
+                  <a:txBody>
+                    <a:bodyPr/>
+                    <a:lstStyle/>
+                    <a:p>
+                      <a:r>
+                        <a:rPr lang="en-US" sz="2300"/>
+                        <a:t>0.25</a:t>
+                      </a:r>
+                    </a:p>
+                  </a:txBody>
+                  <a:tcPr marL="119067" marR="119067" marT="59534" marB="59534"/>
+                </a:tc>
+                <a:extLst>
+                  <a:ext uri="{0D108BD9-81ED-4DB2-BD59-A6C34878D82A}">
+                    <a16:rowId xmlns:a16="http://schemas.microsoft.com/office/drawing/2014/main" val="10001"/>
+                  </a:ext>
+                </a:extLst>
+              </a:tr>
+              <a:tr h="476269">
+                <a:tc>
+                  <a:txBody>
+                    <a:bodyPr/>
+                    <a:lstStyle/>
+                    <a:p>
+                      <a:r>
+                        <a:rPr lang="en-US" sz="2300" b="1"/>
+                        <a:t>0.05</a:t>
+                      </a:r>
+                    </a:p>
+                  </a:txBody>
+                  <a:tcPr marL="119067" marR="119067" marT="59534" marB="59534"/>
+                </a:tc>
+                <a:tc>
+                  <a:txBody>
+                    <a:bodyPr/>
+                    <a:lstStyle/>
+                    <a:p>
+                      <a:r>
+                        <a:rPr lang="en-US" sz="2300"/>
+                        <a:t>1</a:t>
+                      </a:r>
+                    </a:p>
+                  </a:txBody>
+                  <a:tcPr marL="119067" marR="119067" marT="59534" marB="59534"/>
+                </a:tc>
+                <a:tc>
+                  <a:txBody>
+                    <a:bodyPr/>
+                    <a:lstStyle/>
+                    <a:p>
+                      <a:r>
+                        <a:rPr lang="en-US" sz="2300"/>
+                        <a:t>0.75</a:t>
+                      </a:r>
+                    </a:p>
+                  </a:txBody>
+                  <a:tcPr marL="119067" marR="119067" marT="59534" marB="59534"/>
+                </a:tc>
+                <a:tc>
+                  <a:txBody>
+                    <a:bodyPr/>
+                    <a:lstStyle/>
+                    <a:p>
+                      <a:r>
+                        <a:rPr lang="en-US" sz="2300" b="1"/>
+                        <a:t>0.65</a:t>
+                      </a:r>
+                    </a:p>
+                  </a:txBody>
+                  <a:tcPr marL="119067" marR="119067" marT="59534" marB="59534"/>
+                </a:tc>
+                <a:tc>
+                  <a:txBody>
+                    <a:bodyPr/>
+                    <a:lstStyle/>
+                    <a:p>
+                      <a:r>
+                        <a:rPr lang="en-US" sz="2300"/>
+                        <a:t>0.5</a:t>
+                      </a:r>
+                    </a:p>
+                  </a:txBody>
+                  <a:tcPr marL="119067" marR="119067" marT="59534" marB="59534"/>
+                </a:tc>
+                <a:tc>
+                  <a:txBody>
+                    <a:bodyPr/>
+                    <a:lstStyle/>
+                    <a:p>
+                      <a:r>
+                        <a:rPr lang="en-US" sz="2300"/>
+                        <a:t>0</a:t>
+                      </a:r>
+                    </a:p>
+                  </a:txBody>
+                  <a:tcPr marL="119067" marR="119067" marT="59534" marB="59534"/>
+                </a:tc>
+                <a:extLst>
+                  <a:ext uri="{0D108BD9-81ED-4DB2-BD59-A6C34878D82A}">
+                    <a16:rowId xmlns:a16="http://schemas.microsoft.com/office/drawing/2014/main" val="10002"/>
+                  </a:ext>
+                </a:extLst>
+              </a:tr>
+              <a:tr h="476269">
+                <a:tc>
+                  <a:txBody>
+                    <a:bodyPr/>
+                    <a:lstStyle/>
+                    <a:p>
+                      <a:r>
+                        <a:rPr lang="en-US" sz="2300" b="1"/>
+                        <a:t>0.15</a:t>
+                      </a:r>
+                    </a:p>
+                  </a:txBody>
+                  <a:tcPr marL="119067" marR="119067" marT="59534" marB="59534"/>
+                </a:tc>
+                <a:tc>
+                  <a:txBody>
+                    <a:bodyPr/>
+                    <a:lstStyle/>
+                    <a:p>
+                      <a:r>
+                        <a:rPr lang="en-US" sz="2300"/>
+                        <a:t>1</a:t>
+                      </a:r>
+                    </a:p>
+                  </a:txBody>
+                  <a:tcPr marL="119067" marR="119067" marT="59534" marB="59534"/>
+                </a:tc>
+                <a:tc>
+                  <a:txBody>
+                    <a:bodyPr/>
+                    <a:lstStyle/>
+                    <a:p>
+                      <a:r>
+                        <a:rPr lang="en-US" sz="2300"/>
+                        <a:t>0.5</a:t>
+                      </a:r>
+                    </a:p>
+                  </a:txBody>
+                  <a:tcPr marL="119067" marR="119067" marT="59534" marB="59534"/>
+                </a:tc>
+                <a:tc>
+                  <a:txBody>
+                    <a:bodyPr/>
+                    <a:lstStyle/>
+                    <a:p>
+                      <a:r>
+                        <a:rPr lang="en-US" sz="2300" b="1"/>
+                        <a:t>0.85</a:t>
+                      </a:r>
+                    </a:p>
+                  </a:txBody>
+                  <a:tcPr marL="119067" marR="119067" marT="59534" marB="59534"/>
+                </a:tc>
+                <a:tc>
+                  <a:txBody>
+                    <a:bodyPr/>
+                    <a:lstStyle/>
+                    <a:p>
+                      <a:r>
+                        <a:rPr lang="en-US" sz="2300"/>
+                        <a:t>0.25</a:t>
+                      </a:r>
+                    </a:p>
+                  </a:txBody>
+                  <a:tcPr marL="119067" marR="119067" marT="59534" marB="59534"/>
+                </a:tc>
+                <a:tc>
+                  <a:txBody>
+                    <a:bodyPr/>
+                    <a:lstStyle/>
+                    <a:p>
+                      <a:r>
+                        <a:rPr lang="en-US" sz="2300"/>
+                        <a:t>0</a:t>
+                      </a:r>
+                    </a:p>
+                  </a:txBody>
+                  <a:tcPr marL="119067" marR="119067" marT="59534" marB="59534"/>
+                </a:tc>
+                <a:extLst>
+                  <a:ext uri="{0D108BD9-81ED-4DB2-BD59-A6C34878D82A}">
+                    <a16:rowId xmlns:a16="http://schemas.microsoft.com/office/drawing/2014/main" val="10003"/>
+                  </a:ext>
+                </a:extLst>
+              </a:tr>
+              <a:tr h="476269">
+                <a:tc>
+                  <a:txBody>
+                    <a:bodyPr/>
+                    <a:lstStyle/>
+                    <a:p>
+                      <a:r>
+                        <a:rPr lang="en-US" sz="2300" b="1"/>
+                        <a:t>0.25</a:t>
+                      </a:r>
+                    </a:p>
+                  </a:txBody>
+                  <a:tcPr marL="119067" marR="119067" marT="59534" marB="59534"/>
+                </a:tc>
+                <a:tc>
+                  <a:txBody>
+                    <a:bodyPr/>
+                    <a:lstStyle/>
+                    <a:p>
+                      <a:r>
+                        <a:rPr lang="en-US" sz="2300"/>
+                        <a:t>1</a:t>
+                      </a:r>
+                    </a:p>
+                  </a:txBody>
+                  <a:tcPr marL="119067" marR="119067" marT="59534" marB="59534"/>
+                </a:tc>
+                <a:tc>
+                  <a:txBody>
+                    <a:bodyPr/>
+                    <a:lstStyle/>
+                    <a:p>
+                      <a:r>
+                        <a:rPr lang="en-US" sz="2300"/>
+                        <a:t>0.25</a:t>
+                      </a:r>
+                    </a:p>
+                  </a:txBody>
+                  <a:tcPr marL="119067" marR="119067" marT="59534" marB="59534"/>
+                </a:tc>
+                <a:tc>
+                  <a:txBody>
+                    <a:bodyPr/>
+                    <a:lstStyle/>
+                    <a:p>
+                      <a:r>
+                        <a:rPr lang="en-US" sz="2300" b="1"/>
+                        <a:t>1</a:t>
+                      </a:r>
+                    </a:p>
+                  </a:txBody>
+                  <a:tcPr marL="119067" marR="119067" marT="59534" marB="59534"/>
+                </a:tc>
+                <a:tc>
+                  <a:txBody>
+                    <a:bodyPr/>
+                    <a:lstStyle/>
+                    <a:p>
+                      <a:r>
+                        <a:rPr lang="en-US" sz="2300"/>
+                        <a:t>0</a:t>
+                      </a:r>
+                    </a:p>
+                  </a:txBody>
+                  <a:tcPr marL="119067" marR="119067" marT="59534" marB="59534"/>
+                </a:tc>
+                <a:tc>
+                  <a:txBody>
+                    <a:bodyPr/>
+                    <a:lstStyle/>
+                    <a:p>
+                      <a:r>
+                        <a:rPr lang="en-US" sz="2300" dirty="0"/>
+                        <a:t>0</a:t>
+                      </a:r>
+                    </a:p>
+                  </a:txBody>
+                  <a:tcPr marL="119067" marR="119067" marT="59534" marB="59534"/>
+                </a:tc>
+                <a:extLst>
+                  <a:ext uri="{0D108BD9-81ED-4DB2-BD59-A6C34878D82A}">
+                    <a16:rowId xmlns:a16="http://schemas.microsoft.com/office/drawing/2014/main" val="10004"/>
+                  </a:ext>
+                </a:extLst>
+              </a:tr>
+            </a:tbl>
+          </a:graphicData>
+        </a:graphic>
+      </p:graphicFrame>
+    </p:spTree>
+    <p:extLst>
+      <p:ext uri="{BB962C8B-B14F-4D97-AF65-F5344CB8AC3E}">
+        <p14:creationId xmlns:p14="http://schemas.microsoft.com/office/powerpoint/2010/main" val="3187281762"/>
+      </p:ext>
+    </p:extLst>
+  </p:cSld>
+  <p:clrMapOvr>
+    <a:masterClrMapping/>
+  </p:clrMapOvr>
+  <p:transition/>
+</p:sld>
+</file>
+
 <file path=ppt/slides/slide2.xml><?xml version="1.0" encoding="utf-8"?>
 <p:sld xmlns:a="http://schemas.openxmlformats.org/drawingml/2006/main" xmlns:r="http://schemas.openxmlformats.org/officeDocument/2006/relationships" xmlns:p="http://schemas.openxmlformats.org/presentationml/2006/main">
   <p:cSld>
@@ -9345,6 +9999,781 @@
   <p:clrMapOvr>
     <a:masterClrMapping/>
   </p:clrMapOvr>
+</p:sld>
+</file>
+
+<file path=ppt/slides/slide20.xml><?xml version="1.0" encoding="utf-8"?>
+<p:sld xmlns:a="http://schemas.openxmlformats.org/drawingml/2006/main" xmlns:r="http://schemas.openxmlformats.org/officeDocument/2006/relationships" xmlns:p="http://schemas.openxmlformats.org/presentationml/2006/main">
+  <p:cSld>
+    <p:spTree>
+      <p:nvGrpSpPr>
+        <p:cNvPr id="1" name=""/>
+        <p:cNvGrpSpPr/>
+        <p:nvPr/>
+      </p:nvGrpSpPr>
+      <p:grpSpPr>
+        <a:xfrm>
+          <a:off x="0" y="0"/>
+          <a:ext cx="0" cy="0"/>
+          <a:chOff x="0" y="0"/>
+          <a:chExt cx="0" cy="0"/>
+        </a:xfrm>
+      </p:grpSpPr>
+      <p:sp>
+        <p:nvSpPr>
+          <p:cNvPr id="5" name="TextBox 4"/>
+          <p:cNvSpPr txBox="1"/>
+          <p:nvPr/>
+        </p:nvSpPr>
+        <p:spPr>
+          <a:xfrm>
+            <a:off x="4905327" y="1444545"/>
+            <a:ext cx="6548704" cy="2677656"/>
+          </a:xfrm>
+          <a:prstGeom prst="rect">
+            <a:avLst/>
+          </a:prstGeom>
+          <a:noFill/>
+        </p:spPr>
+        <p:txBody>
+          <a:bodyPr wrap="square" rtlCol="0">
+            <a:spAutoFit/>
+          </a:bodyPr>
+          <a:lstStyle/>
+          <a:p>
+            <a:pPr algn="l"/>
+            <a:r>
+              <a:rPr lang="en-US" sz="2400" dirty="0">
+                <a:latin typeface="PFDinTextCompPro-Italic"/>
+                <a:cs typeface="PFDinTextCompPro-Italic"/>
+              </a:rPr>
+              <a:t>Q: Would the ROC Curve (and AUC) change if the </a:t>
+            </a:r>
+            <a:r>
+              <a:rPr lang="en-US" sz="2400" b="1">
+                <a:latin typeface="PFDinTextCompPro-Italic"/>
+                <a:cs typeface="PFDinTextCompPro-Italic"/>
+              </a:rPr>
+              <a:t>scores</a:t>
+            </a:r>
+            <a:r>
+              <a:rPr lang="en-US" sz="2400">
+                <a:latin typeface="PFDinTextCompPro-Italic"/>
+                <a:cs typeface="PFDinTextCompPro-Italic"/>
+              </a:rPr>
+              <a:t> changed, </a:t>
+            </a:r>
+            <a:r>
+              <a:rPr lang="en-US" sz="2400" dirty="0">
+                <a:latin typeface="PFDinTextCompPro-Italic"/>
+                <a:cs typeface="PFDinTextCompPro-Italic"/>
+              </a:rPr>
+              <a:t>but the </a:t>
+            </a:r>
+            <a:r>
+              <a:rPr lang="en-US" sz="2400" b="1" dirty="0">
+                <a:latin typeface="PFDinTextCompPro-Italic"/>
+                <a:cs typeface="PFDinTextCompPro-Italic"/>
+              </a:rPr>
+              <a:t>ordering</a:t>
+            </a:r>
+            <a:r>
+              <a:rPr lang="en-US" sz="2400" dirty="0">
+                <a:latin typeface="PFDinTextCompPro-Italic"/>
+                <a:cs typeface="PFDinTextCompPro-Italic"/>
+              </a:rPr>
+              <a:t> remained the same?</a:t>
+            </a:r>
+          </a:p>
+          <a:p>
+            <a:pPr algn="l"/>
+            <a:endParaRPr lang="en-US" sz="2400" dirty="0">
+              <a:latin typeface="PFDinTextCompPro-Italic"/>
+              <a:cs typeface="PFDinTextCompPro-Italic"/>
+            </a:endParaRPr>
+          </a:p>
+          <a:p>
+            <a:pPr algn="l"/>
+            <a:r>
+              <a:rPr lang="en-US" sz="2400" dirty="0">
+                <a:latin typeface="PFDinTextCompPro-Italic"/>
+                <a:cs typeface="PFDinTextCompPro-Italic"/>
+              </a:rPr>
+              <a:t>A: Not at all! The ROC Curve is only sensitive to </a:t>
+            </a:r>
+            <a:r>
+              <a:rPr lang="en-US" sz="2400" b="1" dirty="0">
+                <a:latin typeface="PFDinTextCompPro-Italic"/>
+                <a:cs typeface="PFDinTextCompPro-Italic"/>
+              </a:rPr>
+              <a:t>rank ordering</a:t>
+            </a:r>
+            <a:r>
+              <a:rPr lang="en-US" sz="2400" dirty="0">
+                <a:latin typeface="PFDinTextCompPro-Italic"/>
+                <a:cs typeface="PFDinTextCompPro-Italic"/>
+              </a:rPr>
+              <a:t> and does not require </a:t>
+            </a:r>
+            <a:r>
+              <a:rPr lang="en-US" sz="2400" b="1" dirty="0">
+                <a:latin typeface="PFDinTextCompPro-Italic"/>
+                <a:cs typeface="PFDinTextCompPro-Italic"/>
+              </a:rPr>
+              <a:t>calibrated scores</a:t>
+            </a:r>
+            <a:r>
+              <a:rPr lang="en-US" sz="2400" dirty="0">
+                <a:latin typeface="PFDinTextCompPro-Italic"/>
+                <a:cs typeface="PFDinTextCompPro-Italic"/>
+              </a:rPr>
+              <a:t>.</a:t>
+            </a:r>
+          </a:p>
+        </p:txBody>
+      </p:sp>
+      <p:sp>
+        <p:nvSpPr>
+          <p:cNvPr id="8" name="Slide Number Placeholder 3"/>
+          <p:cNvSpPr>
+            <a:spLocks noGrp="1"/>
+          </p:cNvSpPr>
+          <p:nvPr>
+            <p:ph type="sldNum" sz="quarter" idx="13"/>
+          </p:nvPr>
+        </p:nvSpPr>
+        <p:spPr/>
+        <p:txBody>
+          <a:bodyPr/>
+          <a:lstStyle/>
+          <a:p>
+            <a:pPr>
+              <a:defRPr/>
+            </a:pPr>
+            <a:fld id="{BD5AD749-DAD1-6A4A-A2AA-CB20EAD0AEB7}" type="slidenum">
+              <a:rPr lang="en-US"/>
+              <a:pPr>
+                <a:defRPr/>
+              </a:pPr>
+              <a:t>20</a:t>
+            </a:fld>
+            <a:endParaRPr lang="en-US"/>
+          </a:p>
+        </p:txBody>
+      </p:sp>
+      <p:graphicFrame>
+        <p:nvGraphicFramePr>
+          <p:cNvPr id="2" name="Table 1"/>
+          <p:cNvGraphicFramePr>
+            <a:graphicFrameLocks noGrp="1"/>
+          </p:cNvGraphicFramePr>
+          <p:nvPr>
+            <p:extLst/>
+          </p:nvPr>
+        </p:nvGraphicFramePr>
+        <p:xfrm>
+          <a:off x="162838" y="1642990"/>
+          <a:ext cx="4242243" cy="5053745"/>
+        </p:xfrm>
+        <a:graphic>
+          <a:graphicData uri="http://schemas.openxmlformats.org/drawingml/2006/table">
+            <a:tbl>
+              <a:tblPr firstRow="1" bandRow="1">
+                <a:tableStyleId>{5C22544A-7EE6-4342-B048-85BDC9FD1C3A}</a:tableStyleId>
+              </a:tblPr>
+              <a:tblGrid>
+                <a:gridCol w="1414081">
+                  <a:extLst>
+                    <a:ext uri="{9D8B030D-6E8A-4147-A177-3AD203B41FA5}">
+                      <a16:colId xmlns:a16="http://schemas.microsoft.com/office/drawing/2014/main" val="20000"/>
+                    </a:ext>
+                  </a:extLst>
+                </a:gridCol>
+                <a:gridCol w="1414081">
+                  <a:extLst>
+                    <a:ext uri="{9D8B030D-6E8A-4147-A177-3AD203B41FA5}">
+                      <a16:colId xmlns:a16="http://schemas.microsoft.com/office/drawing/2014/main" val="20001"/>
+                    </a:ext>
+                  </a:extLst>
+                </a:gridCol>
+                <a:gridCol w="1414081">
+                  <a:extLst>
+                    <a:ext uri="{9D8B030D-6E8A-4147-A177-3AD203B41FA5}">
+                      <a16:colId xmlns:a16="http://schemas.microsoft.com/office/drawing/2014/main" val="20002"/>
+                    </a:ext>
+                  </a:extLst>
+                </a:gridCol>
+              </a:tblGrid>
+              <a:tr h="1190673">
+                <a:tc>
+                  <a:txBody>
+                    <a:bodyPr/>
+                    <a:lstStyle/>
+                    <a:p>
+                      <a:r>
+                        <a:rPr lang="en-US" sz="2300" dirty="0"/>
+                        <a:t>Email Number</a:t>
+                      </a:r>
+                    </a:p>
+                  </a:txBody>
+                  <a:tcPr marL="119067" marR="119067" marT="59534" marB="59534"/>
+                </a:tc>
+                <a:tc>
+                  <a:txBody>
+                    <a:bodyPr/>
+                    <a:lstStyle/>
+                    <a:p>
+                      <a:r>
+                        <a:rPr lang="en-US" sz="2300" dirty="0"/>
+                        <a:t>Score</a:t>
+                      </a:r>
+                    </a:p>
+                  </a:txBody>
+                  <a:tcPr marL="119067" marR="119067" marT="59534" marB="59534"/>
+                </a:tc>
+                <a:tc>
+                  <a:txBody>
+                    <a:bodyPr/>
+                    <a:lstStyle/>
+                    <a:p>
+                      <a:r>
+                        <a:rPr lang="en-US" sz="2300" dirty="0"/>
+                        <a:t>True Label</a:t>
+                      </a:r>
+                    </a:p>
+                  </a:txBody>
+                  <a:tcPr marL="119067" marR="119067" marT="59534" marB="59534"/>
+                </a:tc>
+                <a:extLst>
+                  <a:ext uri="{0D108BD9-81ED-4DB2-BD59-A6C34878D82A}">
+                    <a16:rowId xmlns:a16="http://schemas.microsoft.com/office/drawing/2014/main" val="10000"/>
+                  </a:ext>
+                </a:extLst>
+              </a:tr>
+              <a:tr h="482884">
+                <a:tc>
+                  <a:txBody>
+                    <a:bodyPr/>
+                    <a:lstStyle/>
+                    <a:p>
+                      <a:r>
+                        <a:rPr lang="en-US" sz="2300" dirty="0"/>
+                        <a:t>5</a:t>
+                      </a:r>
+                    </a:p>
+                  </a:txBody>
+                  <a:tcPr marL="119067" marR="119067" marT="59534" marB="59534"/>
+                </a:tc>
+                <a:tc>
+                  <a:txBody>
+                    <a:bodyPr/>
+                    <a:lstStyle/>
+                    <a:p>
+                      <a:r>
+                        <a:rPr lang="en-US" sz="2300"/>
+                        <a:t>0.99</a:t>
+                      </a:r>
+                      <a:endParaRPr lang="en-US" sz="2300" dirty="0"/>
+                    </a:p>
+                  </a:txBody>
+                  <a:tcPr marL="119067" marR="119067" marT="59534" marB="59534"/>
+                </a:tc>
+                <a:tc>
+                  <a:txBody>
+                    <a:bodyPr/>
+                    <a:lstStyle/>
+                    <a:p>
+                      <a:r>
+                        <a:rPr lang="en-US" sz="2300" dirty="0"/>
+                        <a:t>Spam</a:t>
+                      </a:r>
+                    </a:p>
+                  </a:txBody>
+                  <a:tcPr marL="119067" marR="119067" marT="59534" marB="59534"/>
+                </a:tc>
+                <a:extLst>
+                  <a:ext uri="{0D108BD9-81ED-4DB2-BD59-A6C34878D82A}">
+                    <a16:rowId xmlns:a16="http://schemas.microsoft.com/office/drawing/2014/main" val="10001"/>
+                  </a:ext>
+                </a:extLst>
+              </a:tr>
+              <a:tr h="482884">
+                <a:tc>
+                  <a:txBody>
+                    <a:bodyPr/>
+                    <a:lstStyle/>
+                    <a:p>
+                      <a:r>
+                        <a:rPr lang="en-US" sz="2300" dirty="0"/>
+                        <a:t>8</a:t>
+                      </a:r>
+                    </a:p>
+                  </a:txBody>
+                  <a:tcPr marL="119067" marR="119067" marT="59534" marB="59534"/>
+                </a:tc>
+                <a:tc>
+                  <a:txBody>
+                    <a:bodyPr/>
+                    <a:lstStyle/>
+                    <a:p>
+                      <a:r>
+                        <a:rPr lang="en-US" sz="2300"/>
+                        <a:t>0.98</a:t>
+                      </a:r>
+                      <a:endParaRPr lang="en-US" sz="2300" dirty="0"/>
+                    </a:p>
+                  </a:txBody>
+                  <a:tcPr marL="119067" marR="119067" marT="59534" marB="59534"/>
+                </a:tc>
+                <a:tc>
+                  <a:txBody>
+                    <a:bodyPr/>
+                    <a:lstStyle/>
+                    <a:p>
+                      <a:r>
+                        <a:rPr lang="en-US" sz="2300" dirty="0"/>
+                        <a:t>Spam</a:t>
+                      </a:r>
+                    </a:p>
+                  </a:txBody>
+                  <a:tcPr marL="119067" marR="119067" marT="59534" marB="59534"/>
+                </a:tc>
+                <a:extLst>
+                  <a:ext uri="{0D108BD9-81ED-4DB2-BD59-A6C34878D82A}">
+                    <a16:rowId xmlns:a16="http://schemas.microsoft.com/office/drawing/2014/main" val="10002"/>
+                  </a:ext>
+                </a:extLst>
+              </a:tr>
+              <a:tr h="482884">
+                <a:tc>
+                  <a:txBody>
+                    <a:bodyPr/>
+                    <a:lstStyle/>
+                    <a:p>
+                      <a:r>
+                        <a:rPr lang="en-US" sz="2300" dirty="0"/>
+                        <a:t>2</a:t>
+                      </a:r>
+                    </a:p>
+                  </a:txBody>
+                  <a:tcPr marL="119067" marR="119067" marT="59534" marB="59534"/>
+                </a:tc>
+                <a:tc>
+                  <a:txBody>
+                    <a:bodyPr/>
+                    <a:lstStyle/>
+                    <a:p>
+                      <a:r>
+                        <a:rPr lang="en-US" sz="2300"/>
+                        <a:t>0.97</a:t>
+                      </a:r>
+                      <a:endParaRPr lang="en-US" sz="2300" dirty="0"/>
+                    </a:p>
+                  </a:txBody>
+                  <a:tcPr marL="119067" marR="119067" marT="59534" marB="59534"/>
+                </a:tc>
+                <a:tc>
+                  <a:txBody>
+                    <a:bodyPr/>
+                    <a:lstStyle/>
+                    <a:p>
+                      <a:r>
+                        <a:rPr lang="en-US" sz="2300" dirty="0"/>
+                        <a:t>Spam</a:t>
+                      </a:r>
+                    </a:p>
+                  </a:txBody>
+                  <a:tcPr marL="119067" marR="119067" marT="59534" marB="59534"/>
+                </a:tc>
+                <a:extLst>
+                  <a:ext uri="{0D108BD9-81ED-4DB2-BD59-A6C34878D82A}">
+                    <a16:rowId xmlns:a16="http://schemas.microsoft.com/office/drawing/2014/main" val="10003"/>
+                  </a:ext>
+                </a:extLst>
+              </a:tr>
+              <a:tr h="482884">
+                <a:tc>
+                  <a:txBody>
+                    <a:bodyPr/>
+                    <a:lstStyle/>
+                    <a:p>
+                      <a:r>
+                        <a:rPr lang="en-US" sz="2300" dirty="0"/>
+                        <a:t>1</a:t>
+                      </a:r>
+                    </a:p>
+                  </a:txBody>
+                  <a:tcPr marL="119067" marR="119067" marT="59534" marB="59534"/>
+                </a:tc>
+                <a:tc>
+                  <a:txBody>
+                    <a:bodyPr/>
+                    <a:lstStyle/>
+                    <a:p>
+                      <a:r>
+                        <a:rPr lang="en-US" sz="2300"/>
+                        <a:t>0.97</a:t>
+                      </a:r>
+                      <a:endParaRPr lang="en-US" sz="2300" dirty="0"/>
+                    </a:p>
+                  </a:txBody>
+                  <a:tcPr marL="119067" marR="119067" marT="59534" marB="59534"/>
+                </a:tc>
+                <a:tc>
+                  <a:txBody>
+                    <a:bodyPr/>
+                    <a:lstStyle/>
+                    <a:p>
+                      <a:r>
+                        <a:rPr lang="en-US" sz="2300" dirty="0"/>
+                        <a:t>Ham</a:t>
+                      </a:r>
+                    </a:p>
+                  </a:txBody>
+                  <a:tcPr marL="119067" marR="119067" marT="59534" marB="59534"/>
+                </a:tc>
+                <a:extLst>
+                  <a:ext uri="{0D108BD9-81ED-4DB2-BD59-A6C34878D82A}">
+                    <a16:rowId xmlns:a16="http://schemas.microsoft.com/office/drawing/2014/main" val="10004"/>
+                  </a:ext>
+                </a:extLst>
+              </a:tr>
+              <a:tr h="482884">
+                <a:tc>
+                  <a:txBody>
+                    <a:bodyPr/>
+                    <a:lstStyle/>
+                    <a:p>
+                      <a:r>
+                        <a:rPr lang="en-US" sz="2300" dirty="0"/>
+                        <a:t>7</a:t>
+                      </a:r>
+                    </a:p>
+                  </a:txBody>
+                  <a:tcPr marL="119067" marR="119067" marT="59534" marB="59534"/>
+                </a:tc>
+                <a:tc>
+                  <a:txBody>
+                    <a:bodyPr/>
+                    <a:lstStyle/>
+                    <a:p>
+                      <a:r>
+                        <a:rPr lang="en-US" sz="2300"/>
+                        <a:t>0.96</a:t>
+                      </a:r>
+                      <a:endParaRPr lang="en-US" sz="2300" dirty="0"/>
+                    </a:p>
+                  </a:txBody>
+                  <a:tcPr marL="119067" marR="119067" marT="59534" marB="59534"/>
+                </a:tc>
+                <a:tc>
+                  <a:txBody>
+                    <a:bodyPr/>
+                    <a:lstStyle/>
+                    <a:p>
+                      <a:r>
+                        <a:rPr lang="en-US" sz="2300" dirty="0"/>
+                        <a:t>Spam</a:t>
+                      </a:r>
+                    </a:p>
+                  </a:txBody>
+                  <a:tcPr marL="119067" marR="119067" marT="59534" marB="59534"/>
+                </a:tc>
+                <a:extLst>
+                  <a:ext uri="{0D108BD9-81ED-4DB2-BD59-A6C34878D82A}">
+                    <a16:rowId xmlns:a16="http://schemas.microsoft.com/office/drawing/2014/main" val="10005"/>
+                  </a:ext>
+                </a:extLst>
+              </a:tr>
+              <a:tr h="482884">
+                <a:tc>
+                  <a:txBody>
+                    <a:bodyPr/>
+                    <a:lstStyle/>
+                    <a:p>
+                      <a:r>
+                        <a:rPr lang="en-US" sz="2300" dirty="0"/>
+                        <a:t>3</a:t>
+                      </a:r>
+                    </a:p>
+                  </a:txBody>
+                  <a:tcPr marL="119067" marR="119067" marT="59534" marB="59534"/>
+                </a:tc>
+                <a:tc>
+                  <a:txBody>
+                    <a:bodyPr/>
+                    <a:lstStyle/>
+                    <a:p>
+                      <a:r>
+                        <a:rPr lang="en-US" sz="2300"/>
+                        <a:t>0.95</a:t>
+                      </a:r>
+                      <a:endParaRPr lang="en-US" sz="2300" dirty="0"/>
+                    </a:p>
+                  </a:txBody>
+                  <a:tcPr marL="119067" marR="119067" marT="59534" marB="59534"/>
+                </a:tc>
+                <a:tc>
+                  <a:txBody>
+                    <a:bodyPr/>
+                    <a:lstStyle/>
+                    <a:p>
+                      <a:r>
+                        <a:rPr lang="en-US" sz="2300" dirty="0"/>
+                        <a:t>Ham</a:t>
+                      </a:r>
+                    </a:p>
+                  </a:txBody>
+                  <a:tcPr marL="119067" marR="119067" marT="59534" marB="59534"/>
+                </a:tc>
+                <a:extLst>
+                  <a:ext uri="{0D108BD9-81ED-4DB2-BD59-A6C34878D82A}">
+                    <a16:rowId xmlns:a16="http://schemas.microsoft.com/office/drawing/2014/main" val="10006"/>
+                  </a:ext>
+                </a:extLst>
+              </a:tr>
+              <a:tr h="482884">
+                <a:tc>
+                  <a:txBody>
+                    <a:bodyPr/>
+                    <a:lstStyle/>
+                    <a:p>
+                      <a:r>
+                        <a:rPr lang="en-US" sz="2300" dirty="0"/>
+                        <a:t>4</a:t>
+                      </a:r>
+                    </a:p>
+                  </a:txBody>
+                  <a:tcPr marL="119067" marR="119067" marT="59534" marB="59534"/>
+                </a:tc>
+                <a:tc>
+                  <a:txBody>
+                    <a:bodyPr/>
+                    <a:lstStyle/>
+                    <a:p>
+                      <a:r>
+                        <a:rPr lang="en-US" sz="2300"/>
+                        <a:t>0.94</a:t>
+                      </a:r>
+                      <a:endParaRPr lang="en-US" sz="2300" dirty="0"/>
+                    </a:p>
+                  </a:txBody>
+                  <a:tcPr marL="119067" marR="119067" marT="59534" marB="59534"/>
+                </a:tc>
+                <a:tc>
+                  <a:txBody>
+                    <a:bodyPr/>
+                    <a:lstStyle/>
+                    <a:p>
+                      <a:r>
+                        <a:rPr lang="en-US" sz="2300" dirty="0"/>
+                        <a:t>Ham</a:t>
+                      </a:r>
+                    </a:p>
+                  </a:txBody>
+                  <a:tcPr marL="119067" marR="119067" marT="59534" marB="59534"/>
+                </a:tc>
+                <a:extLst>
+                  <a:ext uri="{0D108BD9-81ED-4DB2-BD59-A6C34878D82A}">
+                    <a16:rowId xmlns:a16="http://schemas.microsoft.com/office/drawing/2014/main" val="10007"/>
+                  </a:ext>
+                </a:extLst>
+              </a:tr>
+              <a:tr h="482884">
+                <a:tc>
+                  <a:txBody>
+                    <a:bodyPr/>
+                    <a:lstStyle/>
+                    <a:p>
+                      <a:r>
+                        <a:rPr lang="en-US" sz="2300" dirty="0"/>
+                        <a:t>6</a:t>
+                      </a:r>
+                    </a:p>
+                  </a:txBody>
+                  <a:tcPr marL="119067" marR="119067" marT="59534" marB="59534"/>
+                </a:tc>
+                <a:tc>
+                  <a:txBody>
+                    <a:bodyPr/>
+                    <a:lstStyle/>
+                    <a:p>
+                      <a:r>
+                        <a:rPr lang="en-US" sz="2300"/>
+                        <a:t>0.93</a:t>
+                      </a:r>
+                      <a:endParaRPr lang="en-US" sz="2300" dirty="0"/>
+                    </a:p>
+                  </a:txBody>
+                  <a:tcPr marL="119067" marR="119067" marT="59534" marB="59534"/>
+                </a:tc>
+                <a:tc>
+                  <a:txBody>
+                    <a:bodyPr/>
+                    <a:lstStyle/>
+                    <a:p>
+                      <a:r>
+                        <a:rPr lang="en-US" sz="2300" dirty="0"/>
+                        <a:t>Ham</a:t>
+                      </a:r>
+                    </a:p>
+                  </a:txBody>
+                  <a:tcPr marL="119067" marR="119067" marT="59534" marB="59534"/>
+                </a:tc>
+                <a:extLst>
+                  <a:ext uri="{0D108BD9-81ED-4DB2-BD59-A6C34878D82A}">
+                    <a16:rowId xmlns:a16="http://schemas.microsoft.com/office/drawing/2014/main" val="10008"/>
+                  </a:ext>
+                </a:extLst>
+              </a:tr>
+            </a:tbl>
+          </a:graphicData>
+        </a:graphic>
+      </p:graphicFrame>
+      <p:sp>
+        <p:nvSpPr>
+          <p:cNvPr id="9" name="Title 1">
+            <a:extLst>
+              <a:ext uri="{FF2B5EF4-FFF2-40B4-BE49-F238E27FC236}">
+                <a16:creationId xmlns:a16="http://schemas.microsoft.com/office/drawing/2014/main" id="{5CF0AD21-EB7C-AD4C-83EF-4A88FCD598E1}"/>
+              </a:ext>
+            </a:extLst>
+          </p:cNvPr>
+          <p:cNvSpPr txBox="1">
+            <a:spLocks/>
+          </p:cNvSpPr>
+          <p:nvPr/>
+        </p:nvSpPr>
+        <p:spPr>
+          <a:xfrm>
+            <a:off x="838200" y="365125"/>
+            <a:ext cx="10515600" cy="1325563"/>
+          </a:xfrm>
+          <a:prstGeom prst="rect">
+            <a:avLst/>
+          </a:prstGeom>
+        </p:spPr>
+        <p:txBody>
+          <a:bodyPr vert="horz" lIns="0" tIns="32914" rIns="65828" bIns="32914" rtlCol="0" anchor="ctr">
+            <a:normAutofit/>
+          </a:bodyPr>
+          <a:lstStyle>
+            <a:lvl1pPr algn="l" defTabSz="914400" rtl="0" eaLnBrk="1" latinLnBrk="0" hangingPunct="1">
+              <a:lnSpc>
+                <a:spcPts val="4686"/>
+              </a:lnSpc>
+              <a:spcBef>
+                <a:spcPct val="0"/>
+              </a:spcBef>
+              <a:buNone/>
+              <a:defRPr sz="5078" b="1" kern="1200" cap="all" baseline="0">
+                <a:solidFill>
+                  <a:schemeClr val="tx1"/>
+                </a:solidFill>
+                <a:latin typeface="+mj-lt"/>
+                <a:ea typeface="+mj-ea"/>
+                <a:cs typeface="+mj-cs"/>
+              </a:defRPr>
+            </a:lvl1pPr>
+          </a:lstStyle>
+          <a:p>
+            <a:r>
+              <a:rPr lang="en-US" sz="4000" b="0" cap="none" dirty="0"/>
+              <a:t>ROC Curve</a:t>
+            </a:r>
+          </a:p>
+        </p:txBody>
+      </p:sp>
+    </p:spTree>
+    <p:extLst>
+      <p:ext uri="{BB962C8B-B14F-4D97-AF65-F5344CB8AC3E}">
+        <p14:creationId xmlns:p14="http://schemas.microsoft.com/office/powerpoint/2010/main" val="3615123173"/>
+      </p:ext>
+    </p:extLst>
+  </p:cSld>
+  <p:clrMapOvr>
+    <a:masterClrMapping/>
+  </p:clrMapOvr>
+  <p:transition/>
+  <p:timing>
+    <p:tnLst>
+      <p:par>
+        <p:cTn id="1" dur="indefinite" restart="never" nodeType="tmRoot">
+          <p:childTnLst>
+            <p:seq concurrent="1" nextAc="seek">
+              <p:cTn id="2" dur="indefinite" nodeType="mainSeq">
+                <p:childTnLst>
+                  <p:par>
+                    <p:cTn id="3" fill="hold">
+                      <p:stCondLst>
+                        <p:cond delay="indefinite"/>
+                      </p:stCondLst>
+                      <p:childTnLst>
+                        <p:par>
+                          <p:cTn id="4" fill="hold">
+                            <p:stCondLst>
+                              <p:cond delay="0"/>
+                            </p:stCondLst>
+                            <p:childTnLst>
+                              <p:par>
+                                <p:cTn id="5" presetID="1" presetClass="entr" presetSubtype="0" fill="hold" nodeType="clickEffect">
+                                  <p:stCondLst>
+                                    <p:cond delay="0"/>
+                                  </p:stCondLst>
+                                  <p:childTnLst>
+                                    <p:set>
+                                      <p:cBhvr>
+                                        <p:cTn id="6" dur="1" fill="hold">
+                                          <p:stCondLst>
+                                            <p:cond delay="0"/>
+                                          </p:stCondLst>
+                                        </p:cTn>
+                                        <p:tgtEl>
+                                          <p:spTgt spid="5">
+                                            <p:txEl>
+                                              <p:pRg st="2" end="2"/>
+                                            </p:txEl>
+                                          </p:spTgt>
+                                        </p:tgtEl>
+                                        <p:attrNameLst>
+                                          <p:attrName>style.visibility</p:attrName>
+                                        </p:attrNameLst>
+                                      </p:cBhvr>
+                                      <p:to>
+                                        <p:strVal val="visible"/>
+                                      </p:to>
+                                    </p:set>
+                                  </p:childTnLst>
+                                </p:cTn>
+                              </p:par>
+                            </p:childTnLst>
+                          </p:cTn>
+                        </p:par>
+                      </p:childTnLst>
+                    </p:cTn>
+                  </p:par>
+                </p:childTnLst>
+              </p:cTn>
+              <p:prevCondLst>
+                <p:cond evt="onPrev" delay="0">
+                  <p:tgtEl>
+                    <p:sldTgt/>
+                  </p:tgtEl>
+                </p:cond>
+              </p:prevCondLst>
+              <p:nextCondLst>
+                <p:cond evt="onNext" delay="0">
+                  <p:tgtEl>
+                    <p:sldTgt/>
+                  </p:tgtEl>
+                </p:cond>
+              </p:nextCondLst>
+            </p:seq>
+          </p:childTnLst>
+        </p:cTn>
+      </p:par>
+    </p:tnLst>
+  </p:timing>
 </p:sld>
 </file>
 
@@ -9373,8 +10802,8 @@
         </p:nvSpPr>
         <p:spPr>
           <a:xfrm>
-            <a:off x="1016000" y="177800"/>
-            <a:ext cx="10005752" cy="748988"/>
+            <a:off x="225742" y="190812"/>
+            <a:ext cx="11864658" cy="748988"/>
           </a:xfrm>
           <a:prstGeom prst="rect">
             <a:avLst/>
@@ -9389,7 +10818,7 @@
           <a:p>
             <a:r>
               <a:rPr lang="en-US" sz="4267" dirty="0"/>
-              <a:t>Assessing the accuracy of model coefficients</a:t>
+              <a:t>Review: Assessing the accuracy of model coefficients</a:t>
             </a:r>
           </a:p>
         </p:txBody>
@@ -9546,8 +10975,12 @@
           </a:p>
           <a:p>
             <a:r>
+              <a:rPr lang="en-US" sz="2667" i="1" dirty="0"/>
+              <a:t>RSS</a:t>
+            </a:r>
+            <a:r>
               <a:rPr lang="en-US" sz="2667" dirty="0"/>
-              <a:t>RSS measures the amount of variability that is left unexplained after performing the regression</a:t>
+              <a:t> measures the amount of variability that is left unexplained after performing the regression</a:t>
             </a:r>
           </a:p>
           <a:p>
@@ -9555,8 +10988,20 @@
           </a:p>
           <a:p>
             <a:r>
+              <a:rPr lang="en-US" sz="2667" i="1" dirty="0"/>
+              <a:t>TSS</a:t>
+            </a:r>
+            <a:r>
               <a:rPr lang="en-US" sz="2667" dirty="0"/>
-              <a:t>TSS (Total sum of squares) measures the total variance when measuring the response y.</a:t>
+              <a:t> (Total sum of squares) measures the total variance when measuring the response </a:t>
+            </a:r>
+            <a:r>
+              <a:rPr lang="en-US" sz="2667" i="1" dirty="0"/>
+              <a:t>y</a:t>
+            </a:r>
+            <a:r>
+              <a:rPr lang="en-US" sz="2667" dirty="0"/>
+              <a:t>.</a:t>
             </a:r>
           </a:p>
           <a:p>
@@ -9564,11 +11009,11 @@
           </a:p>
           <a:p>
             <a:r>
-              <a:rPr lang="en-US" sz="2667" dirty="0"/>
+              <a:rPr lang="en-US" sz="2667" i="1" dirty="0"/>
               <a:t>R</a:t>
             </a:r>
             <a:r>
-              <a:rPr lang="en-US" sz="2667" baseline="30000" dirty="0"/>
+              <a:rPr lang="en-US" sz="2667" i="1" baseline="30000" dirty="0"/>
               <a:t>2</a:t>
             </a:r>
             <a:r>
@@ -9583,10 +11028,18 @@
           <a:p>
             <a:r>
               <a:rPr lang="en-US" sz="2667" dirty="0"/>
-              <a:t>The RSE is an estimate of the standard deviation of </a:t>
-            </a:r>
-            <a:r>
-              <a:rPr lang="en-US" sz="2667" dirty="0" err="1"/>
+              <a:t>The </a:t>
+            </a:r>
+            <a:r>
+              <a:rPr lang="en-US" sz="2667" i="1" dirty="0"/>
+              <a:t>RSE</a:t>
+            </a:r>
+            <a:r>
+              <a:rPr lang="en-US" sz="2667" dirty="0"/>
+              <a:t> is an estimate of the standard deviation of </a:t>
+            </a:r>
+            <a:r>
+              <a:rPr lang="en-US" sz="2667" i="1" dirty="0" err="1"/>
               <a:t>ε</a:t>
             </a:r>
             <a:r>
@@ -11030,8 +12483,8 @@
         </p:nvSpPr>
         <p:spPr>
           <a:xfrm>
-            <a:off x="6393668" y="1444544"/>
-            <a:ext cx="4762694" cy="1938992"/>
+            <a:off x="6393668" y="2028184"/>
+            <a:ext cx="4960132" cy="1938992"/>
           </a:xfrm>
           <a:prstGeom prst="rect">
             <a:avLst/>
@@ -11090,7 +12543,7 @@
               <a:rPr lang="en-US" sz="2400" dirty="0">
                 <a:latin typeface="PFDinTextCompPro-Italic" panose="02000506020000020004" pitchFamily="2" charset="0"/>
               </a:rPr>
-              <a:t>False Positives (FP)</a:t>
+              <a:t>False Positives (FP) - Type I Error</a:t>
             </a:r>
           </a:p>
           <a:p>
@@ -11102,7 +12555,7 @@
               <a:rPr lang="en-US" sz="2400" dirty="0">
                 <a:latin typeface="PFDinTextCompPro-Italic" panose="02000506020000020004" pitchFamily="2" charset="0"/>
               </a:rPr>
-              <a:t>False Negatives (FN)</a:t>
+              <a:t>False Negatives (FN) - Type II Error</a:t>
             </a:r>
           </a:p>
         </p:txBody>
@@ -11969,8 +13422,8 @@
         </p:nvSpPr>
         <p:spPr>
           <a:xfrm>
-            <a:off x="6393668" y="1399314"/>
-            <a:ext cx="4861917" cy="1938992"/>
+            <a:off x="6393667" y="1973748"/>
+            <a:ext cx="5506059" cy="1938992"/>
           </a:xfrm>
           <a:prstGeom prst="rect">
             <a:avLst/>
@@ -11990,10 +13443,10 @@
           <a:p>
             <a:pPr algn="l"/>
             <a:r>
-              <a:rPr lang="en-US" sz="2400">
+              <a:rPr lang="en-US" sz="2400" dirty="0">
                 <a:latin typeface="PFDinTextCompPro-Italic" panose="02000506020000020004" pitchFamily="2" charset="0"/>
               </a:rPr>
-              <a:t>Sensitivity:</a:t>
+              <a:t>True Positive Rate, Sensitivity, Recall:</a:t>
             </a:r>
           </a:p>
           <a:p>
@@ -12002,31 +13455,31 @@
               <a:buChar char="•"/>
             </a:pPr>
             <a:r>
-              <a:rPr lang="en-US" sz="2400">
+              <a:rPr lang="en-US" sz="2400" dirty="0">
                 <a:latin typeface="PFDinTextCompPro-Italic" panose="02000506020000020004" pitchFamily="2" charset="0"/>
               </a:rPr>
               <a:t>When actual value is </a:t>
             </a:r>
             <a:r>
-              <a:rPr lang="en-US" sz="2400" b="1">
+              <a:rPr lang="en-US" sz="2400" b="1" dirty="0">
                 <a:latin typeface="PFDinTextCompPro-Italic" panose="02000506020000020004" pitchFamily="2" charset="0"/>
               </a:rPr>
               <a:t>positive</a:t>
             </a:r>
             <a:r>
-              <a:rPr lang="en-US" sz="2400">
+              <a:rPr lang="en-US" sz="2400" dirty="0">
                 <a:latin typeface="PFDinTextCompPro-Italic" panose="02000506020000020004" pitchFamily="2" charset="0"/>
               </a:rPr>
               <a:t>, how often is prediction </a:t>
             </a:r>
             <a:r>
-              <a:rPr lang="en-US" sz="2400" b="1">
+              <a:rPr lang="en-US" sz="2400" b="1" dirty="0">
                 <a:latin typeface="PFDinTextCompPro-Italic" panose="02000506020000020004" pitchFamily="2" charset="0"/>
               </a:rPr>
               <a:t>correct</a:t>
             </a:r>
             <a:r>
-              <a:rPr lang="en-US" sz="2400">
+              <a:rPr lang="en-US" sz="2400" dirty="0">
                 <a:latin typeface="PFDinTextCompPro-Italic" panose="02000506020000020004" pitchFamily="2" charset="0"/>
               </a:rPr>
               <a:t>?</a:t>
@@ -12038,10 +13491,10 @@
               <a:buChar char="•"/>
             </a:pPr>
             <a:r>
-              <a:rPr lang="en-US" sz="2400">
+              <a:rPr lang="en-US" sz="2400" dirty="0">
                 <a:latin typeface="PFDinTextCompPro-Italic" panose="02000506020000020004" pitchFamily="2" charset="0"/>
               </a:rPr>
-              <a:t>TP / actual yes = 100/105 = 0.95</a:t>
+              <a:t>TPR = TP / Actual = 100/105 = 0.95</a:t>
             </a:r>
           </a:p>
           <a:p>
@@ -12050,7 +13503,7 @@
               <a:buChar char="•"/>
             </a:pPr>
             <a:r>
-              <a:rPr lang="en-US" sz="2400">
+              <a:rPr lang="en-US" sz="2400" dirty="0">
                 <a:latin typeface="PFDinTextCompPro-Italic" panose="02000506020000020004" pitchFamily="2" charset="0"/>
               </a:rPr>
               <a:t>“True Positive Rate” or “Recall”</a:t>
@@ -12072,8 +13525,8 @@
         </p:nvSpPr>
         <p:spPr>
           <a:xfrm>
-            <a:off x="638747" y="4721852"/>
-            <a:ext cx="4762694" cy="1569660"/>
+            <a:off x="290796" y="4721852"/>
+            <a:ext cx="5345916" cy="1569660"/>
           </a:xfrm>
           <a:prstGeom prst="rect">
             <a:avLst/>
@@ -12096,7 +13549,7 @@
               <a:rPr lang="en-US" sz="2400" dirty="0">
                 <a:latin typeface="PFDinTextCompPro-Italic" panose="02000506020000020004" pitchFamily="2" charset="0"/>
               </a:rPr>
-              <a:t>False Positive Rate:</a:t>
+              <a:t>False Positive Rate, Fall-out:</a:t>
             </a:r>
           </a:p>
           <a:p>
@@ -12144,7 +13597,7 @@
               <a:rPr lang="en-US" sz="2400" dirty="0">
                 <a:latin typeface="PFDinTextCompPro-Italic" panose="02000506020000020004" pitchFamily="2" charset="0"/>
               </a:rPr>
-              <a:t>FP / actual no = 10/60 = 0.17</a:t>
+              <a:t>FPR = (FP / Actual NO) = 10/60 = 0.17</a:t>
             </a:r>
           </a:p>
         </p:txBody>
@@ -12163,8 +13616,8 @@
         </p:nvSpPr>
         <p:spPr>
           <a:xfrm>
-            <a:off x="6393668" y="4681465"/>
-            <a:ext cx="5060362" cy="1569660"/>
+            <a:off x="6393667" y="4681465"/>
+            <a:ext cx="5506059" cy="1569660"/>
           </a:xfrm>
           <a:prstGeom prst="rect">
             <a:avLst/>
@@ -12184,10 +13637,10 @@
           <a:p>
             <a:pPr algn="l"/>
             <a:r>
-              <a:rPr lang="en-US" sz="2400">
+              <a:rPr lang="en-US" sz="2400" dirty="0">
                 <a:latin typeface="PFDinTextCompPro-Italic" panose="02000506020000020004" pitchFamily="2" charset="0"/>
               </a:rPr>
-              <a:t>Specificity:</a:t>
+              <a:t>Specificity, True Negative Rate:</a:t>
             </a:r>
           </a:p>
           <a:p>
@@ -12196,31 +13649,31 @@
               <a:buChar char="•"/>
             </a:pPr>
             <a:r>
-              <a:rPr lang="en-US" sz="2400">
+              <a:rPr lang="en-US" sz="2400" dirty="0">
                 <a:latin typeface="PFDinTextCompPro-Italic" panose="02000506020000020004" pitchFamily="2" charset="0"/>
               </a:rPr>
               <a:t>When actual value is </a:t>
             </a:r>
             <a:r>
-              <a:rPr lang="en-US" sz="2400" b="1">
+              <a:rPr lang="en-US" sz="2400" b="1" dirty="0">
                 <a:latin typeface="PFDinTextCompPro-Italic" panose="02000506020000020004" pitchFamily="2" charset="0"/>
               </a:rPr>
               <a:t>negative</a:t>
             </a:r>
             <a:r>
-              <a:rPr lang="en-US" sz="2400">
+              <a:rPr lang="en-US" sz="2400" dirty="0">
                 <a:latin typeface="PFDinTextCompPro-Italic" panose="02000506020000020004" pitchFamily="2" charset="0"/>
               </a:rPr>
               <a:t>, how often is prediction </a:t>
             </a:r>
             <a:r>
-              <a:rPr lang="en-US" sz="2400" b="1">
+              <a:rPr lang="en-US" sz="2400" b="1" dirty="0">
                 <a:latin typeface="PFDinTextCompPro-Italic" panose="02000506020000020004" pitchFamily="2" charset="0"/>
               </a:rPr>
               <a:t>correct</a:t>
             </a:r>
             <a:r>
-              <a:rPr lang="en-US" sz="2400">
+              <a:rPr lang="en-US" sz="2400" dirty="0">
                 <a:latin typeface="PFDinTextCompPro-Italic" panose="02000506020000020004" pitchFamily="2" charset="0"/>
               </a:rPr>
               <a:t>?</a:t>
@@ -12232,10 +13685,10 @@
               <a:buChar char="•"/>
             </a:pPr>
             <a:r>
-              <a:rPr lang="en-US" sz="2400">
+              <a:rPr lang="en-US" sz="2400" dirty="0">
                 <a:latin typeface="PFDinTextCompPro-Italic" panose="02000506020000020004" pitchFamily="2" charset="0"/>
               </a:rPr>
-              <a:t>TN / actual no = 50/60 = 0.83</a:t>
+              <a:t>TNR = (TN / Actual NO) = 50/60 = 0.83</a:t>
             </a:r>
           </a:p>
         </p:txBody>
@@ -12672,62 +14125,18 @@
       </p:grpSpPr>
       <p:sp>
         <p:nvSpPr>
-          <p:cNvPr id="5" name="TextBox 4"/>
-          <p:cNvSpPr txBox="1"/>
-          <p:nvPr/>
-        </p:nvSpPr>
-        <p:spPr>
-          <a:xfrm>
-            <a:off x="4905327" y="1444545"/>
-            <a:ext cx="6548704" cy="3046988"/>
-          </a:xfrm>
-          <a:prstGeom prst="rect">
-            <a:avLst/>
-          </a:prstGeom>
-          <a:noFill/>
-        </p:spPr>
-        <p:txBody>
-          <a:bodyPr wrap="square" rtlCol="0">
-            <a:spAutoFit/>
-          </a:bodyPr>
-          <a:lstStyle/>
-          <a:p>
-            <a:pPr algn="l"/>
-            <a:r>
-              <a:rPr lang="en-US" sz="2400" dirty="0">
-                <a:latin typeface="PFDinTextCompPro-Italic"/>
-                <a:cs typeface="PFDinTextCompPro-Italic"/>
-              </a:rPr>
-              <a:t>Every email is assigned a “spam” score by our classification algorithm. To actually make our predictions, we choose a numeric cutoff for classifying as spam.</a:t>
-            </a:r>
-          </a:p>
-          <a:p>
-            <a:pPr algn="l"/>
-            <a:endParaRPr lang="en-US" sz="2400" dirty="0">
-              <a:latin typeface="PFDinTextCompPro-Italic"/>
-              <a:cs typeface="PFDinTextCompPro-Italic"/>
-            </a:endParaRPr>
-          </a:p>
-          <a:p>
-            <a:pPr algn="l"/>
-            <a:r>
-              <a:rPr lang="en-US" sz="2400" dirty="0">
-                <a:latin typeface="PFDinTextCompPro-Italic"/>
-                <a:cs typeface="PFDinTextCompPro-Italic"/>
-              </a:rPr>
-              <a:t>An ROC Curve will help us visualize how well our classifier is doing without having to choose a cutoff!</a:t>
-            </a:r>
-          </a:p>
-        </p:txBody>
-      </p:sp>
-      <p:sp>
-        <p:nvSpPr>
-          <p:cNvPr id="8" name="Slide Number Placeholder 3"/>
+          <p:cNvPr id="2" name="Title 1">
+            <a:extLst>
+              <a:ext uri="{FF2B5EF4-FFF2-40B4-BE49-F238E27FC236}">
+                <a16:creationId xmlns:a16="http://schemas.microsoft.com/office/drawing/2014/main" id="{72C98727-5391-234A-92F5-D2E6F4674AF5}"/>
+              </a:ext>
+            </a:extLst>
+          </p:cNvPr>
           <p:cNvSpPr>
             <a:spLocks noGrp="1"/>
           </p:cNvSpPr>
           <p:nvPr>
-            <p:ph type="sldNum" sz="quarter" idx="13"/>
+            <p:ph type="title"/>
           </p:nvPr>
         </p:nvSpPr>
         <p:spPr/>
@@ -12735,634 +14144,94 @@
           <a:bodyPr/>
           <a:lstStyle/>
           <a:p>
-            <a:pPr>
-              <a:defRPr/>
-            </a:pPr>
-            <a:fld id="{BD5AD749-DAD1-6A4A-A2AA-CB20EAD0AEB7}" type="slidenum">
-              <a:rPr lang="en-US"/>
-              <a:pPr>
-                <a:defRPr/>
-              </a:pPr>
-              <a:t>9</a:t>
-            </a:fld>
-            <a:endParaRPr lang="en-US"/>
-          </a:p>
-        </p:txBody>
-      </p:sp>
-      <p:graphicFrame>
-        <p:nvGraphicFramePr>
-          <p:cNvPr id="2" name="Table 1"/>
-          <p:cNvGraphicFramePr>
-            <a:graphicFrameLocks noGrp="1"/>
-          </p:cNvGraphicFramePr>
-          <p:nvPr>
-            <p:extLst>
-              <p:ext uri="{D42A27DB-BD31-4B8C-83A1-F6EECF244321}">
-                <p14:modId xmlns:p14="http://schemas.microsoft.com/office/powerpoint/2010/main" val="1176166513"/>
-              </p:ext>
-            </p:extLst>
-          </p:nvPr>
-        </p:nvGraphicFramePr>
-        <p:xfrm>
-          <a:off x="737969" y="1642990"/>
-          <a:ext cx="3667113" cy="5053745"/>
-        </p:xfrm>
-        <a:graphic>
-          <a:graphicData uri="http://schemas.openxmlformats.org/drawingml/2006/table">
-            <a:tbl>
-              <a:tblPr firstRow="1" bandRow="1">
-                <a:tableStyleId>{5C22544A-7EE6-4342-B048-85BDC9FD1C3A}</a:tableStyleId>
-              </a:tblPr>
-              <a:tblGrid>
-                <a:gridCol w="1353878">
-                  <a:extLst>
-                    <a:ext uri="{9D8B030D-6E8A-4147-A177-3AD203B41FA5}">
-                      <a16:colId xmlns:a16="http://schemas.microsoft.com/office/drawing/2014/main" val="20000"/>
-                    </a:ext>
-                  </a:extLst>
-                </a:gridCol>
-                <a:gridCol w="1090864">
-                  <a:extLst>
-                    <a:ext uri="{9D8B030D-6E8A-4147-A177-3AD203B41FA5}">
-                      <a16:colId xmlns:a16="http://schemas.microsoft.com/office/drawing/2014/main" val="20001"/>
-                    </a:ext>
-                  </a:extLst>
-                </a:gridCol>
-                <a:gridCol w="1222371">
-                  <a:extLst>
-                    <a:ext uri="{9D8B030D-6E8A-4147-A177-3AD203B41FA5}">
-                      <a16:colId xmlns:a16="http://schemas.microsoft.com/office/drawing/2014/main" val="20002"/>
-                    </a:ext>
-                  </a:extLst>
-                </a:gridCol>
-              </a:tblGrid>
-              <a:tr h="1190673">
-                <a:tc>
-                  <a:txBody>
-                    <a:bodyPr/>
-                    <a:lstStyle/>
-                    <a:p>
-                      <a:r>
-                        <a:rPr lang="en-US" sz="2300" dirty="0"/>
-                        <a:t>Email Number</a:t>
-                      </a:r>
-                    </a:p>
-                  </a:txBody>
-                  <a:tcPr marL="119067" marR="119067" marT="59534" marB="59534"/>
-                </a:tc>
-                <a:tc>
-                  <a:txBody>
-                    <a:bodyPr/>
-                    <a:lstStyle/>
-                    <a:p>
-                      <a:r>
-                        <a:rPr lang="en-US" sz="2300" dirty="0"/>
-                        <a:t>Score</a:t>
-                      </a:r>
-                    </a:p>
-                  </a:txBody>
-                  <a:tcPr marL="119067" marR="119067" marT="59534" marB="59534"/>
-                </a:tc>
-                <a:tc>
-                  <a:txBody>
-                    <a:bodyPr/>
-                    <a:lstStyle/>
-                    <a:p>
-                      <a:r>
-                        <a:rPr lang="en-US" sz="2300" dirty="0"/>
-                        <a:t>True Label</a:t>
-                      </a:r>
-                    </a:p>
-                  </a:txBody>
-                  <a:tcPr marL="119067" marR="119067" marT="59534" marB="59534"/>
-                </a:tc>
-                <a:extLst>
-                  <a:ext uri="{0D108BD9-81ED-4DB2-BD59-A6C34878D82A}">
-                    <a16:rowId xmlns:a16="http://schemas.microsoft.com/office/drawing/2014/main" val="10000"/>
-                  </a:ext>
-                </a:extLst>
-              </a:tr>
-              <a:tr h="482884">
-                <a:tc>
-                  <a:txBody>
-                    <a:bodyPr/>
-                    <a:lstStyle/>
-                    <a:p>
-                      <a:r>
-                        <a:rPr lang="en-US" sz="2300" dirty="0"/>
-                        <a:t>5</a:t>
-                      </a:r>
-                    </a:p>
-                  </a:txBody>
-                  <a:tcPr marL="119067" marR="119067" marT="59534" marB="59534"/>
-                </a:tc>
-                <a:tc>
-                  <a:txBody>
-                    <a:bodyPr/>
-                    <a:lstStyle/>
-                    <a:p>
-                      <a:r>
-                        <a:rPr lang="en-US" sz="2300"/>
-                        <a:t>0.99</a:t>
-                      </a:r>
-                      <a:endParaRPr lang="en-US" sz="2300" dirty="0"/>
-                    </a:p>
-                  </a:txBody>
-                  <a:tcPr marL="119067" marR="119067" marT="59534" marB="59534"/>
-                </a:tc>
-                <a:tc>
-                  <a:txBody>
-                    <a:bodyPr/>
-                    <a:lstStyle/>
-                    <a:p>
-                      <a:r>
-                        <a:rPr lang="en-US" sz="2300" dirty="0"/>
-                        <a:t>Spam</a:t>
-                      </a:r>
-                    </a:p>
-                  </a:txBody>
-                  <a:tcPr marL="119067" marR="119067" marT="59534" marB="59534"/>
-                </a:tc>
-                <a:extLst>
-                  <a:ext uri="{0D108BD9-81ED-4DB2-BD59-A6C34878D82A}">
-                    <a16:rowId xmlns:a16="http://schemas.microsoft.com/office/drawing/2014/main" val="10001"/>
-                  </a:ext>
-                </a:extLst>
-              </a:tr>
-              <a:tr h="482884">
-                <a:tc>
-                  <a:txBody>
-                    <a:bodyPr/>
-                    <a:lstStyle/>
-                    <a:p>
-                      <a:r>
-                        <a:rPr lang="en-US" sz="2300" dirty="0"/>
-                        <a:t>8</a:t>
-                      </a:r>
-                    </a:p>
-                  </a:txBody>
-                  <a:tcPr marL="119067" marR="119067" marT="59534" marB="59534"/>
-                </a:tc>
-                <a:tc>
-                  <a:txBody>
-                    <a:bodyPr/>
-                    <a:lstStyle/>
-                    <a:p>
-                      <a:r>
-                        <a:rPr lang="en-US" sz="2300"/>
-                        <a:t>0.82</a:t>
-                      </a:r>
-                      <a:endParaRPr lang="en-US" sz="2300" dirty="0"/>
-                    </a:p>
-                  </a:txBody>
-                  <a:tcPr marL="119067" marR="119067" marT="59534" marB="59534"/>
-                </a:tc>
-                <a:tc>
-                  <a:txBody>
-                    <a:bodyPr/>
-                    <a:lstStyle/>
-                    <a:p>
-                      <a:r>
-                        <a:rPr lang="en-US" sz="2300" dirty="0"/>
-                        <a:t>Spam</a:t>
-                      </a:r>
-                    </a:p>
-                  </a:txBody>
-                  <a:tcPr marL="119067" marR="119067" marT="59534" marB="59534"/>
-                </a:tc>
-                <a:extLst>
-                  <a:ext uri="{0D108BD9-81ED-4DB2-BD59-A6C34878D82A}">
-                    <a16:rowId xmlns:a16="http://schemas.microsoft.com/office/drawing/2014/main" val="10002"/>
-                  </a:ext>
-                </a:extLst>
-              </a:tr>
-              <a:tr h="482884">
-                <a:tc>
-                  <a:txBody>
-                    <a:bodyPr/>
-                    <a:lstStyle/>
-                    <a:p>
-                      <a:r>
-                        <a:rPr lang="en-US" sz="2300" dirty="0"/>
-                        <a:t>2</a:t>
-                      </a:r>
-                    </a:p>
-                  </a:txBody>
-                  <a:tcPr marL="119067" marR="119067" marT="59534" marB="59534"/>
-                </a:tc>
-                <a:tc>
-                  <a:txBody>
-                    <a:bodyPr/>
-                    <a:lstStyle/>
-                    <a:p>
-                      <a:r>
-                        <a:rPr lang="en-US" sz="2300"/>
-                        <a:t>0.60</a:t>
-                      </a:r>
-                      <a:endParaRPr lang="en-US" sz="2300" dirty="0"/>
-                    </a:p>
-                  </a:txBody>
-                  <a:tcPr marL="119067" marR="119067" marT="59534" marB="59534"/>
-                </a:tc>
-                <a:tc>
-                  <a:txBody>
-                    <a:bodyPr/>
-                    <a:lstStyle/>
-                    <a:p>
-                      <a:r>
-                        <a:rPr lang="en-US" sz="2300" dirty="0"/>
-                        <a:t>Spam</a:t>
-                      </a:r>
-                    </a:p>
-                  </a:txBody>
-                  <a:tcPr marL="119067" marR="119067" marT="59534" marB="59534"/>
-                </a:tc>
-                <a:extLst>
-                  <a:ext uri="{0D108BD9-81ED-4DB2-BD59-A6C34878D82A}">
-                    <a16:rowId xmlns:a16="http://schemas.microsoft.com/office/drawing/2014/main" val="10003"/>
-                  </a:ext>
-                </a:extLst>
-              </a:tr>
-              <a:tr h="482884">
-                <a:tc>
-                  <a:txBody>
-                    <a:bodyPr/>
-                    <a:lstStyle/>
-                    <a:p>
-                      <a:r>
-                        <a:rPr lang="en-US" sz="2300" dirty="0"/>
-                        <a:t>1</a:t>
-                      </a:r>
-                    </a:p>
-                  </a:txBody>
-                  <a:tcPr marL="119067" marR="119067" marT="59534" marB="59534"/>
-                </a:tc>
-                <a:tc>
-                  <a:txBody>
-                    <a:bodyPr/>
-                    <a:lstStyle/>
-                    <a:p>
-                      <a:r>
-                        <a:rPr lang="en-US" sz="2300"/>
-                        <a:t>0.60</a:t>
-                      </a:r>
-                      <a:endParaRPr lang="en-US" sz="2300" dirty="0"/>
-                    </a:p>
-                  </a:txBody>
-                  <a:tcPr marL="119067" marR="119067" marT="59534" marB="59534"/>
-                </a:tc>
-                <a:tc>
-                  <a:txBody>
-                    <a:bodyPr/>
-                    <a:lstStyle/>
-                    <a:p>
-                      <a:r>
-                        <a:rPr lang="en-US" sz="2300" dirty="0"/>
-                        <a:t>Ham</a:t>
-                      </a:r>
-                    </a:p>
-                  </a:txBody>
-                  <a:tcPr marL="119067" marR="119067" marT="59534" marB="59534"/>
-                </a:tc>
-                <a:extLst>
-                  <a:ext uri="{0D108BD9-81ED-4DB2-BD59-A6C34878D82A}">
-                    <a16:rowId xmlns:a16="http://schemas.microsoft.com/office/drawing/2014/main" val="10004"/>
-                  </a:ext>
-                </a:extLst>
-              </a:tr>
-              <a:tr h="482884">
-                <a:tc>
-                  <a:txBody>
-                    <a:bodyPr/>
-                    <a:lstStyle/>
-                    <a:p>
-                      <a:r>
-                        <a:rPr lang="en-US" sz="2300" dirty="0"/>
-                        <a:t>7</a:t>
-                      </a:r>
-                    </a:p>
-                  </a:txBody>
-                  <a:tcPr marL="119067" marR="119067" marT="59534" marB="59534"/>
-                </a:tc>
-                <a:tc>
-                  <a:txBody>
-                    <a:bodyPr/>
-                    <a:lstStyle/>
-                    <a:p>
-                      <a:r>
-                        <a:rPr lang="en-US" sz="2300"/>
-                        <a:t>0.48</a:t>
-                      </a:r>
-                      <a:endParaRPr lang="en-US" sz="2300" dirty="0"/>
-                    </a:p>
-                  </a:txBody>
-                  <a:tcPr marL="119067" marR="119067" marT="59534" marB="59534"/>
-                </a:tc>
-                <a:tc>
-                  <a:txBody>
-                    <a:bodyPr/>
-                    <a:lstStyle/>
-                    <a:p>
-                      <a:r>
-                        <a:rPr lang="en-US" sz="2300" dirty="0"/>
-                        <a:t>Spam</a:t>
-                      </a:r>
-                    </a:p>
-                  </a:txBody>
-                  <a:tcPr marL="119067" marR="119067" marT="59534" marB="59534"/>
-                </a:tc>
-                <a:extLst>
-                  <a:ext uri="{0D108BD9-81ED-4DB2-BD59-A6C34878D82A}">
-                    <a16:rowId xmlns:a16="http://schemas.microsoft.com/office/drawing/2014/main" val="10005"/>
-                  </a:ext>
-                </a:extLst>
-              </a:tr>
-              <a:tr h="482884">
-                <a:tc>
-                  <a:txBody>
-                    <a:bodyPr/>
-                    <a:lstStyle/>
-                    <a:p>
-                      <a:r>
-                        <a:rPr lang="en-US" sz="2300" dirty="0"/>
-                        <a:t>3</a:t>
-                      </a:r>
-                    </a:p>
-                  </a:txBody>
-                  <a:tcPr marL="119067" marR="119067" marT="59534" marB="59534"/>
-                </a:tc>
-                <a:tc>
-                  <a:txBody>
-                    <a:bodyPr/>
-                    <a:lstStyle/>
-                    <a:p>
-                      <a:r>
-                        <a:rPr lang="en-US" sz="2300" dirty="0"/>
-                        <a:t>0.22</a:t>
-                      </a:r>
-                    </a:p>
-                  </a:txBody>
-                  <a:tcPr marL="119067" marR="119067" marT="59534" marB="59534"/>
-                </a:tc>
-                <a:tc>
-                  <a:txBody>
-                    <a:bodyPr/>
-                    <a:lstStyle/>
-                    <a:p>
-                      <a:r>
-                        <a:rPr lang="en-US" sz="2300" dirty="0"/>
-                        <a:t>Ham</a:t>
-                      </a:r>
-                    </a:p>
-                  </a:txBody>
-                  <a:tcPr marL="119067" marR="119067" marT="59534" marB="59534"/>
-                </a:tc>
-                <a:extLst>
-                  <a:ext uri="{0D108BD9-81ED-4DB2-BD59-A6C34878D82A}">
-                    <a16:rowId xmlns:a16="http://schemas.microsoft.com/office/drawing/2014/main" val="10006"/>
-                  </a:ext>
-                </a:extLst>
-              </a:tr>
-              <a:tr h="482884">
-                <a:tc>
-                  <a:txBody>
-                    <a:bodyPr/>
-                    <a:lstStyle/>
-                    <a:p>
-                      <a:r>
-                        <a:rPr lang="en-US" sz="2300" dirty="0"/>
-                        <a:t>4</a:t>
-                      </a:r>
-                    </a:p>
-                  </a:txBody>
-                  <a:tcPr marL="119067" marR="119067" marT="59534" marB="59534"/>
-                </a:tc>
-                <a:tc>
-                  <a:txBody>
-                    <a:bodyPr/>
-                    <a:lstStyle/>
-                    <a:p>
-                      <a:r>
-                        <a:rPr lang="en-US" sz="2300" dirty="0"/>
-                        <a:t>0.10</a:t>
-                      </a:r>
-                    </a:p>
-                  </a:txBody>
-                  <a:tcPr marL="119067" marR="119067" marT="59534" marB="59534"/>
-                </a:tc>
-                <a:tc>
-                  <a:txBody>
-                    <a:bodyPr/>
-                    <a:lstStyle/>
-                    <a:p>
-                      <a:r>
-                        <a:rPr lang="en-US" sz="2300" dirty="0"/>
-                        <a:t>Ham</a:t>
-                      </a:r>
-                    </a:p>
-                  </a:txBody>
-                  <a:tcPr marL="119067" marR="119067" marT="59534" marB="59534"/>
-                </a:tc>
-                <a:extLst>
-                  <a:ext uri="{0D108BD9-81ED-4DB2-BD59-A6C34878D82A}">
-                    <a16:rowId xmlns:a16="http://schemas.microsoft.com/office/drawing/2014/main" val="10007"/>
-                  </a:ext>
-                </a:extLst>
-              </a:tr>
-              <a:tr h="482884">
-                <a:tc>
-                  <a:txBody>
-                    <a:bodyPr/>
-                    <a:lstStyle/>
-                    <a:p>
-                      <a:r>
-                        <a:rPr lang="en-US" sz="2300" dirty="0"/>
-                        <a:t>6</a:t>
-                      </a:r>
-                    </a:p>
-                  </a:txBody>
-                  <a:tcPr marL="119067" marR="119067" marT="59534" marB="59534"/>
-                </a:tc>
-                <a:tc>
-                  <a:txBody>
-                    <a:bodyPr/>
-                    <a:lstStyle/>
-                    <a:p>
-                      <a:r>
-                        <a:rPr lang="en-US" sz="2300" dirty="0"/>
-                        <a:t>0.02</a:t>
-                      </a:r>
-                    </a:p>
-                  </a:txBody>
-                  <a:tcPr marL="119067" marR="119067" marT="59534" marB="59534"/>
-                </a:tc>
-                <a:tc>
-                  <a:txBody>
-                    <a:bodyPr/>
-                    <a:lstStyle/>
-                    <a:p>
-                      <a:r>
-                        <a:rPr lang="en-US" sz="2300" dirty="0"/>
-                        <a:t>Ham</a:t>
-                      </a:r>
-                    </a:p>
-                  </a:txBody>
-                  <a:tcPr marL="119067" marR="119067" marT="59534" marB="59534"/>
-                </a:tc>
-                <a:extLst>
-                  <a:ext uri="{0D108BD9-81ED-4DB2-BD59-A6C34878D82A}">
-                    <a16:rowId xmlns:a16="http://schemas.microsoft.com/office/drawing/2014/main" val="10008"/>
-                  </a:ext>
-                </a:extLst>
-              </a:tr>
-            </a:tbl>
-          </a:graphicData>
-        </a:graphic>
-      </p:graphicFrame>
-      <p:sp>
-        <p:nvSpPr>
-          <p:cNvPr id="9" name="Title 1">
+            <a:r>
+              <a:rPr lang="en-US" dirty="0"/>
+              <a:t>Receiver operating characteristic (ROC) Curve</a:t>
+            </a:r>
+          </a:p>
+        </p:txBody>
+      </p:sp>
+      <p:sp>
+        <p:nvSpPr>
+          <p:cNvPr id="3" name="Content Placeholder 2">
             <a:extLst>
               <a:ext uri="{FF2B5EF4-FFF2-40B4-BE49-F238E27FC236}">
-                <a16:creationId xmlns:a16="http://schemas.microsoft.com/office/drawing/2014/main" id="{19B0D806-4A5A-8148-A6C6-0936374BE20E}"/>
+                <a16:creationId xmlns:a16="http://schemas.microsoft.com/office/drawing/2014/main" id="{1AA01650-25B2-3B41-B72A-EC11FB9FC91B}"/>
               </a:ext>
             </a:extLst>
           </p:cNvPr>
-          <p:cNvSpPr txBox="1">
-            <a:spLocks/>
+          <p:cNvSpPr>
+            <a:spLocks noGrp="1"/>
           </p:cNvSpPr>
-          <p:nvPr/>
+          <p:nvPr>
+            <p:ph idx="1"/>
+          </p:nvPr>
         </p:nvSpPr>
         <p:spPr>
           <a:xfrm>
-            <a:off x="838200" y="365125"/>
-            <a:ext cx="10515600" cy="1325563"/>
+            <a:off x="838200" y="1825625"/>
+            <a:ext cx="6324600" cy="4351338"/>
+          </a:xfrm>
+        </p:spPr>
+        <p:txBody>
+          <a:bodyPr>
+            <a:normAutofit/>
+          </a:bodyPr>
+          <a:lstStyle/>
+          <a:p>
+            <a:r>
+              <a:rPr lang="en-US" sz="2400" dirty="0"/>
+              <a:t>The ROC curve, is a graphical plot that illustrates the diagnostic ability of a binary classifier system as its discrimination threshold is varied.</a:t>
+            </a:r>
+          </a:p>
+          <a:p>
+            <a:r>
+              <a:rPr lang="en-US" sz="2400" dirty="0"/>
+              <a:t>The ROC curve is created by plotting the true positive rate (TPR) against the false positive rate (FPR) at various threshold settings.</a:t>
+            </a:r>
+          </a:p>
+        </p:txBody>
+      </p:sp>
+      <p:pic>
+        <p:nvPicPr>
+          <p:cNvPr id="4" name="Picture 3">
+            <a:extLst>
+              <a:ext uri="{FF2B5EF4-FFF2-40B4-BE49-F238E27FC236}">
+                <a16:creationId xmlns:a16="http://schemas.microsoft.com/office/drawing/2014/main" id="{0F0011D4-972C-8B48-BEDD-4837B2D92B33}"/>
+              </a:ext>
+            </a:extLst>
+          </p:cNvPr>
+          <p:cNvPicPr>
+            <a:picLocks noChangeAspect="1"/>
+          </p:cNvPicPr>
+          <p:nvPr/>
+        </p:nvPicPr>
+        <p:blipFill>
+          <a:blip r:embed="rId2"/>
+          <a:stretch>
+            <a:fillRect/>
+          </a:stretch>
+        </p:blipFill>
+        <p:spPr>
+          <a:xfrm>
+            <a:off x="7162799" y="1690687"/>
+            <a:ext cx="4792717" cy="4647483"/>
           </a:xfrm>
           <a:prstGeom prst="rect">
             <a:avLst/>
           </a:prstGeom>
         </p:spPr>
-        <p:txBody>
-          <a:bodyPr vert="horz" lIns="0" tIns="32914" rIns="65828" bIns="32914" rtlCol="0" anchor="ctr">
-            <a:normAutofit/>
-          </a:bodyPr>
-          <a:lstStyle>
-            <a:lvl1pPr algn="l" defTabSz="914400" rtl="0" eaLnBrk="1" latinLnBrk="0" hangingPunct="1">
-              <a:lnSpc>
-                <a:spcPts val="4686"/>
-              </a:lnSpc>
-              <a:spcBef>
-                <a:spcPct val="0"/>
-              </a:spcBef>
-              <a:buNone/>
-              <a:defRPr sz="5078" b="1" kern="1200" cap="all" baseline="0">
-                <a:solidFill>
-                  <a:schemeClr val="tx1"/>
-                </a:solidFill>
-                <a:latin typeface="+mj-lt"/>
-                <a:ea typeface="+mj-ea"/>
-                <a:cs typeface="+mj-cs"/>
-              </a:defRPr>
-            </a:lvl1pPr>
-          </a:lstStyle>
-          <a:p>
-            <a:r>
-              <a:rPr lang="en-US" sz="4000" b="0" cap="none" dirty="0"/>
-              <a:t>ROC Curve</a:t>
-            </a:r>
-          </a:p>
-        </p:txBody>
-      </p:sp>
+      </p:pic>
     </p:spTree>
     <p:extLst>
       <p:ext uri="{BB962C8B-B14F-4D97-AF65-F5344CB8AC3E}">
-        <p14:creationId xmlns:p14="http://schemas.microsoft.com/office/powerpoint/2010/main" val="1321623276"/>
+        <p14:creationId xmlns:p14="http://schemas.microsoft.com/office/powerpoint/2010/main" val="665696615"/>
       </p:ext>
     </p:extLst>
   </p:cSld>
   <p:clrMapOvr>
     <a:masterClrMapping/>
   </p:clrMapOvr>
-  <p:transition/>
-  <p:timing>
-    <p:tnLst>
-      <p:par>
-        <p:cTn id="1" dur="indefinite" restart="never" nodeType="tmRoot">
-          <p:childTnLst>
-            <p:seq concurrent="1" nextAc="seek">
-              <p:cTn id="2" dur="indefinite" nodeType="mainSeq">
-                <p:childTnLst>
-                  <p:par>
-                    <p:cTn id="3" fill="hold">
-                      <p:stCondLst>
-                        <p:cond delay="indefinite"/>
-                      </p:stCondLst>
-                      <p:childTnLst>
-                        <p:par>
-                          <p:cTn id="4" fill="hold">
-                            <p:stCondLst>
-                              <p:cond delay="0"/>
-                            </p:stCondLst>
-                            <p:childTnLst>
-                              <p:par>
-                                <p:cTn id="5" presetID="1" presetClass="entr" presetSubtype="0" fill="hold" nodeType="clickEffect">
-                                  <p:stCondLst>
-                                    <p:cond delay="0"/>
-                                  </p:stCondLst>
-                                  <p:childTnLst>
-                                    <p:set>
-                                      <p:cBhvr>
-                                        <p:cTn id="6" dur="1" fill="hold">
-                                          <p:stCondLst>
-                                            <p:cond delay="0"/>
-                                          </p:stCondLst>
-                                        </p:cTn>
-                                        <p:tgtEl>
-                                          <p:spTgt spid="5">
-                                            <p:txEl>
-                                              <p:pRg st="2" end="2"/>
-                                            </p:txEl>
-                                          </p:spTgt>
-                                        </p:tgtEl>
-                                        <p:attrNameLst>
-                                          <p:attrName>style.visibility</p:attrName>
-                                        </p:attrNameLst>
-                                      </p:cBhvr>
-                                      <p:to>
-                                        <p:strVal val="visible"/>
-                                      </p:to>
-                                    </p:set>
-                                  </p:childTnLst>
-                                </p:cTn>
-                              </p:par>
-                            </p:childTnLst>
-                          </p:cTn>
-                        </p:par>
-                      </p:childTnLst>
-                    </p:cTn>
-                  </p:par>
-                </p:childTnLst>
-              </p:cTn>
-              <p:prevCondLst>
-                <p:cond evt="onPrev" delay="0">
-                  <p:tgtEl>
-                    <p:sldTgt/>
-                  </p:tgtEl>
-                </p:cond>
-              </p:prevCondLst>
-              <p:nextCondLst>
-                <p:cond evt="onNext" delay="0">
-                  <p:tgtEl>
-                    <p:sldTgt/>
-                  </p:tgtEl>
-                </p:cond>
-              </p:nextCondLst>
-            </p:seq>
-          </p:childTnLst>
-        </p:cTn>
-      </p:par>
-    </p:tnLst>
-  </p:timing>
 </p:sld>
 </file>
 

--- a/slides/07_model_evaluation_and_metrics.pptx
+++ b/slides/07_model_evaluation_and_metrics.pptx
@@ -5,7 +5,7 @@
     <p:sldMasterId id="2147483648" r:id="rId1"/>
   </p:sldMasterIdLst>
   <p:notesMasterIdLst>
-    <p:notesMasterId r:id="rId22"/>
+    <p:notesMasterId r:id="rId23"/>
   </p:notesMasterIdLst>
   <p:sldIdLst>
     <p:sldId id="256" r:id="rId2"/>
@@ -25,9 +25,10 @@
     <p:sldId id="686" r:id="rId16"/>
     <p:sldId id="483" r:id="rId17"/>
     <p:sldId id="498" r:id="rId18"/>
-    <p:sldId id="508" r:id="rId19"/>
-    <p:sldId id="512" r:id="rId20"/>
-    <p:sldId id="510" r:id="rId21"/>
+    <p:sldId id="687" r:id="rId19"/>
+    <p:sldId id="508" r:id="rId20"/>
+    <p:sldId id="512" r:id="rId21"/>
+    <p:sldId id="510" r:id="rId22"/>
   </p:sldIdLst>
   <p:sldSz cx="12192000" cy="6858000"/>
   <p:notesSz cx="6858000" cy="9144000"/>
@@ -268,6 +269,140 @@
 </c:chartSpace>
 </file>
 
+<file path=ppt/charts/chart2.xml><?xml version="1.0" encoding="utf-8"?>
+<c:chartSpace xmlns:c="http://schemas.openxmlformats.org/drawingml/2006/chart" xmlns:a="http://schemas.openxmlformats.org/drawingml/2006/main" xmlns:r="http://schemas.openxmlformats.org/officeDocument/2006/relationships" xmlns:c16r2="http://schemas.microsoft.com/office/drawing/2015/06/chart">
+  <c:date1904 val="0"/>
+  <c:lang val="en-US"/>
+  <c:roundedCorners val="0"/>
+  <mc:AlternateContent xmlns:mc="http://schemas.openxmlformats.org/markup-compatibility/2006">
+    <mc:Choice xmlns:c14="http://schemas.microsoft.com/office/drawing/2007/8/2/chart" Requires="c14">
+      <c14:style val="118"/>
+    </mc:Choice>
+    <mc:Fallback>
+      <c:style val="18"/>
+    </mc:Fallback>
+  </mc:AlternateContent>
+  <c:chart>
+    <c:autoTitleDeleted val="1"/>
+    <c:plotArea>
+      <c:layout/>
+      <c:scatterChart>
+        <c:scatterStyle val="lineMarker"/>
+        <c:varyColors val="0"/>
+        <c:ser>
+          <c:idx val="0"/>
+          <c:order val="0"/>
+          <c:tx>
+            <c:strRef>
+              <c:f>Sheet1!$B$1</c:f>
+              <c:strCache>
+                <c:ptCount val="1"/>
+                <c:pt idx="0">
+                  <c:v>Y-Value 1</c:v>
+                </c:pt>
+              </c:strCache>
+            </c:strRef>
+          </c:tx>
+          <c:spPr>
+            <a:ln w="47625">
+              <a:noFill/>
+            </a:ln>
+          </c:spPr>
+          <c:xVal>
+            <c:numRef>
+              <c:f>Sheet1!$A$2</c:f>
+              <c:numCache>
+                <c:formatCode>General</c:formatCode>
+                <c:ptCount val="1"/>
+                <c:pt idx="0">
+                  <c:v>0</c:v>
+                </c:pt>
+              </c:numCache>
+            </c:numRef>
+          </c:xVal>
+          <c:yVal>
+            <c:numRef>
+              <c:f>Sheet1!$B$2</c:f>
+              <c:numCache>
+                <c:formatCode>General</c:formatCode>
+                <c:ptCount val="1"/>
+                <c:pt idx="0">
+                  <c:v>0</c:v>
+                </c:pt>
+              </c:numCache>
+            </c:numRef>
+          </c:yVal>
+          <c:smooth val="0"/>
+          <c:extLst>
+            <c:ext xmlns:c16="http://schemas.microsoft.com/office/drawing/2014/chart" uri="{C3380CC4-5D6E-409C-BE32-E72D297353CC}">
+              <c16:uniqueId val="{00000000-0B60-4946-BD5E-2B9084BE18DD}"/>
+            </c:ext>
+          </c:extLst>
+        </c:ser>
+        <c:dLbls>
+          <c:showLegendKey val="0"/>
+          <c:showVal val="0"/>
+          <c:showCatName val="0"/>
+          <c:showSerName val="0"/>
+          <c:showPercent val="0"/>
+          <c:showBubbleSize val="0"/>
+        </c:dLbls>
+        <c:axId val="34437376"/>
+        <c:axId val="34844672"/>
+      </c:scatterChart>
+      <c:valAx>
+        <c:axId val="34437376"/>
+        <c:scaling>
+          <c:orientation val="minMax"/>
+        </c:scaling>
+        <c:delete val="0"/>
+        <c:axPos val="b"/>
+        <c:numFmt formatCode="General" sourceLinked="1"/>
+        <c:majorTickMark val="out"/>
+        <c:minorTickMark val="none"/>
+        <c:tickLblPos val="nextTo"/>
+        <c:crossAx val="34844672"/>
+        <c:crosses val="autoZero"/>
+        <c:crossBetween val="midCat"/>
+        <c:majorUnit val="0.25"/>
+      </c:valAx>
+      <c:valAx>
+        <c:axId val="34844672"/>
+        <c:scaling>
+          <c:orientation val="minMax"/>
+        </c:scaling>
+        <c:delete val="0"/>
+        <c:axPos val="l"/>
+        <c:numFmt formatCode="General" sourceLinked="1"/>
+        <c:majorTickMark val="out"/>
+        <c:minorTickMark val="none"/>
+        <c:tickLblPos val="nextTo"/>
+        <c:crossAx val="34437376"/>
+        <c:crosses val="autoZero"/>
+        <c:crossBetween val="midCat"/>
+        <c:majorUnit val="0.25"/>
+      </c:valAx>
+    </c:plotArea>
+    <c:plotVisOnly val="1"/>
+    <c:dispBlanksAs val="gap"/>
+    <c:showDLblsOverMax val="0"/>
+  </c:chart>
+  <c:txPr>
+    <a:bodyPr/>
+    <a:lstStyle/>
+    <a:p>
+      <a:pPr>
+        <a:defRPr sz="1800"/>
+      </a:pPr>
+      <a:endParaRPr lang="en-US"/>
+    </a:p>
+  </c:txPr>
+  <c:externalData r:id="rId1">
+    <c:autoUpdate val="0"/>
+  </c:externalData>
+</c:chartSpace>
+</file>
+
 <file path=ppt/notesMasters/notesMaster1.xml><?xml version="1.0" encoding="utf-8"?>
 <p:notesMaster xmlns:a="http://schemas.openxmlformats.org/drawingml/2006/main" xmlns:r="http://schemas.openxmlformats.org/officeDocument/2006/relationships" xmlns:p="http://schemas.openxmlformats.org/presentationml/2006/main">
   <p:cSld>
@@ -350,7 +485,7 @@
           <a:p>
             <a:fld id="{3DB912AD-EA73-9140-98FC-984EB544AB7A}" type="datetimeFigureOut">
               <a:rPr lang="en-US" smtClean="0"/>
-              <a:t>10/4/18</a:t>
+              <a:t>10/8/18</a:t>
             </a:fld>
             <a:endParaRPr lang="en-US"/>
           </a:p>
@@ -821,6 +956,113 @@
     </p:spTree>
     <p:extLst>
       <p:ext uri="{BB962C8B-B14F-4D97-AF65-F5344CB8AC3E}">
+        <p14:creationId xmlns:p14="http://schemas.microsoft.com/office/powerpoint/2010/main" val="14310730"/>
+      </p:ext>
+    </p:extLst>
+  </p:cSld>
+  <p:clrMapOvr>
+    <a:masterClrMapping/>
+  </p:clrMapOvr>
+</p:notes>
+</file>
+
+<file path=ppt/notesSlides/notesSlide11.xml><?xml version="1.0" encoding="utf-8"?>
+<p:notes xmlns:a="http://schemas.openxmlformats.org/drawingml/2006/main" xmlns:r="http://schemas.openxmlformats.org/officeDocument/2006/relationships" xmlns:p="http://schemas.openxmlformats.org/presentationml/2006/main">
+  <p:cSld>
+    <p:spTree>
+      <p:nvGrpSpPr>
+        <p:cNvPr id="1" name=""/>
+        <p:cNvGrpSpPr/>
+        <p:nvPr/>
+      </p:nvGrpSpPr>
+      <p:grpSpPr>
+        <a:xfrm>
+          <a:off x="0" y="0"/>
+          <a:ext cx="0" cy="0"/>
+          <a:chOff x="0" y="0"/>
+          <a:chExt cx="0" cy="0"/>
+        </a:xfrm>
+      </p:grpSpPr>
+      <p:sp>
+        <p:nvSpPr>
+          <p:cNvPr id="2" name="Slide Image Placeholder 1"/>
+          <p:cNvSpPr>
+            <a:spLocks noGrp="1" noRot="1" noChangeAspect="1"/>
+          </p:cNvSpPr>
+          <p:nvPr>
+            <p:ph type="sldImg"/>
+          </p:nvPr>
+        </p:nvSpPr>
+        <p:spPr/>
+      </p:sp>
+      <p:sp>
+        <p:nvSpPr>
+          <p:cNvPr id="3" name="Notes Placeholder 2"/>
+          <p:cNvSpPr>
+            <a:spLocks noGrp="1"/>
+          </p:cNvSpPr>
+          <p:nvPr>
+            <p:ph type="body" idx="1"/>
+          </p:nvPr>
+        </p:nvSpPr>
+        <p:spPr/>
+        <p:txBody>
+          <a:bodyPr/>
+          <a:lstStyle/>
+          <a:p>
+            <a:pPr marL="0" marR="0" indent="0" algn="l" defTabSz="457200" rtl="0" eaLnBrk="1" fontAlgn="auto" latinLnBrk="0" hangingPunct="1">
+              <a:lnSpc>
+                <a:spcPct val="100000"/>
+              </a:lnSpc>
+              <a:spcBef>
+                <a:spcPts val="0"/>
+              </a:spcBef>
+              <a:spcAft>
+                <a:spcPts val="0"/>
+              </a:spcAft>
+              <a:buClrTx/>
+              <a:buSzTx/>
+              <a:buFontTx/>
+              <a:buNone/>
+              <a:tabLst/>
+              <a:defRPr/>
+            </a:pPr>
+            <a:endParaRPr lang="en-US" sz="1200" baseline="0" dirty="0">
+              <a:solidFill>
+                <a:prstClr val="black"/>
+              </a:solidFill>
+              <a:latin typeface="ArialMT"/>
+              <a:sym typeface="Wingdings"/>
+            </a:endParaRPr>
+          </a:p>
+        </p:txBody>
+      </p:sp>
+      <p:sp>
+        <p:nvSpPr>
+          <p:cNvPr id="4" name="Slide Number Placeholder 3"/>
+          <p:cNvSpPr>
+            <a:spLocks noGrp="1"/>
+          </p:cNvSpPr>
+          <p:nvPr>
+            <p:ph type="sldNum" sz="quarter" idx="10"/>
+          </p:nvPr>
+        </p:nvSpPr>
+        <p:spPr/>
+        <p:txBody>
+          <a:bodyPr/>
+          <a:lstStyle/>
+          <a:p>
+            <a:fld id="{ADD4B5B7-85EF-4E48-AC80-2380FACD9C23}" type="slidenum">
+              <a:rPr lang="en-US" smtClean="0"/>
+              <a:t>21</a:t>
+            </a:fld>
+            <a:endParaRPr lang="en-US"/>
+          </a:p>
+        </p:txBody>
+      </p:sp>
+    </p:spTree>
+    <p:extLst>
+      <p:ext uri="{BB962C8B-B14F-4D97-AF65-F5344CB8AC3E}">
         <p14:creationId xmlns:p14="http://schemas.microsoft.com/office/powerpoint/2010/main" val="2516577679"/>
       </p:ext>
     </p:extLst>
@@ -1570,7 +1812,7 @@
     </p:spTree>
     <p:extLst>
       <p:ext uri="{BB962C8B-B14F-4D97-AF65-F5344CB8AC3E}">
-        <p14:creationId xmlns:p14="http://schemas.microsoft.com/office/powerpoint/2010/main" val="1728947237"/>
+        <p14:creationId xmlns:p14="http://schemas.microsoft.com/office/powerpoint/2010/main" val="4048351428"/>
       </p:ext>
     </p:extLst>
   </p:cSld>
@@ -1677,7 +1919,7 @@
     </p:spTree>
     <p:extLst>
       <p:ext uri="{BB962C8B-B14F-4D97-AF65-F5344CB8AC3E}">
-        <p14:creationId xmlns:p14="http://schemas.microsoft.com/office/powerpoint/2010/main" val="14310730"/>
+        <p14:creationId xmlns:p14="http://schemas.microsoft.com/office/powerpoint/2010/main" val="1728947237"/>
       </p:ext>
     </p:extLst>
   </p:cSld>
@@ -1834,7 +2076,7 @@
           <a:p>
             <a:fld id="{02CE11C6-247B-0242-8651-D958C13D6FF0}" type="datetimeFigureOut">
               <a:rPr lang="en-US" smtClean="0"/>
-              <a:t>10/4/18</a:t>
+              <a:t>10/8/18</a:t>
             </a:fld>
             <a:endParaRPr lang="en-US"/>
           </a:p>
@@ -2062,7 +2304,7 @@
           <a:p>
             <a:fld id="{02CE11C6-247B-0242-8651-D958C13D6FF0}" type="datetimeFigureOut">
               <a:rPr lang="en-US" smtClean="0"/>
-              <a:t>10/4/18</a:t>
+              <a:t>10/8/18</a:t>
             </a:fld>
             <a:endParaRPr lang="en-US"/>
           </a:p>
@@ -2270,7 +2512,7 @@
           <a:p>
             <a:fld id="{02CE11C6-247B-0242-8651-D958C13D6FF0}" type="datetimeFigureOut">
               <a:rPr lang="en-US" smtClean="0"/>
-              <a:t>10/4/18</a:t>
+              <a:t>10/8/18</a:t>
             </a:fld>
             <a:endParaRPr lang="en-US"/>
           </a:p>
@@ -2735,7 +2977,7 @@
           <a:p>
             <a:fld id="{02CE11C6-247B-0242-8651-D958C13D6FF0}" type="datetimeFigureOut">
               <a:rPr lang="en-US" smtClean="0"/>
-              <a:t>10/4/18</a:t>
+              <a:t>10/8/18</a:t>
             </a:fld>
             <a:endParaRPr lang="en-US"/>
           </a:p>
@@ -3010,7 +3252,7 @@
           <a:p>
             <a:fld id="{02CE11C6-247B-0242-8651-D958C13D6FF0}" type="datetimeFigureOut">
               <a:rPr lang="en-US" smtClean="0"/>
-              <a:t>10/4/18</a:t>
+              <a:t>10/8/18</a:t>
             </a:fld>
             <a:endParaRPr lang="en-US"/>
           </a:p>
@@ -3275,7 +3517,7 @@
           <a:p>
             <a:fld id="{02CE11C6-247B-0242-8651-D958C13D6FF0}" type="datetimeFigureOut">
               <a:rPr lang="en-US" smtClean="0"/>
-              <a:t>10/4/18</a:t>
+              <a:t>10/8/18</a:t>
             </a:fld>
             <a:endParaRPr lang="en-US"/>
           </a:p>
@@ -3687,7 +3929,7 @@
           <a:p>
             <a:fld id="{02CE11C6-247B-0242-8651-D958C13D6FF0}" type="datetimeFigureOut">
               <a:rPr lang="en-US" smtClean="0"/>
-              <a:t>10/4/18</a:t>
+              <a:t>10/8/18</a:t>
             </a:fld>
             <a:endParaRPr lang="en-US"/>
           </a:p>
@@ -3828,7 +4070,7 @@
           <a:p>
             <a:fld id="{02CE11C6-247B-0242-8651-D958C13D6FF0}" type="datetimeFigureOut">
               <a:rPr lang="en-US" smtClean="0"/>
-              <a:t>10/4/18</a:t>
+              <a:t>10/8/18</a:t>
             </a:fld>
             <a:endParaRPr lang="en-US"/>
           </a:p>
@@ -3941,7 +4183,7 @@
           <a:p>
             <a:fld id="{02CE11C6-247B-0242-8651-D958C13D6FF0}" type="datetimeFigureOut">
               <a:rPr lang="en-US" smtClean="0"/>
-              <a:t>10/4/18</a:t>
+              <a:t>10/8/18</a:t>
             </a:fld>
             <a:endParaRPr lang="en-US"/>
           </a:p>
@@ -4252,7 +4494,7 @@
           <a:p>
             <a:fld id="{02CE11C6-247B-0242-8651-D958C13D6FF0}" type="datetimeFigureOut">
               <a:rPr lang="en-US" smtClean="0"/>
-              <a:t>10/4/18</a:t>
+              <a:t>10/8/18</a:t>
             </a:fld>
             <a:endParaRPr lang="en-US"/>
           </a:p>
@@ -4540,7 +4782,7 @@
           <a:p>
             <a:fld id="{02CE11C6-247B-0242-8651-D958C13D6FF0}" type="datetimeFigureOut">
               <a:rPr lang="en-US" smtClean="0"/>
-              <a:t>10/4/18</a:t>
+              <a:t>10/8/18</a:t>
             </a:fld>
             <a:endParaRPr lang="en-US"/>
           </a:p>
@@ -4781,7 +5023,7 @@
           <a:p>
             <a:fld id="{02CE11C6-247B-0242-8651-D958C13D6FF0}" type="datetimeFigureOut">
               <a:rPr lang="en-US" smtClean="0"/>
-              <a:t>10/4/18</a:t>
+              <a:t>10/8/18</a:t>
             </a:fld>
             <a:endParaRPr lang="en-US"/>
           </a:p>
@@ -6796,7 +7038,11 @@
             <a:graphicFrameLocks noGrp="1"/>
           </p:cNvGraphicFramePr>
           <p:nvPr>
-            <p:extLst/>
+            <p:extLst>
+              <p:ext uri="{D42A27DB-BD31-4B8C-83A1-F6EECF244321}">
+                <p14:modId xmlns:p14="http://schemas.microsoft.com/office/powerpoint/2010/main" val="2828527490"/>
+              </p:ext>
+            </p:extLst>
           </p:nvPr>
         </p:nvGraphicFramePr>
         <p:xfrm>
@@ -7432,6 +7678,908 @@
         </p:nvSpPr>
         <p:spPr>
           <a:xfrm>
+            <a:off x="8310850" y="1246100"/>
+            <a:ext cx="1984456" cy="461665"/>
+          </a:xfrm>
+          <a:prstGeom prst="rect">
+            <a:avLst/>
+          </a:prstGeom>
+          <a:noFill/>
+        </p:spPr>
+        <p:txBody>
+          <a:bodyPr wrap="square" rtlCol="0">
+            <a:spAutoFit/>
+          </a:bodyPr>
+          <a:lstStyle/>
+          <a:p>
+            <a:pPr algn="l"/>
+            <a:r>
+              <a:rPr lang="en-US" sz="2400" dirty="0">
+                <a:latin typeface="PFDinTextCompPro-Italic"/>
+                <a:cs typeface="PFDinTextCompPro-Italic"/>
+              </a:rPr>
+              <a:t>ROC Curve</a:t>
+            </a:r>
+          </a:p>
+        </p:txBody>
+      </p:sp>
+      <p:sp>
+        <p:nvSpPr>
+          <p:cNvPr id="8" name="Slide Number Placeholder 3"/>
+          <p:cNvSpPr>
+            <a:spLocks noGrp="1"/>
+          </p:cNvSpPr>
+          <p:nvPr>
+            <p:ph type="sldNum" sz="quarter" idx="13"/>
+          </p:nvPr>
+        </p:nvSpPr>
+        <p:spPr/>
+        <p:txBody>
+          <a:bodyPr/>
+          <a:lstStyle/>
+          <a:p>
+            <a:pPr>
+              <a:defRPr/>
+            </a:pPr>
+            <a:fld id="{BD5AD749-DAD1-6A4A-A2AA-CB20EAD0AEB7}" type="slidenum">
+              <a:rPr lang="en-US"/>
+              <a:pPr>
+                <a:defRPr/>
+              </a:pPr>
+              <a:t>18</a:t>
+            </a:fld>
+            <a:endParaRPr lang="en-US"/>
+          </a:p>
+        </p:txBody>
+      </p:sp>
+      <p:graphicFrame>
+        <p:nvGraphicFramePr>
+          <p:cNvPr id="2" name="Table 1"/>
+          <p:cNvGraphicFramePr>
+            <a:graphicFrameLocks noGrp="1"/>
+          </p:cNvGraphicFramePr>
+          <p:nvPr>
+            <p:extLst>
+              <p:ext uri="{D42A27DB-BD31-4B8C-83A1-F6EECF244321}">
+                <p14:modId xmlns:p14="http://schemas.microsoft.com/office/powerpoint/2010/main" val="2406072321"/>
+              </p:ext>
+            </p:extLst>
+          </p:nvPr>
+        </p:nvGraphicFramePr>
+        <p:xfrm>
+          <a:off x="264011" y="1273337"/>
+          <a:ext cx="5297545" cy="5003540"/>
+        </p:xfrm>
+        <a:graphic>
+          <a:graphicData uri="http://schemas.openxmlformats.org/drawingml/2006/table">
+            <a:tbl>
+              <a:tblPr firstRow="1" bandRow="1">
+                <a:tableStyleId>{5C22544A-7EE6-4342-B048-85BDC9FD1C3A}</a:tableStyleId>
+              </a:tblPr>
+              <a:tblGrid>
+                <a:gridCol w="626303">
+                  <a:extLst>
+                    <a:ext uri="{9D8B030D-6E8A-4147-A177-3AD203B41FA5}">
+                      <a16:colId xmlns:a16="http://schemas.microsoft.com/office/drawing/2014/main" val="20000"/>
+                    </a:ext>
+                  </a:extLst>
+                </a:gridCol>
+                <a:gridCol w="2141951">
+                  <a:extLst>
+                    <a:ext uri="{9D8B030D-6E8A-4147-A177-3AD203B41FA5}">
+                      <a16:colId xmlns:a16="http://schemas.microsoft.com/office/drawing/2014/main" val="20001"/>
+                    </a:ext>
+                  </a:extLst>
+                </a:gridCol>
+                <a:gridCol w="926926">
+                  <a:extLst>
+                    <a:ext uri="{9D8B030D-6E8A-4147-A177-3AD203B41FA5}">
+                      <a16:colId xmlns:a16="http://schemas.microsoft.com/office/drawing/2014/main" val="20002"/>
+                    </a:ext>
+                  </a:extLst>
+                </a:gridCol>
+                <a:gridCol w="838277">
+                  <a:extLst>
+                    <a:ext uri="{9D8B030D-6E8A-4147-A177-3AD203B41FA5}">
+                      <a16:colId xmlns:a16="http://schemas.microsoft.com/office/drawing/2014/main" val="2893165709"/>
+                    </a:ext>
+                  </a:extLst>
+                </a:gridCol>
+                <a:gridCol w="764088">
+                  <a:extLst>
+                    <a:ext uri="{9D8B030D-6E8A-4147-A177-3AD203B41FA5}">
+                      <a16:colId xmlns:a16="http://schemas.microsoft.com/office/drawing/2014/main" val="3007780161"/>
+                    </a:ext>
+                  </a:extLst>
+                </a:gridCol>
+              </a:tblGrid>
+              <a:tr h="1178844">
+                <a:tc>
+                  <a:txBody>
+                    <a:bodyPr/>
+                    <a:lstStyle/>
+                    <a:p>
+                      <a:r>
+                        <a:rPr lang="en-US" sz="2300" dirty="0"/>
+                        <a:t>ID</a:t>
+                      </a:r>
+                    </a:p>
+                  </a:txBody>
+                  <a:tcPr marL="119067" marR="119067" marT="59534" marB="59534"/>
+                </a:tc>
+                <a:tc>
+                  <a:txBody>
+                    <a:bodyPr/>
+                    <a:lstStyle/>
+                    <a:p>
+                      <a:r>
+                        <a:rPr lang="en-US" sz="2300" dirty="0"/>
+                        <a:t>Classifier Score</a:t>
+                      </a:r>
+                    </a:p>
+                  </a:txBody>
+                  <a:tcPr marL="119067" marR="119067" marT="59534" marB="59534"/>
+                </a:tc>
+                <a:tc>
+                  <a:txBody>
+                    <a:bodyPr/>
+                    <a:lstStyle/>
+                    <a:p>
+                      <a:r>
+                        <a:rPr lang="en-US" sz="2300" dirty="0"/>
+                        <a:t>True Label</a:t>
+                      </a:r>
+                    </a:p>
+                  </a:txBody>
+                  <a:tcPr marL="119067" marR="119067" marT="59534" marB="59534"/>
+                </a:tc>
+                <a:tc>
+                  <a:txBody>
+                    <a:bodyPr/>
+                    <a:lstStyle/>
+                    <a:p>
+                      <a:r>
+                        <a:rPr lang="en-US" sz="2300" dirty="0"/>
+                        <a:t>TPR</a:t>
+                      </a:r>
+                    </a:p>
+                  </a:txBody>
+                  <a:tcPr marL="119067" marR="119067" marT="59534" marB="59534"/>
+                </a:tc>
+                <a:tc>
+                  <a:txBody>
+                    <a:bodyPr/>
+                    <a:lstStyle/>
+                    <a:p>
+                      <a:r>
+                        <a:rPr lang="en-US" sz="2300" dirty="0"/>
+                        <a:t>FPR</a:t>
+                      </a:r>
+                    </a:p>
+                  </a:txBody>
+                  <a:tcPr marL="119067" marR="119067" marT="59534" marB="59534"/>
+                </a:tc>
+                <a:extLst>
+                  <a:ext uri="{0D108BD9-81ED-4DB2-BD59-A6C34878D82A}">
+                    <a16:rowId xmlns:a16="http://schemas.microsoft.com/office/drawing/2014/main" val="10000"/>
+                  </a:ext>
+                </a:extLst>
+              </a:tr>
+              <a:tr h="478087">
+                <a:tc>
+                  <a:txBody>
+                    <a:bodyPr/>
+                    <a:lstStyle/>
+                    <a:p>
+                      <a:r>
+                        <a:rPr lang="en-US" sz="2300" dirty="0"/>
+                        <a:t>5</a:t>
+                      </a:r>
+                    </a:p>
+                  </a:txBody>
+                  <a:tcPr marL="119067" marR="119067" marT="59534" marB="59534"/>
+                </a:tc>
+                <a:tc>
+                  <a:txBody>
+                    <a:bodyPr/>
+                    <a:lstStyle/>
+                    <a:p>
+                      <a:r>
+                        <a:rPr lang="en-US" sz="2300"/>
+                        <a:t>0.99</a:t>
+                      </a:r>
+                      <a:endParaRPr lang="en-US" sz="2300" dirty="0"/>
+                    </a:p>
+                  </a:txBody>
+                  <a:tcPr marL="119067" marR="119067" marT="59534" marB="59534"/>
+                </a:tc>
+                <a:tc>
+                  <a:txBody>
+                    <a:bodyPr/>
+                    <a:lstStyle/>
+                    <a:p>
+                      <a:r>
+                        <a:rPr lang="en-US" sz="2300" dirty="0"/>
+                        <a:t>T</a:t>
+                      </a:r>
+                    </a:p>
+                  </a:txBody>
+                  <a:tcPr marL="119067" marR="119067" marT="59534" marB="59534"/>
+                </a:tc>
+                <a:tc>
+                  <a:txBody>
+                    <a:bodyPr/>
+                    <a:lstStyle/>
+                    <a:p>
+                      <a:endParaRPr lang="en-US" sz="2300" dirty="0"/>
+                    </a:p>
+                  </a:txBody>
+                  <a:tcPr marL="119067" marR="119067" marT="59534" marB="59534"/>
+                </a:tc>
+                <a:tc>
+                  <a:txBody>
+                    <a:bodyPr/>
+                    <a:lstStyle/>
+                    <a:p>
+                      <a:endParaRPr lang="en-US" sz="2300" dirty="0"/>
+                    </a:p>
+                  </a:txBody>
+                  <a:tcPr marL="119067" marR="119067" marT="59534" marB="59534"/>
+                </a:tc>
+                <a:extLst>
+                  <a:ext uri="{0D108BD9-81ED-4DB2-BD59-A6C34878D82A}">
+                    <a16:rowId xmlns:a16="http://schemas.microsoft.com/office/drawing/2014/main" val="10001"/>
+                  </a:ext>
+                </a:extLst>
+              </a:tr>
+              <a:tr h="478087">
+                <a:tc>
+                  <a:txBody>
+                    <a:bodyPr/>
+                    <a:lstStyle/>
+                    <a:p>
+                      <a:r>
+                        <a:rPr lang="en-US" sz="2300" dirty="0"/>
+                        <a:t>8</a:t>
+                      </a:r>
+                    </a:p>
+                  </a:txBody>
+                  <a:tcPr marL="119067" marR="119067" marT="59534" marB="59534"/>
+                </a:tc>
+                <a:tc>
+                  <a:txBody>
+                    <a:bodyPr/>
+                    <a:lstStyle/>
+                    <a:p>
+                      <a:r>
+                        <a:rPr lang="en-US" sz="2300"/>
+                        <a:t>0.82</a:t>
+                      </a:r>
+                      <a:endParaRPr lang="en-US" sz="2300" dirty="0"/>
+                    </a:p>
+                  </a:txBody>
+                  <a:tcPr marL="119067" marR="119067" marT="59534" marB="59534"/>
+                </a:tc>
+                <a:tc>
+                  <a:txBody>
+                    <a:bodyPr/>
+                    <a:lstStyle/>
+                    <a:p>
+                      <a:r>
+                        <a:rPr lang="en-US" sz="2300" dirty="0"/>
+                        <a:t>T</a:t>
+                      </a:r>
+                    </a:p>
+                  </a:txBody>
+                  <a:tcPr marL="119067" marR="119067" marT="59534" marB="59534"/>
+                </a:tc>
+                <a:tc>
+                  <a:txBody>
+                    <a:bodyPr/>
+                    <a:lstStyle/>
+                    <a:p>
+                      <a:endParaRPr lang="en-US" sz="2300" dirty="0"/>
+                    </a:p>
+                  </a:txBody>
+                  <a:tcPr marL="119067" marR="119067" marT="59534" marB="59534"/>
+                </a:tc>
+                <a:tc>
+                  <a:txBody>
+                    <a:bodyPr/>
+                    <a:lstStyle/>
+                    <a:p>
+                      <a:endParaRPr lang="en-US" sz="2300" dirty="0"/>
+                    </a:p>
+                  </a:txBody>
+                  <a:tcPr marL="119067" marR="119067" marT="59534" marB="59534"/>
+                </a:tc>
+                <a:extLst>
+                  <a:ext uri="{0D108BD9-81ED-4DB2-BD59-A6C34878D82A}">
+                    <a16:rowId xmlns:a16="http://schemas.microsoft.com/office/drawing/2014/main" val="10002"/>
+                  </a:ext>
+                </a:extLst>
+              </a:tr>
+              <a:tr h="478087">
+                <a:tc>
+                  <a:txBody>
+                    <a:bodyPr/>
+                    <a:lstStyle/>
+                    <a:p>
+                      <a:r>
+                        <a:rPr lang="en-US" sz="2300" dirty="0"/>
+                        <a:t>2</a:t>
+                      </a:r>
+                    </a:p>
+                  </a:txBody>
+                  <a:tcPr marL="119067" marR="119067" marT="59534" marB="59534"/>
+                </a:tc>
+                <a:tc>
+                  <a:txBody>
+                    <a:bodyPr/>
+                    <a:lstStyle/>
+                    <a:p>
+                      <a:r>
+                        <a:rPr lang="en-US" sz="2300" dirty="0"/>
+                        <a:t>0.72</a:t>
+                      </a:r>
+                    </a:p>
+                  </a:txBody>
+                  <a:tcPr marL="119067" marR="119067" marT="59534" marB="59534"/>
+                </a:tc>
+                <a:tc>
+                  <a:txBody>
+                    <a:bodyPr/>
+                    <a:lstStyle/>
+                    <a:p>
+                      <a:r>
+                        <a:rPr lang="en-US" sz="2300" dirty="0"/>
+                        <a:t>F</a:t>
+                      </a:r>
+                    </a:p>
+                  </a:txBody>
+                  <a:tcPr marL="119067" marR="119067" marT="59534" marB="59534"/>
+                </a:tc>
+                <a:tc>
+                  <a:txBody>
+                    <a:bodyPr/>
+                    <a:lstStyle/>
+                    <a:p>
+                      <a:endParaRPr lang="en-US" sz="2300" dirty="0"/>
+                    </a:p>
+                  </a:txBody>
+                  <a:tcPr marL="119067" marR="119067" marT="59534" marB="59534"/>
+                </a:tc>
+                <a:tc>
+                  <a:txBody>
+                    <a:bodyPr/>
+                    <a:lstStyle/>
+                    <a:p>
+                      <a:endParaRPr lang="en-US" sz="2300" dirty="0"/>
+                    </a:p>
+                  </a:txBody>
+                  <a:tcPr marL="119067" marR="119067" marT="59534" marB="59534"/>
+                </a:tc>
+                <a:extLst>
+                  <a:ext uri="{0D108BD9-81ED-4DB2-BD59-A6C34878D82A}">
+                    <a16:rowId xmlns:a16="http://schemas.microsoft.com/office/drawing/2014/main" val="10003"/>
+                  </a:ext>
+                </a:extLst>
+              </a:tr>
+              <a:tr h="478087">
+                <a:tc>
+                  <a:txBody>
+                    <a:bodyPr/>
+                    <a:lstStyle/>
+                    <a:p>
+                      <a:r>
+                        <a:rPr lang="en-US" sz="2300" dirty="0"/>
+                        <a:t>1</a:t>
+                      </a:r>
+                    </a:p>
+                  </a:txBody>
+                  <a:tcPr marL="119067" marR="119067" marT="59534" marB="59534"/>
+                </a:tc>
+                <a:tc>
+                  <a:txBody>
+                    <a:bodyPr/>
+                    <a:lstStyle/>
+                    <a:p>
+                      <a:r>
+                        <a:rPr lang="en-US" sz="2300" dirty="0"/>
+                        <a:t>0.68</a:t>
+                      </a:r>
+                    </a:p>
+                  </a:txBody>
+                  <a:tcPr marL="119067" marR="119067" marT="59534" marB="59534"/>
+                </a:tc>
+                <a:tc>
+                  <a:txBody>
+                    <a:bodyPr/>
+                    <a:lstStyle/>
+                    <a:p>
+                      <a:r>
+                        <a:rPr lang="en-US" sz="2300" dirty="0"/>
+                        <a:t>T</a:t>
+                      </a:r>
+                    </a:p>
+                  </a:txBody>
+                  <a:tcPr marL="119067" marR="119067" marT="59534" marB="59534"/>
+                </a:tc>
+                <a:tc>
+                  <a:txBody>
+                    <a:bodyPr/>
+                    <a:lstStyle/>
+                    <a:p>
+                      <a:endParaRPr lang="en-US" sz="2300" dirty="0"/>
+                    </a:p>
+                  </a:txBody>
+                  <a:tcPr marL="119067" marR="119067" marT="59534" marB="59534"/>
+                </a:tc>
+                <a:tc>
+                  <a:txBody>
+                    <a:bodyPr/>
+                    <a:lstStyle/>
+                    <a:p>
+                      <a:endParaRPr lang="en-US" sz="2300" dirty="0"/>
+                    </a:p>
+                  </a:txBody>
+                  <a:tcPr marL="119067" marR="119067" marT="59534" marB="59534"/>
+                </a:tc>
+                <a:extLst>
+                  <a:ext uri="{0D108BD9-81ED-4DB2-BD59-A6C34878D82A}">
+                    <a16:rowId xmlns:a16="http://schemas.microsoft.com/office/drawing/2014/main" val="10004"/>
+                  </a:ext>
+                </a:extLst>
+              </a:tr>
+              <a:tr h="478087">
+                <a:tc>
+                  <a:txBody>
+                    <a:bodyPr/>
+                    <a:lstStyle/>
+                    <a:p>
+                      <a:r>
+                        <a:rPr lang="en-US" sz="2300" dirty="0"/>
+                        <a:t>7</a:t>
+                      </a:r>
+                    </a:p>
+                  </a:txBody>
+                  <a:tcPr marL="119067" marR="119067" marT="59534" marB="59534"/>
+                </a:tc>
+                <a:tc>
+                  <a:txBody>
+                    <a:bodyPr/>
+                    <a:lstStyle/>
+                    <a:p>
+                      <a:r>
+                        <a:rPr lang="en-US" sz="2300" dirty="0"/>
+                        <a:t>0.51</a:t>
+                      </a:r>
+                    </a:p>
+                  </a:txBody>
+                  <a:tcPr marL="119067" marR="119067" marT="59534" marB="59534"/>
+                </a:tc>
+                <a:tc>
+                  <a:txBody>
+                    <a:bodyPr/>
+                    <a:lstStyle/>
+                    <a:p>
+                      <a:r>
+                        <a:rPr lang="en-US" sz="2300" dirty="0"/>
+                        <a:t>F</a:t>
+                      </a:r>
+                    </a:p>
+                  </a:txBody>
+                  <a:tcPr marL="119067" marR="119067" marT="59534" marB="59534"/>
+                </a:tc>
+                <a:tc>
+                  <a:txBody>
+                    <a:bodyPr/>
+                    <a:lstStyle/>
+                    <a:p>
+                      <a:endParaRPr lang="en-US" sz="2300" dirty="0"/>
+                    </a:p>
+                  </a:txBody>
+                  <a:tcPr marL="119067" marR="119067" marT="59534" marB="59534"/>
+                </a:tc>
+                <a:tc>
+                  <a:txBody>
+                    <a:bodyPr/>
+                    <a:lstStyle/>
+                    <a:p>
+                      <a:endParaRPr lang="en-US" sz="2300" dirty="0"/>
+                    </a:p>
+                  </a:txBody>
+                  <a:tcPr marL="119067" marR="119067" marT="59534" marB="59534"/>
+                </a:tc>
+                <a:extLst>
+                  <a:ext uri="{0D108BD9-81ED-4DB2-BD59-A6C34878D82A}">
+                    <a16:rowId xmlns:a16="http://schemas.microsoft.com/office/drawing/2014/main" val="10005"/>
+                  </a:ext>
+                </a:extLst>
+              </a:tr>
+              <a:tr h="478087">
+                <a:tc>
+                  <a:txBody>
+                    <a:bodyPr/>
+                    <a:lstStyle/>
+                    <a:p>
+                      <a:r>
+                        <a:rPr lang="en-US" sz="2300" dirty="0"/>
+                        <a:t>3</a:t>
+                      </a:r>
+                    </a:p>
+                  </a:txBody>
+                  <a:tcPr marL="119067" marR="119067" marT="59534" marB="59534"/>
+                </a:tc>
+                <a:tc>
+                  <a:txBody>
+                    <a:bodyPr/>
+                    <a:lstStyle/>
+                    <a:p>
+                      <a:r>
+                        <a:rPr lang="en-US" sz="2300" dirty="0"/>
+                        <a:t>0.48</a:t>
+                      </a:r>
+                    </a:p>
+                  </a:txBody>
+                  <a:tcPr marL="119067" marR="119067" marT="59534" marB="59534"/>
+                </a:tc>
+                <a:tc>
+                  <a:txBody>
+                    <a:bodyPr/>
+                    <a:lstStyle/>
+                    <a:p>
+                      <a:r>
+                        <a:rPr lang="en-US" sz="2300" dirty="0"/>
+                        <a:t>T</a:t>
+                      </a:r>
+                    </a:p>
+                  </a:txBody>
+                  <a:tcPr marL="119067" marR="119067" marT="59534" marB="59534"/>
+                </a:tc>
+                <a:tc>
+                  <a:txBody>
+                    <a:bodyPr/>
+                    <a:lstStyle/>
+                    <a:p>
+                      <a:endParaRPr lang="en-US" sz="2300" dirty="0"/>
+                    </a:p>
+                  </a:txBody>
+                  <a:tcPr marL="119067" marR="119067" marT="59534" marB="59534"/>
+                </a:tc>
+                <a:tc>
+                  <a:txBody>
+                    <a:bodyPr/>
+                    <a:lstStyle/>
+                    <a:p>
+                      <a:endParaRPr lang="en-US" sz="2300" dirty="0"/>
+                    </a:p>
+                  </a:txBody>
+                  <a:tcPr marL="119067" marR="119067" marT="59534" marB="59534"/>
+                </a:tc>
+                <a:extLst>
+                  <a:ext uri="{0D108BD9-81ED-4DB2-BD59-A6C34878D82A}">
+                    <a16:rowId xmlns:a16="http://schemas.microsoft.com/office/drawing/2014/main" val="10006"/>
+                  </a:ext>
+                </a:extLst>
+              </a:tr>
+              <a:tr h="478087">
+                <a:tc>
+                  <a:txBody>
+                    <a:bodyPr/>
+                    <a:lstStyle/>
+                    <a:p>
+                      <a:r>
+                        <a:rPr lang="en-US" sz="2300" dirty="0"/>
+                        <a:t>4</a:t>
+                      </a:r>
+                    </a:p>
+                  </a:txBody>
+                  <a:tcPr marL="119067" marR="119067" marT="59534" marB="59534"/>
+                </a:tc>
+                <a:tc>
+                  <a:txBody>
+                    <a:bodyPr/>
+                    <a:lstStyle/>
+                    <a:p>
+                      <a:r>
+                        <a:rPr lang="en-US" sz="2300" dirty="0"/>
+                        <a:t>0.30</a:t>
+                      </a:r>
+                    </a:p>
+                  </a:txBody>
+                  <a:tcPr marL="119067" marR="119067" marT="59534" marB="59534"/>
+                </a:tc>
+                <a:tc>
+                  <a:txBody>
+                    <a:bodyPr/>
+                    <a:lstStyle/>
+                    <a:p>
+                      <a:r>
+                        <a:rPr lang="en-US" sz="2300" dirty="0"/>
+                        <a:t>F</a:t>
+                      </a:r>
+                    </a:p>
+                  </a:txBody>
+                  <a:tcPr marL="119067" marR="119067" marT="59534" marB="59534"/>
+                </a:tc>
+                <a:tc>
+                  <a:txBody>
+                    <a:bodyPr/>
+                    <a:lstStyle/>
+                    <a:p>
+                      <a:endParaRPr lang="en-US" sz="2300" dirty="0"/>
+                    </a:p>
+                  </a:txBody>
+                  <a:tcPr marL="119067" marR="119067" marT="59534" marB="59534"/>
+                </a:tc>
+                <a:tc>
+                  <a:txBody>
+                    <a:bodyPr/>
+                    <a:lstStyle/>
+                    <a:p>
+                      <a:endParaRPr lang="en-US" sz="2300" dirty="0"/>
+                    </a:p>
+                  </a:txBody>
+                  <a:tcPr marL="119067" marR="119067" marT="59534" marB="59534"/>
+                </a:tc>
+                <a:extLst>
+                  <a:ext uri="{0D108BD9-81ED-4DB2-BD59-A6C34878D82A}">
+                    <a16:rowId xmlns:a16="http://schemas.microsoft.com/office/drawing/2014/main" val="10007"/>
+                  </a:ext>
+                </a:extLst>
+              </a:tr>
+              <a:tr h="478087">
+                <a:tc>
+                  <a:txBody>
+                    <a:bodyPr/>
+                    <a:lstStyle/>
+                    <a:p>
+                      <a:r>
+                        <a:rPr lang="en-US" sz="2300" dirty="0"/>
+                        <a:t>6</a:t>
+                      </a:r>
+                    </a:p>
+                  </a:txBody>
+                  <a:tcPr marL="119067" marR="119067" marT="59534" marB="59534"/>
+                </a:tc>
+                <a:tc>
+                  <a:txBody>
+                    <a:bodyPr/>
+                    <a:lstStyle/>
+                    <a:p>
+                      <a:r>
+                        <a:rPr lang="en-US" sz="2300" dirty="0"/>
+                        <a:t>0.02</a:t>
+                      </a:r>
+                    </a:p>
+                  </a:txBody>
+                  <a:tcPr marL="119067" marR="119067" marT="59534" marB="59534"/>
+                </a:tc>
+                <a:tc>
+                  <a:txBody>
+                    <a:bodyPr/>
+                    <a:lstStyle/>
+                    <a:p>
+                      <a:r>
+                        <a:rPr lang="en-US" sz="2300" dirty="0"/>
+                        <a:t>F</a:t>
+                      </a:r>
+                    </a:p>
+                  </a:txBody>
+                  <a:tcPr marL="119067" marR="119067" marT="59534" marB="59534"/>
+                </a:tc>
+                <a:tc>
+                  <a:txBody>
+                    <a:bodyPr/>
+                    <a:lstStyle/>
+                    <a:p>
+                      <a:endParaRPr lang="en-US" sz="2300" dirty="0"/>
+                    </a:p>
+                  </a:txBody>
+                  <a:tcPr marL="119067" marR="119067" marT="59534" marB="59534"/>
+                </a:tc>
+                <a:tc>
+                  <a:txBody>
+                    <a:bodyPr/>
+                    <a:lstStyle/>
+                    <a:p>
+                      <a:endParaRPr lang="en-US" sz="2300" dirty="0"/>
+                    </a:p>
+                  </a:txBody>
+                  <a:tcPr marL="119067" marR="119067" marT="59534" marB="59534"/>
+                </a:tc>
+                <a:extLst>
+                  <a:ext uri="{0D108BD9-81ED-4DB2-BD59-A6C34878D82A}">
+                    <a16:rowId xmlns:a16="http://schemas.microsoft.com/office/drawing/2014/main" val="10008"/>
+                  </a:ext>
+                </a:extLst>
+              </a:tr>
+            </a:tbl>
+          </a:graphicData>
+        </a:graphic>
+      </p:graphicFrame>
+      <p:graphicFrame>
+        <p:nvGraphicFramePr>
+          <p:cNvPr id="3" name="Chart 2"/>
+          <p:cNvGraphicFramePr/>
+          <p:nvPr>
+            <p:extLst>
+              <p:ext uri="{D42A27DB-BD31-4B8C-83A1-F6EECF244321}">
+                <p14:modId xmlns:p14="http://schemas.microsoft.com/office/powerpoint/2010/main" val="1701654454"/>
+              </p:ext>
+            </p:extLst>
+          </p:nvPr>
+        </p:nvGraphicFramePr>
+        <p:xfrm>
+          <a:off x="6212909" y="2038245"/>
+          <a:ext cx="5745120" cy="4100089"/>
+        </p:xfrm>
+        <a:graphic>
+          <a:graphicData uri="http://schemas.openxmlformats.org/drawingml/2006/chart">
+            <c:chart xmlns:c="http://schemas.openxmlformats.org/drawingml/2006/chart" xmlns:r="http://schemas.openxmlformats.org/officeDocument/2006/relationships" r:id="rId3"/>
+          </a:graphicData>
+        </a:graphic>
+      </p:graphicFrame>
+      <p:sp>
+        <p:nvSpPr>
+          <p:cNvPr id="7" name="TextBox 6"/>
+          <p:cNvSpPr txBox="1"/>
+          <p:nvPr/>
+        </p:nvSpPr>
+        <p:spPr>
+          <a:xfrm>
+            <a:off x="9179788" y="6008793"/>
+            <a:ext cx="893005" cy="461665"/>
+          </a:xfrm>
+          <a:prstGeom prst="rect">
+            <a:avLst/>
+          </a:prstGeom>
+          <a:noFill/>
+        </p:spPr>
+        <p:txBody>
+          <a:bodyPr wrap="square" rtlCol="0">
+            <a:spAutoFit/>
+          </a:bodyPr>
+          <a:lstStyle/>
+          <a:p>
+            <a:pPr algn="l"/>
+            <a:r>
+              <a:rPr lang="en-US" sz="2400" dirty="0">
+                <a:latin typeface="PFDinTextCompPro-Italic"/>
+                <a:cs typeface="PFDinTextCompPro-Italic"/>
+              </a:rPr>
+              <a:t>FPR</a:t>
+            </a:r>
+          </a:p>
+        </p:txBody>
+      </p:sp>
+      <p:sp>
+        <p:nvSpPr>
+          <p:cNvPr id="9" name="TextBox 8"/>
+          <p:cNvSpPr txBox="1"/>
+          <p:nvPr/>
+        </p:nvSpPr>
+        <p:spPr>
+          <a:xfrm>
+            <a:off x="5806213" y="3329778"/>
+            <a:ext cx="893005" cy="461665"/>
+          </a:xfrm>
+          <a:prstGeom prst="rect">
+            <a:avLst/>
+          </a:prstGeom>
+          <a:noFill/>
+        </p:spPr>
+        <p:txBody>
+          <a:bodyPr wrap="square" rtlCol="0">
+            <a:spAutoFit/>
+          </a:bodyPr>
+          <a:lstStyle/>
+          <a:p>
+            <a:pPr algn="l"/>
+            <a:r>
+              <a:rPr lang="en-US" sz="2400" dirty="0">
+                <a:latin typeface="PFDinTextCompPro-Italic"/>
+                <a:cs typeface="PFDinTextCompPro-Italic"/>
+              </a:rPr>
+              <a:t>TPR</a:t>
+            </a:r>
+          </a:p>
+        </p:txBody>
+      </p:sp>
+      <p:sp>
+        <p:nvSpPr>
+          <p:cNvPr id="11" name="Title 1">
+            <a:extLst>
+              <a:ext uri="{FF2B5EF4-FFF2-40B4-BE49-F238E27FC236}">
+                <a16:creationId xmlns:a16="http://schemas.microsoft.com/office/drawing/2014/main" id="{278B0ED0-5593-DA49-A9B8-9B7A45F4DA3C}"/>
+              </a:ext>
+            </a:extLst>
+          </p:cNvPr>
+          <p:cNvSpPr txBox="1">
+            <a:spLocks/>
+          </p:cNvSpPr>
+          <p:nvPr/>
+        </p:nvSpPr>
+        <p:spPr>
+          <a:xfrm>
+            <a:off x="548413" y="-217466"/>
+            <a:ext cx="10515600" cy="1325563"/>
+          </a:xfrm>
+          <a:prstGeom prst="rect">
+            <a:avLst/>
+          </a:prstGeom>
+        </p:spPr>
+        <p:txBody>
+          <a:bodyPr vert="horz" lIns="0" tIns="32914" rIns="65828" bIns="32914" rtlCol="0" anchor="ctr">
+            <a:normAutofit/>
+          </a:bodyPr>
+          <a:lstStyle>
+            <a:lvl1pPr algn="l" defTabSz="914400" rtl="0" eaLnBrk="1" latinLnBrk="0" hangingPunct="1">
+              <a:lnSpc>
+                <a:spcPts val="4686"/>
+              </a:lnSpc>
+              <a:spcBef>
+                <a:spcPct val="0"/>
+              </a:spcBef>
+              <a:buNone/>
+              <a:defRPr sz="5078" b="1" kern="1200" cap="all" baseline="0">
+                <a:solidFill>
+                  <a:schemeClr val="tx1"/>
+                </a:solidFill>
+                <a:latin typeface="+mj-lt"/>
+                <a:ea typeface="+mj-ea"/>
+                <a:cs typeface="+mj-cs"/>
+              </a:defRPr>
+            </a:lvl1pPr>
+          </a:lstStyle>
+          <a:p>
+            <a:r>
+              <a:rPr lang="en-US" sz="4000" b="0" cap="none" dirty="0"/>
+              <a:t>ROC Curve</a:t>
+            </a:r>
+          </a:p>
+        </p:txBody>
+      </p:sp>
+    </p:spTree>
+    <p:extLst>
+      <p:ext uri="{BB962C8B-B14F-4D97-AF65-F5344CB8AC3E}">
+        <p14:creationId xmlns:p14="http://schemas.microsoft.com/office/powerpoint/2010/main" val="2980106256"/>
+      </p:ext>
+    </p:extLst>
+  </p:cSld>
+  <p:clrMapOvr>
+    <a:masterClrMapping/>
+  </p:clrMapOvr>
+  <p:transition/>
+</p:sld>
+</file>
+
+<file path=ppt/slides/slide19.xml><?xml version="1.0" encoding="utf-8"?>
+<p:sld xmlns:a="http://schemas.openxmlformats.org/drawingml/2006/main" xmlns:r="http://schemas.openxmlformats.org/officeDocument/2006/relationships" xmlns:p="http://schemas.openxmlformats.org/presentationml/2006/main">
+  <p:cSld>
+    <p:spTree>
+      <p:nvGrpSpPr>
+        <p:cNvPr id="1" name=""/>
+        <p:cNvGrpSpPr/>
+        <p:nvPr/>
+      </p:nvGrpSpPr>
+      <p:grpSpPr>
+        <a:xfrm>
+          <a:off x="0" y="0"/>
+          <a:ext cx="0" cy="0"/>
+          <a:chOff x="0" y="0"/>
+          <a:chExt cx="0" cy="0"/>
+        </a:xfrm>
+      </p:grpSpPr>
+      <p:sp>
+        <p:nvSpPr>
+          <p:cNvPr id="5" name="TextBox 4"/>
+          <p:cNvSpPr txBox="1"/>
+          <p:nvPr/>
+        </p:nvSpPr>
+        <p:spPr>
+          <a:xfrm>
             <a:off x="4905327" y="1444544"/>
             <a:ext cx="6548704" cy="1938992"/>
           </a:xfrm>
@@ -7567,7 +8715,7 @@
               <a:pPr>
                 <a:defRPr/>
               </a:pPr>
-              <a:t>18</a:t>
+              <a:t>19</a:t>
             </a:fld>
             <a:endParaRPr lang="en-US"/>
           </a:p>
@@ -8674,7 +9822,7 @@
 </p:sld>
 </file>
 
-<file path=ppt/slides/slide19.xml><?xml version="1.0" encoding="utf-8"?>
+<file path=ppt/slides/slide2.xml><?xml version="1.0" encoding="utf-8"?>
 <p:sld xmlns:a="http://schemas.openxmlformats.org/drawingml/2006/main" xmlns:r="http://schemas.openxmlformats.org/officeDocument/2006/relationships" xmlns:p="http://schemas.openxmlformats.org/presentationml/2006/main">
   <p:cSld>
     <p:spTree>
@@ -8693,6 +9841,135 @@
       </p:grpSpPr>
       <p:sp>
         <p:nvSpPr>
+          <p:cNvPr id="2" name="Title 1">
+            <a:extLst>
+              <a:ext uri="{FF2B5EF4-FFF2-40B4-BE49-F238E27FC236}">
+                <a16:creationId xmlns:a16="http://schemas.microsoft.com/office/drawing/2014/main" id="{5F2B5E13-80FA-914C-9186-E1F1A98E5340}"/>
+              </a:ext>
+            </a:extLst>
+          </p:cNvPr>
+          <p:cNvSpPr>
+            <a:spLocks noGrp="1"/>
+          </p:cNvSpPr>
+          <p:nvPr>
+            <p:ph type="title"/>
+          </p:nvPr>
+        </p:nvSpPr>
+        <p:spPr/>
+        <p:txBody>
+          <a:bodyPr>
+            <a:normAutofit/>
+          </a:bodyPr>
+          <a:lstStyle/>
+          <a:p>
+            <a:r>
+              <a:rPr lang="en-US" dirty="0"/>
+              <a:t>Topics	</a:t>
+            </a:r>
+          </a:p>
+        </p:txBody>
+      </p:sp>
+      <p:sp>
+        <p:nvSpPr>
+          <p:cNvPr id="3" name="Content Placeholder 2">
+            <a:extLst>
+              <a:ext uri="{FF2B5EF4-FFF2-40B4-BE49-F238E27FC236}">
+                <a16:creationId xmlns:a16="http://schemas.microsoft.com/office/drawing/2014/main" id="{A22FDBCF-9E8F-6F4B-B28E-152F058D98EF}"/>
+              </a:ext>
+            </a:extLst>
+          </p:cNvPr>
+          <p:cNvSpPr>
+            <a:spLocks noGrp="1"/>
+          </p:cNvSpPr>
+          <p:nvPr>
+            <p:ph idx="1"/>
+          </p:nvPr>
+        </p:nvSpPr>
+        <p:spPr/>
+        <p:txBody>
+          <a:bodyPr/>
+          <a:lstStyle/>
+          <a:p>
+            <a:r>
+              <a:rPr lang="en-US" dirty="0"/>
+              <a:t>Regression</a:t>
+            </a:r>
+          </a:p>
+          <a:p>
+            <a:pPr lvl="1"/>
+            <a:r>
+              <a:rPr lang="en-US" dirty="0"/>
+              <a:t>Assessing the accuracy of model coefficients</a:t>
+            </a:r>
+          </a:p>
+          <a:p>
+            <a:pPr lvl="1"/>
+            <a:r>
+              <a:rPr lang="en-US" dirty="0"/>
+              <a:t>RMSE – Root Mean Squared Error</a:t>
+            </a:r>
+          </a:p>
+          <a:p>
+            <a:r>
+              <a:rPr lang="en-US" dirty="0">
+                <a:effectLst/>
+              </a:rPr>
+              <a:t>Classification</a:t>
+            </a:r>
+          </a:p>
+          <a:p>
+            <a:pPr lvl="1"/>
+            <a:r>
+              <a:rPr lang="en-US" dirty="0">
+                <a:effectLst/>
+              </a:rPr>
+              <a:t>Confusion matrix</a:t>
+            </a:r>
+          </a:p>
+          <a:p>
+            <a:pPr lvl="1"/>
+            <a:r>
+              <a:rPr lang="en-US" dirty="0"/>
+              <a:t>ROC Curve</a:t>
+            </a:r>
+            <a:endParaRPr lang="en-US" dirty="0">
+              <a:effectLst/>
+            </a:endParaRPr>
+          </a:p>
+        </p:txBody>
+      </p:sp>
+    </p:spTree>
+    <p:extLst>
+      <p:ext uri="{BB962C8B-B14F-4D97-AF65-F5344CB8AC3E}">
+        <p14:creationId xmlns:p14="http://schemas.microsoft.com/office/powerpoint/2010/main" val="1701353346"/>
+      </p:ext>
+    </p:extLst>
+  </p:cSld>
+  <p:clrMapOvr>
+    <a:masterClrMapping/>
+  </p:clrMapOvr>
+</p:sld>
+</file>
+
+<file path=ppt/slides/slide20.xml><?xml version="1.0" encoding="utf-8"?>
+<p:sld xmlns:a="http://schemas.openxmlformats.org/drawingml/2006/main" xmlns:r="http://schemas.openxmlformats.org/officeDocument/2006/relationships" xmlns:p="http://schemas.openxmlformats.org/presentationml/2006/main">
+  <p:cSld>
+    <p:spTree>
+      <p:nvGrpSpPr>
+        <p:cNvPr id="1" name=""/>
+        <p:cNvGrpSpPr/>
+        <p:nvPr/>
+      </p:nvGrpSpPr>
+      <p:grpSpPr>
+        <a:xfrm>
+          <a:off x="0" y="0"/>
+          <a:ext cx="0" cy="0"/>
+          <a:chOff x="0" y="0"/>
+          <a:chExt cx="0" cy="0"/>
+        </a:xfrm>
+      </p:grpSpPr>
+      <p:sp>
+        <p:nvSpPr>
           <p:cNvPr id="5" name="TextBox 4"/>
           <p:cNvSpPr txBox="1"/>
           <p:nvPr/>
@@ -8834,7 +10111,7 @@
               <a:pPr>
                 <a:defRPr/>
               </a:pPr>
-              <a:t>19</a:t>
+              <a:t>20</a:t>
             </a:fld>
             <a:endParaRPr lang="en-US"/>
           </a:p>
@@ -9873,7 +11150,7 @@
 </p:sld>
 </file>
 
-<file path=ppt/slides/slide2.xml><?xml version="1.0" encoding="utf-8"?>
+<file path=ppt/slides/slide21.xml><?xml version="1.0" encoding="utf-8"?>
 <p:sld xmlns:a="http://schemas.openxmlformats.org/drawingml/2006/main" xmlns:r="http://schemas.openxmlformats.org/officeDocument/2006/relationships" xmlns:p="http://schemas.openxmlformats.org/presentationml/2006/main">
   <p:cSld>
     <p:spTree>
@@ -9892,135 +11169,6 @@
       </p:grpSpPr>
       <p:sp>
         <p:nvSpPr>
-          <p:cNvPr id="2" name="Title 1">
-            <a:extLst>
-              <a:ext uri="{FF2B5EF4-FFF2-40B4-BE49-F238E27FC236}">
-                <a16:creationId xmlns:a16="http://schemas.microsoft.com/office/drawing/2014/main" id="{5F2B5E13-80FA-914C-9186-E1F1A98E5340}"/>
-              </a:ext>
-            </a:extLst>
-          </p:cNvPr>
-          <p:cNvSpPr>
-            <a:spLocks noGrp="1"/>
-          </p:cNvSpPr>
-          <p:nvPr>
-            <p:ph type="title"/>
-          </p:nvPr>
-        </p:nvSpPr>
-        <p:spPr/>
-        <p:txBody>
-          <a:bodyPr>
-            <a:normAutofit/>
-          </a:bodyPr>
-          <a:lstStyle/>
-          <a:p>
-            <a:r>
-              <a:rPr lang="en-US" dirty="0"/>
-              <a:t>Topics	</a:t>
-            </a:r>
-          </a:p>
-        </p:txBody>
-      </p:sp>
-      <p:sp>
-        <p:nvSpPr>
-          <p:cNvPr id="3" name="Content Placeholder 2">
-            <a:extLst>
-              <a:ext uri="{FF2B5EF4-FFF2-40B4-BE49-F238E27FC236}">
-                <a16:creationId xmlns:a16="http://schemas.microsoft.com/office/drawing/2014/main" id="{A22FDBCF-9E8F-6F4B-B28E-152F058D98EF}"/>
-              </a:ext>
-            </a:extLst>
-          </p:cNvPr>
-          <p:cNvSpPr>
-            <a:spLocks noGrp="1"/>
-          </p:cNvSpPr>
-          <p:nvPr>
-            <p:ph idx="1"/>
-          </p:nvPr>
-        </p:nvSpPr>
-        <p:spPr/>
-        <p:txBody>
-          <a:bodyPr/>
-          <a:lstStyle/>
-          <a:p>
-            <a:r>
-              <a:rPr lang="en-US" dirty="0"/>
-              <a:t>Regression</a:t>
-            </a:r>
-          </a:p>
-          <a:p>
-            <a:pPr lvl="1"/>
-            <a:r>
-              <a:rPr lang="en-US" dirty="0"/>
-              <a:t>Assessing the accuracy of model coefficients</a:t>
-            </a:r>
-          </a:p>
-          <a:p>
-            <a:pPr lvl="1"/>
-            <a:r>
-              <a:rPr lang="en-US" dirty="0"/>
-              <a:t>RMSE – Root Mean Squared Error</a:t>
-            </a:r>
-          </a:p>
-          <a:p>
-            <a:r>
-              <a:rPr lang="en-US" dirty="0">
-                <a:effectLst/>
-              </a:rPr>
-              <a:t>Classification</a:t>
-            </a:r>
-          </a:p>
-          <a:p>
-            <a:pPr lvl="1"/>
-            <a:r>
-              <a:rPr lang="en-US" dirty="0">
-                <a:effectLst/>
-              </a:rPr>
-              <a:t>Confusion matrix</a:t>
-            </a:r>
-          </a:p>
-          <a:p>
-            <a:pPr lvl="1"/>
-            <a:r>
-              <a:rPr lang="en-US" dirty="0"/>
-              <a:t>ROC Curve</a:t>
-            </a:r>
-            <a:endParaRPr lang="en-US" dirty="0">
-              <a:effectLst/>
-            </a:endParaRPr>
-          </a:p>
-        </p:txBody>
-      </p:sp>
-    </p:spTree>
-    <p:extLst>
-      <p:ext uri="{BB962C8B-B14F-4D97-AF65-F5344CB8AC3E}">
-        <p14:creationId xmlns:p14="http://schemas.microsoft.com/office/powerpoint/2010/main" val="1701353346"/>
-      </p:ext>
-    </p:extLst>
-  </p:cSld>
-  <p:clrMapOvr>
-    <a:masterClrMapping/>
-  </p:clrMapOvr>
-</p:sld>
-</file>
-
-<file path=ppt/slides/slide20.xml><?xml version="1.0" encoding="utf-8"?>
-<p:sld xmlns:a="http://schemas.openxmlformats.org/drawingml/2006/main" xmlns:r="http://schemas.openxmlformats.org/officeDocument/2006/relationships" xmlns:p="http://schemas.openxmlformats.org/presentationml/2006/main">
-  <p:cSld>
-    <p:spTree>
-      <p:nvGrpSpPr>
-        <p:cNvPr id="1" name=""/>
-        <p:cNvGrpSpPr/>
-        <p:nvPr/>
-      </p:nvGrpSpPr>
-      <p:grpSpPr>
-        <a:xfrm>
-          <a:off x="0" y="0"/>
-          <a:ext cx="0" cy="0"/>
-          <a:chOff x="0" y="0"/>
-          <a:chExt cx="0" cy="0"/>
-        </a:xfrm>
-      </p:grpSpPr>
-      <p:sp>
-        <p:nvSpPr>
           <p:cNvPr id="5" name="TextBox 4"/>
           <p:cNvSpPr txBox="1"/>
           <p:nvPr/>
@@ -10155,7 +11303,7 @@
               <a:pPr>
                 <a:defRPr/>
               </a:pPr>
-              <a:t>20</a:t>
+              <a:t>21</a:t>
             </a:fld>
             <a:endParaRPr lang="en-US"/>
           </a:p>
@@ -13494,7 +14642,7 @@
               <a:rPr lang="en-US" sz="2400" dirty="0">
                 <a:latin typeface="PFDinTextCompPro-Italic" panose="02000506020000020004" pitchFamily="2" charset="0"/>
               </a:rPr>
-              <a:t>TPR = TP / Actual = 100/105 = 0.95</a:t>
+              <a:t>TPR = TP / T = 100/105 = 0.95</a:t>
             </a:r>
           </a:p>
           <a:p>
@@ -13597,7 +14745,7 @@
               <a:rPr lang="en-US" sz="2400" dirty="0">
                 <a:latin typeface="PFDinTextCompPro-Italic" panose="02000506020000020004" pitchFamily="2" charset="0"/>
               </a:rPr>
-              <a:t>FPR = (FP / Actual NO) = 10/60 = 0.17</a:t>
+              <a:t>FPR = (FP / F) = 10/60 = 0.17</a:t>
             </a:r>
           </a:p>
         </p:txBody>
@@ -13688,7 +14836,7 @@
               <a:rPr lang="en-US" sz="2400" dirty="0">
                 <a:latin typeface="PFDinTextCompPro-Italic" panose="02000506020000020004" pitchFamily="2" charset="0"/>
               </a:rPr>
-              <a:t>TNR = (TN / Actual NO) = 50/60 = 0.83</a:t>
+              <a:t>TNR = (TN / F) = 50/60 = 0.83</a:t>
             </a:r>
           </a:p>
         </p:txBody>
